--- a/Documents/writeup/paper/images/computation analysis.pptx
+++ b/Documents/writeup/paper/images/computation analysis.pptx
@@ -5,11 +5,12 @@
     <p:sldMasterId id="2147483648" r:id="rId1"/>
   </p:sldMasterIdLst>
   <p:notesMasterIdLst>
-    <p:notesMasterId r:id="rId4"/>
+    <p:notesMasterId r:id="rId5"/>
   </p:notesMasterIdLst>
   <p:sldIdLst>
     <p:sldId id="1069" r:id="rId2"/>
     <p:sldId id="1072" r:id="rId3"/>
+    <p:sldId id="1073" r:id="rId4"/>
   </p:sldIdLst>
   <p:sldSz cx="12192000" cy="6858000"/>
   <p:notesSz cx="6858000" cy="9144000"/>
@@ -3778,8 +3779,8 @@
           </a:p>
         </p:txBody>
       </p:sp>
-      <mc:AlternateContent xmlns:mc="http://schemas.openxmlformats.org/markup-compatibility/2006">
-        <mc:Choice xmlns:a14="http://schemas.microsoft.com/office/drawing/2010/main" Requires="a14">
+      <mc:AlternateContent xmlns:mc="http://schemas.openxmlformats.org/markup-compatibility/2006" xmlns:a14="http://schemas.microsoft.com/office/drawing/2010/main">
+        <mc:Choice Requires="a14">
           <p:graphicFrame>
             <p:nvGraphicFramePr>
               <p:cNvPr id="4" name="Table 4">
@@ -4248,7 +4249,7 @@
             </a:graphic>
           </p:graphicFrame>
         </mc:Choice>
-        <mc:Fallback>
+        <mc:Fallback xmlns="">
           <p:graphicFrame>
             <p:nvGraphicFramePr>
               <p:cNvPr id="4" name="Table 4">
@@ -4793,8 +4794,8 @@
           </a:p>
         </p:txBody>
       </p:sp>
-      <mc:AlternateContent xmlns:mc="http://schemas.openxmlformats.org/markup-compatibility/2006">
-        <mc:Choice xmlns:a14="http://schemas.microsoft.com/office/drawing/2010/main" Requires="a14">
+      <mc:AlternateContent xmlns:mc="http://schemas.openxmlformats.org/markup-compatibility/2006" xmlns:a14="http://schemas.microsoft.com/office/drawing/2010/main">
+        <mc:Choice Requires="a14">
           <p:graphicFrame>
             <p:nvGraphicFramePr>
               <p:cNvPr id="4" name="Table 3">
@@ -5913,7 +5914,7 @@
             </a:graphic>
           </p:graphicFrame>
         </mc:Choice>
-        <mc:Fallback>
+        <mc:Fallback xmlns="">
           <p:graphicFrame>
             <p:nvGraphicFramePr>
               <p:cNvPr id="4" name="Table 3">
@@ -6707,6 +6708,191 @@
     <p:extLst>
       <p:ext uri="{BB962C8B-B14F-4D97-AF65-F5344CB8AC3E}">
         <p14:creationId xmlns:p14="http://schemas.microsoft.com/office/powerpoint/2010/main" val="3316070105"/>
+      </p:ext>
+    </p:extLst>
+  </p:cSld>
+  <p:clrMapOvr>
+    <a:masterClrMapping/>
+  </p:clrMapOvr>
+</p:sld>
+</file>
+
+<file path=ppt/slides/slide3.xml><?xml version="1.0" encoding="utf-8"?>
+<p:sld xmlns:a="http://schemas.openxmlformats.org/drawingml/2006/main" xmlns:r="http://schemas.openxmlformats.org/officeDocument/2006/relationships" xmlns:p="http://schemas.openxmlformats.org/presentationml/2006/main">
+  <p:cSld>
+    <p:spTree>
+      <p:nvGrpSpPr>
+        <p:cNvPr id="1" name=""/>
+        <p:cNvGrpSpPr/>
+        <p:nvPr/>
+      </p:nvGrpSpPr>
+      <p:grpSpPr>
+        <a:xfrm>
+          <a:off x="0" y="0"/>
+          <a:ext cx="0" cy="0"/>
+          <a:chOff x="0" y="0"/>
+          <a:chExt cx="0" cy="0"/>
+        </a:xfrm>
+      </p:grpSpPr>
+      <p:sp>
+        <p:nvSpPr>
+          <p:cNvPr id="2" name="Title 1">
+            <a:extLst>
+              <a:ext uri="{FF2B5EF4-FFF2-40B4-BE49-F238E27FC236}">
+                <a16:creationId xmlns:a16="http://schemas.microsoft.com/office/drawing/2014/main" id="{6A8F1DAE-DCE8-074A-9574-633E27C13108}"/>
+              </a:ext>
+            </a:extLst>
+          </p:cNvPr>
+          <p:cNvSpPr>
+            <a:spLocks noGrp="1"/>
+          </p:cNvSpPr>
+          <p:nvPr>
+            <p:ph type="title"/>
+          </p:nvPr>
+        </p:nvSpPr>
+        <p:spPr/>
+        <p:txBody>
+          <a:bodyPr/>
+          <a:lstStyle/>
+          <a:p>
+            <a:endParaRPr lang="en-US"/>
+          </a:p>
+        </p:txBody>
+      </p:sp>
+      <mc:AlternateContent xmlns:mc="http://schemas.openxmlformats.org/markup-compatibility/2006">
+        <mc:Choice xmlns:a14="http://schemas.microsoft.com/office/drawing/2010/main" Requires="a14">
+          <p:sp>
+            <p:nvSpPr>
+              <p:cNvPr id="3" name="Content Placeholder 2">
+                <a:extLst>
+                  <a:ext uri="{FF2B5EF4-FFF2-40B4-BE49-F238E27FC236}">
+                    <a16:creationId xmlns:a16="http://schemas.microsoft.com/office/drawing/2014/main" id="{B0000683-4622-1E4A-B7DE-7B9223D78A46}"/>
+                  </a:ext>
+                </a:extLst>
+              </p:cNvPr>
+              <p:cNvSpPr>
+                <a:spLocks noGrp="1"/>
+              </p:cNvSpPr>
+              <p:nvPr>
+                <p:ph idx="1"/>
+              </p:nvPr>
+            </p:nvSpPr>
+            <p:spPr/>
+            <p:txBody>
+              <a:bodyPr/>
+              <a:lstStyle/>
+              <a:p>
+                <a:r>
+                  <a:rPr lang="en-US" dirty="0"/>
+                  <a:t>DIDO(Fully Distributed with packed)</a:t>
+                </a:r>
+              </a:p>
+              <a:p>
+                <a:r>
+                  <a:rPr lang="en-US" dirty="0"/>
+                  <a:t>party1_round_1: 9 operations</a:t>
+                </a:r>
+              </a:p>
+              <a:p>
+                <a:pPr lvl="1"/>
+                <a:r>
+                  <a:rPr lang="en-US" dirty="0"/>
+                  <a:t>Party2_round_1: same</a:t>
+                </a:r>
+              </a:p>
+              <a:p>
+                <a:pPr lvl="2"/>
+                <a:r>
+                  <a:rPr lang="en-US" dirty="0"/>
+                  <a:t>Both K, </a:t>
+                </a:r>
+                <a14:m>
+                  <m:oMath xmlns:m="http://schemas.openxmlformats.org/officeDocument/2006/math">
+                    <m:r>
+                      <a:rPr lang="en-US" i="1" dirty="0" smtClean="0">
+                        <a:latin typeface="Cambria Math" panose="02040503050406030204" pitchFamily="18" charset="0"/>
+                      </a:rPr>
+                      <m:t>𝑅</m:t>
+                    </m:r>
+                    <m:sSub>
+                      <m:sSubPr>
+                        <m:ctrlPr>
+                          <a:rPr lang="en-US" i="1" dirty="0" smtClean="0">
+                            <a:latin typeface="Cambria Math" panose="02040503050406030204" pitchFamily="18" charset="0"/>
+                          </a:rPr>
+                        </m:ctrlPr>
+                      </m:sSubPr>
+                      <m:e>
+                        <m:r>
+                          <a:rPr lang="en-US" i="1" dirty="0" smtClean="0">
+                            <a:latin typeface="Cambria Math" panose="02040503050406030204" pitchFamily="18" charset="0"/>
+                          </a:rPr>
+                          <m:t>𝑘</m:t>
+                        </m:r>
+                      </m:e>
+                      <m:sub>
+                        <m:r>
+                          <a:rPr lang="en-US" i="1" dirty="0" smtClean="0">
+                            <a:latin typeface="Cambria Math" panose="02040503050406030204" pitchFamily="18" charset="0"/>
+                          </a:rPr>
+                          <m:t>1</m:t>
+                        </m:r>
+                      </m:sub>
+                    </m:sSub>
+                  </m:oMath>
+                </a14:m>
+                <a:r>
+                  <a:rPr lang="en-US" dirty="0"/>
+                  <a:t>  are Toeplitz</a:t>
+                </a:r>
+              </a:p>
+            </p:txBody>
+          </p:sp>
+        </mc:Choice>
+        <mc:Fallback>
+          <p:sp>
+            <p:nvSpPr>
+              <p:cNvPr id="3" name="Content Placeholder 2">
+                <a:extLst>
+                  <a:ext uri="{FF2B5EF4-FFF2-40B4-BE49-F238E27FC236}">
+                    <a16:creationId xmlns:a16="http://schemas.microsoft.com/office/drawing/2014/main" id="{B0000683-4622-1E4A-B7DE-7B9223D78A46}"/>
+                  </a:ext>
+                </a:extLst>
+              </p:cNvPr>
+              <p:cNvSpPr>
+                <a:spLocks noGrp="1" noRot="1" noChangeAspect="1" noMove="1" noResize="1" noEditPoints="1" noAdjustHandles="1" noChangeArrowheads="1" noChangeShapeType="1" noTextEdit="1"/>
+              </p:cNvSpPr>
+              <p:nvPr>
+                <p:ph idx="1"/>
+              </p:nvPr>
+            </p:nvSpPr>
+            <p:spPr>
+              <a:blipFill>
+                <a:blip r:embed="rId2"/>
+                <a:stretch>
+                  <a:fillRect l="-1086" t="-2326"/>
+                </a:stretch>
+              </a:blipFill>
+            </p:spPr>
+            <p:txBody>
+              <a:bodyPr/>
+              <a:lstStyle/>
+              <a:p>
+                <a:r>
+                  <a:rPr lang="en-US">
+                    <a:noFill/>
+                  </a:rPr>
+                  <a:t> </a:t>
+                </a:r>
+              </a:p>
+            </p:txBody>
+          </p:sp>
+        </mc:Fallback>
+      </mc:AlternateContent>
+    </p:spTree>
+    <p:extLst>
+      <p:ext uri="{BB962C8B-B14F-4D97-AF65-F5344CB8AC3E}">
+        <p14:creationId xmlns:p14="http://schemas.microsoft.com/office/powerpoint/2010/main" val="240158828"/>
       </p:ext>
     </p:extLst>
   </p:cSld>

--- a/Documents/writeup/paper/images/computation analysis.pptx
+++ b/Documents/writeup/paper/images/computation analysis.pptx
@@ -5,12 +5,14 @@
     <p:sldMasterId id="2147483648" r:id="rId1"/>
   </p:sldMasterIdLst>
   <p:notesMasterIdLst>
-    <p:notesMasterId r:id="rId5"/>
+    <p:notesMasterId r:id="rId7"/>
   </p:notesMasterIdLst>
   <p:sldIdLst>
-    <p:sldId id="1069" r:id="rId2"/>
-    <p:sldId id="1072" r:id="rId3"/>
-    <p:sldId id="1073" r:id="rId4"/>
+    <p:sldId id="1074" r:id="rId2"/>
+    <p:sldId id="1069" r:id="rId3"/>
+    <p:sldId id="1075" r:id="rId4"/>
+    <p:sldId id="1072" r:id="rId5"/>
+    <p:sldId id="1073" r:id="rId6"/>
   </p:sldIdLst>
   <p:sldSz cx="12192000" cy="6858000"/>
   <p:notesSz cx="6858000" cy="9144000"/>
@@ -199,7 +201,7 @@
           <a:p>
             <a:fld id="{AA3DA5C9-E424-8A4A-B0A6-B6DD99307809}" type="datetimeFigureOut">
               <a:rPr lang="en-US" smtClean="0"/>
-              <a:t>1/12/21</a:t>
+              <a:t>1/13/21</a:t>
             </a:fld>
             <a:endParaRPr lang="en-US"/>
           </a:p>
@@ -613,7 +615,7 @@
           <a:p>
             <a:fld id="{1629838D-6EB1-DF43-9A9D-BEB2CF4D714C}" type="datetimeFigureOut">
               <a:rPr lang="en-US" smtClean="0"/>
-              <a:t>1/12/21</a:t>
+              <a:t>1/13/21</a:t>
             </a:fld>
             <a:endParaRPr lang="en-US"/>
           </a:p>
@@ -811,7 +813,7 @@
           <a:p>
             <a:fld id="{1629838D-6EB1-DF43-9A9D-BEB2CF4D714C}" type="datetimeFigureOut">
               <a:rPr lang="en-US" smtClean="0"/>
-              <a:t>1/12/21</a:t>
+              <a:t>1/13/21</a:t>
             </a:fld>
             <a:endParaRPr lang="en-US"/>
           </a:p>
@@ -1019,7 +1021,7 @@
           <a:p>
             <a:fld id="{1629838D-6EB1-DF43-9A9D-BEB2CF4D714C}" type="datetimeFigureOut">
               <a:rPr lang="en-US" smtClean="0"/>
-              <a:t>1/12/21</a:t>
+              <a:t>1/13/21</a:t>
             </a:fld>
             <a:endParaRPr lang="en-US"/>
           </a:p>
@@ -1217,7 +1219,7 @@
           <a:p>
             <a:fld id="{1629838D-6EB1-DF43-9A9D-BEB2CF4D714C}" type="datetimeFigureOut">
               <a:rPr lang="en-US" smtClean="0"/>
-              <a:t>1/12/21</a:t>
+              <a:t>1/13/21</a:t>
             </a:fld>
             <a:endParaRPr lang="en-US"/>
           </a:p>
@@ -1492,7 +1494,7 @@
           <a:p>
             <a:fld id="{1629838D-6EB1-DF43-9A9D-BEB2CF4D714C}" type="datetimeFigureOut">
               <a:rPr lang="en-US" smtClean="0"/>
-              <a:t>1/12/21</a:t>
+              <a:t>1/13/21</a:t>
             </a:fld>
             <a:endParaRPr lang="en-US"/>
           </a:p>
@@ -1757,7 +1759,7 @@
           <a:p>
             <a:fld id="{1629838D-6EB1-DF43-9A9D-BEB2CF4D714C}" type="datetimeFigureOut">
               <a:rPr lang="en-US" smtClean="0"/>
-              <a:t>1/12/21</a:t>
+              <a:t>1/13/21</a:t>
             </a:fld>
             <a:endParaRPr lang="en-US"/>
           </a:p>
@@ -2169,7 +2171,7 @@
           <a:p>
             <a:fld id="{1629838D-6EB1-DF43-9A9D-BEB2CF4D714C}" type="datetimeFigureOut">
               <a:rPr lang="en-US" smtClean="0"/>
-              <a:t>1/12/21</a:t>
+              <a:t>1/13/21</a:t>
             </a:fld>
             <a:endParaRPr lang="en-US"/>
           </a:p>
@@ -2310,7 +2312,7 @@
           <a:p>
             <a:fld id="{1629838D-6EB1-DF43-9A9D-BEB2CF4D714C}" type="datetimeFigureOut">
               <a:rPr lang="en-US" smtClean="0"/>
-              <a:t>1/12/21</a:t>
+              <a:t>1/13/21</a:t>
             </a:fld>
             <a:endParaRPr lang="en-US"/>
           </a:p>
@@ -2423,7 +2425,7 @@
           <a:p>
             <a:fld id="{1629838D-6EB1-DF43-9A9D-BEB2CF4D714C}" type="datetimeFigureOut">
               <a:rPr lang="en-US" smtClean="0"/>
-              <a:t>1/12/21</a:t>
+              <a:t>1/13/21</a:t>
             </a:fld>
             <a:endParaRPr lang="en-US"/>
           </a:p>
@@ -2734,7 +2736,7 @@
           <a:p>
             <a:fld id="{1629838D-6EB1-DF43-9A9D-BEB2CF4D714C}" type="datetimeFigureOut">
               <a:rPr lang="en-US" smtClean="0"/>
-              <a:t>1/12/21</a:t>
+              <a:t>1/13/21</a:t>
             </a:fld>
             <a:endParaRPr lang="en-US"/>
           </a:p>
@@ -3022,7 +3024,7 @@
           <a:p>
             <a:fld id="{1629838D-6EB1-DF43-9A9D-BEB2CF4D714C}" type="datetimeFigureOut">
               <a:rPr lang="en-US" smtClean="0"/>
-              <a:t>1/12/21</a:t>
+              <a:t>1/13/21</a:t>
             </a:fld>
             <a:endParaRPr lang="en-US"/>
           </a:p>
@@ -3263,7 +3265,7 @@
           <a:p>
             <a:fld id="{1629838D-6EB1-DF43-9A9D-BEB2CF4D714C}" type="datetimeFigureOut">
               <a:rPr lang="en-US" smtClean="0"/>
-              <a:t>1/12/21</a:t>
+              <a:t>1/13/21</a:t>
             </a:fld>
             <a:endParaRPr lang="en-US"/>
           </a:p>
@@ -3685,6 +3687,620 @@
           <p:cNvPr id="2" name="Title 1">
             <a:extLst>
               <a:ext uri="{FF2B5EF4-FFF2-40B4-BE49-F238E27FC236}">
+                <a16:creationId xmlns:a16="http://schemas.microsoft.com/office/drawing/2014/main" id="{9C256914-33C9-3B4D-97DC-C2F907355AEE}"/>
+              </a:ext>
+            </a:extLst>
+          </p:cNvPr>
+          <p:cNvSpPr>
+            <a:spLocks noGrp="1"/>
+          </p:cNvSpPr>
+          <p:nvPr>
+            <p:ph type="title"/>
+          </p:nvPr>
+        </p:nvSpPr>
+        <p:spPr>
+          <a:xfrm>
+            <a:off x="838200" y="365126"/>
+            <a:ext cx="10515600" cy="616182"/>
+          </a:xfrm>
+        </p:spPr>
+        <p:txBody>
+          <a:bodyPr>
+            <a:normAutofit fontScale="90000"/>
+          </a:bodyPr>
+          <a:lstStyle/>
+          <a:p>
+            <a:r>
+              <a:rPr lang="en-US" dirty="0"/>
+              <a:t>Centralized </a:t>
+            </a:r>
+            <a:r>
+              <a:rPr lang="en-US" dirty="0" err="1"/>
+              <a:t>wPRF</a:t>
+            </a:r>
+            <a:r>
+              <a:rPr lang="en-US" dirty="0"/>
+              <a:t> (packed)</a:t>
+            </a:r>
+          </a:p>
+        </p:txBody>
+      </p:sp>
+      <p:sp>
+        <p:nvSpPr>
+          <p:cNvPr id="3" name="Content Placeholder 2">
+            <a:extLst>
+              <a:ext uri="{FF2B5EF4-FFF2-40B4-BE49-F238E27FC236}">
+                <a16:creationId xmlns:a16="http://schemas.microsoft.com/office/drawing/2014/main" id="{15C61E31-6E31-3347-8F73-004662B06615}"/>
+              </a:ext>
+            </a:extLst>
+          </p:cNvPr>
+          <p:cNvSpPr>
+            <a:spLocks noGrp="1"/>
+          </p:cNvSpPr>
+          <p:nvPr>
+            <p:ph idx="1"/>
+          </p:nvPr>
+        </p:nvSpPr>
+        <p:spPr>
+          <a:xfrm>
+            <a:off x="838200" y="1092820"/>
+            <a:ext cx="10515600" cy="5084143"/>
+          </a:xfrm>
+        </p:spPr>
+        <p:txBody>
+          <a:bodyPr/>
+          <a:lstStyle/>
+          <a:p>
+            <a:r>
+              <a:rPr lang="en-US" dirty="0"/>
+              <a:t>Files: </a:t>
+            </a:r>
+          </a:p>
+          <a:p>
+            <a:pPr lvl="1"/>
+            <a:r>
+              <a:rPr lang="en-US" dirty="0" err="1"/>
+              <a:t>PRF.cpp</a:t>
+            </a:r>
+            <a:endParaRPr lang="en-US" dirty="0"/>
+          </a:p>
+          <a:p>
+            <a:pPr lvl="1"/>
+            <a:r>
+              <a:rPr lang="en-US" dirty="0"/>
+              <a:t>PackedMod2.hpp</a:t>
+            </a:r>
+          </a:p>
+          <a:p>
+            <a:pPr lvl="1"/>
+            <a:r>
+              <a:rPr lang="en-US" dirty="0"/>
+              <a:t>PackedMod2.hpp</a:t>
+            </a:r>
+          </a:p>
+          <a:p>
+            <a:endParaRPr lang="en-US" dirty="0"/>
+          </a:p>
+        </p:txBody>
+      </p:sp>
+      <p:graphicFrame>
+        <p:nvGraphicFramePr>
+          <p:cNvPr id="4" name="Table 4">
+            <a:extLst>
+              <a:ext uri="{FF2B5EF4-FFF2-40B4-BE49-F238E27FC236}">
+                <a16:creationId xmlns:a16="http://schemas.microsoft.com/office/drawing/2014/main" id="{6BD6BFEC-15CE-4045-A63A-0E93AAD8682E}"/>
+              </a:ext>
+            </a:extLst>
+          </p:cNvPr>
+          <p:cNvGraphicFramePr>
+            <a:graphicFrameLocks noGrp="1"/>
+          </p:cNvGraphicFramePr>
+          <p:nvPr>
+            <p:extLst>
+              <p:ext uri="{D42A27DB-BD31-4B8C-83A1-F6EECF244321}">
+                <p14:modId xmlns:p14="http://schemas.microsoft.com/office/powerpoint/2010/main" val="9859615"/>
+              </p:ext>
+            </p:extLst>
+          </p:nvPr>
+        </p:nvGraphicFramePr>
+        <p:xfrm>
+          <a:off x="1597103" y="3295597"/>
+          <a:ext cx="8128000" cy="2225040"/>
+        </p:xfrm>
+        <a:graphic>
+          <a:graphicData uri="http://schemas.openxmlformats.org/drawingml/2006/table">
+            <a:tbl>
+              <a:tblPr firstRow="1" bandRow="1">
+                <a:tableStyleId>{5940675A-B579-460E-94D1-54222C63F5DA}</a:tableStyleId>
+              </a:tblPr>
+              <a:tblGrid>
+                <a:gridCol w="2032000">
+                  <a:extLst>
+                    <a:ext uri="{9D8B030D-6E8A-4147-A177-3AD203B41FA5}">
+                      <a16:colId xmlns:a16="http://schemas.microsoft.com/office/drawing/2014/main" val="3913328905"/>
+                    </a:ext>
+                  </a:extLst>
+                </a:gridCol>
+                <a:gridCol w="2032000">
+                  <a:extLst>
+                    <a:ext uri="{9D8B030D-6E8A-4147-A177-3AD203B41FA5}">
+                      <a16:colId xmlns:a16="http://schemas.microsoft.com/office/drawing/2014/main" val="2780235502"/>
+                    </a:ext>
+                  </a:extLst>
+                </a:gridCol>
+                <a:gridCol w="2032000">
+                  <a:extLst>
+                    <a:ext uri="{9D8B030D-6E8A-4147-A177-3AD203B41FA5}">
+                      <a16:colId xmlns:a16="http://schemas.microsoft.com/office/drawing/2014/main" val="3033617068"/>
+                    </a:ext>
+                  </a:extLst>
+                </a:gridCol>
+                <a:gridCol w="2032000">
+                  <a:extLst>
+                    <a:ext uri="{9D8B030D-6E8A-4147-A177-3AD203B41FA5}">
+                      <a16:colId xmlns:a16="http://schemas.microsoft.com/office/drawing/2014/main" val="2426406902"/>
+                    </a:ext>
+                  </a:extLst>
+                </a:gridCol>
+              </a:tblGrid>
+              <a:tr h="370840">
+                <a:tc>
+                  <a:txBody>
+                    <a:bodyPr/>
+                    <a:lstStyle/>
+                    <a:p>
+                      <a:pPr algn="ctr"/>
+                      <a:r>
+                        <a:rPr lang="en-US" b="1" dirty="0"/>
+                        <a:t>methods</a:t>
+                      </a:r>
+                    </a:p>
+                  </a:txBody>
+                  <a:tcPr/>
+                </a:tc>
+                <a:tc>
+                  <a:txBody>
+                    <a:bodyPr/>
+                    <a:lstStyle/>
+                    <a:p>
+                      <a:pPr algn="ctr"/>
+                      <a:r>
+                        <a:rPr lang="en-US" b="1" dirty="0" err="1"/>
+                        <a:t>No.of</a:t>
+                      </a:r>
+                      <a:r>
+                        <a:rPr lang="en-US" b="1" dirty="0"/>
+                        <a:t> times</a:t>
+                      </a:r>
+                    </a:p>
+                  </a:txBody>
+                  <a:tcPr/>
+                </a:tc>
+                <a:tc>
+                  <a:txBody>
+                    <a:bodyPr/>
+                    <a:lstStyle/>
+                    <a:p>
+                      <a:pPr algn="ctr"/>
+                      <a:r>
+                        <a:rPr lang="en-US" b="1" dirty="0"/>
+                        <a:t>Cost for each call</a:t>
+                      </a:r>
+                    </a:p>
+                  </a:txBody>
+                  <a:tcPr/>
+                </a:tc>
+                <a:tc>
+                  <a:txBody>
+                    <a:bodyPr/>
+                    <a:lstStyle/>
+                    <a:p>
+                      <a:pPr algn="ctr"/>
+                      <a:r>
+                        <a:rPr lang="en-US" b="1" dirty="0"/>
+                        <a:t>Total call</a:t>
+                      </a:r>
+                    </a:p>
+                  </a:txBody>
+                  <a:tcPr/>
+                </a:tc>
+                <a:extLst>
+                  <a:ext uri="{0D108BD9-81ED-4DB2-BD59-A6C34878D82A}">
+                    <a16:rowId xmlns:a16="http://schemas.microsoft.com/office/drawing/2014/main" val="2412432484"/>
+                  </a:ext>
+                </a:extLst>
+              </a:tr>
+              <a:tr h="370840">
+                <a:tc>
+                  <a:txBody>
+                    <a:bodyPr/>
+                    <a:lstStyle/>
+                    <a:p>
+                      <a:pPr algn="ctr"/>
+                      <a:r>
+                        <a:rPr lang="en-US" dirty="0" err="1"/>
+                        <a:t>toeplitzByVec</a:t>
+                      </a:r>
+                      <a:endParaRPr lang="en-US" dirty="0"/>
+                    </a:p>
+                  </a:txBody>
+                  <a:tcPr/>
+                </a:tc>
+                <a:tc>
+                  <a:txBody>
+                    <a:bodyPr/>
+                    <a:lstStyle/>
+                    <a:p>
+                      <a:pPr algn="ctr"/>
+                      <a:r>
+                        <a:rPr lang="en-US" dirty="0"/>
+                        <a:t>1</a:t>
+                      </a:r>
+                    </a:p>
+                  </a:txBody>
+                  <a:tcPr/>
+                </a:tc>
+                <a:tc>
+                  <a:txBody>
+                    <a:bodyPr/>
+                    <a:lstStyle/>
+                    <a:p>
+                      <a:pPr algn="ctr"/>
+                      <a:r>
+                        <a:rPr lang="en-US" dirty="0"/>
+                        <a:t>25n</a:t>
+                      </a:r>
+                    </a:p>
+                  </a:txBody>
+                  <a:tcPr/>
+                </a:tc>
+                <a:tc>
+                  <a:txBody>
+                    <a:bodyPr/>
+                    <a:lstStyle/>
+                    <a:p>
+                      <a:pPr algn="ctr"/>
+                      <a:r>
+                        <a:rPr lang="en-US" dirty="0"/>
+                        <a:t>25n</a:t>
+                      </a:r>
+                    </a:p>
+                  </a:txBody>
+                  <a:tcPr/>
+                </a:tc>
+                <a:extLst>
+                  <a:ext uri="{0D108BD9-81ED-4DB2-BD59-A6C34878D82A}">
+                    <a16:rowId xmlns:a16="http://schemas.microsoft.com/office/drawing/2014/main" val="4238301737"/>
+                  </a:ext>
+                </a:extLst>
+              </a:tr>
+              <a:tr h="370840">
+                <a:tc>
+                  <a:txBody>
+                    <a:bodyPr/>
+                    <a:lstStyle/>
+                    <a:p>
+                      <a:pPr algn="ctr"/>
+                      <a:r>
+                        <a:rPr lang="en-US" dirty="0" err="1"/>
+                        <a:t>toArray</a:t>
+                      </a:r>
+                      <a:endParaRPr lang="en-US" dirty="0"/>
+                    </a:p>
+                  </a:txBody>
+                  <a:tcPr/>
+                </a:tc>
+                <a:tc>
+                  <a:txBody>
+                    <a:bodyPr/>
+                    <a:lstStyle/>
+                    <a:p>
+                      <a:pPr algn="ctr"/>
+                      <a:r>
+                        <a:rPr lang="en-US" dirty="0"/>
+                        <a:t>1</a:t>
+                      </a:r>
+                    </a:p>
+                  </a:txBody>
+                  <a:tcPr/>
+                </a:tc>
+                <a:tc>
+                  <a:txBody>
+                    <a:bodyPr/>
+                    <a:lstStyle/>
+                    <a:p>
+                      <a:pPr algn="ctr"/>
+                      <a:r>
+                        <a:rPr lang="en-US" dirty="0"/>
+                        <a:t>2n</a:t>
+                      </a:r>
+                    </a:p>
+                  </a:txBody>
+                  <a:tcPr/>
+                </a:tc>
+                <a:tc>
+                  <a:txBody>
+                    <a:bodyPr/>
+                    <a:lstStyle/>
+                    <a:p>
+                      <a:pPr algn="ctr"/>
+                      <a:r>
+                        <a:rPr lang="en-US" dirty="0"/>
+                        <a:t>2n</a:t>
+                      </a:r>
+                    </a:p>
+                  </a:txBody>
+                  <a:tcPr/>
+                </a:tc>
+                <a:extLst>
+                  <a:ext uri="{0D108BD9-81ED-4DB2-BD59-A6C34878D82A}">
+                    <a16:rowId xmlns:a16="http://schemas.microsoft.com/office/drawing/2014/main" val="266417292"/>
+                  </a:ext>
+                </a:extLst>
+              </a:tr>
+              <a:tr h="370840">
+                <a:tc>
+                  <a:txBody>
+                    <a:bodyPr/>
+                    <a:lstStyle/>
+                    <a:p>
+                      <a:pPr algn="ctr"/>
+                      <a:r>
+                        <a:rPr lang="en-US" dirty="0" err="1">
+                          <a:solidFill>
+                            <a:srgbClr val="FF0000"/>
+                          </a:solidFill>
+                        </a:rPr>
+                        <a:t>fromArray</a:t>
+                      </a:r>
+                      <a:endParaRPr lang="en-US" dirty="0">
+                        <a:solidFill>
+                          <a:srgbClr val="FF0000"/>
+                        </a:solidFill>
+                      </a:endParaRPr>
+                    </a:p>
+                  </a:txBody>
+                  <a:tcPr/>
+                </a:tc>
+                <a:tc>
+                  <a:txBody>
+                    <a:bodyPr/>
+                    <a:lstStyle/>
+                    <a:p>
+                      <a:pPr algn="ctr"/>
+                      <a:r>
+                        <a:rPr lang="en-US" dirty="0"/>
+                        <a:t>1</a:t>
+                      </a:r>
+                    </a:p>
+                  </a:txBody>
+                  <a:tcPr/>
+                </a:tc>
+                <a:tc>
+                  <a:txBody>
+                    <a:bodyPr/>
+                    <a:lstStyle/>
+                    <a:p>
+                      <a:pPr algn="ctr"/>
+                      <a:r>
+                        <a:rPr lang="en-US" dirty="0"/>
+                        <a:t>8n</a:t>
+                      </a:r>
+                    </a:p>
+                  </a:txBody>
+                  <a:tcPr/>
+                </a:tc>
+                <a:tc>
+                  <a:txBody>
+                    <a:bodyPr/>
+                    <a:lstStyle/>
+                    <a:p>
+                      <a:pPr algn="ctr"/>
+                      <a:r>
+                        <a:rPr lang="en-US" dirty="0"/>
+                        <a:t>8n</a:t>
+                      </a:r>
+                    </a:p>
+                  </a:txBody>
+                  <a:tcPr/>
+                </a:tc>
+                <a:extLst>
+                  <a:ext uri="{0D108BD9-81ED-4DB2-BD59-A6C34878D82A}">
+                    <a16:rowId xmlns:a16="http://schemas.microsoft.com/office/drawing/2014/main" val="2998986514"/>
+                  </a:ext>
+                </a:extLst>
+              </a:tr>
+              <a:tr h="370840">
+                <a:tc>
+                  <a:txBody>
+                    <a:bodyPr/>
+                    <a:lstStyle/>
+                    <a:p>
+                      <a:pPr algn="ctr"/>
+                      <a:r>
+                        <a:rPr lang="en-US" dirty="0" err="1">
+                          <a:solidFill>
+                            <a:srgbClr val="FF0000"/>
+                          </a:solidFill>
+                        </a:rPr>
+                        <a:t>matByVec</a:t>
+                      </a:r>
+                      <a:endParaRPr lang="en-US" dirty="0">
+                        <a:solidFill>
+                          <a:srgbClr val="FF0000"/>
+                        </a:solidFill>
+                      </a:endParaRPr>
+                    </a:p>
+                  </a:txBody>
+                  <a:tcPr/>
+                </a:tc>
+                <a:tc>
+                  <a:txBody>
+                    <a:bodyPr/>
+                    <a:lstStyle/>
+                    <a:p>
+                      <a:pPr algn="ctr"/>
+                      <a:r>
+                        <a:rPr lang="en-US" dirty="0"/>
+                        <a:t>1</a:t>
+                      </a:r>
+                    </a:p>
+                  </a:txBody>
+                  <a:tcPr/>
+                </a:tc>
+                <a:tc>
+                  <a:txBody>
+                    <a:bodyPr/>
+                    <a:lstStyle/>
+                    <a:p>
+                      <a:pPr algn="ctr"/>
+                      <a:r>
+                        <a:rPr lang="en-US" dirty="0"/>
+                        <a:t>37n</a:t>
+                      </a:r>
+                    </a:p>
+                  </a:txBody>
+                  <a:tcPr/>
+                </a:tc>
+                <a:tc>
+                  <a:txBody>
+                    <a:bodyPr/>
+                    <a:lstStyle/>
+                    <a:p>
+                      <a:pPr algn="ctr"/>
+                      <a:r>
+                        <a:rPr lang="en-US" dirty="0"/>
+                        <a:t>37n</a:t>
+                      </a:r>
+                    </a:p>
+                  </a:txBody>
+                  <a:tcPr/>
+                </a:tc>
+                <a:extLst>
+                  <a:ext uri="{0D108BD9-81ED-4DB2-BD59-A6C34878D82A}">
+                    <a16:rowId xmlns:a16="http://schemas.microsoft.com/office/drawing/2014/main" val="1606647904"/>
+                  </a:ext>
+                </a:extLst>
+              </a:tr>
+              <a:tr h="370840">
+                <a:tc>
+                  <a:txBody>
+                    <a:bodyPr/>
+                    <a:lstStyle/>
+                    <a:p>
+                      <a:pPr algn="ctr"/>
+                      <a:r>
+                        <a:rPr lang="en-US" dirty="0"/>
+                        <a:t>Total</a:t>
+                      </a:r>
+                    </a:p>
+                  </a:txBody>
+                  <a:tcPr>
+                    <a:lnB w="12700" cap="flat" cmpd="sng" algn="ctr">
+                      <a:solidFill>
+                        <a:schemeClr val="tx1"/>
+                      </a:solidFill>
+                      <a:prstDash val="solid"/>
+                      <a:round/>
+                      <a:headEnd type="none" w="med" len="med"/>
+                      <a:tailEnd type="none" w="med" len="med"/>
+                    </a:lnB>
+                  </a:tcPr>
+                </a:tc>
+                <a:tc>
+                  <a:txBody>
+                    <a:bodyPr/>
+                    <a:lstStyle/>
+                    <a:p>
+                      <a:pPr algn="ctr"/>
+                      <a:r>
+                        <a:rPr lang="en-US" dirty="0"/>
+                        <a:t>3</a:t>
+                      </a:r>
+                    </a:p>
+                  </a:txBody>
+                  <a:tcPr>
+                    <a:lnB w="12700" cap="flat" cmpd="sng" algn="ctr">
+                      <a:solidFill>
+                        <a:schemeClr val="tx1"/>
+                      </a:solidFill>
+                      <a:prstDash val="solid"/>
+                      <a:round/>
+                      <a:headEnd type="none" w="med" len="med"/>
+                      <a:tailEnd type="none" w="med" len="med"/>
+                    </a:lnB>
+                  </a:tcPr>
+                </a:tc>
+                <a:tc>
+                  <a:txBody>
+                    <a:bodyPr/>
+                    <a:lstStyle/>
+                    <a:p>
+                      <a:pPr algn="ctr"/>
+                      <a:endParaRPr lang="en-US" dirty="0"/>
+                    </a:p>
+                  </a:txBody>
+                  <a:tcPr/>
+                </a:tc>
+                <a:tc>
+                  <a:txBody>
+                    <a:bodyPr/>
+                    <a:lstStyle/>
+                    <a:p>
+                      <a:pPr algn="ctr"/>
+                      <a:r>
+                        <a:rPr lang="en-US" b="1" dirty="0"/>
+                        <a:t>~72n = 18,432</a:t>
+                      </a:r>
+                    </a:p>
+                  </a:txBody>
+                  <a:tcPr/>
+                </a:tc>
+                <a:extLst>
+                  <a:ext uri="{0D108BD9-81ED-4DB2-BD59-A6C34878D82A}">
+                    <a16:rowId xmlns:a16="http://schemas.microsoft.com/office/drawing/2014/main" val="915950187"/>
+                  </a:ext>
+                </a:extLst>
+              </a:tr>
+            </a:tbl>
+          </a:graphicData>
+        </a:graphic>
+      </p:graphicFrame>
+    </p:spTree>
+    <p:extLst>
+      <p:ext uri="{BB962C8B-B14F-4D97-AF65-F5344CB8AC3E}">
+        <p14:creationId xmlns:p14="http://schemas.microsoft.com/office/powerpoint/2010/main" val="2076989907"/>
+      </p:ext>
+    </p:extLst>
+  </p:cSld>
+  <p:clrMapOvr>
+    <a:masterClrMapping/>
+  </p:clrMapOvr>
+</p:sld>
+</file>
+
+<file path=ppt/slides/slide2.xml><?xml version="1.0" encoding="utf-8"?>
+<p:sld xmlns:a="http://schemas.openxmlformats.org/drawingml/2006/main" xmlns:r="http://schemas.openxmlformats.org/officeDocument/2006/relationships" xmlns:p="http://schemas.openxmlformats.org/presentationml/2006/main">
+  <p:cSld>
+    <p:spTree>
+      <p:nvGrpSpPr>
+        <p:cNvPr id="1" name=""/>
+        <p:cNvGrpSpPr/>
+        <p:nvPr/>
+      </p:nvGrpSpPr>
+      <p:grpSpPr>
+        <a:xfrm>
+          <a:off x="0" y="0"/>
+          <a:ext cx="0" cy="0"/>
+          <a:chOff x="0" y="0"/>
+          <a:chExt cx="0" cy="0"/>
+        </a:xfrm>
+      </p:grpSpPr>
+      <p:sp>
+        <p:nvSpPr>
+          <p:cNvPr id="2" name="Title 1">
+            <a:extLst>
+              <a:ext uri="{FF2B5EF4-FFF2-40B4-BE49-F238E27FC236}">
                 <a16:creationId xmlns:a16="http://schemas.microsoft.com/office/drawing/2014/main" id="{30AF438F-4DB3-7844-B5EF-73B049BBD89F}"/>
               </a:ext>
             </a:extLst>
@@ -3779,8 +4395,8 @@
           </a:p>
         </p:txBody>
       </p:sp>
-      <mc:AlternateContent xmlns:mc="http://schemas.openxmlformats.org/markup-compatibility/2006" xmlns:a14="http://schemas.microsoft.com/office/drawing/2010/main">
-        <mc:Choice Requires="a14">
+      <mc:AlternateContent xmlns:mc="http://schemas.openxmlformats.org/markup-compatibility/2006">
+        <mc:Choice xmlns:a14="http://schemas.microsoft.com/office/drawing/2010/main" Requires="a14">
           <p:graphicFrame>
             <p:nvGraphicFramePr>
               <p:cNvPr id="4" name="Table 4">
@@ -3796,7 +4412,7 @@
               <p:nvPr>
                 <p:extLst>
                   <p:ext uri="{D42A27DB-BD31-4B8C-83A1-F6EECF244321}">
-                    <p14:modId xmlns:p14="http://schemas.microsoft.com/office/powerpoint/2010/main" val="3759709607"/>
+                    <p14:modId xmlns:p14="http://schemas.microsoft.com/office/powerpoint/2010/main" val="4056578441"/>
                   </p:ext>
                 </p:extLst>
               </p:nvPr>
@@ -3946,7 +4562,7 @@
                           <a:pPr algn="ctr"/>
                           <a:r>
                             <a:rPr lang="en-US" dirty="0"/>
-                            <a:t>33n</a:t>
+                            <a:t>25n</a:t>
                           </a:r>
                         </a:p>
                       </a:txBody>
@@ -4232,7 +4848,7 @@
                           <a:pPr algn="ctr"/>
                           <a:r>
                             <a:rPr lang="en-US" b="1" dirty="0"/>
-                            <a:t>~34n</a:t>
+                            <a:t>~34n = 8704</a:t>
                           </a:r>
                         </a:p>
                       </a:txBody>
@@ -4249,7 +4865,7 @@
             </a:graphic>
           </p:graphicFrame>
         </mc:Choice>
-        <mc:Fallback xmlns="">
+        <mc:Fallback>
           <p:graphicFrame>
             <p:nvGraphicFramePr>
               <p:cNvPr id="4" name="Table 4">
@@ -4265,7 +4881,7 @@
               <p:nvPr>
                 <p:extLst>
                   <p:ext uri="{D42A27DB-BD31-4B8C-83A1-F6EECF244321}">
-                    <p14:modId xmlns:p14="http://schemas.microsoft.com/office/powerpoint/2010/main" val="3759709607"/>
+                    <p14:modId xmlns:p14="http://schemas.microsoft.com/office/powerpoint/2010/main" val="4056578441"/>
                   </p:ext>
                 </p:extLst>
               </p:nvPr>
@@ -4415,7 +5031,7 @@
                           <a:pPr algn="ctr"/>
                           <a:r>
                             <a:rPr lang="en-US" dirty="0"/>
-                            <a:t>33n</a:t>
+                            <a:t>25n</a:t>
                           </a:r>
                         </a:p>
                       </a:txBody>
@@ -4643,7 +5259,7 @@
                           <a:pPr algn="ctr"/>
                           <a:r>
                             <a:rPr lang="en-US" b="1" dirty="0"/>
-                            <a:t>~34n</a:t>
+                            <a:t>~34n = 8704</a:t>
                           </a:r>
                         </a:p>
                       </a:txBody>
@@ -4674,7 +5290,1536 @@
 </p:sld>
 </file>
 
-<file path=ppt/slides/slide2.xml><?xml version="1.0" encoding="utf-8"?>
+<file path=ppt/slides/slide3.xml><?xml version="1.0" encoding="utf-8"?>
+<p:sld xmlns:a="http://schemas.openxmlformats.org/drawingml/2006/main" xmlns:r="http://schemas.openxmlformats.org/officeDocument/2006/relationships" xmlns:p="http://schemas.openxmlformats.org/presentationml/2006/main">
+  <p:cSld>
+    <p:spTree>
+      <p:nvGrpSpPr>
+        <p:cNvPr id="1" name=""/>
+        <p:cNvGrpSpPr/>
+        <p:nvPr/>
+      </p:nvGrpSpPr>
+      <p:grpSpPr>
+        <a:xfrm>
+          <a:off x="0" y="0"/>
+          <a:ext cx="0" cy="0"/>
+          <a:chOff x="0" y="0"/>
+          <a:chExt cx="0" cy="0"/>
+        </a:xfrm>
+      </p:grpSpPr>
+      <p:sp>
+        <p:nvSpPr>
+          <p:cNvPr id="2" name="Title 1">
+            <a:extLst>
+              <a:ext uri="{FF2B5EF4-FFF2-40B4-BE49-F238E27FC236}">
+                <a16:creationId xmlns:a16="http://schemas.microsoft.com/office/drawing/2014/main" id="{B6794081-496F-274A-ACC9-FF5705F7466A}"/>
+              </a:ext>
+            </a:extLst>
+          </p:cNvPr>
+          <p:cNvSpPr>
+            <a:spLocks noGrp="1"/>
+          </p:cNvSpPr>
+          <p:nvPr>
+            <p:ph type="title"/>
+          </p:nvPr>
+        </p:nvSpPr>
+        <p:spPr>
+          <a:xfrm>
+            <a:off x="838200" y="365126"/>
+            <a:ext cx="10515600" cy="560426"/>
+          </a:xfrm>
+        </p:spPr>
+        <p:txBody>
+          <a:bodyPr>
+            <a:normAutofit fontScale="90000"/>
+          </a:bodyPr>
+          <a:lstStyle/>
+          <a:p>
+            <a:r>
+              <a:rPr lang="en-US" dirty="0"/>
+              <a:t>DIDO(Fully Distributed with packed)</a:t>
+            </a:r>
+          </a:p>
+        </p:txBody>
+      </p:sp>
+      <p:sp>
+        <p:nvSpPr>
+          <p:cNvPr id="3" name="Content Placeholder 2">
+            <a:extLst>
+              <a:ext uri="{FF2B5EF4-FFF2-40B4-BE49-F238E27FC236}">
+                <a16:creationId xmlns:a16="http://schemas.microsoft.com/office/drawing/2014/main" id="{B1F68932-F313-3F4A-94E0-8ADB65061326}"/>
+              </a:ext>
+            </a:extLst>
+          </p:cNvPr>
+          <p:cNvSpPr>
+            <a:spLocks noGrp="1"/>
+          </p:cNvSpPr>
+          <p:nvPr>
+            <p:ph idx="1"/>
+          </p:nvPr>
+        </p:nvSpPr>
+        <p:spPr>
+          <a:xfrm>
+            <a:off x="838200" y="1103971"/>
+            <a:ext cx="10515600" cy="1806497"/>
+          </a:xfrm>
+        </p:spPr>
+        <p:txBody>
+          <a:bodyPr/>
+          <a:lstStyle/>
+          <a:p>
+            <a:r>
+              <a:rPr lang="en-US" sz="2000" dirty="0"/>
+              <a:t>Files: </a:t>
+            </a:r>
+          </a:p>
+          <a:p>
+            <a:pPr lvl="1"/>
+            <a:r>
+              <a:rPr lang="en-US" sz="2000" dirty="0" err="1"/>
+              <a:t>new_protocol.cpp</a:t>
+            </a:r>
+            <a:endParaRPr lang="en-US" sz="2000" dirty="0"/>
+          </a:p>
+          <a:p>
+            <a:pPr lvl="1"/>
+            <a:r>
+              <a:rPr lang="en-US" sz="2000" dirty="0" err="1"/>
+              <a:t>lookup_functions.cpp</a:t>
+            </a:r>
+            <a:endParaRPr lang="en-US" sz="2000" dirty="0"/>
+          </a:p>
+          <a:p>
+            <a:pPr lvl="1"/>
+            <a:r>
+              <a:rPr lang="en-US" sz="2000" dirty="0"/>
+              <a:t>PackedMod2.hpp</a:t>
+            </a:r>
+          </a:p>
+          <a:p>
+            <a:pPr lvl="1"/>
+            <a:r>
+              <a:rPr lang="en-US" sz="2000" dirty="0"/>
+              <a:t>PackedMod3.hpp</a:t>
+            </a:r>
+          </a:p>
+        </p:txBody>
+      </p:sp>
+      <mc:AlternateContent xmlns:mc="http://schemas.openxmlformats.org/markup-compatibility/2006">
+        <mc:Choice xmlns:a14="http://schemas.microsoft.com/office/drawing/2010/main" Requires="a14">
+          <p:graphicFrame>
+            <p:nvGraphicFramePr>
+              <p:cNvPr id="4" name="Table 3">
+                <a:extLst>
+                  <a:ext uri="{FF2B5EF4-FFF2-40B4-BE49-F238E27FC236}">
+                    <a16:creationId xmlns:a16="http://schemas.microsoft.com/office/drawing/2014/main" id="{E22BDC03-3203-6044-B40B-03B06D776DAE}"/>
+                  </a:ext>
+                </a:extLst>
+              </p:cNvPr>
+              <p:cNvGraphicFramePr>
+                <a:graphicFrameLocks noGrp="1"/>
+              </p:cNvGraphicFramePr>
+              <p:nvPr>
+                <p:extLst>
+                  <p:ext uri="{D42A27DB-BD31-4B8C-83A1-F6EECF244321}">
+                    <p14:modId xmlns:p14="http://schemas.microsoft.com/office/powerpoint/2010/main" val="35967620"/>
+                  </p:ext>
+                </p:extLst>
+              </p:nvPr>
+            </p:nvGraphicFramePr>
+            <p:xfrm>
+              <a:off x="1538867" y="2966121"/>
+              <a:ext cx="8441476" cy="2293723"/>
+            </p:xfrm>
+            <a:graphic>
+              <a:graphicData uri="http://schemas.openxmlformats.org/drawingml/2006/table">
+                <a:tbl>
+                  <a:tblPr firstRow="1" bandRow="1">
+                    <a:tableStyleId>{5940675A-B579-460E-94D1-54222C63F5DA}</a:tableStyleId>
+                  </a:tblPr>
+                  <a:tblGrid>
+                    <a:gridCol w="2110369">
+                      <a:extLst>
+                        <a:ext uri="{9D8B030D-6E8A-4147-A177-3AD203B41FA5}">
+                          <a16:colId xmlns:a16="http://schemas.microsoft.com/office/drawing/2014/main" val="3913328905"/>
+                        </a:ext>
+                      </a:extLst>
+                    </a:gridCol>
+                    <a:gridCol w="2110369">
+                      <a:extLst>
+                        <a:ext uri="{9D8B030D-6E8A-4147-A177-3AD203B41FA5}">
+                          <a16:colId xmlns:a16="http://schemas.microsoft.com/office/drawing/2014/main" val="2780235502"/>
+                        </a:ext>
+                      </a:extLst>
+                    </a:gridCol>
+                    <a:gridCol w="2110369">
+                      <a:extLst>
+                        <a:ext uri="{9D8B030D-6E8A-4147-A177-3AD203B41FA5}">
+                          <a16:colId xmlns:a16="http://schemas.microsoft.com/office/drawing/2014/main" val="3033617068"/>
+                        </a:ext>
+                      </a:extLst>
+                    </a:gridCol>
+                    <a:gridCol w="2110369">
+                      <a:extLst>
+                        <a:ext uri="{9D8B030D-6E8A-4147-A177-3AD203B41FA5}">
+                          <a16:colId xmlns:a16="http://schemas.microsoft.com/office/drawing/2014/main" val="2426406902"/>
+                        </a:ext>
+                      </a:extLst>
+                    </a:gridCol>
+                  </a:tblGrid>
+                  <a:tr h="309579">
+                    <a:tc>
+                      <a:txBody>
+                        <a:bodyPr/>
+                        <a:lstStyle/>
+                        <a:p>
+                          <a:pPr algn="ctr"/>
+                          <a:r>
+                            <a:rPr lang="en-US" sz="1400" b="1" dirty="0"/>
+                            <a:t>Methods</a:t>
+                          </a:r>
+                        </a:p>
+                      </a:txBody>
+                      <a:tcPr/>
+                    </a:tc>
+                    <a:tc>
+                      <a:txBody>
+                        <a:bodyPr/>
+                        <a:lstStyle/>
+                        <a:p>
+                          <a:pPr algn="ctr"/>
+                          <a:r>
+                            <a:rPr lang="en-US" sz="1400" b="1" dirty="0" err="1"/>
+                            <a:t>No.of</a:t>
+                          </a:r>
+                          <a:r>
+                            <a:rPr lang="en-US" sz="1400" b="1" dirty="0"/>
+                            <a:t> times</a:t>
+                          </a:r>
+                        </a:p>
+                      </a:txBody>
+                      <a:tcPr/>
+                    </a:tc>
+                    <a:tc>
+                      <a:txBody>
+                        <a:bodyPr/>
+                        <a:lstStyle/>
+                        <a:p>
+                          <a:pPr algn="ctr"/>
+                          <a:r>
+                            <a:rPr lang="en-US" sz="1400" b="1" dirty="0"/>
+                            <a:t>Cost for each call</a:t>
+                          </a:r>
+                        </a:p>
+                      </a:txBody>
+                      <a:tcPr/>
+                    </a:tc>
+                    <a:tc>
+                      <a:txBody>
+                        <a:bodyPr/>
+                        <a:lstStyle/>
+                        <a:p>
+                          <a:pPr algn="ctr"/>
+                          <a:r>
+                            <a:rPr lang="en-US" sz="1400" b="1" dirty="0"/>
+                            <a:t>Total call</a:t>
+                          </a:r>
+                        </a:p>
+                      </a:txBody>
+                      <a:tcPr/>
+                    </a:tc>
+                    <a:extLst>
+                      <a:ext uri="{0D108BD9-81ED-4DB2-BD59-A6C34878D82A}">
+                        <a16:rowId xmlns:a16="http://schemas.microsoft.com/office/drawing/2014/main" val="2412432484"/>
+                      </a:ext>
+                    </a:extLst>
+                  </a:tr>
+                  <a:tr h="341956">
+                    <a:tc>
+                      <a:txBody>
+                        <a:bodyPr/>
+                        <a:lstStyle/>
+                        <a:p>
+                          <a:pPr algn="ctr"/>
+                          <a:r>
+                            <a:rPr lang="en-US" sz="1400" dirty="0"/>
+                            <a:t>add()/^=</a:t>
+                          </a:r>
+                        </a:p>
+                      </a:txBody>
+                      <a:tcPr/>
+                    </a:tc>
+                    <a:tc>
+                      <a:txBody>
+                        <a:bodyPr/>
+                        <a:lstStyle/>
+                        <a:p>
+                          <a:pPr algn="ctr"/>
+                          <a:r>
+                            <a:rPr lang="en-US" sz="1400" dirty="0"/>
+                            <a:t>8</a:t>
+                          </a:r>
+                        </a:p>
+                      </a:txBody>
+                      <a:tcPr/>
+                    </a:tc>
+                    <a:tc>
+                      <a:txBody>
+                        <a:bodyPr/>
+                        <a:lstStyle/>
+                        <a:p>
+                          <a:pPr algn="ctr"/>
+                          <a14:m>
+                            <m:oMathPara xmlns:m="http://schemas.openxmlformats.org/officeDocument/2006/math">
+                              <m:oMathParaPr>
+                                <m:jc m:val="centerGroup"/>
+                              </m:oMathParaPr>
+                              <m:oMath xmlns:m="http://schemas.openxmlformats.org/officeDocument/2006/math">
+                                <m:f>
+                                  <m:fPr>
+                                    <m:type m:val="skw"/>
+                                    <m:ctrlPr>
+                                      <a:rPr lang="en-US" sz="1400" i="1" dirty="0" smtClean="0">
+                                        <a:latin typeface="Cambria Math" panose="02040503050406030204" pitchFamily="18" charset="0"/>
+                                      </a:rPr>
+                                    </m:ctrlPr>
+                                  </m:fPr>
+                                  <m:num>
+                                    <m:r>
+                                      <a:rPr lang="en-US" sz="1400" b="0" i="1" dirty="0" smtClean="0">
+                                        <a:latin typeface="Cambria Math" panose="02040503050406030204" pitchFamily="18" charset="0"/>
+                                      </a:rPr>
+                                      <m:t>𝑛</m:t>
+                                    </m:r>
+                                  </m:num>
+                                  <m:den>
+                                    <m:r>
+                                      <a:rPr lang="en-US" sz="1400" b="0" i="1" dirty="0" smtClean="0">
+                                        <a:latin typeface="Cambria Math" panose="02040503050406030204" pitchFamily="18" charset="0"/>
+                                      </a:rPr>
+                                      <m:t>64</m:t>
+                                    </m:r>
+                                  </m:den>
+                                </m:f>
+                              </m:oMath>
+                            </m:oMathPara>
+                          </a14:m>
+                          <a:endParaRPr lang="en-US" sz="1400" dirty="0"/>
+                        </a:p>
+                      </a:txBody>
+                      <a:tcPr/>
+                    </a:tc>
+                    <a:tc>
+                      <a:txBody>
+                        <a:bodyPr/>
+                        <a:lstStyle/>
+                        <a:p>
+                          <a:pPr algn="ctr"/>
+                          <a14:m>
+                            <m:oMathPara xmlns:m="http://schemas.openxmlformats.org/officeDocument/2006/math">
+                              <m:oMathParaPr>
+                                <m:jc m:val="centerGroup"/>
+                              </m:oMathParaPr>
+                              <m:oMath xmlns:m="http://schemas.openxmlformats.org/officeDocument/2006/math">
+                                <m:f>
+                                  <m:fPr>
+                                    <m:type m:val="skw"/>
+                                    <m:ctrlPr>
+                                      <a:rPr lang="en-US" sz="1400" b="0" i="1" smtClean="0">
+                                        <a:latin typeface="Cambria Math" panose="02040503050406030204" pitchFamily="18" charset="0"/>
+                                      </a:rPr>
+                                    </m:ctrlPr>
+                                  </m:fPr>
+                                  <m:num>
+                                    <m:r>
+                                      <a:rPr lang="en-US" sz="1400" b="0" i="1" smtClean="0">
+                                        <a:latin typeface="Cambria Math" panose="02040503050406030204" pitchFamily="18" charset="0"/>
+                                      </a:rPr>
+                                      <m:t>𝑛</m:t>
+                                    </m:r>
+                                  </m:num>
+                                  <m:den>
+                                    <m:r>
+                                      <a:rPr lang="en-US" sz="1400" b="0" i="1" smtClean="0">
+                                        <a:latin typeface="Cambria Math" panose="02040503050406030204" pitchFamily="18" charset="0"/>
+                                      </a:rPr>
+                                      <m:t>8</m:t>
+                                    </m:r>
+                                  </m:den>
+                                </m:f>
+                              </m:oMath>
+                            </m:oMathPara>
+                          </a14:m>
+                          <a:endParaRPr lang="en-US" sz="1400" dirty="0"/>
+                        </a:p>
+                      </a:txBody>
+                      <a:tcPr/>
+                    </a:tc>
+                    <a:extLst>
+                      <a:ext uri="{0D108BD9-81ED-4DB2-BD59-A6C34878D82A}">
+                        <a16:rowId xmlns:a16="http://schemas.microsoft.com/office/drawing/2014/main" val="4238301737"/>
+                      </a:ext>
+                    </a:extLst>
+                  </a:tr>
+                  <a:tr h="341956">
+                    <a:tc>
+                      <a:txBody>
+                        <a:bodyPr/>
+                        <a:lstStyle/>
+                        <a:p>
+                          <a:pPr algn="ctr"/>
+                          <a:r>
+                            <a:rPr lang="en-US" sz="1400" dirty="0"/>
+                            <a:t>^(XOR)</a:t>
+                          </a:r>
+                        </a:p>
+                      </a:txBody>
+                      <a:tcPr/>
+                    </a:tc>
+                    <a:tc>
+                      <a:txBody>
+                        <a:bodyPr/>
+                        <a:lstStyle/>
+                        <a:p>
+                          <a:pPr algn="ctr"/>
+                          <a:r>
+                            <a:rPr lang="en-US" sz="1400" dirty="0"/>
+                            <a:t>2</a:t>
+                          </a:r>
+                        </a:p>
+                      </a:txBody>
+                      <a:tcPr/>
+                    </a:tc>
+                    <a:tc>
+                      <a:txBody>
+                        <a:bodyPr/>
+                        <a:lstStyle/>
+                        <a:p>
+                          <a:pPr algn="ctr"/>
+                          <a14:m>
+                            <m:oMathPara xmlns:m="http://schemas.openxmlformats.org/officeDocument/2006/math">
+                              <m:oMathParaPr>
+                                <m:jc m:val="centerGroup"/>
+                              </m:oMathParaPr>
+                              <m:oMath xmlns:m="http://schemas.openxmlformats.org/officeDocument/2006/math">
+                                <m:f>
+                                  <m:fPr>
+                                    <m:type m:val="skw"/>
+                                    <m:ctrlPr>
+                                      <a:rPr lang="en-US" sz="1400" i="1" dirty="0" smtClean="0">
+                                        <a:latin typeface="Cambria Math" panose="02040503050406030204" pitchFamily="18" charset="0"/>
+                                      </a:rPr>
+                                    </m:ctrlPr>
+                                  </m:fPr>
+                                  <m:num>
+                                    <m:r>
+                                      <a:rPr lang="en-US" sz="1400" b="0" i="1" dirty="0" smtClean="0">
+                                        <a:latin typeface="Cambria Math" panose="02040503050406030204" pitchFamily="18" charset="0"/>
+                                      </a:rPr>
+                                      <m:t>𝑛</m:t>
+                                    </m:r>
+                                  </m:num>
+                                  <m:den>
+                                    <m:r>
+                                      <a:rPr lang="en-US" sz="1400" b="0" i="1" dirty="0" smtClean="0">
+                                        <a:latin typeface="Cambria Math" panose="02040503050406030204" pitchFamily="18" charset="0"/>
+                                      </a:rPr>
+                                      <m:t>32</m:t>
+                                    </m:r>
+                                  </m:den>
+                                </m:f>
+                              </m:oMath>
+                            </m:oMathPara>
+                          </a14:m>
+                          <a:endParaRPr lang="en-US" sz="1400" dirty="0"/>
+                        </a:p>
+                      </a:txBody>
+                      <a:tcPr/>
+                    </a:tc>
+                    <a:tc>
+                      <a:txBody>
+                        <a:bodyPr/>
+                        <a:lstStyle/>
+                        <a:p>
+                          <a:pPr algn="ctr"/>
+                          <a14:m>
+                            <m:oMathPara xmlns:m="http://schemas.openxmlformats.org/officeDocument/2006/math">
+                              <m:oMathParaPr>
+                                <m:jc m:val="centerGroup"/>
+                              </m:oMathParaPr>
+                              <m:oMath xmlns:m="http://schemas.openxmlformats.org/officeDocument/2006/math">
+                                <m:f>
+                                  <m:fPr>
+                                    <m:type m:val="skw"/>
+                                    <m:ctrlPr>
+                                      <a:rPr lang="en-US" sz="1400" i="1" smtClean="0">
+                                        <a:latin typeface="Cambria Math" panose="02040503050406030204" pitchFamily="18" charset="0"/>
+                                      </a:rPr>
+                                    </m:ctrlPr>
+                                  </m:fPr>
+                                  <m:num>
+                                    <m:r>
+                                      <a:rPr lang="en-US" sz="1400" b="0" i="1" smtClean="0">
+                                        <a:latin typeface="Cambria Math" panose="02040503050406030204" pitchFamily="18" charset="0"/>
+                                      </a:rPr>
+                                      <m:t>𝑛</m:t>
+                                    </m:r>
+                                  </m:num>
+                                  <m:den>
+                                    <m:r>
+                                      <a:rPr lang="en-US" sz="1400" b="0" i="1" smtClean="0">
+                                        <a:latin typeface="Cambria Math" panose="02040503050406030204" pitchFamily="18" charset="0"/>
+                                      </a:rPr>
+                                      <m:t>16</m:t>
+                                    </m:r>
+                                  </m:den>
+                                </m:f>
+                              </m:oMath>
+                            </m:oMathPara>
+                          </a14:m>
+                          <a:endParaRPr lang="en-US" sz="1400" dirty="0"/>
+                        </a:p>
+                      </a:txBody>
+                      <a:tcPr/>
+                    </a:tc>
+                    <a:extLst>
+                      <a:ext uri="{0D108BD9-81ED-4DB2-BD59-A6C34878D82A}">
+                        <a16:rowId xmlns:a16="http://schemas.microsoft.com/office/drawing/2014/main" val="266417292"/>
+                      </a:ext>
+                    </a:extLst>
+                  </a:tr>
+                  <a:tr h="309579">
+                    <a:tc>
+                      <a:txBody>
+                        <a:bodyPr/>
+                        <a:lstStyle/>
+                        <a:p>
+                          <a:pPr algn="ctr"/>
+                          <a:r>
+                            <a:rPr lang="en-US" sz="1400" dirty="0" err="1"/>
+                            <a:t>toeplitzByVec</a:t>
+                          </a:r>
+                          <a:r>
+                            <a:rPr lang="en-US" sz="1400" dirty="0"/>
+                            <a:t>()</a:t>
+                          </a:r>
+                        </a:p>
+                      </a:txBody>
+                      <a:tcPr/>
+                    </a:tc>
+                    <a:tc>
+                      <a:txBody>
+                        <a:bodyPr/>
+                        <a:lstStyle/>
+                        <a:p>
+                          <a:pPr algn="ctr"/>
+                          <a:r>
+                            <a:rPr lang="en-US" sz="1400" dirty="0"/>
+                            <a:t>4</a:t>
+                          </a:r>
+                        </a:p>
+                      </a:txBody>
+                      <a:tcPr/>
+                    </a:tc>
+                    <a:tc>
+                      <a:txBody>
+                        <a:bodyPr/>
+                        <a:lstStyle/>
+                        <a:p>
+                          <a:pPr algn="ctr"/>
+                          <a14:m>
+                            <m:oMathPara xmlns:m="http://schemas.openxmlformats.org/officeDocument/2006/math">
+                              <m:oMathParaPr>
+                                <m:jc m:val="centerGroup"/>
+                              </m:oMathParaPr>
+                              <m:oMath xmlns:m="http://schemas.openxmlformats.org/officeDocument/2006/math">
+                                <m:r>
+                                  <a:rPr lang="en-US" sz="1400" b="0" i="1" smtClean="0">
+                                    <a:latin typeface="Cambria Math" panose="02040503050406030204" pitchFamily="18" charset="0"/>
+                                  </a:rPr>
+                                  <m:t>25</m:t>
+                                </m:r>
+                                <m:r>
+                                  <a:rPr lang="en-US" sz="1400" b="0" i="1" smtClean="0">
+                                    <a:latin typeface="Cambria Math" panose="02040503050406030204" pitchFamily="18" charset="0"/>
+                                  </a:rPr>
+                                  <m:t>𝑛</m:t>
+                                </m:r>
+                              </m:oMath>
+                            </m:oMathPara>
+                          </a14:m>
+                          <a:endParaRPr lang="en-US" sz="1400" dirty="0"/>
+                        </a:p>
+                      </a:txBody>
+                      <a:tcPr/>
+                    </a:tc>
+                    <a:tc>
+                      <a:txBody>
+                        <a:bodyPr/>
+                        <a:lstStyle/>
+                        <a:p>
+                          <a:pPr algn="ctr"/>
+                          <a14:m>
+                            <m:oMathPara xmlns:m="http://schemas.openxmlformats.org/officeDocument/2006/math">
+                              <m:oMathParaPr>
+                                <m:jc m:val="centerGroup"/>
+                              </m:oMathParaPr>
+                              <m:oMath xmlns:m="http://schemas.openxmlformats.org/officeDocument/2006/math">
+                                <m:r>
+                                  <a:rPr lang="en-US" sz="1400" i="1" smtClean="0">
+                                    <a:latin typeface="Cambria Math" panose="02040503050406030204" pitchFamily="18" charset="0"/>
+                                  </a:rPr>
+                                  <m:t>1</m:t>
+                                </m:r>
+                                <m:r>
+                                  <a:rPr lang="en-US" sz="1400" b="0" i="1" smtClean="0">
+                                    <a:latin typeface="Cambria Math" panose="02040503050406030204" pitchFamily="18" charset="0"/>
+                                  </a:rPr>
+                                  <m:t>00</m:t>
+                                </m:r>
+                                <m:r>
+                                  <a:rPr lang="en-US" sz="1400" b="0" i="1" smtClean="0">
+                                    <a:latin typeface="Cambria Math" panose="02040503050406030204" pitchFamily="18" charset="0"/>
+                                  </a:rPr>
+                                  <m:t>𝑛</m:t>
+                                </m:r>
+                              </m:oMath>
+                            </m:oMathPara>
+                          </a14:m>
+                          <a:endParaRPr lang="en-US" sz="1400" dirty="0"/>
+                        </a:p>
+                      </a:txBody>
+                      <a:tcPr/>
+                    </a:tc>
+                    <a:extLst>
+                      <a:ext uri="{0D108BD9-81ED-4DB2-BD59-A6C34878D82A}">
+                        <a16:rowId xmlns:a16="http://schemas.microsoft.com/office/drawing/2014/main" val="2998986514"/>
+                      </a:ext>
+                    </a:extLst>
+                  </a:tr>
+                  <a:tr h="340537">
+                    <a:tc>
+                      <a:txBody>
+                        <a:bodyPr/>
+                        <a:lstStyle/>
+                        <a:p>
+                          <a:pPr algn="ctr"/>
+                          <a:r>
+                            <a:rPr lang="en-US" sz="1400" dirty="0">
+                              <a:solidFill>
+                                <a:srgbClr val="FF0000"/>
+                              </a:solidFill>
+                            </a:rPr>
+                            <a:t>MUX</a:t>
+                          </a:r>
+                        </a:p>
+                      </a:txBody>
+                      <a:tcPr/>
+                    </a:tc>
+                    <a:tc>
+                      <a:txBody>
+                        <a:bodyPr/>
+                        <a:lstStyle/>
+                        <a:p>
+                          <a:pPr algn="ctr"/>
+                          <a:r>
+                            <a:rPr lang="en-US" sz="1400" dirty="0"/>
+                            <a:t>2</a:t>
+                          </a:r>
+                        </a:p>
+                      </a:txBody>
+                      <a:tcPr/>
+                    </a:tc>
+                    <a:tc>
+                      <a:txBody>
+                        <a:bodyPr/>
+                        <a:lstStyle/>
+                        <a:p>
+                          <a:pPr algn="ctr"/>
+                          <a14:m>
+                            <m:oMathPara xmlns:m="http://schemas.openxmlformats.org/officeDocument/2006/math">
+                              <m:oMathParaPr>
+                                <m:jc m:val="centerGroup"/>
+                              </m:oMathParaPr>
+                              <m:oMath xmlns:m="http://schemas.openxmlformats.org/officeDocument/2006/math">
+                                <m:f>
+                                  <m:fPr>
+                                    <m:type m:val="skw"/>
+                                    <m:ctrlPr>
+                                      <a:rPr lang="en-US" sz="1400" i="1" smtClean="0">
+                                        <a:latin typeface="Cambria Math" panose="02040503050406030204" pitchFamily="18" charset="0"/>
+                                      </a:rPr>
+                                    </m:ctrlPr>
+                                  </m:fPr>
+                                  <m:num>
+                                    <m:r>
+                                      <a:rPr lang="en-US" sz="1400" b="0" i="1" smtClean="0">
+                                        <a:latin typeface="Cambria Math" panose="02040503050406030204" pitchFamily="18" charset="0"/>
+                                      </a:rPr>
+                                      <m:t>𝑛</m:t>
+                                    </m:r>
+                                  </m:num>
+                                  <m:den>
+                                    <m:r>
+                                      <a:rPr lang="en-US" sz="1400" b="0" i="1" smtClean="0">
+                                        <a:latin typeface="Cambria Math" panose="02040503050406030204" pitchFamily="18" charset="0"/>
+                                      </a:rPr>
+                                      <m:t>32</m:t>
+                                    </m:r>
+                                  </m:den>
+                                </m:f>
+                              </m:oMath>
+                            </m:oMathPara>
+                          </a14:m>
+                          <a:endParaRPr lang="en-US" sz="1400" dirty="0"/>
+                        </a:p>
+                      </a:txBody>
+                      <a:tcPr/>
+                    </a:tc>
+                    <a:tc>
+                      <a:txBody>
+                        <a:bodyPr/>
+                        <a:lstStyle/>
+                        <a:p>
+                          <a:pPr algn="ctr"/>
+                          <a14:m>
+                            <m:oMathPara xmlns:m="http://schemas.openxmlformats.org/officeDocument/2006/math">
+                              <m:oMathParaPr>
+                                <m:jc m:val="centerGroup"/>
+                              </m:oMathParaPr>
+                              <m:oMath xmlns:m="http://schemas.openxmlformats.org/officeDocument/2006/math">
+                                <m:f>
+                                  <m:fPr>
+                                    <m:type m:val="skw"/>
+                                    <m:ctrlPr>
+                                      <a:rPr lang="en-US" sz="1400" i="1" smtClean="0">
+                                        <a:latin typeface="Cambria Math" panose="02040503050406030204" pitchFamily="18" charset="0"/>
+                                      </a:rPr>
+                                    </m:ctrlPr>
+                                  </m:fPr>
+                                  <m:num>
+                                    <m:r>
+                                      <a:rPr lang="en-US" sz="1400" b="0" i="1" smtClean="0">
+                                        <a:latin typeface="Cambria Math" panose="02040503050406030204" pitchFamily="18" charset="0"/>
+                                      </a:rPr>
+                                      <m:t>𝑛</m:t>
+                                    </m:r>
+                                  </m:num>
+                                  <m:den>
+                                    <m:r>
+                                      <a:rPr lang="en-US" sz="1400" b="0" i="1" smtClean="0">
+                                        <a:latin typeface="Cambria Math" panose="02040503050406030204" pitchFamily="18" charset="0"/>
+                                      </a:rPr>
+                                      <m:t>16</m:t>
+                                    </m:r>
+                                  </m:den>
+                                </m:f>
+                              </m:oMath>
+                            </m:oMathPara>
+                          </a14:m>
+                          <a:endParaRPr lang="en-US" sz="1400" dirty="0"/>
+                        </a:p>
+                      </a:txBody>
+                      <a:tcPr/>
+                    </a:tc>
+                    <a:extLst>
+                      <a:ext uri="{0D108BD9-81ED-4DB2-BD59-A6C34878D82A}">
+                        <a16:rowId xmlns:a16="http://schemas.microsoft.com/office/drawing/2014/main" val="394972434"/>
+                      </a:ext>
+                    </a:extLst>
+                  </a:tr>
+                  <a:tr h="340537">
+                    <a:tc>
+                      <a:txBody>
+                        <a:bodyPr/>
+                        <a:lstStyle/>
+                        <a:p>
+                          <a:pPr algn="ctr"/>
+                          <a:r>
+                            <a:rPr lang="en-US" sz="1400" dirty="0" err="1">
+                              <a:solidFill>
+                                <a:srgbClr val="FF0000"/>
+                              </a:solidFill>
+                            </a:rPr>
+                            <a:t>matByVec</a:t>
+                          </a:r>
+                          <a:endParaRPr lang="en-US" sz="1400" dirty="0">
+                            <a:solidFill>
+                              <a:srgbClr val="FF0000"/>
+                            </a:solidFill>
+                          </a:endParaRPr>
+                        </a:p>
+                      </a:txBody>
+                      <a:tcPr/>
+                    </a:tc>
+                    <a:tc>
+                      <a:txBody>
+                        <a:bodyPr/>
+                        <a:lstStyle/>
+                        <a:p>
+                          <a:pPr algn="ctr"/>
+                          <a:r>
+                            <a:rPr lang="en-US" sz="1400" dirty="0"/>
+                            <a:t>2</a:t>
+                          </a:r>
+                        </a:p>
+                      </a:txBody>
+                      <a:tcPr/>
+                    </a:tc>
+                    <a:tc>
+                      <a:txBody>
+                        <a:bodyPr/>
+                        <a:lstStyle/>
+                        <a:p>
+                          <a:pPr algn="ctr"/>
+                          <a:r>
+                            <a:rPr lang="en-US" sz="1400" dirty="0"/>
+                            <a:t>37n</a:t>
+                          </a:r>
+                        </a:p>
+                      </a:txBody>
+                      <a:tcPr/>
+                    </a:tc>
+                    <a:tc>
+                      <a:txBody>
+                        <a:bodyPr/>
+                        <a:lstStyle/>
+                        <a:p>
+                          <a:pPr algn="ctr"/>
+                          <a:r>
+                            <a:rPr lang="en-US" sz="1400" dirty="0"/>
+                            <a:t>74n</a:t>
+                          </a:r>
+                        </a:p>
+                      </a:txBody>
+                      <a:tcPr/>
+                    </a:tc>
+                    <a:extLst>
+                      <a:ext uri="{0D108BD9-81ED-4DB2-BD59-A6C34878D82A}">
+                        <a16:rowId xmlns:a16="http://schemas.microsoft.com/office/drawing/2014/main" val="2799987271"/>
+                      </a:ext>
+                    </a:extLst>
+                  </a:tr>
+                  <a:tr h="309579">
+                    <a:tc>
+                      <a:txBody>
+                        <a:bodyPr/>
+                        <a:lstStyle/>
+                        <a:p>
+                          <a:pPr algn="ctr"/>
+                          <a:r>
+                            <a:rPr lang="en-US" sz="1400" dirty="0"/>
+                            <a:t>Total</a:t>
+                          </a:r>
+                        </a:p>
+                      </a:txBody>
+                      <a:tcPr>
+                        <a:lnB w="12700" cap="flat" cmpd="sng" algn="ctr">
+                          <a:solidFill>
+                            <a:schemeClr val="tx1"/>
+                          </a:solidFill>
+                          <a:prstDash val="solid"/>
+                          <a:round/>
+                          <a:headEnd type="none" w="med" len="med"/>
+                          <a:tailEnd type="none" w="med" len="med"/>
+                        </a:lnB>
+                      </a:tcPr>
+                    </a:tc>
+                    <a:tc>
+                      <a:txBody>
+                        <a:bodyPr/>
+                        <a:lstStyle/>
+                        <a:p>
+                          <a:pPr algn="ctr"/>
+                          <a:endParaRPr lang="en-US" sz="1400" dirty="0"/>
+                        </a:p>
+                      </a:txBody>
+                      <a:tcPr>
+                        <a:lnB w="12700" cap="flat" cmpd="sng" algn="ctr">
+                          <a:solidFill>
+                            <a:schemeClr val="tx1"/>
+                          </a:solidFill>
+                          <a:prstDash val="solid"/>
+                          <a:round/>
+                          <a:headEnd type="none" w="med" len="med"/>
+                          <a:tailEnd type="none" w="med" len="med"/>
+                        </a:lnB>
+                      </a:tcPr>
+                    </a:tc>
+                    <a:tc>
+                      <a:txBody>
+                        <a:bodyPr/>
+                        <a:lstStyle/>
+                        <a:p>
+                          <a:pPr algn="ctr"/>
+                          <a:endParaRPr lang="en-US" sz="1400" dirty="0"/>
+                        </a:p>
+                      </a:txBody>
+                      <a:tcPr/>
+                    </a:tc>
+                    <a:tc>
+                      <a:txBody>
+                        <a:bodyPr/>
+                        <a:lstStyle/>
+                        <a:p>
+                          <a:pPr algn="ctr"/>
+                          <a14:m>
+                            <m:oMathPara xmlns:m="http://schemas.openxmlformats.org/officeDocument/2006/math">
+                              <m:oMathParaPr>
+                                <m:jc m:val="centerGroup"/>
+                              </m:oMathParaPr>
+                              <m:oMath xmlns:m="http://schemas.openxmlformats.org/officeDocument/2006/math">
+                                <m:r>
+                                  <a:rPr lang="en-US" sz="1400" b="1" i="1" smtClean="0">
+                                    <a:latin typeface="Cambria Math" panose="02040503050406030204" pitchFamily="18" charset="0"/>
+                                  </a:rPr>
+                                  <m:t>𝟐𝟏𝟕</m:t>
+                                </m:r>
+                                <m:r>
+                                  <a:rPr lang="en-US" sz="1400" b="1" i="1" smtClean="0">
+                                    <a:latin typeface="Cambria Math" panose="02040503050406030204" pitchFamily="18" charset="0"/>
+                                  </a:rPr>
+                                  <m:t>.</m:t>
+                                </m:r>
+                                <m:r>
+                                  <a:rPr lang="en-US" sz="1400" b="1" i="1" smtClean="0">
+                                    <a:latin typeface="Cambria Math" panose="02040503050406030204" pitchFamily="18" charset="0"/>
+                                  </a:rPr>
+                                  <m:t>𝟓</m:t>
+                                </m:r>
+                                <m:r>
+                                  <a:rPr lang="en-US" sz="1400" b="1" i="1" smtClean="0">
+                                    <a:latin typeface="Cambria Math" panose="02040503050406030204" pitchFamily="18" charset="0"/>
+                                  </a:rPr>
+                                  <m:t>𝒏</m:t>
+                                </m:r>
+                                <m:r>
+                                  <a:rPr lang="en-US" sz="1400" b="1" i="1" smtClean="0">
+                                    <a:latin typeface="Cambria Math" panose="02040503050406030204" pitchFamily="18" charset="0"/>
+                                  </a:rPr>
+                                  <m:t>=</m:t>
+                                </m:r>
+                                <m:r>
+                                  <a:rPr lang="en-US" sz="1400" b="1" i="1" smtClean="0">
+                                    <a:latin typeface="Cambria Math" panose="02040503050406030204" pitchFamily="18" charset="0"/>
+                                  </a:rPr>
+                                  <m:t>𝟓𝟓</m:t>
+                                </m:r>
+                                <m:r>
+                                  <a:rPr lang="en-US" sz="1400" b="1" i="1" smtClean="0">
+                                    <a:latin typeface="Cambria Math" panose="02040503050406030204" pitchFamily="18" charset="0"/>
+                                  </a:rPr>
+                                  <m:t>,</m:t>
+                                </m:r>
+                                <m:r>
+                                  <a:rPr lang="en-US" sz="1400" b="1" i="1" smtClean="0">
+                                    <a:latin typeface="Cambria Math" panose="02040503050406030204" pitchFamily="18" charset="0"/>
+                                  </a:rPr>
+                                  <m:t>𝟔𝟖𝟎</m:t>
+                                </m:r>
+                              </m:oMath>
+                            </m:oMathPara>
+                          </a14:m>
+                          <a:endParaRPr lang="en-US" sz="1400" b="1" dirty="0"/>
+                        </a:p>
+                      </a:txBody>
+                      <a:tcPr/>
+                    </a:tc>
+                    <a:extLst>
+                      <a:ext uri="{0D108BD9-81ED-4DB2-BD59-A6C34878D82A}">
+                        <a16:rowId xmlns:a16="http://schemas.microsoft.com/office/drawing/2014/main" val="915950187"/>
+                      </a:ext>
+                    </a:extLst>
+                  </a:tr>
+                </a:tbl>
+              </a:graphicData>
+            </a:graphic>
+          </p:graphicFrame>
+        </mc:Choice>
+        <mc:Fallback>
+          <p:graphicFrame>
+            <p:nvGraphicFramePr>
+              <p:cNvPr id="4" name="Table 3">
+                <a:extLst>
+                  <a:ext uri="{FF2B5EF4-FFF2-40B4-BE49-F238E27FC236}">
+                    <a16:creationId xmlns:a16="http://schemas.microsoft.com/office/drawing/2014/main" id="{E22BDC03-3203-6044-B40B-03B06D776DAE}"/>
+                  </a:ext>
+                </a:extLst>
+              </p:cNvPr>
+              <p:cNvGraphicFramePr>
+                <a:graphicFrameLocks noGrp="1"/>
+              </p:cNvGraphicFramePr>
+              <p:nvPr>
+                <p:extLst>
+                  <p:ext uri="{D42A27DB-BD31-4B8C-83A1-F6EECF244321}">
+                    <p14:modId xmlns:p14="http://schemas.microsoft.com/office/powerpoint/2010/main" val="35967620"/>
+                  </p:ext>
+                </p:extLst>
+              </p:nvPr>
+            </p:nvGraphicFramePr>
+            <p:xfrm>
+              <a:off x="1538867" y="2966121"/>
+              <a:ext cx="8441476" cy="2293723"/>
+            </p:xfrm>
+            <a:graphic>
+              <a:graphicData uri="http://schemas.openxmlformats.org/drawingml/2006/table">
+                <a:tbl>
+                  <a:tblPr firstRow="1" bandRow="1">
+                    <a:tableStyleId>{5940675A-B579-460E-94D1-54222C63F5DA}</a:tableStyleId>
+                  </a:tblPr>
+                  <a:tblGrid>
+                    <a:gridCol w="2110369">
+                      <a:extLst>
+                        <a:ext uri="{9D8B030D-6E8A-4147-A177-3AD203B41FA5}">
+                          <a16:colId xmlns:a16="http://schemas.microsoft.com/office/drawing/2014/main" val="3913328905"/>
+                        </a:ext>
+                      </a:extLst>
+                    </a:gridCol>
+                    <a:gridCol w="2110369">
+                      <a:extLst>
+                        <a:ext uri="{9D8B030D-6E8A-4147-A177-3AD203B41FA5}">
+                          <a16:colId xmlns:a16="http://schemas.microsoft.com/office/drawing/2014/main" val="2780235502"/>
+                        </a:ext>
+                      </a:extLst>
+                    </a:gridCol>
+                    <a:gridCol w="2110369">
+                      <a:extLst>
+                        <a:ext uri="{9D8B030D-6E8A-4147-A177-3AD203B41FA5}">
+                          <a16:colId xmlns:a16="http://schemas.microsoft.com/office/drawing/2014/main" val="3033617068"/>
+                        </a:ext>
+                      </a:extLst>
+                    </a:gridCol>
+                    <a:gridCol w="2110369">
+                      <a:extLst>
+                        <a:ext uri="{9D8B030D-6E8A-4147-A177-3AD203B41FA5}">
+                          <a16:colId xmlns:a16="http://schemas.microsoft.com/office/drawing/2014/main" val="2426406902"/>
+                        </a:ext>
+                      </a:extLst>
+                    </a:gridCol>
+                  </a:tblGrid>
+                  <a:tr h="309579">
+                    <a:tc>
+                      <a:txBody>
+                        <a:bodyPr/>
+                        <a:lstStyle/>
+                        <a:p>
+                          <a:pPr algn="ctr"/>
+                          <a:r>
+                            <a:rPr lang="en-US" sz="1400" b="1" dirty="0"/>
+                            <a:t>Methods</a:t>
+                          </a:r>
+                        </a:p>
+                      </a:txBody>
+                      <a:tcPr/>
+                    </a:tc>
+                    <a:tc>
+                      <a:txBody>
+                        <a:bodyPr/>
+                        <a:lstStyle/>
+                        <a:p>
+                          <a:pPr algn="ctr"/>
+                          <a:r>
+                            <a:rPr lang="en-US" sz="1400" b="1" dirty="0" err="1"/>
+                            <a:t>No.of</a:t>
+                          </a:r>
+                          <a:r>
+                            <a:rPr lang="en-US" sz="1400" b="1" dirty="0"/>
+                            <a:t> times</a:t>
+                          </a:r>
+                        </a:p>
+                      </a:txBody>
+                      <a:tcPr/>
+                    </a:tc>
+                    <a:tc>
+                      <a:txBody>
+                        <a:bodyPr/>
+                        <a:lstStyle/>
+                        <a:p>
+                          <a:pPr algn="ctr"/>
+                          <a:r>
+                            <a:rPr lang="en-US" sz="1400" b="1" dirty="0"/>
+                            <a:t>Cost for each call</a:t>
+                          </a:r>
+                        </a:p>
+                      </a:txBody>
+                      <a:tcPr/>
+                    </a:tc>
+                    <a:tc>
+                      <a:txBody>
+                        <a:bodyPr/>
+                        <a:lstStyle/>
+                        <a:p>
+                          <a:pPr algn="ctr"/>
+                          <a:r>
+                            <a:rPr lang="en-US" sz="1400" b="1" dirty="0"/>
+                            <a:t>Total call</a:t>
+                          </a:r>
+                        </a:p>
+                      </a:txBody>
+                      <a:tcPr/>
+                    </a:tc>
+                    <a:extLst>
+                      <a:ext uri="{0D108BD9-81ED-4DB2-BD59-A6C34878D82A}">
+                        <a16:rowId xmlns:a16="http://schemas.microsoft.com/office/drawing/2014/main" val="2412432484"/>
+                      </a:ext>
+                    </a:extLst>
+                  </a:tr>
+                  <a:tr h="341956">
+                    <a:tc>
+                      <a:txBody>
+                        <a:bodyPr/>
+                        <a:lstStyle/>
+                        <a:p>
+                          <a:pPr algn="ctr"/>
+                          <a:r>
+                            <a:rPr lang="en-US" sz="1400" dirty="0"/>
+                            <a:t>add()/^=</a:t>
+                          </a:r>
+                        </a:p>
+                      </a:txBody>
+                      <a:tcPr/>
+                    </a:tc>
+                    <a:tc>
+                      <a:txBody>
+                        <a:bodyPr/>
+                        <a:lstStyle/>
+                        <a:p>
+                          <a:pPr algn="ctr"/>
+                          <a:r>
+                            <a:rPr lang="en-US" sz="1400" dirty="0"/>
+                            <a:t>8</a:t>
+                          </a:r>
+                        </a:p>
+                      </a:txBody>
+                      <a:tcPr/>
+                    </a:tc>
+                    <a:tc>
+                      <a:txBody>
+                        <a:bodyPr/>
+                        <a:lstStyle/>
+                        <a:p>
+                          <a:endParaRPr lang="en-US"/>
+                        </a:p>
+                      </a:txBody>
+                      <a:tcPr>
+                        <a:blipFill>
+                          <a:blip r:embed="rId2"/>
+                          <a:stretch>
+                            <a:fillRect l="-201205" t="-129630" r="-101205" b="-500000"/>
+                          </a:stretch>
+                        </a:blipFill>
+                      </a:tcPr>
+                    </a:tc>
+                    <a:tc>
+                      <a:txBody>
+                        <a:bodyPr/>
+                        <a:lstStyle/>
+                        <a:p>
+                          <a:endParaRPr lang="en-US"/>
+                        </a:p>
+                      </a:txBody>
+                      <a:tcPr>
+                        <a:blipFill>
+                          <a:blip r:embed="rId2"/>
+                          <a:stretch>
+                            <a:fillRect l="-301205" t="-129630" r="-1205" b="-500000"/>
+                          </a:stretch>
+                        </a:blipFill>
+                      </a:tcPr>
+                    </a:tc>
+                    <a:extLst>
+                      <a:ext uri="{0D108BD9-81ED-4DB2-BD59-A6C34878D82A}">
+                        <a16:rowId xmlns:a16="http://schemas.microsoft.com/office/drawing/2014/main" val="4238301737"/>
+                      </a:ext>
+                    </a:extLst>
+                  </a:tr>
+                  <a:tr h="341956">
+                    <a:tc>
+                      <a:txBody>
+                        <a:bodyPr/>
+                        <a:lstStyle/>
+                        <a:p>
+                          <a:pPr algn="ctr"/>
+                          <a:r>
+                            <a:rPr lang="en-US" sz="1400" dirty="0"/>
+                            <a:t>^(XOR)</a:t>
+                          </a:r>
+                        </a:p>
+                      </a:txBody>
+                      <a:tcPr/>
+                    </a:tc>
+                    <a:tc>
+                      <a:txBody>
+                        <a:bodyPr/>
+                        <a:lstStyle/>
+                        <a:p>
+                          <a:pPr algn="ctr"/>
+                          <a:r>
+                            <a:rPr lang="en-US" sz="1400" dirty="0"/>
+                            <a:t>2</a:t>
+                          </a:r>
+                        </a:p>
+                      </a:txBody>
+                      <a:tcPr/>
+                    </a:tc>
+                    <a:tc>
+                      <a:txBody>
+                        <a:bodyPr/>
+                        <a:lstStyle/>
+                        <a:p>
+                          <a:endParaRPr lang="en-US"/>
+                        </a:p>
+                      </a:txBody>
+                      <a:tcPr>
+                        <a:blipFill>
+                          <a:blip r:embed="rId2"/>
+                          <a:stretch>
+                            <a:fillRect l="-201205" t="-229630" r="-101205" b="-400000"/>
+                          </a:stretch>
+                        </a:blipFill>
+                      </a:tcPr>
+                    </a:tc>
+                    <a:tc>
+                      <a:txBody>
+                        <a:bodyPr/>
+                        <a:lstStyle/>
+                        <a:p>
+                          <a:endParaRPr lang="en-US"/>
+                        </a:p>
+                      </a:txBody>
+                      <a:tcPr>
+                        <a:blipFill>
+                          <a:blip r:embed="rId2"/>
+                          <a:stretch>
+                            <a:fillRect l="-301205" t="-229630" r="-1205" b="-400000"/>
+                          </a:stretch>
+                        </a:blipFill>
+                      </a:tcPr>
+                    </a:tc>
+                    <a:extLst>
+                      <a:ext uri="{0D108BD9-81ED-4DB2-BD59-A6C34878D82A}">
+                        <a16:rowId xmlns:a16="http://schemas.microsoft.com/office/drawing/2014/main" val="266417292"/>
+                      </a:ext>
+                    </a:extLst>
+                  </a:tr>
+                  <a:tr h="309579">
+                    <a:tc>
+                      <a:txBody>
+                        <a:bodyPr/>
+                        <a:lstStyle/>
+                        <a:p>
+                          <a:pPr algn="ctr"/>
+                          <a:r>
+                            <a:rPr lang="en-US" sz="1400" dirty="0" err="1"/>
+                            <a:t>toeplitzByVec</a:t>
+                          </a:r>
+                          <a:r>
+                            <a:rPr lang="en-US" sz="1400" dirty="0"/>
+                            <a:t>()</a:t>
+                          </a:r>
+                        </a:p>
+                      </a:txBody>
+                      <a:tcPr/>
+                    </a:tc>
+                    <a:tc>
+                      <a:txBody>
+                        <a:bodyPr/>
+                        <a:lstStyle/>
+                        <a:p>
+                          <a:pPr algn="ctr"/>
+                          <a:r>
+                            <a:rPr lang="en-US" sz="1400" dirty="0"/>
+                            <a:t>4</a:t>
+                          </a:r>
+                        </a:p>
+                      </a:txBody>
+                      <a:tcPr/>
+                    </a:tc>
+                    <a:tc>
+                      <a:txBody>
+                        <a:bodyPr/>
+                        <a:lstStyle/>
+                        <a:p>
+                          <a:endParaRPr lang="en-US"/>
+                        </a:p>
+                      </a:txBody>
+                      <a:tcPr>
+                        <a:blipFill>
+                          <a:blip r:embed="rId2"/>
+                          <a:stretch>
+                            <a:fillRect l="-201205" t="-370833" r="-101205" b="-350000"/>
+                          </a:stretch>
+                        </a:blipFill>
+                      </a:tcPr>
+                    </a:tc>
+                    <a:tc>
+                      <a:txBody>
+                        <a:bodyPr/>
+                        <a:lstStyle/>
+                        <a:p>
+                          <a:endParaRPr lang="en-US"/>
+                        </a:p>
+                      </a:txBody>
+                      <a:tcPr>
+                        <a:blipFill>
+                          <a:blip r:embed="rId2"/>
+                          <a:stretch>
+                            <a:fillRect l="-301205" t="-370833" r="-1205" b="-350000"/>
+                          </a:stretch>
+                        </a:blipFill>
+                      </a:tcPr>
+                    </a:tc>
+                    <a:extLst>
+                      <a:ext uri="{0D108BD9-81ED-4DB2-BD59-A6C34878D82A}">
+                        <a16:rowId xmlns:a16="http://schemas.microsoft.com/office/drawing/2014/main" val="2998986514"/>
+                      </a:ext>
+                    </a:extLst>
+                  </a:tr>
+                  <a:tr h="340537">
+                    <a:tc>
+                      <a:txBody>
+                        <a:bodyPr/>
+                        <a:lstStyle/>
+                        <a:p>
+                          <a:pPr algn="ctr"/>
+                          <a:r>
+                            <a:rPr lang="en-US" sz="1400" dirty="0">
+                              <a:solidFill>
+                                <a:srgbClr val="FF0000"/>
+                              </a:solidFill>
+                            </a:rPr>
+                            <a:t>MUX</a:t>
+                          </a:r>
+                        </a:p>
+                      </a:txBody>
+                      <a:tcPr/>
+                    </a:tc>
+                    <a:tc>
+                      <a:txBody>
+                        <a:bodyPr/>
+                        <a:lstStyle/>
+                        <a:p>
+                          <a:pPr algn="ctr"/>
+                          <a:r>
+                            <a:rPr lang="en-US" sz="1400" dirty="0"/>
+                            <a:t>2</a:t>
+                          </a:r>
+                        </a:p>
+                      </a:txBody>
+                      <a:tcPr/>
+                    </a:tc>
+                    <a:tc>
+                      <a:txBody>
+                        <a:bodyPr/>
+                        <a:lstStyle/>
+                        <a:p>
+                          <a:endParaRPr lang="en-US"/>
+                        </a:p>
+                      </a:txBody>
+                      <a:tcPr>
+                        <a:blipFill>
+                          <a:blip r:embed="rId2"/>
+                          <a:stretch>
+                            <a:fillRect l="-201205" t="-418519" r="-101205" b="-211111"/>
+                          </a:stretch>
+                        </a:blipFill>
+                      </a:tcPr>
+                    </a:tc>
+                    <a:tc>
+                      <a:txBody>
+                        <a:bodyPr/>
+                        <a:lstStyle/>
+                        <a:p>
+                          <a:endParaRPr lang="en-US"/>
+                        </a:p>
+                      </a:txBody>
+                      <a:tcPr>
+                        <a:blipFill>
+                          <a:blip r:embed="rId2"/>
+                          <a:stretch>
+                            <a:fillRect l="-301205" t="-418519" r="-1205" b="-211111"/>
+                          </a:stretch>
+                        </a:blipFill>
+                      </a:tcPr>
+                    </a:tc>
+                    <a:extLst>
+                      <a:ext uri="{0D108BD9-81ED-4DB2-BD59-A6C34878D82A}">
+                        <a16:rowId xmlns:a16="http://schemas.microsoft.com/office/drawing/2014/main" val="394972434"/>
+                      </a:ext>
+                    </a:extLst>
+                  </a:tr>
+                  <a:tr h="340537">
+                    <a:tc>
+                      <a:txBody>
+                        <a:bodyPr/>
+                        <a:lstStyle/>
+                        <a:p>
+                          <a:pPr algn="ctr"/>
+                          <a:r>
+                            <a:rPr lang="en-US" sz="1400" dirty="0" err="1">
+                              <a:solidFill>
+                                <a:srgbClr val="FF0000"/>
+                              </a:solidFill>
+                            </a:rPr>
+                            <a:t>matByVec</a:t>
+                          </a:r>
+                          <a:endParaRPr lang="en-US" sz="1400" dirty="0">
+                            <a:solidFill>
+                              <a:srgbClr val="FF0000"/>
+                            </a:solidFill>
+                          </a:endParaRPr>
+                        </a:p>
+                      </a:txBody>
+                      <a:tcPr/>
+                    </a:tc>
+                    <a:tc>
+                      <a:txBody>
+                        <a:bodyPr/>
+                        <a:lstStyle/>
+                        <a:p>
+                          <a:pPr algn="ctr"/>
+                          <a:r>
+                            <a:rPr lang="en-US" sz="1400" dirty="0"/>
+                            <a:t>2</a:t>
+                          </a:r>
+                        </a:p>
+                      </a:txBody>
+                      <a:tcPr/>
+                    </a:tc>
+                    <a:tc>
+                      <a:txBody>
+                        <a:bodyPr/>
+                        <a:lstStyle/>
+                        <a:p>
+                          <a:pPr algn="ctr"/>
+                          <a:r>
+                            <a:rPr lang="en-US" sz="1400" dirty="0"/>
+                            <a:t>37n</a:t>
+                          </a:r>
+                        </a:p>
+                      </a:txBody>
+                      <a:tcPr/>
+                    </a:tc>
+                    <a:tc>
+                      <a:txBody>
+                        <a:bodyPr/>
+                        <a:lstStyle/>
+                        <a:p>
+                          <a:pPr algn="ctr"/>
+                          <a:r>
+                            <a:rPr lang="en-US" sz="1400" dirty="0"/>
+                            <a:t>74n</a:t>
+                          </a:r>
+                        </a:p>
+                      </a:txBody>
+                      <a:tcPr/>
+                    </a:tc>
+                    <a:extLst>
+                      <a:ext uri="{0D108BD9-81ED-4DB2-BD59-A6C34878D82A}">
+                        <a16:rowId xmlns:a16="http://schemas.microsoft.com/office/drawing/2014/main" val="2799987271"/>
+                      </a:ext>
+                    </a:extLst>
+                  </a:tr>
+                  <a:tr h="309579">
+                    <a:tc>
+                      <a:txBody>
+                        <a:bodyPr/>
+                        <a:lstStyle/>
+                        <a:p>
+                          <a:pPr algn="ctr"/>
+                          <a:r>
+                            <a:rPr lang="en-US" sz="1400" dirty="0"/>
+                            <a:t>Total</a:t>
+                          </a:r>
+                        </a:p>
+                      </a:txBody>
+                      <a:tcPr>
+                        <a:lnB w="12700" cap="flat" cmpd="sng" algn="ctr">
+                          <a:solidFill>
+                            <a:schemeClr val="tx1"/>
+                          </a:solidFill>
+                          <a:prstDash val="solid"/>
+                          <a:round/>
+                          <a:headEnd type="none" w="med" len="med"/>
+                          <a:tailEnd type="none" w="med" len="med"/>
+                        </a:lnB>
+                      </a:tcPr>
+                    </a:tc>
+                    <a:tc>
+                      <a:txBody>
+                        <a:bodyPr/>
+                        <a:lstStyle/>
+                        <a:p>
+                          <a:pPr algn="ctr"/>
+                          <a:endParaRPr lang="en-US" sz="1400" dirty="0"/>
+                        </a:p>
+                      </a:txBody>
+                      <a:tcPr>
+                        <a:lnB w="12700" cap="flat" cmpd="sng" algn="ctr">
+                          <a:solidFill>
+                            <a:schemeClr val="tx1"/>
+                          </a:solidFill>
+                          <a:prstDash val="solid"/>
+                          <a:round/>
+                          <a:headEnd type="none" w="med" len="med"/>
+                          <a:tailEnd type="none" w="med" len="med"/>
+                        </a:lnB>
+                      </a:tcPr>
+                    </a:tc>
+                    <a:tc>
+                      <a:txBody>
+                        <a:bodyPr/>
+                        <a:lstStyle/>
+                        <a:p>
+                          <a:pPr algn="ctr"/>
+                          <a:endParaRPr lang="en-US" sz="1400" dirty="0"/>
+                        </a:p>
+                      </a:txBody>
+                      <a:tcPr/>
+                    </a:tc>
+                    <a:tc>
+                      <a:txBody>
+                        <a:bodyPr/>
+                        <a:lstStyle/>
+                        <a:p>
+                          <a:endParaRPr lang="en-US"/>
+                        </a:p>
+                      </a:txBody>
+                      <a:tcPr>
+                        <a:blipFill>
+                          <a:blip r:embed="rId2"/>
+                          <a:stretch>
+                            <a:fillRect l="-301205" t="-668000" r="-1205" b="-20000"/>
+                          </a:stretch>
+                        </a:blipFill>
+                      </a:tcPr>
+                    </a:tc>
+                    <a:extLst>
+                      <a:ext uri="{0D108BD9-81ED-4DB2-BD59-A6C34878D82A}">
+                        <a16:rowId xmlns:a16="http://schemas.microsoft.com/office/drawing/2014/main" val="915950187"/>
+                      </a:ext>
+                    </a:extLst>
+                  </a:tr>
+                </a:tbl>
+              </a:graphicData>
+            </a:graphic>
+          </p:graphicFrame>
+        </mc:Fallback>
+      </mc:AlternateContent>
+    </p:spTree>
+    <p:extLst>
+      <p:ext uri="{BB962C8B-B14F-4D97-AF65-F5344CB8AC3E}">
+        <p14:creationId xmlns:p14="http://schemas.microsoft.com/office/powerpoint/2010/main" val="1574301204"/>
+      </p:ext>
+    </p:extLst>
+  </p:cSld>
+  <p:clrMapOvr>
+    <a:masterClrMapping/>
+  </p:clrMapOvr>
+</p:sld>
+</file>
+
+<file path=ppt/slides/slide4.xml><?xml version="1.0" encoding="utf-8"?>
 <p:sld xmlns:a="http://schemas.openxmlformats.org/drawingml/2006/main" xmlns:r="http://schemas.openxmlformats.org/officeDocument/2006/relationships" xmlns:p="http://schemas.openxmlformats.org/presentationml/2006/main">
   <p:cSld>
     <p:spTree>
@@ -4794,8 +6939,8 @@
           </a:p>
         </p:txBody>
       </p:sp>
-      <mc:AlternateContent xmlns:mc="http://schemas.openxmlformats.org/markup-compatibility/2006" xmlns:a14="http://schemas.microsoft.com/office/drawing/2010/main">
-        <mc:Choice Requires="a14">
+      <mc:AlternateContent xmlns:mc="http://schemas.openxmlformats.org/markup-compatibility/2006">
+        <mc:Choice xmlns:a14="http://schemas.microsoft.com/office/drawing/2010/main" Requires="a14">
           <p:graphicFrame>
             <p:nvGraphicFramePr>
               <p:cNvPr id="4" name="Table 3">
@@ -4811,7 +6956,7 @@
               <p:nvPr>
                 <p:extLst>
                   <p:ext uri="{D42A27DB-BD31-4B8C-83A1-F6EECF244321}">
-                    <p14:modId xmlns:p14="http://schemas.microsoft.com/office/powerpoint/2010/main" val="1791439286"/>
+                    <p14:modId xmlns:p14="http://schemas.microsoft.com/office/powerpoint/2010/main" val="3175998121"/>
                   </p:ext>
                 </p:extLst>
               </p:nvPr>
@@ -4946,7 +7091,7 @@
                           <a:pPr algn="ctr"/>
                           <a:r>
                             <a:rPr lang="en-US" sz="1400" dirty="0"/>
-                            <a:t>6</a:t>
+                            <a:t>8</a:t>
                           </a:r>
                         </a:p>
                       </a:txBody>
@@ -5010,12 +7155,6 @@
                                 <m:jc m:val="centerGroup"/>
                               </m:oMathParaPr>
                               <m:oMath xmlns:m="http://schemas.openxmlformats.org/officeDocument/2006/math">
-                                <m:r>
-                                  <a:rPr lang="en-US" sz="1400" b="0" i="1" smtClean="0">
-                                    <a:latin typeface="Cambria Math" panose="02040503050406030204" pitchFamily="18" charset="0"/>
-                                  </a:rPr>
-                                  <m:t>~</m:t>
-                                </m:r>
                                 <m:f>
                                   <m:fPr>
                                     <m:type m:val="skw"/>
@@ -5038,7 +7177,7 @@
                                       <a:rPr lang="en-US" sz="1400" b="0" i="1" smtClean="0">
                                         <a:latin typeface="Cambria Math" panose="02040503050406030204" pitchFamily="18" charset="0"/>
                                       </a:rPr>
-                                      <m:t>10</m:t>
+                                      <m:t>8</m:t>
                                     </m:r>
                                   </m:den>
                                 </m:f>
@@ -5229,16 +7368,10 @@
                               </m:oMathParaPr>
                               <m:oMath xmlns:m="http://schemas.openxmlformats.org/officeDocument/2006/math">
                                 <m:r>
-                                  <a:rPr lang="en-US" sz="1400" i="1" smtClean="0">
-                                    <a:latin typeface="Cambria Math" panose="02040503050406030204" pitchFamily="18" charset="0"/>
-                                  </a:rPr>
-                                  <m:t>3</m:t>
-                                </m:r>
-                                <m:r>
                                   <a:rPr lang="en-US" sz="1400" b="0" i="1" smtClean="0">
                                     <a:latin typeface="Cambria Math" panose="02040503050406030204" pitchFamily="18" charset="0"/>
                                   </a:rPr>
-                                  <m:t>3</m:t>
+                                  <m:t>25</m:t>
                                 </m:r>
                                 <m:r>
                                   <a:rPr lang="en-US" sz="1400" b="0" i="1" smtClean="0">
@@ -5276,7 +7409,7 @@
                                   <a:rPr lang="en-US" sz="1400" b="0" i="1" smtClean="0">
                                     <a:latin typeface="Cambria Math" panose="02040503050406030204" pitchFamily="18" charset="0"/>
                                   </a:rPr>
-                                  <m:t>32</m:t>
+                                  <m:t>00</m:t>
                                 </m:r>
                                 <m:r>
                                   <a:rPr lang="en-US" sz="1400" b="0" i="1" smtClean="0">
@@ -5365,6 +7498,12 @@
                                       <a:rPr lang="en-US" sz="1400" b="0" i="1" smtClean="0">
                                         <a:latin typeface="Cambria Math" panose="02040503050406030204" pitchFamily="18" charset="0"/>
                                       </a:rPr>
+                                      <m:t>3</m:t>
+                                    </m:r>
+                                    <m:r>
+                                      <a:rPr lang="en-US" sz="1400" b="0" i="1" smtClean="0">
+                                        <a:latin typeface="Cambria Math" panose="02040503050406030204" pitchFamily="18" charset="0"/>
+                                      </a:rPr>
                                       <m:t>2</m:t>
                                     </m:r>
                                   </m:den>
@@ -5373,211 +7512,6 @@
                             </m:oMathPara>
                           </a14:m>
                           <a:endParaRPr lang="en-US" sz="1400" dirty="0"/>
-                        </a:p>
-                      </a:txBody>
-                      <a:tcPr/>
-                    </a:tc>
-                    <a:tc>
-                      <a:txBody>
-                        <a:bodyPr/>
-                        <a:lstStyle/>
-                        <a:p>
-                          <a:pPr algn="ctr"/>
-                          <a:r>
-                            <a:rPr lang="en-US" sz="1400" dirty="0"/>
-                            <a:t>n</a:t>
-                          </a:r>
-                        </a:p>
-                      </a:txBody>
-                      <a:tcPr/>
-                    </a:tc>
-                    <a:extLst>
-                      <a:ext uri="{0D108BD9-81ED-4DB2-BD59-A6C34878D82A}">
-                        <a16:rowId xmlns:a16="http://schemas.microsoft.com/office/drawing/2014/main" val="394972434"/>
-                      </a:ext>
-                    </a:extLst>
-                  </a:tr>
-                  <a:tr h="309579">
-                    <a:tc>
-                      <a:txBody>
-                        <a:bodyPr/>
-                        <a:lstStyle/>
-                        <a:p>
-                          <a:pPr algn="ctr"/>
-                          <a:r>
-                            <a:rPr lang="en-US" sz="1400" dirty="0" err="1"/>
-                            <a:t>Reformat_input</a:t>
-                          </a:r>
-                          <a:endParaRPr lang="en-US" sz="1400" dirty="0"/>
-                        </a:p>
-                      </a:txBody>
-                      <a:tcPr/>
-                    </a:tc>
-                    <a:tc>
-                      <a:txBody>
-                        <a:bodyPr/>
-                        <a:lstStyle/>
-                        <a:p>
-                          <a:pPr algn="ctr"/>
-                          <a:r>
-                            <a:rPr lang="en-US" sz="1400" dirty="0"/>
-                            <a:t>4</a:t>
-                          </a:r>
-                        </a:p>
-                      </a:txBody>
-                      <a:tcPr/>
-                    </a:tc>
-                    <a:tc>
-                      <a:txBody>
-                        <a:bodyPr/>
-                        <a:lstStyle/>
-                        <a:p>
-                          <a:pPr algn="ctr"/>
-                          <a:r>
-                            <a:rPr lang="en-US" sz="1400" dirty="0"/>
-                            <a:t>n</a:t>
-                          </a:r>
-                        </a:p>
-                      </a:txBody>
-                      <a:tcPr/>
-                    </a:tc>
-                    <a:tc>
-                      <a:txBody>
-                        <a:bodyPr/>
-                        <a:lstStyle/>
-                        <a:p>
-                          <a:pPr algn="ctr"/>
-                          <a:r>
-                            <a:rPr lang="en-US" sz="1400" dirty="0"/>
-                            <a:t>4n</a:t>
-                          </a:r>
-                        </a:p>
-                      </a:txBody>
-                      <a:tcPr/>
-                    </a:tc>
-                    <a:extLst>
-                      <a:ext uri="{0D108BD9-81ED-4DB2-BD59-A6C34878D82A}">
-                        <a16:rowId xmlns:a16="http://schemas.microsoft.com/office/drawing/2014/main" val="2900051518"/>
-                      </a:ext>
-                    </a:extLst>
-                  </a:tr>
-                  <a:tr h="309579">
-                    <a:tc>
-                      <a:txBody>
-                        <a:bodyPr/>
-                        <a:lstStyle/>
-                        <a:p>
-                          <a:pPr algn="ctr"/>
-                          <a:r>
-                            <a:rPr lang="en-US" sz="1400" dirty="0" err="1">
-                              <a:solidFill>
-                                <a:srgbClr val="FF0000"/>
-                              </a:solidFill>
-                            </a:rPr>
-                            <a:t>Lsbs</a:t>
-                          </a:r>
-                          <a:r>
-                            <a:rPr lang="en-US" sz="1400" dirty="0">
-                              <a:solidFill>
-                                <a:srgbClr val="FF0000"/>
-                              </a:solidFill>
-                            </a:rPr>
-                            <a:t>/</a:t>
-                          </a:r>
-                          <a:r>
-                            <a:rPr lang="en-US" sz="1400" dirty="0" err="1">
-                              <a:solidFill>
-                                <a:srgbClr val="FF0000"/>
-                              </a:solidFill>
-                            </a:rPr>
-                            <a:t>msbs</a:t>
-                          </a:r>
-                          <a:endParaRPr lang="en-US" sz="1400" dirty="0">
-                            <a:solidFill>
-                              <a:srgbClr val="FF0000"/>
-                            </a:solidFill>
-                          </a:endParaRPr>
-                        </a:p>
-                      </a:txBody>
-                      <a:tcPr/>
-                    </a:tc>
-                    <a:tc>
-                      <a:txBody>
-                        <a:bodyPr/>
-                        <a:lstStyle/>
-                        <a:p>
-                          <a:pPr algn="ctr"/>
-                          <a:r>
-                            <a:rPr lang="en-US" sz="1400" dirty="0"/>
-                            <a:t>4</a:t>
-                          </a:r>
-                        </a:p>
-                      </a:txBody>
-                      <a:tcPr/>
-                    </a:tc>
-                    <a:tc>
-                      <a:txBody>
-                        <a:bodyPr/>
-                        <a:lstStyle/>
-                        <a:p>
-                          <a:pPr algn="ctr"/>
-                          <a:r>
-                            <a:rPr lang="en-US" sz="1400" dirty="0"/>
-                            <a:t>-</a:t>
-                          </a:r>
-                        </a:p>
-                      </a:txBody>
-                      <a:tcPr/>
-                    </a:tc>
-                    <a:tc>
-                      <a:txBody>
-                        <a:bodyPr/>
-                        <a:lstStyle/>
-                        <a:p>
-                          <a:pPr algn="ctr"/>
-                          <a:r>
-                            <a:rPr lang="en-US" sz="1400" dirty="0"/>
-                            <a:t>-</a:t>
-                          </a:r>
-                        </a:p>
-                      </a:txBody>
-                      <a:tcPr/>
-                    </a:tc>
-                    <a:extLst>
-                      <a:ext uri="{0D108BD9-81ED-4DB2-BD59-A6C34878D82A}">
-                        <a16:rowId xmlns:a16="http://schemas.microsoft.com/office/drawing/2014/main" val="3554815395"/>
-                      </a:ext>
-                    </a:extLst>
-                  </a:tr>
-                  <a:tr h="341956">
-                    <a:tc>
-                      <a:txBody>
-                        <a:bodyPr/>
-                        <a:lstStyle/>
-                        <a:p>
-                          <a:pPr algn="ctr"/>
-                          <a:r>
-                            <a:rPr lang="en-US" sz="1400" dirty="0">
-                              <a:solidFill>
-                                <a:srgbClr val="FF0000"/>
-                              </a:solidFill>
-                            </a:rPr>
-                            <a:t>subtract</a:t>
-                          </a:r>
-                        </a:p>
-                      </a:txBody>
-                      <a:tcPr/>
-                    </a:tc>
-                    <a:tc>
-                      <a:txBody>
-                        <a:bodyPr/>
-                        <a:lstStyle/>
-                        <a:p>
-                          <a:pPr algn="ctr"/>
-                          <a:r>
-                            <a:rPr lang="en-US" sz="1400" dirty="0"/>
-                            <a:t>2</a:t>
-                          </a:r>
                         </a:p>
                       </a:txBody>
                       <a:tcPr/>
@@ -5616,12 +7550,248 @@
                                       <a:rPr lang="en-US" sz="1400" b="0" i="1" smtClean="0">
                                         <a:latin typeface="Cambria Math" panose="02040503050406030204" pitchFamily="18" charset="0"/>
                                       </a:rPr>
-                                      <m:t>8</m:t>
+                                      <m:t>16</m:t>
                                     </m:r>
                                   </m:den>
                                 </m:f>
                               </m:oMath>
                             </m:oMathPara>
+                          </a14:m>
+                          <a:endParaRPr lang="en-US" sz="1400" dirty="0"/>
+                        </a:p>
+                      </a:txBody>
+                      <a:tcPr/>
+                    </a:tc>
+                    <a:extLst>
+                      <a:ext uri="{0D108BD9-81ED-4DB2-BD59-A6C34878D82A}">
+                        <a16:rowId xmlns:a16="http://schemas.microsoft.com/office/drawing/2014/main" val="394972434"/>
+                      </a:ext>
+                    </a:extLst>
+                  </a:tr>
+                  <a:tr h="309579">
+                    <a:tc>
+                      <a:txBody>
+                        <a:bodyPr/>
+                        <a:lstStyle/>
+                        <a:p>
+                          <a:pPr algn="ctr"/>
+                          <a:r>
+                            <a:rPr lang="en-US" sz="1400" dirty="0" err="1"/>
+                            <a:t>Reformat_input</a:t>
+                          </a:r>
+                          <a:endParaRPr lang="en-US" sz="1400" dirty="0"/>
+                        </a:p>
+                      </a:txBody>
+                      <a:tcPr/>
+                    </a:tc>
+                    <a:tc>
+                      <a:txBody>
+                        <a:bodyPr/>
+                        <a:lstStyle/>
+                        <a:p>
+                          <a:pPr algn="ctr"/>
+                          <a:r>
+                            <a:rPr lang="en-US" sz="1400" dirty="0"/>
+                            <a:t>4</a:t>
+                          </a:r>
+                        </a:p>
+                      </a:txBody>
+                      <a:tcPr/>
+                    </a:tc>
+                    <a:tc>
+                      <a:txBody>
+                        <a:bodyPr/>
+                        <a:lstStyle/>
+                        <a:p>
+                          <a:pPr algn="ctr"/>
+                          <a:r>
+                            <a:rPr lang="en-US" sz="1400" dirty="0"/>
+                            <a:t>n</a:t>
+                          </a:r>
+                        </a:p>
+                      </a:txBody>
+                      <a:tcPr/>
+                    </a:tc>
+                    <a:tc>
+                      <a:txBody>
+                        <a:bodyPr/>
+                        <a:lstStyle/>
+                        <a:p>
+                          <a:pPr algn="ctr"/>
+                          <a:r>
+                            <a:rPr lang="en-US" sz="1400" dirty="0"/>
+                            <a:t>4n</a:t>
+                          </a:r>
+                        </a:p>
+                      </a:txBody>
+                      <a:tcPr/>
+                    </a:tc>
+                    <a:extLst>
+                      <a:ext uri="{0D108BD9-81ED-4DB2-BD59-A6C34878D82A}">
+                        <a16:rowId xmlns:a16="http://schemas.microsoft.com/office/drawing/2014/main" val="2900051518"/>
+                      </a:ext>
+                    </a:extLst>
+                  </a:tr>
+                  <a:tr h="309579">
+                    <a:tc>
+                      <a:txBody>
+                        <a:bodyPr/>
+                        <a:lstStyle/>
+                        <a:p>
+                          <a:pPr algn="ctr"/>
+                          <a:r>
+                            <a:rPr lang="en-US" sz="1400" dirty="0" err="1">
+                              <a:solidFill>
+                                <a:srgbClr val="FF0000"/>
+                              </a:solidFill>
+                            </a:rPr>
+                            <a:t>Lsbs</a:t>
+                          </a:r>
+                          <a:r>
+                            <a:rPr lang="en-US" sz="1400" dirty="0">
+                              <a:solidFill>
+                                <a:srgbClr val="FF0000"/>
+                              </a:solidFill>
+                            </a:rPr>
+                            <a:t>/</a:t>
+                          </a:r>
+                          <a:r>
+                            <a:rPr lang="en-US" sz="1400" dirty="0" err="1">
+                              <a:solidFill>
+                                <a:srgbClr val="FF0000"/>
+                              </a:solidFill>
+                            </a:rPr>
+                            <a:t>msbs</a:t>
+                          </a:r>
+                          <a:endParaRPr lang="en-US" sz="1400" dirty="0">
+                            <a:solidFill>
+                              <a:srgbClr val="FF0000"/>
+                            </a:solidFill>
+                          </a:endParaRPr>
+                        </a:p>
+                      </a:txBody>
+                      <a:tcPr/>
+                    </a:tc>
+                    <a:tc>
+                      <a:txBody>
+                        <a:bodyPr/>
+                        <a:lstStyle/>
+                        <a:p>
+                          <a:pPr algn="ctr"/>
+                          <a:r>
+                            <a:rPr lang="en-US" sz="1400" dirty="0"/>
+                            <a:t>4</a:t>
+                          </a:r>
+                        </a:p>
+                      </a:txBody>
+                      <a:tcPr/>
+                    </a:tc>
+                    <a:tc>
+                      <a:txBody>
+                        <a:bodyPr/>
+                        <a:lstStyle/>
+                        <a:p>
+                          <a:pPr algn="ctr"/>
+                          <a:r>
+                            <a:rPr lang="en-US" sz="1400" dirty="0"/>
+                            <a:t>-</a:t>
+                          </a:r>
+                        </a:p>
+                      </a:txBody>
+                      <a:tcPr/>
+                    </a:tc>
+                    <a:tc>
+                      <a:txBody>
+                        <a:bodyPr/>
+                        <a:lstStyle/>
+                        <a:p>
+                          <a:pPr algn="ctr"/>
+                          <a:r>
+                            <a:rPr lang="en-US" sz="1400" dirty="0"/>
+                            <a:t>-</a:t>
+                          </a:r>
+                        </a:p>
+                      </a:txBody>
+                      <a:tcPr/>
+                    </a:tc>
+                    <a:extLst>
+                      <a:ext uri="{0D108BD9-81ED-4DB2-BD59-A6C34878D82A}">
+                        <a16:rowId xmlns:a16="http://schemas.microsoft.com/office/drawing/2014/main" val="3554815395"/>
+                      </a:ext>
+                    </a:extLst>
+                  </a:tr>
+                  <a:tr h="341956">
+                    <a:tc>
+                      <a:txBody>
+                        <a:bodyPr/>
+                        <a:lstStyle/>
+                        <a:p>
+                          <a:pPr algn="ctr"/>
+                          <a:r>
+                            <a:rPr lang="en-US" sz="1400" dirty="0">
+                              <a:solidFill>
+                                <a:srgbClr val="FF0000"/>
+                              </a:solidFill>
+                            </a:rPr>
+                            <a:t>subtract</a:t>
+                          </a:r>
+                        </a:p>
+                      </a:txBody>
+                      <a:tcPr/>
+                    </a:tc>
+                    <a:tc>
+                      <a:txBody>
+                        <a:bodyPr/>
+                        <a:lstStyle/>
+                        <a:p>
+                          <a:pPr algn="ctr"/>
+                          <a:r>
+                            <a:rPr lang="en-US" sz="1400" dirty="0"/>
+                            <a:t>2</a:t>
+                          </a:r>
+                        </a:p>
+                      </a:txBody>
+                      <a:tcPr/>
+                    </a:tc>
+                    <a:tc>
+                      <a:txBody>
+                        <a:bodyPr/>
+                        <a:lstStyle/>
+                        <a:p>
+                          <a:pPr algn="ctr"/>
+                          <a:r>
+                            <a:rPr lang="en-US" sz="1400" dirty="0"/>
+                            <a:t>~</a:t>
+                          </a:r>
+                          <a14:m>
+                            <m:oMath xmlns:m="http://schemas.openxmlformats.org/officeDocument/2006/math">
+                              <m:f>
+                                <m:fPr>
+                                  <m:type m:val="skw"/>
+                                  <m:ctrlPr>
+                                    <a:rPr lang="en-US" sz="1400" i="1" smtClean="0">
+                                      <a:latin typeface="Cambria Math" panose="02040503050406030204" pitchFamily="18" charset="0"/>
+                                    </a:rPr>
+                                  </m:ctrlPr>
+                                </m:fPr>
+                                <m:num>
+                                  <m:r>
+                                    <a:rPr lang="en-US" sz="1400" b="0" i="1" smtClean="0">
+                                      <a:latin typeface="Cambria Math" panose="02040503050406030204" pitchFamily="18" charset="0"/>
+                                    </a:rPr>
+                                    <m:t>𝑛</m:t>
+                                  </m:r>
+                                </m:num>
+                                <m:den>
+                                  <m:r>
+                                    <a:rPr lang="en-US" sz="1400" b="0" i="1" smtClean="0">
+                                      <a:latin typeface="Cambria Math" panose="02040503050406030204" pitchFamily="18" charset="0"/>
+                                    </a:rPr>
+                                    <m:t>8</m:t>
+                                  </m:r>
+                                </m:den>
+                              </m:f>
+                            </m:oMath>
                           </a14:m>
                           <a:endParaRPr lang="en-US" sz="1400" dirty="0"/>
                         </a:p>
@@ -5716,88 +7886,24 @@
                         <a:lstStyle/>
                         <a:p>
                           <a:pPr algn="ctr"/>
-                          <a14:m>
-                            <m:oMathPara xmlns:m="http://schemas.openxmlformats.org/officeDocument/2006/math">
-                              <m:oMathParaPr>
-                                <m:jc m:val="centerGroup"/>
-                              </m:oMathParaPr>
-                              <m:oMath xmlns:m="http://schemas.openxmlformats.org/officeDocument/2006/math">
-                                <m:f>
-                                  <m:fPr>
-                                    <m:type m:val="skw"/>
-                                    <m:ctrlPr>
-                                      <a:rPr lang="en-US" sz="1400" i="1" smtClean="0">
-                                        <a:latin typeface="Cambria Math" panose="02040503050406030204" pitchFamily="18" charset="0"/>
-                                      </a:rPr>
-                                    </m:ctrlPr>
-                                  </m:fPr>
-                                  <m:num>
-                                    <m:r>
-                                      <a:rPr lang="en-US" sz="1400" b="0" i="1" smtClean="0">
-                                        <a:latin typeface="Cambria Math" panose="02040503050406030204" pitchFamily="18" charset="0"/>
-                                      </a:rPr>
-                                      <m:t>𝑛</m:t>
-                                    </m:r>
-                                  </m:num>
-                                  <m:den>
-                                    <m:r>
-                                      <a:rPr lang="en-US" sz="1400" b="0" i="1" smtClean="0">
-                                        <a:latin typeface="Cambria Math" panose="02040503050406030204" pitchFamily="18" charset="0"/>
-                                      </a:rPr>
-                                      <m:t>8</m:t>
-                                    </m:r>
-                                  </m:den>
-                                </m:f>
-                              </m:oMath>
-                            </m:oMathPara>
-                          </a14:m>
-                          <a:endParaRPr lang="en-US" sz="1400" dirty="0"/>
-                        </a:p>
-                      </a:txBody>
-                      <a:tcPr/>
-                    </a:tc>
-                    <a:tc>
-                      <a:txBody>
-                        <a:bodyPr/>
-                        <a:lstStyle/>
-                        <a:p>
-                          <a:pPr algn="ctr"/>
-                          <a14:m>
-                            <m:oMathPara xmlns:m="http://schemas.openxmlformats.org/officeDocument/2006/math">
-                              <m:oMathParaPr>
-                                <m:jc m:val="centerGroup"/>
-                              </m:oMathParaPr>
-                              <m:oMath xmlns:m="http://schemas.openxmlformats.org/officeDocument/2006/math">
-                                <m:f>
-                                  <m:fPr>
-                                    <m:type m:val="skw"/>
-                                    <m:ctrlPr>
-                                      <a:rPr lang="en-US" sz="1400" i="1" smtClean="0">
-                                        <a:latin typeface="Cambria Math" panose="02040503050406030204" pitchFamily="18" charset="0"/>
-                                      </a:rPr>
-                                    </m:ctrlPr>
-                                  </m:fPr>
-                                  <m:num>
-                                    <m:r>
-                                      <a:rPr lang="en-US" sz="1400" b="0" i="1" smtClean="0">
-                                        <a:latin typeface="Cambria Math" panose="02040503050406030204" pitchFamily="18" charset="0"/>
-                                      </a:rPr>
-                                      <m:t>𝑛</m:t>
-                                    </m:r>
-                                  </m:num>
-                                  <m:den>
-                                    <m:r>
-                                      <a:rPr lang="en-US" sz="1400" b="0" i="1" smtClean="0">
-                                        <a:latin typeface="Cambria Math" panose="02040503050406030204" pitchFamily="18" charset="0"/>
-                                      </a:rPr>
-                                      <m:t>2</m:t>
-                                    </m:r>
-                                  </m:den>
-                                </m:f>
-                              </m:oMath>
-                            </m:oMathPara>
-                          </a14:m>
-                          <a:endParaRPr lang="en-US" sz="1400" dirty="0"/>
+                          <a:r>
+                            <a:rPr lang="en-US" sz="1400" dirty="0"/>
+                            <a:t>-</a:t>
+                          </a:r>
+                        </a:p>
+                      </a:txBody>
+                      <a:tcPr/>
+                    </a:tc>
+                    <a:tc>
+                      <a:txBody>
+                        <a:bodyPr/>
+                        <a:lstStyle/>
+                        <a:p>
+                          <a:pPr algn="ctr"/>
+                          <a:r>
+                            <a:rPr lang="en-US" sz="1400" dirty="0"/>
+                            <a:t>-</a:t>
+                          </a:r>
                         </a:p>
                       </a:txBody>
                       <a:tcPr/>
@@ -5887,13 +7993,49 @@
                                   <a:rPr lang="en-US" sz="1400" b="1" i="1" smtClean="0">
                                     <a:latin typeface="Cambria Math" panose="02040503050406030204" pitchFamily="18" charset="0"/>
                                   </a:rPr>
-                                  <m:t>𝟏𝟑𝟖</m:t>
+                                  <m:t>𝟏𝟎𝟒</m:t>
+                                </m:r>
+                                <m:r>
+                                  <a:rPr lang="en-US" sz="1400" b="1" i="1" smtClean="0">
+                                    <a:latin typeface="Cambria Math" panose="02040503050406030204" pitchFamily="18" charset="0"/>
+                                  </a:rPr>
+                                  <m:t>.</m:t>
+                                </m:r>
+                                <m:r>
+                                  <a:rPr lang="en-US" sz="1400" b="1" i="1" smtClean="0">
+                                    <a:latin typeface="Cambria Math" panose="02040503050406030204" pitchFamily="18" charset="0"/>
+                                  </a:rPr>
+                                  <m:t>𝟓</m:t>
                                 </m:r>
                                 <m:r>
                                   <a:rPr lang="en-US" sz="1400" b="1" i="1" smtClean="0">
                                     <a:latin typeface="Cambria Math" panose="02040503050406030204" pitchFamily="18" charset="0"/>
                                   </a:rPr>
                                   <m:t>𝒏</m:t>
+                                </m:r>
+                                <m:r>
+                                  <a:rPr lang="en-US" sz="1400" b="1" i="1" smtClean="0">
+                                    <a:latin typeface="Cambria Math" panose="02040503050406030204" pitchFamily="18" charset="0"/>
+                                  </a:rPr>
+                                  <m:t>=</m:t>
+                                </m:r>
+                                <m:r>
+                                  <a:rPr lang="en-US" sz="1400" b="1" i="1" smtClean="0">
+                                    <a:latin typeface="Cambria Math" panose="02040503050406030204" pitchFamily="18" charset="0"/>
+                                  </a:rPr>
+                                  <m:t>𝟐𝟔</m:t>
+                                </m:r>
+                                <m:r>
+                                  <a:rPr lang="en-US" sz="1400" b="1" i="1" smtClean="0">
+                                    <a:latin typeface="Cambria Math" panose="02040503050406030204" pitchFamily="18" charset="0"/>
+                                  </a:rPr>
+                                  <m:t>,</m:t>
+                                </m:r>
+                                <m:r>
+                                  <a:rPr lang="en-US" sz="1400" b="1" i="1" smtClean="0">
+                                    <a:latin typeface="Cambria Math" panose="02040503050406030204" pitchFamily="18" charset="0"/>
+                                  </a:rPr>
+                                  <m:t>𝟕𝟓𝟐</m:t>
                                 </m:r>
                               </m:oMath>
                             </m:oMathPara>
@@ -5914,7 +8056,7 @@
             </a:graphic>
           </p:graphicFrame>
         </mc:Choice>
-        <mc:Fallback xmlns="">
+        <mc:Fallback>
           <p:graphicFrame>
             <p:nvGraphicFramePr>
               <p:cNvPr id="4" name="Table 3">
@@ -5930,7 +8072,7 @@
               <p:nvPr>
                 <p:extLst>
                   <p:ext uri="{D42A27DB-BD31-4B8C-83A1-F6EECF244321}">
-                    <p14:modId xmlns:p14="http://schemas.microsoft.com/office/powerpoint/2010/main" val="1791439286"/>
+                    <p14:modId xmlns:p14="http://schemas.microsoft.com/office/powerpoint/2010/main" val="3175998121"/>
                   </p:ext>
                 </p:extLst>
               </p:nvPr>
@@ -6065,7 +8207,7 @@
                           <a:pPr algn="ctr"/>
                           <a:r>
                             <a:rPr lang="en-US" sz="1400" dirty="0"/>
-                            <a:t>6</a:t>
+                            <a:t>8</a:t>
                           </a:r>
                         </a:p>
                       </a:txBody>
@@ -6083,7 +8225,7 @@
                         <a:blipFill>
                           <a:blip r:embed="rId2"/>
                           <a:stretch>
-                            <a:fillRect l="-201205" t="-125926" r="-101205" b="-862963"/>
+                            <a:fillRect l="-201205" t="-125926" r="-101205" b="-781481"/>
                           </a:stretch>
                         </a:blipFill>
                       </a:tcPr>
@@ -6100,7 +8242,7 @@
                         <a:blipFill>
                           <a:blip r:embed="rId2"/>
                           <a:stretch>
-                            <a:fillRect l="-301205" t="-125926" r="-1205" b="-862963"/>
+                            <a:fillRect l="-301205" t="-125926" r="-1205" b="-781481"/>
                           </a:stretch>
                         </a:blipFill>
                       </a:tcPr>
@@ -6152,7 +8294,7 @@
                         <a:blipFill>
                           <a:blip r:embed="rId2"/>
                           <a:stretch>
-                            <a:fillRect l="-201205" t="-225926" r="-101205" b="-762963"/>
+                            <a:fillRect l="-201205" t="-225926" r="-101205" b="-681481"/>
                           </a:stretch>
                         </a:blipFill>
                       </a:tcPr>
@@ -6169,7 +8311,7 @@
                         <a:blipFill>
                           <a:blip r:embed="rId2"/>
                           <a:stretch>
-                            <a:fillRect l="-301205" t="-225926" r="-1205" b="-762963"/>
+                            <a:fillRect l="-301205" t="-225926" r="-1205" b="-681481"/>
                           </a:stretch>
                         </a:blipFill>
                       </a:tcPr>
@@ -6225,7 +8367,7 @@
                         <a:blipFill>
                           <a:blip r:embed="rId2"/>
                           <a:stretch>
-                            <a:fillRect l="-201205" t="-352000" r="-101205" b="-724000"/>
+                            <a:fillRect l="-201205" t="-352000" r="-101205" b="-636000"/>
                           </a:stretch>
                         </a:blipFill>
                       </a:tcPr>
@@ -6242,7 +8384,7 @@
                         <a:blipFill>
                           <a:blip r:embed="rId2"/>
                           <a:stretch>
-                            <a:fillRect l="-301205" t="-352000" r="-1205" b="-724000"/>
+                            <a:fillRect l="-301205" t="-352000" r="-1205" b="-636000"/>
                           </a:stretch>
                         </a:blipFill>
                       </a:tcPr>
@@ -6298,7 +8440,7 @@
                         <a:blipFill>
                           <a:blip r:embed="rId2"/>
                           <a:stretch>
-                            <a:fillRect l="-201205" t="-418519" r="-101205" b="-570370"/>
+                            <a:fillRect l="-201205" t="-418519" r="-101205" b="-488889"/>
                           </a:stretch>
                         </a:blipFill>
                       </a:tcPr>
@@ -6308,14 +8450,17 @@
                         <a:bodyPr/>
                         <a:lstStyle/>
                         <a:p>
-                          <a:pPr algn="ctr"/>
-                          <a:r>
-                            <a:rPr lang="en-US" sz="1400" dirty="0"/>
-                            <a:t>n</a:t>
-                          </a:r>
-                        </a:p>
-                      </a:txBody>
-                      <a:tcPr/>
+                          <a:endParaRPr lang="en-US"/>
+                        </a:p>
+                      </a:txBody>
+                      <a:tcPr>
+                        <a:blipFill>
+                          <a:blip r:embed="rId2"/>
+                          <a:stretch>
+                            <a:fillRect l="-301205" t="-418519" r="-1205" b="-488889"/>
+                          </a:stretch>
+                        </a:blipFill>
+                      </a:tcPr>
                     </a:tc>
                     <a:extLst>
                       <a:ext uri="{0D108BD9-81ED-4DB2-BD59-A6C34878D82A}">
@@ -6520,7 +8665,7 @@
                         <a:blipFill>
                           <a:blip r:embed="rId2"/>
                           <a:stretch>
-                            <a:fillRect l="-201205" t="-700000" r="-101205" b="-288889"/>
+                            <a:fillRect l="-201205" t="-700000" r="-101205" b="-207407"/>
                           </a:stretch>
                         </a:blipFill>
                       </a:tcPr>
@@ -6537,7 +8682,7 @@
                         <a:blipFill>
                           <a:blip r:embed="rId2"/>
                           <a:stretch>
-                            <a:fillRect l="-301205" t="-700000" r="-1205" b="-288889"/>
+                            <a:fillRect l="-301205" t="-700000" r="-1205" b="-207407"/>
                           </a:stretch>
                         </a:blipFill>
                       </a:tcPr>
@@ -6583,34 +8728,28 @@
                         <a:bodyPr/>
                         <a:lstStyle/>
                         <a:p>
-                          <a:endParaRPr lang="en-US"/>
-                        </a:p>
-                      </a:txBody>
-                      <a:tcPr>
-                        <a:blipFill>
-                          <a:blip r:embed="rId2"/>
-                          <a:stretch>
-                            <a:fillRect l="-201205" t="-800000" r="-101205" b="-188889"/>
-                          </a:stretch>
-                        </a:blipFill>
-                      </a:tcPr>
-                    </a:tc>
-                    <a:tc>
-                      <a:txBody>
-                        <a:bodyPr/>
-                        <a:lstStyle/>
-                        <a:p>
-                          <a:endParaRPr lang="en-US"/>
-                        </a:p>
-                      </a:txBody>
-                      <a:tcPr>
-                        <a:blipFill>
-                          <a:blip r:embed="rId2"/>
-                          <a:stretch>
-                            <a:fillRect l="-301205" t="-800000" r="-1205" b="-188889"/>
-                          </a:stretch>
-                        </a:blipFill>
-                      </a:tcPr>
+                          <a:pPr algn="ctr"/>
+                          <a:r>
+                            <a:rPr lang="en-US" sz="1400" dirty="0"/>
+                            <a:t>-</a:t>
+                          </a:r>
+                        </a:p>
+                      </a:txBody>
+                      <a:tcPr/>
+                    </a:tc>
+                    <a:tc>
+                      <a:txBody>
+                        <a:bodyPr/>
+                        <a:lstStyle/>
+                        <a:p>
+                          <a:pPr algn="ctr"/>
+                          <a:r>
+                            <a:rPr lang="en-US" sz="1400" dirty="0"/>
+                            <a:t>-</a:t>
+                          </a:r>
+                        </a:p>
+                      </a:txBody>
+                      <a:tcPr/>
                     </a:tc>
                     <a:extLst>
                       <a:ext uri="{0D108BD9-81ED-4DB2-BD59-A6C34878D82A}">
@@ -6687,7 +8826,7 @@
                         <a:blipFill>
                           <a:blip r:embed="rId2"/>
                           <a:stretch>
-                            <a:fillRect l="-301205" t="-1012500" r="-1205" b="-112500"/>
+                            <a:fillRect l="-301205" t="-1012500" r="-1205" b="-20833"/>
                           </a:stretch>
                         </a:blipFill>
                       </a:tcPr>
@@ -6717,7 +8856,7 @@
 </p:sld>
 </file>
 
-<file path=ppt/slides/slide3.xml><?xml version="1.0" encoding="utf-8"?>
+<file path=ppt/slides/slide5.xml><?xml version="1.0" encoding="utf-8"?>
 <p:sld xmlns:a="http://schemas.openxmlformats.org/drawingml/2006/main" xmlns:r="http://schemas.openxmlformats.org/officeDocument/2006/relationships" xmlns:p="http://schemas.openxmlformats.org/presentationml/2006/main">
   <p:cSld>
     <p:spTree>
@@ -6759,8 +8898,8 @@
           </a:p>
         </p:txBody>
       </p:sp>
-      <mc:AlternateContent xmlns:mc="http://schemas.openxmlformats.org/markup-compatibility/2006">
-        <mc:Choice xmlns:a14="http://schemas.microsoft.com/office/drawing/2010/main" Requires="a14">
+      <mc:AlternateContent xmlns:mc="http://schemas.openxmlformats.org/markup-compatibility/2006" xmlns:a14="http://schemas.microsoft.com/office/drawing/2010/main">
+        <mc:Choice Requires="a14">
           <p:sp>
             <p:nvSpPr>
               <p:cNvPr id="3" name="Content Placeholder 2">
@@ -6849,7 +8988,7 @@
             </p:txBody>
           </p:sp>
         </mc:Choice>
-        <mc:Fallback>
+        <mc:Fallback xmlns="">
           <p:sp>
             <p:nvSpPr>
               <p:cNvPr id="3" name="Content Placeholder 2">

--- a/Documents/writeup/paper/images/computation analysis.pptx
+++ b/Documents/writeup/paper/images/computation analysis.pptx
@@ -5,14 +5,17 @@
     <p:sldMasterId id="2147483648" r:id="rId1"/>
   </p:sldMasterIdLst>
   <p:notesMasterIdLst>
-    <p:notesMasterId r:id="rId7"/>
+    <p:notesMasterId r:id="rId10"/>
   </p:notesMasterIdLst>
   <p:sldIdLst>
     <p:sldId id="1074" r:id="rId2"/>
     <p:sldId id="1069" r:id="rId3"/>
-    <p:sldId id="1075" r:id="rId4"/>
-    <p:sldId id="1072" r:id="rId5"/>
-    <p:sldId id="1073" r:id="rId6"/>
+    <p:sldId id="1078" r:id="rId4"/>
+    <p:sldId id="1075" r:id="rId5"/>
+    <p:sldId id="1072" r:id="rId6"/>
+    <p:sldId id="1076" r:id="rId7"/>
+    <p:sldId id="1077" r:id="rId8"/>
+    <p:sldId id="1073" r:id="rId9"/>
   </p:sldIdLst>
   <p:sldSz cx="12192000" cy="6858000"/>
   <p:notesSz cx="6858000" cy="9144000"/>
@@ -4395,8 +4398,8 @@
           </a:p>
         </p:txBody>
       </p:sp>
-      <mc:AlternateContent xmlns:mc="http://schemas.openxmlformats.org/markup-compatibility/2006">
-        <mc:Choice xmlns:a14="http://schemas.microsoft.com/office/drawing/2010/main" Requires="a14">
+      <mc:AlternateContent xmlns:mc="http://schemas.openxmlformats.org/markup-compatibility/2006" xmlns:a14="http://schemas.microsoft.com/office/drawing/2010/main">
+        <mc:Choice Requires="a14">
           <p:graphicFrame>
             <p:nvGraphicFramePr>
               <p:cNvPr id="4" name="Table 4">
@@ -4865,7 +4868,7 @@
             </a:graphic>
           </p:graphicFrame>
         </mc:Choice>
-        <mc:Fallback>
+        <mc:Fallback xmlns="">
           <p:graphicFrame>
             <p:nvGraphicFramePr>
               <p:cNvPr id="4" name="Table 4">
@@ -5312,6 +5315,1688 @@
           <p:cNvPr id="2" name="Title 1">
             <a:extLst>
               <a:ext uri="{FF2B5EF4-FFF2-40B4-BE49-F238E27FC236}">
+                <a16:creationId xmlns:a16="http://schemas.microsoft.com/office/drawing/2014/main" id="{8CCD290A-AC55-F64D-A96E-0D2C7BC3BD94}"/>
+              </a:ext>
+            </a:extLst>
+          </p:cNvPr>
+          <p:cNvSpPr>
+            <a:spLocks noGrp="1"/>
+          </p:cNvSpPr>
+          <p:nvPr>
+            <p:ph type="title"/>
+          </p:nvPr>
+        </p:nvSpPr>
+        <p:spPr>
+          <a:xfrm>
+            <a:off x="838200" y="365125"/>
+            <a:ext cx="10515600" cy="605031"/>
+          </a:xfrm>
+        </p:spPr>
+        <p:txBody>
+          <a:bodyPr>
+            <a:normAutofit fontScale="90000"/>
+          </a:bodyPr>
+          <a:lstStyle/>
+          <a:p>
+            <a:r>
+              <a:rPr lang="en-US" dirty="0"/>
+              <a:t>TCC’18 with packed-wrong</a:t>
+            </a:r>
+          </a:p>
+        </p:txBody>
+      </p:sp>
+      <p:sp>
+        <p:nvSpPr>
+          <p:cNvPr id="3" name="Content Placeholder 2">
+            <a:extLst>
+              <a:ext uri="{FF2B5EF4-FFF2-40B4-BE49-F238E27FC236}">
+                <a16:creationId xmlns:a16="http://schemas.microsoft.com/office/drawing/2014/main" id="{ACA0E2DA-ED47-3748-8B89-D8AE576F9584}"/>
+              </a:ext>
+            </a:extLst>
+          </p:cNvPr>
+          <p:cNvSpPr>
+            <a:spLocks noGrp="1"/>
+          </p:cNvSpPr>
+          <p:nvPr>
+            <p:ph idx="1"/>
+          </p:nvPr>
+        </p:nvSpPr>
+        <p:spPr>
+          <a:xfrm>
+            <a:off x="838200" y="1056191"/>
+            <a:ext cx="10515600" cy="1999243"/>
+          </a:xfrm>
+        </p:spPr>
+        <p:txBody>
+          <a:bodyPr>
+            <a:normAutofit lnSpcReduction="10000"/>
+          </a:bodyPr>
+          <a:lstStyle/>
+          <a:p>
+            <a:r>
+              <a:rPr lang="en-US" dirty="0"/>
+              <a:t>Files: </a:t>
+            </a:r>
+          </a:p>
+          <a:p>
+            <a:pPr lvl="1"/>
+            <a:r>
+              <a:rPr lang="en-US" dirty="0" err="1"/>
+              <a:t>PRF.cpp</a:t>
+            </a:r>
+            <a:endParaRPr lang="en-US" dirty="0"/>
+          </a:p>
+          <a:p>
+            <a:pPr lvl="1"/>
+            <a:r>
+              <a:rPr lang="en-US" dirty="0"/>
+              <a:t>Toeplitz-by-</a:t>
+            </a:r>
+            <a:r>
+              <a:rPr lang="en-US" dirty="0" err="1"/>
+              <a:t>x.cpp</a:t>
+            </a:r>
+            <a:endParaRPr lang="en-US" dirty="0"/>
+          </a:p>
+          <a:p>
+            <a:pPr lvl="1"/>
+            <a:r>
+              <a:rPr lang="en-US" dirty="0" err="1"/>
+              <a:t>OT.cpp</a:t>
+            </a:r>
+            <a:endParaRPr lang="en-US" dirty="0"/>
+          </a:p>
+          <a:p>
+            <a:pPr lvl="1"/>
+            <a:r>
+              <a:rPr lang="en-US" dirty="0"/>
+              <a:t>PackedMod2.hpp</a:t>
+            </a:r>
+          </a:p>
+        </p:txBody>
+      </p:sp>
+      <mc:AlternateContent xmlns:mc="http://schemas.openxmlformats.org/markup-compatibility/2006">
+        <mc:Choice xmlns:a14="http://schemas.microsoft.com/office/drawing/2010/main" Requires="a14">
+          <p:graphicFrame>
+            <p:nvGraphicFramePr>
+              <p:cNvPr id="4" name="Table 3">
+                <a:extLst>
+                  <a:ext uri="{FF2B5EF4-FFF2-40B4-BE49-F238E27FC236}">
+                    <a16:creationId xmlns:a16="http://schemas.microsoft.com/office/drawing/2014/main" id="{C7B46911-E493-A04B-9730-9DF0F931BA17}"/>
+                  </a:ext>
+                </a:extLst>
+              </p:cNvPr>
+              <p:cNvGraphicFramePr>
+                <a:graphicFrameLocks noGrp="1"/>
+              </p:cNvGraphicFramePr>
+              <p:nvPr>
+                <p:extLst>
+                  <p:ext uri="{D42A27DB-BD31-4B8C-83A1-F6EECF244321}">
+                    <p14:modId xmlns:p14="http://schemas.microsoft.com/office/powerpoint/2010/main" val="3406722133"/>
+                  </p:ext>
+                </p:extLst>
+              </p:nvPr>
+            </p:nvGraphicFramePr>
+            <p:xfrm>
+              <a:off x="1516564" y="3141469"/>
+              <a:ext cx="8441476" cy="2634260"/>
+            </p:xfrm>
+            <a:graphic>
+              <a:graphicData uri="http://schemas.openxmlformats.org/drawingml/2006/table">
+                <a:tbl>
+                  <a:tblPr firstRow="1" bandRow="1">
+                    <a:tableStyleId>{5940675A-B579-460E-94D1-54222C63F5DA}</a:tableStyleId>
+                  </a:tblPr>
+                  <a:tblGrid>
+                    <a:gridCol w="2110369">
+                      <a:extLst>
+                        <a:ext uri="{9D8B030D-6E8A-4147-A177-3AD203B41FA5}">
+                          <a16:colId xmlns:a16="http://schemas.microsoft.com/office/drawing/2014/main" val="3913328905"/>
+                        </a:ext>
+                      </a:extLst>
+                    </a:gridCol>
+                    <a:gridCol w="2110369">
+                      <a:extLst>
+                        <a:ext uri="{9D8B030D-6E8A-4147-A177-3AD203B41FA5}">
+                          <a16:colId xmlns:a16="http://schemas.microsoft.com/office/drawing/2014/main" val="2780235502"/>
+                        </a:ext>
+                      </a:extLst>
+                    </a:gridCol>
+                    <a:gridCol w="2110369">
+                      <a:extLst>
+                        <a:ext uri="{9D8B030D-6E8A-4147-A177-3AD203B41FA5}">
+                          <a16:colId xmlns:a16="http://schemas.microsoft.com/office/drawing/2014/main" val="3033617068"/>
+                        </a:ext>
+                      </a:extLst>
+                    </a:gridCol>
+                    <a:gridCol w="2110369">
+                      <a:extLst>
+                        <a:ext uri="{9D8B030D-6E8A-4147-A177-3AD203B41FA5}">
+                          <a16:colId xmlns:a16="http://schemas.microsoft.com/office/drawing/2014/main" val="2426406902"/>
+                        </a:ext>
+                      </a:extLst>
+                    </a:gridCol>
+                  </a:tblGrid>
+                  <a:tr h="309579">
+                    <a:tc>
+                      <a:txBody>
+                        <a:bodyPr/>
+                        <a:lstStyle/>
+                        <a:p>
+                          <a:pPr algn="ctr"/>
+                          <a:r>
+                            <a:rPr lang="en-US" sz="1400" b="1" dirty="0"/>
+                            <a:t>Methods</a:t>
+                          </a:r>
+                        </a:p>
+                      </a:txBody>
+                      <a:tcPr/>
+                    </a:tc>
+                    <a:tc>
+                      <a:txBody>
+                        <a:bodyPr/>
+                        <a:lstStyle/>
+                        <a:p>
+                          <a:pPr algn="ctr"/>
+                          <a:r>
+                            <a:rPr lang="en-US" sz="1400" b="1" dirty="0" err="1"/>
+                            <a:t>No.of</a:t>
+                          </a:r>
+                          <a:r>
+                            <a:rPr lang="en-US" sz="1400" b="1" dirty="0"/>
+                            <a:t> times</a:t>
+                          </a:r>
+                        </a:p>
+                      </a:txBody>
+                      <a:tcPr/>
+                    </a:tc>
+                    <a:tc>
+                      <a:txBody>
+                        <a:bodyPr/>
+                        <a:lstStyle/>
+                        <a:p>
+                          <a:pPr algn="ctr"/>
+                          <a:r>
+                            <a:rPr lang="en-US" sz="1400" b="1" dirty="0"/>
+                            <a:t>Cost for each call</a:t>
+                          </a:r>
+                        </a:p>
+                      </a:txBody>
+                      <a:tcPr/>
+                    </a:tc>
+                    <a:tc>
+                      <a:txBody>
+                        <a:bodyPr/>
+                        <a:lstStyle/>
+                        <a:p>
+                          <a:pPr algn="ctr"/>
+                          <a:r>
+                            <a:rPr lang="en-US" sz="1400" b="1" dirty="0"/>
+                            <a:t>Total call</a:t>
+                          </a:r>
+                        </a:p>
+                      </a:txBody>
+                      <a:tcPr/>
+                    </a:tc>
+                    <a:extLst>
+                      <a:ext uri="{0D108BD9-81ED-4DB2-BD59-A6C34878D82A}">
+                        <a16:rowId xmlns:a16="http://schemas.microsoft.com/office/drawing/2014/main" val="2412432484"/>
+                      </a:ext>
+                    </a:extLst>
+                  </a:tr>
+                  <a:tr h="341956">
+                    <a:tc>
+                      <a:txBody>
+                        <a:bodyPr/>
+                        <a:lstStyle/>
+                        <a:p>
+                          <a:pPr algn="ctr"/>
+                          <a:r>
+                            <a:rPr lang="en-US" sz="1400" dirty="0"/>
+                            <a:t>add()/^=</a:t>
+                          </a:r>
+                        </a:p>
+                      </a:txBody>
+                      <a:tcPr/>
+                    </a:tc>
+                    <a:tc>
+                      <a:txBody>
+                        <a:bodyPr/>
+                        <a:lstStyle/>
+                        <a:p>
+                          <a:pPr algn="ctr"/>
+                          <a:r>
+                            <a:rPr lang="en-US" sz="1400" dirty="0"/>
+                            <a:t>9</a:t>
+                          </a:r>
+                        </a:p>
+                      </a:txBody>
+                      <a:tcPr/>
+                    </a:tc>
+                    <a:tc>
+                      <a:txBody>
+                        <a:bodyPr/>
+                        <a:lstStyle/>
+                        <a:p>
+                          <a:pPr algn="ctr"/>
+                          <a14:m>
+                            <m:oMathPara xmlns:m="http://schemas.openxmlformats.org/officeDocument/2006/math">
+                              <m:oMathParaPr>
+                                <m:jc m:val="centerGroup"/>
+                              </m:oMathParaPr>
+                              <m:oMath xmlns:m="http://schemas.openxmlformats.org/officeDocument/2006/math">
+                                <m:f>
+                                  <m:fPr>
+                                    <m:type m:val="skw"/>
+                                    <m:ctrlPr>
+                                      <a:rPr lang="en-US" sz="1400" i="1" dirty="0" smtClean="0">
+                                        <a:latin typeface="Cambria Math" panose="02040503050406030204" pitchFamily="18" charset="0"/>
+                                      </a:rPr>
+                                    </m:ctrlPr>
+                                  </m:fPr>
+                                  <m:num>
+                                    <m:r>
+                                      <a:rPr lang="en-US" sz="1400" b="0" i="1" dirty="0" smtClean="0">
+                                        <a:latin typeface="Cambria Math" panose="02040503050406030204" pitchFamily="18" charset="0"/>
+                                      </a:rPr>
+                                      <m:t>𝑛</m:t>
+                                    </m:r>
+                                  </m:num>
+                                  <m:den>
+                                    <m:r>
+                                      <a:rPr lang="en-US" sz="1400" b="0" i="1" dirty="0" smtClean="0">
+                                        <a:latin typeface="Cambria Math" panose="02040503050406030204" pitchFamily="18" charset="0"/>
+                                      </a:rPr>
+                                      <m:t>64</m:t>
+                                    </m:r>
+                                  </m:den>
+                                </m:f>
+                              </m:oMath>
+                            </m:oMathPara>
+                          </a14:m>
+                          <a:endParaRPr lang="en-US" sz="1400" dirty="0"/>
+                        </a:p>
+                      </a:txBody>
+                      <a:tcPr/>
+                    </a:tc>
+                    <a:tc>
+                      <a:txBody>
+                        <a:bodyPr/>
+                        <a:lstStyle/>
+                        <a:p>
+                          <a:pPr algn="ctr"/>
+                          <a14:m>
+                            <m:oMathPara xmlns:m="http://schemas.openxmlformats.org/officeDocument/2006/math">
+                              <m:oMathParaPr>
+                                <m:jc m:val="centerGroup"/>
+                              </m:oMathParaPr>
+                              <m:oMath xmlns:m="http://schemas.openxmlformats.org/officeDocument/2006/math">
+                                <m:r>
+                                  <a:rPr lang="en-US" sz="1400" b="0" i="1" smtClean="0">
+                                    <a:latin typeface="Cambria Math" panose="02040503050406030204" pitchFamily="18" charset="0"/>
+                                  </a:rPr>
+                                  <m:t>~</m:t>
+                                </m:r>
+                                <m:f>
+                                  <m:fPr>
+                                    <m:type m:val="skw"/>
+                                    <m:ctrlPr>
+                                      <a:rPr lang="en-US" sz="1400" b="0" i="1" smtClean="0">
+                                        <a:latin typeface="Cambria Math" panose="02040503050406030204" pitchFamily="18" charset="0"/>
+                                      </a:rPr>
+                                    </m:ctrlPr>
+                                  </m:fPr>
+                                  <m:num>
+                                    <m:r>
+                                      <a:rPr lang="en-US" sz="1400" b="0" i="1" smtClean="0">
+                                        <a:latin typeface="Cambria Math" panose="02040503050406030204" pitchFamily="18" charset="0"/>
+                                      </a:rPr>
+                                      <m:t>𝑛</m:t>
+                                    </m:r>
+                                  </m:num>
+                                  <m:den>
+                                    <m:r>
+                                      <a:rPr lang="en-US" sz="1400" b="0" i="1" smtClean="0">
+                                        <a:latin typeface="Cambria Math" panose="02040503050406030204" pitchFamily="18" charset="0"/>
+                                      </a:rPr>
+                                      <m:t>8</m:t>
+                                    </m:r>
+                                  </m:den>
+                                </m:f>
+                              </m:oMath>
+                            </m:oMathPara>
+                          </a14:m>
+                          <a:endParaRPr lang="en-US" sz="1400" dirty="0"/>
+                        </a:p>
+                      </a:txBody>
+                      <a:tcPr/>
+                    </a:tc>
+                    <a:extLst>
+                      <a:ext uri="{0D108BD9-81ED-4DB2-BD59-A6C34878D82A}">
+                        <a16:rowId xmlns:a16="http://schemas.microsoft.com/office/drawing/2014/main" val="4238301737"/>
+                      </a:ext>
+                    </a:extLst>
+                  </a:tr>
+                  <a:tr h="341956">
+                    <a:tc>
+                      <a:txBody>
+                        <a:bodyPr/>
+                        <a:lstStyle/>
+                        <a:p>
+                          <a:pPr algn="ctr"/>
+                          <a:r>
+                            <a:rPr lang="en-US" sz="1400" dirty="0"/>
+                            <a:t>^(XOR)</a:t>
+                          </a:r>
+                        </a:p>
+                      </a:txBody>
+                      <a:tcPr/>
+                    </a:tc>
+                    <a:tc>
+                      <a:txBody>
+                        <a:bodyPr/>
+                        <a:lstStyle/>
+                        <a:p>
+                          <a:pPr algn="ctr"/>
+                          <a:r>
+                            <a:rPr lang="en-US" sz="1400" dirty="0"/>
+                            <a:t>1</a:t>
+                          </a:r>
+                        </a:p>
+                      </a:txBody>
+                      <a:tcPr/>
+                    </a:tc>
+                    <a:tc>
+                      <a:txBody>
+                        <a:bodyPr/>
+                        <a:lstStyle/>
+                        <a:p>
+                          <a:pPr algn="ctr"/>
+                          <a14:m>
+                            <m:oMathPara xmlns:m="http://schemas.openxmlformats.org/officeDocument/2006/math">
+                              <m:oMathParaPr>
+                                <m:jc m:val="centerGroup"/>
+                              </m:oMathParaPr>
+                              <m:oMath xmlns:m="http://schemas.openxmlformats.org/officeDocument/2006/math">
+                                <m:f>
+                                  <m:fPr>
+                                    <m:type m:val="skw"/>
+                                    <m:ctrlPr>
+                                      <a:rPr lang="en-US" sz="1400" i="1" dirty="0" smtClean="0">
+                                        <a:latin typeface="Cambria Math" panose="02040503050406030204" pitchFamily="18" charset="0"/>
+                                      </a:rPr>
+                                    </m:ctrlPr>
+                                  </m:fPr>
+                                  <m:num>
+                                    <m:r>
+                                      <a:rPr lang="en-US" sz="1400" b="0" i="1" dirty="0" smtClean="0">
+                                        <a:latin typeface="Cambria Math" panose="02040503050406030204" pitchFamily="18" charset="0"/>
+                                      </a:rPr>
+                                      <m:t>𝑛</m:t>
+                                    </m:r>
+                                  </m:num>
+                                  <m:den>
+                                    <m:r>
+                                      <a:rPr lang="en-US" sz="1400" b="0" i="1" dirty="0" smtClean="0">
+                                        <a:latin typeface="Cambria Math" panose="02040503050406030204" pitchFamily="18" charset="0"/>
+                                      </a:rPr>
+                                      <m:t>32</m:t>
+                                    </m:r>
+                                  </m:den>
+                                </m:f>
+                              </m:oMath>
+                            </m:oMathPara>
+                          </a14:m>
+                          <a:endParaRPr lang="en-US" sz="1400" dirty="0"/>
+                        </a:p>
+                      </a:txBody>
+                      <a:tcPr/>
+                    </a:tc>
+                    <a:tc>
+                      <a:txBody>
+                        <a:bodyPr/>
+                        <a:lstStyle/>
+                        <a:p>
+                          <a:pPr algn="ctr"/>
+                          <a14:m>
+                            <m:oMathPara xmlns:m="http://schemas.openxmlformats.org/officeDocument/2006/math">
+                              <m:oMathParaPr>
+                                <m:jc m:val="centerGroup"/>
+                              </m:oMathParaPr>
+                              <m:oMath xmlns:m="http://schemas.openxmlformats.org/officeDocument/2006/math">
+                                <m:f>
+                                  <m:fPr>
+                                    <m:type m:val="skw"/>
+                                    <m:ctrlPr>
+                                      <a:rPr lang="en-US" sz="1400" i="1" smtClean="0">
+                                        <a:latin typeface="Cambria Math" panose="02040503050406030204" pitchFamily="18" charset="0"/>
+                                      </a:rPr>
+                                    </m:ctrlPr>
+                                  </m:fPr>
+                                  <m:num>
+                                    <m:r>
+                                      <a:rPr lang="en-US" sz="1400" b="0" i="1" smtClean="0">
+                                        <a:latin typeface="Cambria Math" panose="02040503050406030204" pitchFamily="18" charset="0"/>
+                                      </a:rPr>
+                                      <m:t>𝑛</m:t>
+                                    </m:r>
+                                  </m:num>
+                                  <m:den>
+                                    <m:r>
+                                      <a:rPr lang="en-US" sz="1400" b="0" i="1" smtClean="0">
+                                        <a:latin typeface="Cambria Math" panose="02040503050406030204" pitchFamily="18" charset="0"/>
+                                      </a:rPr>
+                                      <m:t>32</m:t>
+                                    </m:r>
+                                  </m:den>
+                                </m:f>
+                              </m:oMath>
+                            </m:oMathPara>
+                          </a14:m>
+                          <a:endParaRPr lang="en-US" sz="1400" dirty="0"/>
+                        </a:p>
+                      </a:txBody>
+                      <a:tcPr/>
+                    </a:tc>
+                    <a:extLst>
+                      <a:ext uri="{0D108BD9-81ED-4DB2-BD59-A6C34878D82A}">
+                        <a16:rowId xmlns:a16="http://schemas.microsoft.com/office/drawing/2014/main" val="266417292"/>
+                      </a:ext>
+                    </a:extLst>
+                  </a:tr>
+                  <a:tr h="309579">
+                    <a:tc>
+                      <a:txBody>
+                        <a:bodyPr/>
+                        <a:lstStyle/>
+                        <a:p>
+                          <a:pPr algn="ctr"/>
+                          <a:r>
+                            <a:rPr lang="en-US" sz="1400" dirty="0" err="1"/>
+                            <a:t>toeplitzByVec</a:t>
+                          </a:r>
+                          <a:r>
+                            <a:rPr lang="en-US" sz="1400" dirty="0"/>
+                            <a:t>()</a:t>
+                          </a:r>
+                        </a:p>
+                      </a:txBody>
+                      <a:tcPr/>
+                    </a:tc>
+                    <a:tc>
+                      <a:txBody>
+                        <a:bodyPr/>
+                        <a:lstStyle/>
+                        <a:p>
+                          <a:pPr algn="ctr"/>
+                          <a:r>
+                            <a:rPr lang="en-US" sz="1400" dirty="0"/>
+                            <a:t>2</a:t>
+                          </a:r>
+                        </a:p>
+                      </a:txBody>
+                      <a:tcPr/>
+                    </a:tc>
+                    <a:tc>
+                      <a:txBody>
+                        <a:bodyPr/>
+                        <a:lstStyle/>
+                        <a:p>
+                          <a:pPr algn="ctr"/>
+                          <a14:m>
+                            <m:oMathPara xmlns:m="http://schemas.openxmlformats.org/officeDocument/2006/math">
+                              <m:oMathParaPr>
+                                <m:jc m:val="centerGroup"/>
+                              </m:oMathParaPr>
+                              <m:oMath xmlns:m="http://schemas.openxmlformats.org/officeDocument/2006/math">
+                                <m:r>
+                                  <a:rPr lang="en-US" sz="1400" b="0" i="1" smtClean="0">
+                                    <a:latin typeface="Cambria Math" panose="02040503050406030204" pitchFamily="18" charset="0"/>
+                                  </a:rPr>
+                                  <m:t>25</m:t>
+                                </m:r>
+                                <m:r>
+                                  <a:rPr lang="en-US" sz="1400" b="0" i="1" smtClean="0">
+                                    <a:latin typeface="Cambria Math" panose="02040503050406030204" pitchFamily="18" charset="0"/>
+                                  </a:rPr>
+                                  <m:t>𝑛</m:t>
+                                </m:r>
+                              </m:oMath>
+                            </m:oMathPara>
+                          </a14:m>
+                          <a:endParaRPr lang="en-US" sz="1400" dirty="0"/>
+                        </a:p>
+                      </a:txBody>
+                      <a:tcPr/>
+                    </a:tc>
+                    <a:tc>
+                      <a:txBody>
+                        <a:bodyPr/>
+                        <a:lstStyle/>
+                        <a:p>
+                          <a:pPr algn="ctr"/>
+                          <a14:m>
+                            <m:oMathPara xmlns:m="http://schemas.openxmlformats.org/officeDocument/2006/math">
+                              <m:oMathParaPr>
+                                <m:jc m:val="centerGroup"/>
+                              </m:oMathParaPr>
+                              <m:oMath xmlns:m="http://schemas.openxmlformats.org/officeDocument/2006/math">
+                                <m:r>
+                                  <a:rPr lang="en-US" sz="1400" b="0" i="1" smtClean="0">
+                                    <a:latin typeface="Cambria Math" panose="02040503050406030204" pitchFamily="18" charset="0"/>
+                                  </a:rPr>
+                                  <m:t>5</m:t>
+                                </m:r>
+                                <m:r>
+                                  <a:rPr lang="en-US" sz="1400" b="0" i="1" smtClean="0">
+                                    <a:latin typeface="Cambria Math" panose="02040503050406030204" pitchFamily="18" charset="0"/>
+                                  </a:rPr>
+                                  <m:t>0</m:t>
+                                </m:r>
+                                <m:r>
+                                  <a:rPr lang="en-US" sz="1400" b="0" i="1" smtClean="0">
+                                    <a:latin typeface="Cambria Math" panose="02040503050406030204" pitchFamily="18" charset="0"/>
+                                  </a:rPr>
+                                  <m:t>𝑛</m:t>
+                                </m:r>
+                              </m:oMath>
+                            </m:oMathPara>
+                          </a14:m>
+                          <a:endParaRPr lang="en-US" sz="1400" dirty="0"/>
+                        </a:p>
+                      </a:txBody>
+                      <a:tcPr/>
+                    </a:tc>
+                    <a:extLst>
+                      <a:ext uri="{0D108BD9-81ED-4DB2-BD59-A6C34878D82A}">
+                        <a16:rowId xmlns:a16="http://schemas.microsoft.com/office/drawing/2014/main" val="2998986514"/>
+                      </a:ext>
+                    </a:extLst>
+                  </a:tr>
+                  <a:tr h="340537">
+                    <a:tc>
+                      <a:txBody>
+                        <a:bodyPr/>
+                        <a:lstStyle/>
+                        <a:p>
+                          <a:pPr algn="ctr"/>
+                          <a:r>
+                            <a:rPr lang="en-US" sz="1400" dirty="0">
+                              <a:solidFill>
+                                <a:srgbClr val="FF0000"/>
+                              </a:solidFill>
+                            </a:rPr>
+                            <a:t>MUX</a:t>
+                          </a:r>
+                        </a:p>
+                      </a:txBody>
+                      <a:tcPr/>
+                    </a:tc>
+                    <a:tc>
+                      <a:txBody>
+                        <a:bodyPr/>
+                        <a:lstStyle/>
+                        <a:p>
+                          <a:pPr algn="ctr"/>
+                          <a:r>
+                            <a:rPr lang="en-US" sz="1400" dirty="0"/>
+                            <a:t>1</a:t>
+                          </a:r>
+                        </a:p>
+                      </a:txBody>
+                      <a:tcPr/>
+                    </a:tc>
+                    <a:tc>
+                      <a:txBody>
+                        <a:bodyPr/>
+                        <a:lstStyle/>
+                        <a:p>
+                          <a:pPr algn="ctr"/>
+                          <a14:m>
+                            <m:oMathPara xmlns:m="http://schemas.openxmlformats.org/officeDocument/2006/math">
+                              <m:oMathParaPr>
+                                <m:jc m:val="centerGroup"/>
+                              </m:oMathParaPr>
+                              <m:oMath xmlns:m="http://schemas.openxmlformats.org/officeDocument/2006/math">
+                                <m:f>
+                                  <m:fPr>
+                                    <m:type m:val="skw"/>
+                                    <m:ctrlPr>
+                                      <a:rPr lang="en-US" sz="1400" i="1" smtClean="0">
+                                        <a:latin typeface="Cambria Math" panose="02040503050406030204" pitchFamily="18" charset="0"/>
+                                      </a:rPr>
+                                    </m:ctrlPr>
+                                  </m:fPr>
+                                  <m:num>
+                                    <m:r>
+                                      <a:rPr lang="en-US" sz="1400" b="0" i="1" smtClean="0">
+                                        <a:latin typeface="Cambria Math" panose="02040503050406030204" pitchFamily="18" charset="0"/>
+                                      </a:rPr>
+                                      <m:t>𝑛</m:t>
+                                    </m:r>
+                                  </m:num>
+                                  <m:den>
+                                    <m:r>
+                                      <a:rPr lang="en-US" sz="1400" b="0" i="1" smtClean="0">
+                                        <a:latin typeface="Cambria Math" panose="02040503050406030204" pitchFamily="18" charset="0"/>
+                                      </a:rPr>
+                                      <m:t>32</m:t>
+                                    </m:r>
+                                  </m:den>
+                                </m:f>
+                              </m:oMath>
+                            </m:oMathPara>
+                          </a14:m>
+                          <a:endParaRPr lang="en-US" sz="1400" dirty="0"/>
+                        </a:p>
+                      </a:txBody>
+                      <a:tcPr/>
+                    </a:tc>
+                    <a:tc>
+                      <a:txBody>
+                        <a:bodyPr/>
+                        <a:lstStyle/>
+                        <a:p>
+                          <a:pPr algn="ctr"/>
+                          <a14:m>
+                            <m:oMathPara xmlns:m="http://schemas.openxmlformats.org/officeDocument/2006/math">
+                              <m:oMathParaPr>
+                                <m:jc m:val="centerGroup"/>
+                              </m:oMathParaPr>
+                              <m:oMath xmlns:m="http://schemas.openxmlformats.org/officeDocument/2006/math">
+                                <m:f>
+                                  <m:fPr>
+                                    <m:type m:val="skw"/>
+                                    <m:ctrlPr>
+                                      <a:rPr lang="en-US" sz="1400" i="1" smtClean="0">
+                                        <a:latin typeface="Cambria Math" panose="02040503050406030204" pitchFamily="18" charset="0"/>
+                                      </a:rPr>
+                                    </m:ctrlPr>
+                                  </m:fPr>
+                                  <m:num>
+                                    <m:r>
+                                      <a:rPr lang="en-US" sz="1400" b="0" i="1" smtClean="0">
+                                        <a:latin typeface="Cambria Math" panose="02040503050406030204" pitchFamily="18" charset="0"/>
+                                      </a:rPr>
+                                      <m:t>𝑛</m:t>
+                                    </m:r>
+                                  </m:num>
+                                  <m:den>
+                                    <m:r>
+                                      <a:rPr lang="en-US" sz="1400" b="0" i="1" smtClean="0">
+                                        <a:latin typeface="Cambria Math" panose="02040503050406030204" pitchFamily="18" charset="0"/>
+                                      </a:rPr>
+                                      <m:t>16</m:t>
+                                    </m:r>
+                                  </m:den>
+                                </m:f>
+                              </m:oMath>
+                            </m:oMathPara>
+                          </a14:m>
+                          <a:endParaRPr lang="en-US" sz="1400" dirty="0"/>
+                        </a:p>
+                      </a:txBody>
+                      <a:tcPr/>
+                    </a:tc>
+                    <a:extLst>
+                      <a:ext uri="{0D108BD9-81ED-4DB2-BD59-A6C34878D82A}">
+                        <a16:rowId xmlns:a16="http://schemas.microsoft.com/office/drawing/2014/main" val="394972434"/>
+                      </a:ext>
+                    </a:extLst>
+                  </a:tr>
+                  <a:tr h="340537">
+                    <a:tc>
+                      <a:txBody>
+                        <a:bodyPr/>
+                        <a:lstStyle/>
+                        <a:p>
+                          <a:pPr algn="ctr"/>
+                          <a:r>
+                            <a:rPr lang="en-US" sz="1400" dirty="0">
+                              <a:solidFill>
+                                <a:srgbClr val="FF0000"/>
+                              </a:solidFill>
+                            </a:rPr>
+                            <a:t>Set()</a:t>
+                          </a:r>
+                        </a:p>
+                      </a:txBody>
+                      <a:tcPr/>
+                    </a:tc>
+                    <a:tc>
+                      <a:txBody>
+                        <a:bodyPr/>
+                        <a:lstStyle/>
+                        <a:p>
+                          <a:pPr algn="ctr"/>
+                          <a:r>
+                            <a:rPr lang="en-US" sz="1400" dirty="0"/>
+                            <a:t>1</a:t>
+                          </a:r>
+                        </a:p>
+                      </a:txBody>
+                      <a:tcPr/>
+                    </a:tc>
+                    <a:tc>
+                      <a:txBody>
+                        <a:bodyPr/>
+                        <a:lstStyle/>
+                        <a:p>
+                          <a:pPr algn="ctr"/>
+                          <a:r>
+                            <a:rPr lang="en-US" sz="1400" dirty="0"/>
+                            <a:t>n</a:t>
+                          </a:r>
+                        </a:p>
+                      </a:txBody>
+                      <a:tcPr/>
+                    </a:tc>
+                    <a:tc>
+                      <a:txBody>
+                        <a:bodyPr/>
+                        <a:lstStyle/>
+                        <a:p>
+                          <a:pPr algn="ctr"/>
+                          <a:r>
+                            <a:rPr lang="en-US" sz="1400" dirty="0"/>
+                            <a:t>n</a:t>
+                          </a:r>
+                        </a:p>
+                      </a:txBody>
+                      <a:tcPr/>
+                    </a:tc>
+                    <a:extLst>
+                      <a:ext uri="{0D108BD9-81ED-4DB2-BD59-A6C34878D82A}">
+                        <a16:rowId xmlns:a16="http://schemas.microsoft.com/office/drawing/2014/main" val="846408069"/>
+                      </a:ext>
+                    </a:extLst>
+                  </a:tr>
+                  <a:tr h="340537">
+                    <a:tc>
+                      <a:txBody>
+                        <a:bodyPr/>
+                        <a:lstStyle/>
+                        <a:p>
+                          <a:pPr algn="ctr"/>
+                          <a:r>
+                            <a:rPr lang="en-US" sz="1400" dirty="0" err="1">
+                              <a:solidFill>
+                                <a:srgbClr val="FF0000"/>
+                              </a:solidFill>
+                            </a:rPr>
+                            <a:t>matByVec</a:t>
+                          </a:r>
+                          <a:endParaRPr lang="en-US" sz="1400" dirty="0">
+                            <a:solidFill>
+                              <a:srgbClr val="FF0000"/>
+                            </a:solidFill>
+                          </a:endParaRPr>
+                        </a:p>
+                      </a:txBody>
+                      <a:tcPr/>
+                    </a:tc>
+                    <a:tc>
+                      <a:txBody>
+                        <a:bodyPr/>
+                        <a:lstStyle/>
+                        <a:p>
+                          <a:pPr algn="ctr"/>
+                          <a:r>
+                            <a:rPr lang="en-US" sz="1400" dirty="0"/>
+                            <a:t>2</a:t>
+                          </a:r>
+                        </a:p>
+                      </a:txBody>
+                      <a:tcPr/>
+                    </a:tc>
+                    <a:tc>
+                      <a:txBody>
+                        <a:bodyPr/>
+                        <a:lstStyle/>
+                        <a:p>
+                          <a:pPr algn="ctr"/>
+                          <a:r>
+                            <a:rPr lang="en-US" sz="1400" dirty="0"/>
+                            <a:t>37n</a:t>
+                          </a:r>
+                        </a:p>
+                      </a:txBody>
+                      <a:tcPr/>
+                    </a:tc>
+                    <a:tc>
+                      <a:txBody>
+                        <a:bodyPr/>
+                        <a:lstStyle/>
+                        <a:p>
+                          <a:pPr algn="ctr"/>
+                          <a:r>
+                            <a:rPr lang="en-US" sz="1400" dirty="0"/>
+                            <a:t>74n</a:t>
+                          </a:r>
+                        </a:p>
+                      </a:txBody>
+                      <a:tcPr/>
+                    </a:tc>
+                    <a:extLst>
+                      <a:ext uri="{0D108BD9-81ED-4DB2-BD59-A6C34878D82A}">
+                        <a16:rowId xmlns:a16="http://schemas.microsoft.com/office/drawing/2014/main" val="2799987271"/>
+                      </a:ext>
+                    </a:extLst>
+                  </a:tr>
+                  <a:tr h="309579">
+                    <a:tc>
+                      <a:txBody>
+                        <a:bodyPr/>
+                        <a:lstStyle/>
+                        <a:p>
+                          <a:pPr algn="ctr"/>
+                          <a:r>
+                            <a:rPr lang="en-US" sz="1400" dirty="0"/>
+                            <a:t>Total</a:t>
+                          </a:r>
+                        </a:p>
+                      </a:txBody>
+                      <a:tcPr>
+                        <a:lnB w="12700" cap="flat" cmpd="sng" algn="ctr">
+                          <a:solidFill>
+                            <a:schemeClr val="tx1"/>
+                          </a:solidFill>
+                          <a:prstDash val="solid"/>
+                          <a:round/>
+                          <a:headEnd type="none" w="med" len="med"/>
+                          <a:tailEnd type="none" w="med" len="med"/>
+                        </a:lnB>
+                      </a:tcPr>
+                    </a:tc>
+                    <a:tc>
+                      <a:txBody>
+                        <a:bodyPr/>
+                        <a:lstStyle/>
+                        <a:p>
+                          <a:pPr algn="ctr"/>
+                          <a:endParaRPr lang="en-US" sz="1400" dirty="0"/>
+                        </a:p>
+                      </a:txBody>
+                      <a:tcPr>
+                        <a:lnB w="12700" cap="flat" cmpd="sng" algn="ctr">
+                          <a:solidFill>
+                            <a:schemeClr val="tx1"/>
+                          </a:solidFill>
+                          <a:prstDash val="solid"/>
+                          <a:round/>
+                          <a:headEnd type="none" w="med" len="med"/>
+                          <a:tailEnd type="none" w="med" len="med"/>
+                        </a:lnB>
+                      </a:tcPr>
+                    </a:tc>
+                    <a:tc>
+                      <a:txBody>
+                        <a:bodyPr/>
+                        <a:lstStyle/>
+                        <a:p>
+                          <a:pPr algn="ctr"/>
+                          <a:r>
+                            <a:rPr lang="en-US" sz="1400" dirty="0"/>
+                            <a:t>174.5n</a:t>
+                          </a:r>
+                        </a:p>
+                      </a:txBody>
+                      <a:tcPr/>
+                    </a:tc>
+                    <a:tc>
+                      <a:txBody>
+                        <a:bodyPr/>
+                        <a:lstStyle/>
+                        <a:p>
+                          <a:pPr algn="ctr"/>
+                          <a14:m>
+                            <m:oMathPara xmlns:m="http://schemas.openxmlformats.org/officeDocument/2006/math">
+                              <m:oMathParaPr>
+                                <m:jc m:val="centerGroup"/>
+                              </m:oMathParaPr>
+                              <m:oMath xmlns:m="http://schemas.openxmlformats.org/officeDocument/2006/math">
+                                <m:r>
+                                  <a:rPr lang="en-US" sz="1400" b="1" i="1" smtClean="0">
+                                    <a:latin typeface="Cambria Math" panose="02040503050406030204" pitchFamily="18" charset="0"/>
+                                  </a:rPr>
+                                  <m:t>𝟐𝟏𝟕</m:t>
+                                </m:r>
+                                <m:r>
+                                  <a:rPr lang="en-US" sz="1400" b="1" i="1" smtClean="0">
+                                    <a:latin typeface="Cambria Math" panose="02040503050406030204" pitchFamily="18" charset="0"/>
+                                  </a:rPr>
+                                  <m:t>.</m:t>
+                                </m:r>
+                                <m:r>
+                                  <a:rPr lang="en-US" sz="1400" b="1" i="1" smtClean="0">
+                                    <a:latin typeface="Cambria Math" panose="02040503050406030204" pitchFamily="18" charset="0"/>
+                                  </a:rPr>
+                                  <m:t>𝟓</m:t>
+                                </m:r>
+                                <m:r>
+                                  <a:rPr lang="en-US" sz="1400" b="1" i="1" smtClean="0">
+                                    <a:latin typeface="Cambria Math" panose="02040503050406030204" pitchFamily="18" charset="0"/>
+                                  </a:rPr>
+                                  <m:t>𝒏</m:t>
+                                </m:r>
+                                <m:r>
+                                  <a:rPr lang="en-US" sz="1400" b="1" i="1" smtClean="0">
+                                    <a:latin typeface="Cambria Math" panose="02040503050406030204" pitchFamily="18" charset="0"/>
+                                  </a:rPr>
+                                  <m:t>=</m:t>
+                                </m:r>
+                                <m:r>
+                                  <a:rPr lang="en-US" sz="1400" b="1" i="1" smtClean="0">
+                                    <a:latin typeface="Cambria Math" panose="02040503050406030204" pitchFamily="18" charset="0"/>
+                                  </a:rPr>
+                                  <m:t>𝟑𝟐</m:t>
+                                </m:r>
+                                <m:r>
+                                  <a:rPr lang="en-US" sz="1400" b="1" i="1" smtClean="0">
+                                    <a:latin typeface="Cambria Math" panose="02040503050406030204" pitchFamily="18" charset="0"/>
+                                  </a:rPr>
+                                  <m:t>,</m:t>
+                                </m:r>
+                                <m:r>
+                                  <a:rPr lang="en-US" sz="1400" b="1" i="1" smtClean="0">
+                                    <a:latin typeface="Cambria Math" panose="02040503050406030204" pitchFamily="18" charset="0"/>
+                                  </a:rPr>
+                                  <m:t>𝟔𝟖𝟎</m:t>
+                                </m:r>
+                              </m:oMath>
+                            </m:oMathPara>
+                          </a14:m>
+                          <a:endParaRPr lang="en-US" sz="1400" b="1" dirty="0"/>
+                        </a:p>
+                      </a:txBody>
+                      <a:tcPr/>
+                    </a:tc>
+                    <a:extLst>
+                      <a:ext uri="{0D108BD9-81ED-4DB2-BD59-A6C34878D82A}">
+                        <a16:rowId xmlns:a16="http://schemas.microsoft.com/office/drawing/2014/main" val="915950187"/>
+                      </a:ext>
+                    </a:extLst>
+                  </a:tr>
+                </a:tbl>
+              </a:graphicData>
+            </a:graphic>
+          </p:graphicFrame>
+        </mc:Choice>
+        <mc:Fallback>
+          <p:graphicFrame>
+            <p:nvGraphicFramePr>
+              <p:cNvPr id="4" name="Table 3">
+                <a:extLst>
+                  <a:ext uri="{FF2B5EF4-FFF2-40B4-BE49-F238E27FC236}">
+                    <a16:creationId xmlns:a16="http://schemas.microsoft.com/office/drawing/2014/main" id="{C7B46911-E493-A04B-9730-9DF0F931BA17}"/>
+                  </a:ext>
+                </a:extLst>
+              </p:cNvPr>
+              <p:cNvGraphicFramePr>
+                <a:graphicFrameLocks noGrp="1"/>
+              </p:cNvGraphicFramePr>
+              <p:nvPr>
+                <p:extLst>
+                  <p:ext uri="{D42A27DB-BD31-4B8C-83A1-F6EECF244321}">
+                    <p14:modId xmlns:p14="http://schemas.microsoft.com/office/powerpoint/2010/main" val="3406722133"/>
+                  </p:ext>
+                </p:extLst>
+              </p:nvPr>
+            </p:nvGraphicFramePr>
+            <p:xfrm>
+              <a:off x="1516564" y="3141469"/>
+              <a:ext cx="8441476" cy="2634260"/>
+            </p:xfrm>
+            <a:graphic>
+              <a:graphicData uri="http://schemas.openxmlformats.org/drawingml/2006/table">
+                <a:tbl>
+                  <a:tblPr firstRow="1" bandRow="1">
+                    <a:tableStyleId>{5940675A-B579-460E-94D1-54222C63F5DA}</a:tableStyleId>
+                  </a:tblPr>
+                  <a:tblGrid>
+                    <a:gridCol w="2110369">
+                      <a:extLst>
+                        <a:ext uri="{9D8B030D-6E8A-4147-A177-3AD203B41FA5}">
+                          <a16:colId xmlns:a16="http://schemas.microsoft.com/office/drawing/2014/main" val="3913328905"/>
+                        </a:ext>
+                      </a:extLst>
+                    </a:gridCol>
+                    <a:gridCol w="2110369">
+                      <a:extLst>
+                        <a:ext uri="{9D8B030D-6E8A-4147-A177-3AD203B41FA5}">
+                          <a16:colId xmlns:a16="http://schemas.microsoft.com/office/drawing/2014/main" val="2780235502"/>
+                        </a:ext>
+                      </a:extLst>
+                    </a:gridCol>
+                    <a:gridCol w="2110369">
+                      <a:extLst>
+                        <a:ext uri="{9D8B030D-6E8A-4147-A177-3AD203B41FA5}">
+                          <a16:colId xmlns:a16="http://schemas.microsoft.com/office/drawing/2014/main" val="3033617068"/>
+                        </a:ext>
+                      </a:extLst>
+                    </a:gridCol>
+                    <a:gridCol w="2110369">
+                      <a:extLst>
+                        <a:ext uri="{9D8B030D-6E8A-4147-A177-3AD203B41FA5}">
+                          <a16:colId xmlns:a16="http://schemas.microsoft.com/office/drawing/2014/main" val="2426406902"/>
+                        </a:ext>
+                      </a:extLst>
+                    </a:gridCol>
+                  </a:tblGrid>
+                  <a:tr h="309579">
+                    <a:tc>
+                      <a:txBody>
+                        <a:bodyPr/>
+                        <a:lstStyle/>
+                        <a:p>
+                          <a:pPr algn="ctr"/>
+                          <a:r>
+                            <a:rPr lang="en-US" sz="1400" b="1" dirty="0"/>
+                            <a:t>Methods</a:t>
+                          </a:r>
+                        </a:p>
+                      </a:txBody>
+                      <a:tcPr/>
+                    </a:tc>
+                    <a:tc>
+                      <a:txBody>
+                        <a:bodyPr/>
+                        <a:lstStyle/>
+                        <a:p>
+                          <a:pPr algn="ctr"/>
+                          <a:r>
+                            <a:rPr lang="en-US" sz="1400" b="1" dirty="0" err="1"/>
+                            <a:t>No.of</a:t>
+                          </a:r>
+                          <a:r>
+                            <a:rPr lang="en-US" sz="1400" b="1" dirty="0"/>
+                            <a:t> times</a:t>
+                          </a:r>
+                        </a:p>
+                      </a:txBody>
+                      <a:tcPr/>
+                    </a:tc>
+                    <a:tc>
+                      <a:txBody>
+                        <a:bodyPr/>
+                        <a:lstStyle/>
+                        <a:p>
+                          <a:pPr algn="ctr"/>
+                          <a:r>
+                            <a:rPr lang="en-US" sz="1400" b="1" dirty="0"/>
+                            <a:t>Cost for each call</a:t>
+                          </a:r>
+                        </a:p>
+                      </a:txBody>
+                      <a:tcPr/>
+                    </a:tc>
+                    <a:tc>
+                      <a:txBody>
+                        <a:bodyPr/>
+                        <a:lstStyle/>
+                        <a:p>
+                          <a:pPr algn="ctr"/>
+                          <a:r>
+                            <a:rPr lang="en-US" sz="1400" b="1" dirty="0"/>
+                            <a:t>Total call</a:t>
+                          </a:r>
+                        </a:p>
+                      </a:txBody>
+                      <a:tcPr/>
+                    </a:tc>
+                    <a:extLst>
+                      <a:ext uri="{0D108BD9-81ED-4DB2-BD59-A6C34878D82A}">
+                        <a16:rowId xmlns:a16="http://schemas.microsoft.com/office/drawing/2014/main" val="2412432484"/>
+                      </a:ext>
+                    </a:extLst>
+                  </a:tr>
+                  <a:tr h="341956">
+                    <a:tc>
+                      <a:txBody>
+                        <a:bodyPr/>
+                        <a:lstStyle/>
+                        <a:p>
+                          <a:pPr algn="ctr"/>
+                          <a:r>
+                            <a:rPr lang="en-US" sz="1400" dirty="0"/>
+                            <a:t>add()/^=</a:t>
+                          </a:r>
+                        </a:p>
+                      </a:txBody>
+                      <a:tcPr/>
+                    </a:tc>
+                    <a:tc>
+                      <a:txBody>
+                        <a:bodyPr/>
+                        <a:lstStyle/>
+                        <a:p>
+                          <a:pPr algn="ctr"/>
+                          <a:r>
+                            <a:rPr lang="en-US" sz="1400" dirty="0"/>
+                            <a:t>9</a:t>
+                          </a:r>
+                        </a:p>
+                      </a:txBody>
+                      <a:tcPr/>
+                    </a:tc>
+                    <a:tc>
+                      <a:txBody>
+                        <a:bodyPr/>
+                        <a:lstStyle/>
+                        <a:p>
+                          <a:endParaRPr lang="en-US"/>
+                        </a:p>
+                      </a:txBody>
+                      <a:tcPr>
+                        <a:blipFill>
+                          <a:blip r:embed="rId2"/>
+                          <a:stretch>
+                            <a:fillRect l="-200000" t="-125926" r="-100000" b="-600000"/>
+                          </a:stretch>
+                        </a:blipFill>
+                      </a:tcPr>
+                    </a:tc>
+                    <a:tc>
+                      <a:txBody>
+                        <a:bodyPr/>
+                        <a:lstStyle/>
+                        <a:p>
+                          <a:endParaRPr lang="en-US"/>
+                        </a:p>
+                      </a:txBody>
+                      <a:tcPr>
+                        <a:blipFill>
+                          <a:blip r:embed="rId2"/>
+                          <a:stretch>
+                            <a:fillRect l="-301807" t="-125926" r="-602" b="-600000"/>
+                          </a:stretch>
+                        </a:blipFill>
+                      </a:tcPr>
+                    </a:tc>
+                    <a:extLst>
+                      <a:ext uri="{0D108BD9-81ED-4DB2-BD59-A6C34878D82A}">
+                        <a16:rowId xmlns:a16="http://schemas.microsoft.com/office/drawing/2014/main" val="4238301737"/>
+                      </a:ext>
+                    </a:extLst>
+                  </a:tr>
+                  <a:tr h="341956">
+                    <a:tc>
+                      <a:txBody>
+                        <a:bodyPr/>
+                        <a:lstStyle/>
+                        <a:p>
+                          <a:pPr algn="ctr"/>
+                          <a:r>
+                            <a:rPr lang="en-US" sz="1400" dirty="0"/>
+                            <a:t>^(XOR)</a:t>
+                          </a:r>
+                        </a:p>
+                      </a:txBody>
+                      <a:tcPr/>
+                    </a:tc>
+                    <a:tc>
+                      <a:txBody>
+                        <a:bodyPr/>
+                        <a:lstStyle/>
+                        <a:p>
+                          <a:pPr algn="ctr"/>
+                          <a:r>
+                            <a:rPr lang="en-US" sz="1400" dirty="0"/>
+                            <a:t>1</a:t>
+                          </a:r>
+                        </a:p>
+                      </a:txBody>
+                      <a:tcPr/>
+                    </a:tc>
+                    <a:tc>
+                      <a:txBody>
+                        <a:bodyPr/>
+                        <a:lstStyle/>
+                        <a:p>
+                          <a:endParaRPr lang="en-US"/>
+                        </a:p>
+                      </a:txBody>
+                      <a:tcPr>
+                        <a:blipFill>
+                          <a:blip r:embed="rId2"/>
+                          <a:stretch>
+                            <a:fillRect l="-200000" t="-225926" r="-100000" b="-500000"/>
+                          </a:stretch>
+                        </a:blipFill>
+                      </a:tcPr>
+                    </a:tc>
+                    <a:tc>
+                      <a:txBody>
+                        <a:bodyPr/>
+                        <a:lstStyle/>
+                        <a:p>
+                          <a:endParaRPr lang="en-US"/>
+                        </a:p>
+                      </a:txBody>
+                      <a:tcPr>
+                        <a:blipFill>
+                          <a:blip r:embed="rId2"/>
+                          <a:stretch>
+                            <a:fillRect l="-301807" t="-225926" r="-602" b="-500000"/>
+                          </a:stretch>
+                        </a:blipFill>
+                      </a:tcPr>
+                    </a:tc>
+                    <a:extLst>
+                      <a:ext uri="{0D108BD9-81ED-4DB2-BD59-A6C34878D82A}">
+                        <a16:rowId xmlns:a16="http://schemas.microsoft.com/office/drawing/2014/main" val="266417292"/>
+                      </a:ext>
+                    </a:extLst>
+                  </a:tr>
+                  <a:tr h="309579">
+                    <a:tc>
+                      <a:txBody>
+                        <a:bodyPr/>
+                        <a:lstStyle/>
+                        <a:p>
+                          <a:pPr algn="ctr"/>
+                          <a:r>
+                            <a:rPr lang="en-US" sz="1400" dirty="0" err="1"/>
+                            <a:t>toeplitzByVec</a:t>
+                          </a:r>
+                          <a:r>
+                            <a:rPr lang="en-US" sz="1400" dirty="0"/>
+                            <a:t>()</a:t>
+                          </a:r>
+                        </a:p>
+                      </a:txBody>
+                      <a:tcPr/>
+                    </a:tc>
+                    <a:tc>
+                      <a:txBody>
+                        <a:bodyPr/>
+                        <a:lstStyle/>
+                        <a:p>
+                          <a:pPr algn="ctr"/>
+                          <a:r>
+                            <a:rPr lang="en-US" sz="1400" dirty="0"/>
+                            <a:t>2</a:t>
+                          </a:r>
+                        </a:p>
+                      </a:txBody>
+                      <a:tcPr/>
+                    </a:tc>
+                    <a:tc>
+                      <a:txBody>
+                        <a:bodyPr/>
+                        <a:lstStyle/>
+                        <a:p>
+                          <a:endParaRPr lang="en-US"/>
+                        </a:p>
+                      </a:txBody>
+                      <a:tcPr>
+                        <a:blipFill>
+                          <a:blip r:embed="rId2"/>
+                          <a:stretch>
+                            <a:fillRect l="-200000" t="-352000" r="-100000" b="-440000"/>
+                          </a:stretch>
+                        </a:blipFill>
+                      </a:tcPr>
+                    </a:tc>
+                    <a:tc>
+                      <a:txBody>
+                        <a:bodyPr/>
+                        <a:lstStyle/>
+                        <a:p>
+                          <a:endParaRPr lang="en-US"/>
+                        </a:p>
+                      </a:txBody>
+                      <a:tcPr>
+                        <a:blipFill>
+                          <a:blip r:embed="rId2"/>
+                          <a:stretch>
+                            <a:fillRect l="-301807" t="-352000" r="-602" b="-440000"/>
+                          </a:stretch>
+                        </a:blipFill>
+                      </a:tcPr>
+                    </a:tc>
+                    <a:extLst>
+                      <a:ext uri="{0D108BD9-81ED-4DB2-BD59-A6C34878D82A}">
+                        <a16:rowId xmlns:a16="http://schemas.microsoft.com/office/drawing/2014/main" val="2998986514"/>
+                      </a:ext>
+                    </a:extLst>
+                  </a:tr>
+                  <a:tr h="340537">
+                    <a:tc>
+                      <a:txBody>
+                        <a:bodyPr/>
+                        <a:lstStyle/>
+                        <a:p>
+                          <a:pPr algn="ctr"/>
+                          <a:r>
+                            <a:rPr lang="en-US" sz="1400" dirty="0">
+                              <a:solidFill>
+                                <a:srgbClr val="FF0000"/>
+                              </a:solidFill>
+                            </a:rPr>
+                            <a:t>MUX</a:t>
+                          </a:r>
+                        </a:p>
+                      </a:txBody>
+                      <a:tcPr/>
+                    </a:tc>
+                    <a:tc>
+                      <a:txBody>
+                        <a:bodyPr/>
+                        <a:lstStyle/>
+                        <a:p>
+                          <a:pPr algn="ctr"/>
+                          <a:r>
+                            <a:rPr lang="en-US" sz="1400" dirty="0"/>
+                            <a:t>1</a:t>
+                          </a:r>
+                        </a:p>
+                      </a:txBody>
+                      <a:tcPr/>
+                    </a:tc>
+                    <a:tc>
+                      <a:txBody>
+                        <a:bodyPr/>
+                        <a:lstStyle/>
+                        <a:p>
+                          <a:endParaRPr lang="en-US"/>
+                        </a:p>
+                      </a:txBody>
+                      <a:tcPr>
+                        <a:blipFill>
+                          <a:blip r:embed="rId2"/>
+                          <a:stretch>
+                            <a:fillRect l="-200000" t="-418519" r="-100000" b="-307407"/>
+                          </a:stretch>
+                        </a:blipFill>
+                      </a:tcPr>
+                    </a:tc>
+                    <a:tc>
+                      <a:txBody>
+                        <a:bodyPr/>
+                        <a:lstStyle/>
+                        <a:p>
+                          <a:endParaRPr lang="en-US"/>
+                        </a:p>
+                      </a:txBody>
+                      <a:tcPr>
+                        <a:blipFill>
+                          <a:blip r:embed="rId2"/>
+                          <a:stretch>
+                            <a:fillRect l="-301807" t="-418519" r="-602" b="-307407"/>
+                          </a:stretch>
+                        </a:blipFill>
+                      </a:tcPr>
+                    </a:tc>
+                    <a:extLst>
+                      <a:ext uri="{0D108BD9-81ED-4DB2-BD59-A6C34878D82A}">
+                        <a16:rowId xmlns:a16="http://schemas.microsoft.com/office/drawing/2014/main" val="394972434"/>
+                      </a:ext>
+                    </a:extLst>
+                  </a:tr>
+                  <a:tr h="340537">
+                    <a:tc>
+                      <a:txBody>
+                        <a:bodyPr/>
+                        <a:lstStyle/>
+                        <a:p>
+                          <a:pPr algn="ctr"/>
+                          <a:r>
+                            <a:rPr lang="en-US" sz="1400" dirty="0">
+                              <a:solidFill>
+                                <a:srgbClr val="FF0000"/>
+                              </a:solidFill>
+                            </a:rPr>
+                            <a:t>Set()</a:t>
+                          </a:r>
+                        </a:p>
+                      </a:txBody>
+                      <a:tcPr/>
+                    </a:tc>
+                    <a:tc>
+                      <a:txBody>
+                        <a:bodyPr/>
+                        <a:lstStyle/>
+                        <a:p>
+                          <a:pPr algn="ctr"/>
+                          <a:r>
+                            <a:rPr lang="en-US" sz="1400" dirty="0"/>
+                            <a:t>1</a:t>
+                          </a:r>
+                        </a:p>
+                      </a:txBody>
+                      <a:tcPr/>
+                    </a:tc>
+                    <a:tc>
+                      <a:txBody>
+                        <a:bodyPr/>
+                        <a:lstStyle/>
+                        <a:p>
+                          <a:pPr algn="ctr"/>
+                          <a:r>
+                            <a:rPr lang="en-US" sz="1400" dirty="0"/>
+                            <a:t>n</a:t>
+                          </a:r>
+                        </a:p>
+                      </a:txBody>
+                      <a:tcPr/>
+                    </a:tc>
+                    <a:tc>
+                      <a:txBody>
+                        <a:bodyPr/>
+                        <a:lstStyle/>
+                        <a:p>
+                          <a:pPr algn="ctr"/>
+                          <a:r>
+                            <a:rPr lang="en-US" sz="1400" dirty="0"/>
+                            <a:t>n</a:t>
+                          </a:r>
+                        </a:p>
+                      </a:txBody>
+                      <a:tcPr/>
+                    </a:tc>
+                    <a:extLst>
+                      <a:ext uri="{0D108BD9-81ED-4DB2-BD59-A6C34878D82A}">
+                        <a16:rowId xmlns:a16="http://schemas.microsoft.com/office/drawing/2014/main" val="846408069"/>
+                      </a:ext>
+                    </a:extLst>
+                  </a:tr>
+                  <a:tr h="340537">
+                    <a:tc>
+                      <a:txBody>
+                        <a:bodyPr/>
+                        <a:lstStyle/>
+                        <a:p>
+                          <a:pPr algn="ctr"/>
+                          <a:r>
+                            <a:rPr lang="en-US" sz="1400" dirty="0" err="1">
+                              <a:solidFill>
+                                <a:srgbClr val="FF0000"/>
+                              </a:solidFill>
+                            </a:rPr>
+                            <a:t>matByVec</a:t>
+                          </a:r>
+                          <a:endParaRPr lang="en-US" sz="1400" dirty="0">
+                            <a:solidFill>
+                              <a:srgbClr val="FF0000"/>
+                            </a:solidFill>
+                          </a:endParaRPr>
+                        </a:p>
+                      </a:txBody>
+                      <a:tcPr/>
+                    </a:tc>
+                    <a:tc>
+                      <a:txBody>
+                        <a:bodyPr/>
+                        <a:lstStyle/>
+                        <a:p>
+                          <a:pPr algn="ctr"/>
+                          <a:r>
+                            <a:rPr lang="en-US" sz="1400" dirty="0"/>
+                            <a:t>2</a:t>
+                          </a:r>
+                        </a:p>
+                      </a:txBody>
+                      <a:tcPr/>
+                    </a:tc>
+                    <a:tc>
+                      <a:txBody>
+                        <a:bodyPr/>
+                        <a:lstStyle/>
+                        <a:p>
+                          <a:pPr algn="ctr"/>
+                          <a:r>
+                            <a:rPr lang="en-US" sz="1400" dirty="0"/>
+                            <a:t>37n</a:t>
+                          </a:r>
+                        </a:p>
+                      </a:txBody>
+                      <a:tcPr/>
+                    </a:tc>
+                    <a:tc>
+                      <a:txBody>
+                        <a:bodyPr/>
+                        <a:lstStyle/>
+                        <a:p>
+                          <a:pPr algn="ctr"/>
+                          <a:r>
+                            <a:rPr lang="en-US" sz="1400" dirty="0"/>
+                            <a:t>74n</a:t>
+                          </a:r>
+                        </a:p>
+                      </a:txBody>
+                      <a:tcPr/>
+                    </a:tc>
+                    <a:extLst>
+                      <a:ext uri="{0D108BD9-81ED-4DB2-BD59-A6C34878D82A}">
+                        <a16:rowId xmlns:a16="http://schemas.microsoft.com/office/drawing/2014/main" val="2799987271"/>
+                      </a:ext>
+                    </a:extLst>
+                  </a:tr>
+                  <a:tr h="309579">
+                    <a:tc>
+                      <a:txBody>
+                        <a:bodyPr/>
+                        <a:lstStyle/>
+                        <a:p>
+                          <a:pPr algn="ctr"/>
+                          <a:r>
+                            <a:rPr lang="en-US" sz="1400" dirty="0"/>
+                            <a:t>Total</a:t>
+                          </a:r>
+                        </a:p>
+                      </a:txBody>
+                      <a:tcPr>
+                        <a:lnB w="12700" cap="flat" cmpd="sng" algn="ctr">
+                          <a:solidFill>
+                            <a:schemeClr val="tx1"/>
+                          </a:solidFill>
+                          <a:prstDash val="solid"/>
+                          <a:round/>
+                          <a:headEnd type="none" w="med" len="med"/>
+                          <a:tailEnd type="none" w="med" len="med"/>
+                        </a:lnB>
+                      </a:tcPr>
+                    </a:tc>
+                    <a:tc>
+                      <a:txBody>
+                        <a:bodyPr/>
+                        <a:lstStyle/>
+                        <a:p>
+                          <a:pPr algn="ctr"/>
+                          <a:endParaRPr lang="en-US" sz="1400" dirty="0"/>
+                        </a:p>
+                      </a:txBody>
+                      <a:tcPr>
+                        <a:lnB w="12700" cap="flat" cmpd="sng" algn="ctr">
+                          <a:solidFill>
+                            <a:schemeClr val="tx1"/>
+                          </a:solidFill>
+                          <a:prstDash val="solid"/>
+                          <a:round/>
+                          <a:headEnd type="none" w="med" len="med"/>
+                          <a:tailEnd type="none" w="med" len="med"/>
+                        </a:lnB>
+                      </a:tcPr>
+                    </a:tc>
+                    <a:tc>
+                      <a:txBody>
+                        <a:bodyPr/>
+                        <a:lstStyle/>
+                        <a:p>
+                          <a:pPr algn="ctr"/>
+                          <a:r>
+                            <a:rPr lang="en-US" sz="1400" dirty="0"/>
+                            <a:t>174.5n</a:t>
+                          </a:r>
+                        </a:p>
+                      </a:txBody>
+                      <a:tcPr/>
+                    </a:tc>
+                    <a:tc>
+                      <a:txBody>
+                        <a:bodyPr/>
+                        <a:lstStyle/>
+                        <a:p>
+                          <a:endParaRPr lang="en-US"/>
+                        </a:p>
+                      </a:txBody>
+                      <a:tcPr>
+                        <a:blipFill>
+                          <a:blip r:embed="rId2"/>
+                          <a:stretch>
+                            <a:fillRect l="-301807" t="-808333" r="-602" b="-20833"/>
+                          </a:stretch>
+                        </a:blipFill>
+                      </a:tcPr>
+                    </a:tc>
+                    <a:extLst>
+                      <a:ext uri="{0D108BD9-81ED-4DB2-BD59-A6C34878D82A}">
+                        <a16:rowId xmlns:a16="http://schemas.microsoft.com/office/drawing/2014/main" val="915950187"/>
+                      </a:ext>
+                    </a:extLst>
+                  </a:tr>
+                </a:tbl>
+              </a:graphicData>
+            </a:graphic>
+          </p:graphicFrame>
+        </mc:Fallback>
+      </mc:AlternateContent>
+    </p:spTree>
+    <p:extLst>
+      <p:ext uri="{BB962C8B-B14F-4D97-AF65-F5344CB8AC3E}">
+        <p14:creationId xmlns:p14="http://schemas.microsoft.com/office/powerpoint/2010/main" val="932293205"/>
+      </p:ext>
+    </p:extLst>
+  </p:cSld>
+  <p:clrMapOvr>
+    <a:masterClrMapping/>
+  </p:clrMapOvr>
+</p:sld>
+</file>
+
+<file path=ppt/slides/slide4.xml><?xml version="1.0" encoding="utf-8"?>
+<p:sld xmlns:a="http://schemas.openxmlformats.org/drawingml/2006/main" xmlns:r="http://schemas.openxmlformats.org/officeDocument/2006/relationships" xmlns:p="http://schemas.openxmlformats.org/presentationml/2006/main">
+  <p:cSld>
+    <p:spTree>
+      <p:nvGrpSpPr>
+        <p:cNvPr id="1" name=""/>
+        <p:cNvGrpSpPr/>
+        <p:nvPr/>
+      </p:nvGrpSpPr>
+      <p:grpSpPr>
+        <a:xfrm>
+          <a:off x="0" y="0"/>
+          <a:ext cx="0" cy="0"/>
+          <a:chOff x="0" y="0"/>
+          <a:chExt cx="0" cy="0"/>
+        </a:xfrm>
+      </p:grpSpPr>
+      <p:sp>
+        <p:nvSpPr>
+          <p:cNvPr id="2" name="Title 1">
+            <a:extLst>
+              <a:ext uri="{FF2B5EF4-FFF2-40B4-BE49-F238E27FC236}">
                 <a16:creationId xmlns:a16="http://schemas.microsoft.com/office/drawing/2014/main" id="{B6794081-496F-274A-ACC9-FF5705F7466A}"/>
               </a:ext>
             </a:extLst>
@@ -5337,7 +7022,7 @@
           <a:p>
             <a:r>
               <a:rPr lang="en-US" dirty="0"/>
-              <a:t>DIDO(Fully Distributed with packed)</a:t>
+              <a:t>Fully Distributed with packed</a:t>
             </a:r>
           </a:p>
         </p:txBody>
@@ -5361,7 +7046,7 @@
         <p:spPr>
           <a:xfrm>
             <a:off x="838200" y="1103971"/>
-            <a:ext cx="10515600" cy="1806497"/>
+            <a:ext cx="10515600" cy="1550019"/>
           </a:xfrm>
         </p:spPr>
         <p:txBody>
@@ -5378,14 +7063,6 @@
             <a:r>
               <a:rPr lang="en-US" sz="2000" dirty="0" err="1"/>
               <a:t>new_protocol.cpp</a:t>
-            </a:r>
-            <a:endParaRPr lang="en-US" sz="2000" dirty="0"/>
-          </a:p>
-          <a:p>
-            <a:pPr lvl="1"/>
-            <a:r>
-              <a:rPr lang="en-US" sz="2000" dirty="0" err="1"/>
-              <a:t>lookup_functions.cpp</a:t>
             </a:r>
             <a:endParaRPr lang="en-US" sz="2000" dirty="0"/>
           </a:p>
@@ -5422,7 +7099,7 @@
               <p:nvPr>
                 <p:extLst>
                   <p:ext uri="{D42A27DB-BD31-4B8C-83A1-F6EECF244321}">
-                    <p14:modId xmlns:p14="http://schemas.microsoft.com/office/powerpoint/2010/main" val="35967620"/>
+                    <p14:modId xmlns:p14="http://schemas.microsoft.com/office/powerpoint/2010/main" val="3339469257"/>
                   </p:ext>
                 </p:extLst>
               </p:nvPr>
@@ -5557,7 +7234,7 @@
                           <a:pPr algn="ctr"/>
                           <a:r>
                             <a:rPr lang="en-US" sz="1400" dirty="0"/>
-                            <a:t>8</a:t>
+                            <a:t>5</a:t>
                           </a:r>
                         </a:p>
                       </a:txBody>
@@ -5621,6 +7298,12 @@
                                 <m:jc m:val="centerGroup"/>
                               </m:oMathParaPr>
                               <m:oMath xmlns:m="http://schemas.openxmlformats.org/officeDocument/2006/math">
+                                <m:r>
+                                  <a:rPr lang="en-US" sz="1400" b="0" i="1" smtClean="0">
+                                    <a:latin typeface="Cambria Math" panose="02040503050406030204" pitchFamily="18" charset="0"/>
+                                  </a:rPr>
+                                  <m:t>~</m:t>
+                                </m:r>
                                 <m:f>
                                   <m:fPr>
                                     <m:type m:val="skw"/>
@@ -5643,7 +7326,7 @@
                                       <a:rPr lang="en-US" sz="1400" b="0" i="1" smtClean="0">
                                         <a:latin typeface="Cambria Math" panose="02040503050406030204" pitchFamily="18" charset="0"/>
                                       </a:rPr>
-                                      <m:t>8</m:t>
+                                      <m:t>16</m:t>
                                     </m:r>
                                   </m:den>
                                 </m:f>
@@ -5815,7 +7498,7 @@
                           <a:pPr algn="ctr"/>
                           <a:r>
                             <a:rPr lang="en-US" sz="1400" dirty="0"/>
-                            <a:t>4</a:t>
+                            <a:t>2</a:t>
                           </a:r>
                         </a:p>
                       </a:txBody>
@@ -5866,16 +7549,16 @@
                               </m:oMathParaPr>
                               <m:oMath xmlns:m="http://schemas.openxmlformats.org/officeDocument/2006/math">
                                 <m:r>
-                                  <a:rPr lang="en-US" sz="1400" i="1" smtClean="0">
+                                  <a:rPr lang="en-US" sz="1400" b="0" i="1" smtClean="0">
                                     <a:latin typeface="Cambria Math" panose="02040503050406030204" pitchFamily="18" charset="0"/>
                                   </a:rPr>
-                                  <m:t>1</m:t>
+                                  <m:t>5</m:t>
                                 </m:r>
                                 <m:r>
                                   <a:rPr lang="en-US" sz="1400" b="0" i="1" smtClean="0">
                                     <a:latin typeface="Cambria Math" panose="02040503050406030204" pitchFamily="18" charset="0"/>
                                   </a:rPr>
-                                  <m:t>00</m:t>
+                                  <m:t>0</m:t>
                                 </m:r>
                                 <m:r>
                                   <a:rPr lang="en-US" sz="1400" b="0" i="1" smtClean="0">
@@ -5924,7 +7607,7 @@
                           <a:pPr algn="ctr"/>
                           <a:r>
                             <a:rPr lang="en-US" sz="1400" dirty="0"/>
-                            <a:t>2</a:t>
+                            <a:t>1</a:t>
                           </a:r>
                         </a:p>
                       </a:txBody>
@@ -6010,7 +7693,7 @@
                                       <a:rPr lang="en-US" sz="1400" b="0" i="1" smtClean="0">
                                         <a:latin typeface="Cambria Math" panose="02040503050406030204" pitchFamily="18" charset="0"/>
                                       </a:rPr>
-                                      <m:t>16</m:t>
+                                      <m:t>32</m:t>
                                     </m:r>
                                   </m:den>
                                 </m:f>
@@ -6060,7 +7743,7 @@
                           <a:pPr algn="ctr"/>
                           <a:r>
                             <a:rPr lang="en-US" sz="1400" dirty="0"/>
-                            <a:t>2</a:t>
+                            <a:t>1</a:t>
                           </a:r>
                         </a:p>
                       </a:txBody>
@@ -6088,7 +7771,7 @@
                           <a:pPr algn="ctr"/>
                           <a:r>
                             <a:rPr lang="en-US" sz="1400" dirty="0"/>
-                            <a:t>74n</a:t>
+                            <a:t>37n</a:t>
                           </a:r>
                         </a:p>
                       </a:txBody>
@@ -6163,62 +7846,79 @@
                         <a:lstStyle/>
                         <a:p>
                           <a:pPr algn="ctr"/>
+                          <a:r>
+                            <a:rPr lang="en-US" sz="1400" b="1" dirty="0"/>
+                            <a:t>8</a:t>
+                          </a:r>
                           <a14:m>
-                            <m:oMathPara xmlns:m="http://schemas.openxmlformats.org/officeDocument/2006/math">
-                              <m:oMathParaPr>
-                                <m:jc m:val="centerGroup"/>
-                              </m:oMathParaPr>
-                              <m:oMath xmlns:m="http://schemas.openxmlformats.org/officeDocument/2006/math">
-                                <m:r>
-                                  <a:rPr lang="en-US" sz="1400" b="1" i="1" smtClean="0">
-                                    <a:latin typeface="Cambria Math" panose="02040503050406030204" pitchFamily="18" charset="0"/>
-                                  </a:rPr>
-                                  <m:t>𝟐𝟏𝟕</m:t>
-                                </m:r>
-                                <m:r>
-                                  <a:rPr lang="en-US" sz="1400" b="1" i="1" smtClean="0">
-                                    <a:latin typeface="Cambria Math" panose="02040503050406030204" pitchFamily="18" charset="0"/>
-                                  </a:rPr>
-                                  <m:t>.</m:t>
-                                </m:r>
-                                <m:r>
-                                  <a:rPr lang="en-US" sz="1400" b="1" i="1" smtClean="0">
-                                    <a:latin typeface="Cambria Math" panose="02040503050406030204" pitchFamily="18" charset="0"/>
-                                  </a:rPr>
-                                  <m:t>𝟓</m:t>
-                                </m:r>
-                                <m:r>
-                                  <a:rPr lang="en-US" sz="1400" b="1" i="1" smtClean="0">
-                                    <a:latin typeface="Cambria Math" panose="02040503050406030204" pitchFamily="18" charset="0"/>
-                                  </a:rPr>
-                                  <m:t>𝒏</m:t>
-                                </m:r>
-                                <m:r>
-                                  <a:rPr lang="en-US" sz="1400" b="1" i="1" smtClean="0">
-                                    <a:latin typeface="Cambria Math" panose="02040503050406030204" pitchFamily="18" charset="0"/>
-                                  </a:rPr>
-                                  <m:t>=</m:t>
-                                </m:r>
-                                <m:r>
-                                  <a:rPr lang="en-US" sz="1400" b="1" i="1" smtClean="0">
-                                    <a:latin typeface="Cambria Math" panose="02040503050406030204" pitchFamily="18" charset="0"/>
-                                  </a:rPr>
-                                  <m:t>𝟓𝟓</m:t>
-                                </m:r>
-                                <m:r>
-                                  <a:rPr lang="en-US" sz="1400" b="1" i="1" smtClean="0">
-                                    <a:latin typeface="Cambria Math" panose="02040503050406030204" pitchFamily="18" charset="0"/>
-                                  </a:rPr>
-                                  <m:t>,</m:t>
-                                </m:r>
-                                <m:r>
-                                  <a:rPr lang="en-US" sz="1400" b="1" i="1" smtClean="0">
-                                    <a:latin typeface="Cambria Math" panose="02040503050406030204" pitchFamily="18" charset="0"/>
-                                  </a:rPr>
-                                  <m:t>𝟔𝟖𝟎</m:t>
-                                </m:r>
-                              </m:oMath>
-                            </m:oMathPara>
+                            <m:oMath xmlns:m="http://schemas.openxmlformats.org/officeDocument/2006/math">
+                              <m:r>
+                                <a:rPr lang="en-US" sz="1400" b="1" i="1" smtClean="0">
+                                  <a:latin typeface="Cambria Math" panose="02040503050406030204" pitchFamily="18" charset="0"/>
+                                </a:rPr>
+                                <m:t>𝟕</m:t>
+                              </m:r>
+                              <m:r>
+                                <a:rPr lang="en-US" sz="1400" b="1" i="1" smtClean="0">
+                                  <a:latin typeface="Cambria Math" panose="02040503050406030204" pitchFamily="18" charset="0"/>
+                                </a:rPr>
+                                <m:t>.</m:t>
+                              </m:r>
+                              <m:r>
+                                <a:rPr lang="en-US" sz="1400" b="1" i="1" smtClean="0">
+                                  <a:latin typeface="Cambria Math" panose="02040503050406030204" pitchFamily="18" charset="0"/>
+                                </a:rPr>
+                                <m:t>𝟏</m:t>
+                              </m:r>
+                              <m:r>
+                                <a:rPr lang="en-US" sz="1400" b="1" i="1" smtClean="0">
+                                  <a:latin typeface="Cambria Math" panose="02040503050406030204" pitchFamily="18" charset="0"/>
+                                </a:rPr>
+                                <m:t>𝟓</m:t>
+                              </m:r>
+                              <m:r>
+                                <a:rPr lang="en-US" sz="1400" b="1" i="1" smtClean="0">
+                                  <a:latin typeface="Cambria Math" panose="02040503050406030204" pitchFamily="18" charset="0"/>
+                                </a:rPr>
+                                <m:t>𝒏</m:t>
+                              </m:r>
+                              <m:r>
+                                <a:rPr lang="en-US" sz="1400" b="1" i="1" smtClean="0">
+                                  <a:latin typeface="Cambria Math" panose="02040503050406030204" pitchFamily="18" charset="0"/>
+                                </a:rPr>
+                                <m:t>=</m:t>
+                              </m:r>
+                              <m:r>
+                                <a:rPr lang="en-US" sz="1400" b="1" i="1" smtClean="0">
+                                  <a:latin typeface="Cambria Math" panose="02040503050406030204" pitchFamily="18" charset="0"/>
+                                </a:rPr>
+                                <m:t>𝟐𝟐</m:t>
+                              </m:r>
+                              <m:r>
+                                <a:rPr lang="en-US" sz="1400" b="1" i="1" smtClean="0">
+                                  <a:latin typeface="Cambria Math" panose="02040503050406030204" pitchFamily="18" charset="0"/>
+                                </a:rPr>
+                                <m:t>,</m:t>
+                              </m:r>
+                              <m:r>
+                                <a:rPr lang="en-US" sz="1400" b="1" i="1" smtClean="0">
+                                  <a:latin typeface="Cambria Math" panose="02040503050406030204" pitchFamily="18" charset="0"/>
+                                </a:rPr>
+                                <m:t>𝟑𝟏𝟎</m:t>
+                              </m:r>
+                              <m:r>
+                                <a:rPr lang="en-US" sz="1400" b="1" i="1" smtClean="0">
+                                  <a:latin typeface="Cambria Math" panose="02040503050406030204" pitchFamily="18" charset="0"/>
+                                </a:rPr>
+                                <m:t>.</m:t>
+                              </m:r>
+                              <m:r>
+                                <a:rPr lang="en-US" sz="1400" b="1" i="1" smtClean="0">
+                                  <a:latin typeface="Cambria Math" panose="02040503050406030204" pitchFamily="18" charset="0"/>
+                                </a:rPr>
+                                <m:t>𝟒</m:t>
+                              </m:r>
+                            </m:oMath>
                           </a14:m>
                           <a:endParaRPr lang="en-US" sz="1400" b="1" dirty="0"/>
                         </a:p>
@@ -6252,7 +7952,7 @@
               <p:nvPr>
                 <p:extLst>
                   <p:ext uri="{D42A27DB-BD31-4B8C-83A1-F6EECF244321}">
-                    <p14:modId xmlns:p14="http://schemas.microsoft.com/office/powerpoint/2010/main" val="35967620"/>
+                    <p14:modId xmlns:p14="http://schemas.microsoft.com/office/powerpoint/2010/main" val="3339469257"/>
                   </p:ext>
                 </p:extLst>
               </p:nvPr>
@@ -6387,7 +8087,7 @@
                           <a:pPr algn="ctr"/>
                           <a:r>
                             <a:rPr lang="en-US" sz="1400" dirty="0"/>
-                            <a:t>8</a:t>
+                            <a:t>5</a:t>
                           </a:r>
                         </a:p>
                       </a:txBody>
@@ -6529,7 +8229,7 @@
                           <a:pPr algn="ctr"/>
                           <a:r>
                             <a:rPr lang="en-US" sz="1400" dirty="0"/>
-                            <a:t>4</a:t>
+                            <a:t>2</a:t>
                           </a:r>
                         </a:p>
                       </a:txBody>
@@ -6602,7 +8302,7 @@
                           <a:pPr algn="ctr"/>
                           <a:r>
                             <a:rPr lang="en-US" sz="1400" dirty="0"/>
-                            <a:t>2</a:t>
+                            <a:t>1</a:t>
                           </a:r>
                         </a:p>
                       </a:txBody>
@@ -6680,7 +8380,7 @@
                           <a:pPr algn="ctr"/>
                           <a:r>
                             <a:rPr lang="en-US" sz="1400" dirty="0"/>
-                            <a:t>2</a:t>
+                            <a:t>1</a:t>
                           </a:r>
                         </a:p>
                       </a:txBody>
@@ -6708,7 +8408,7 @@
                           <a:pPr algn="ctr"/>
                           <a:r>
                             <a:rPr lang="en-US" sz="1400" dirty="0"/>
-                            <a:t>74n</a:t>
+                            <a:t>37n</a:t>
                           </a:r>
                         </a:p>
                       </a:txBody>
@@ -6819,7 +8519,7 @@
 </p:sld>
 </file>
 
-<file path=ppt/slides/slide4.xml><?xml version="1.0" encoding="utf-8"?>
+<file path=ppt/slides/slide5.xml><?xml version="1.0" encoding="utf-8"?>
 <p:sld xmlns:a="http://schemas.openxmlformats.org/drawingml/2006/main" xmlns:r="http://schemas.openxmlformats.org/officeDocument/2006/relationships" xmlns:p="http://schemas.openxmlformats.org/presentationml/2006/main">
   <p:cSld>
     <p:spTree>
@@ -6866,7 +8566,7 @@
           <a:p>
             <a:r>
               <a:rPr lang="en-US" dirty="0"/>
-              <a:t>DIDO(Fully Distributed with packed and lookup)</a:t>
+              <a:t>Fully Distributed with packed and lookup</a:t>
             </a:r>
           </a:p>
         </p:txBody>
@@ -6956,7 +8656,7 @@
               <p:nvPr>
                 <p:extLst>
                   <p:ext uri="{D42A27DB-BD31-4B8C-83A1-F6EECF244321}">
-                    <p14:modId xmlns:p14="http://schemas.microsoft.com/office/powerpoint/2010/main" val="3175998121"/>
+                    <p14:modId xmlns:p14="http://schemas.microsoft.com/office/powerpoint/2010/main" val="4003579621"/>
                   </p:ext>
                 </p:extLst>
               </p:nvPr>
@@ -7091,7 +8791,7 @@
                           <a:pPr algn="ctr"/>
                           <a:r>
                             <a:rPr lang="en-US" sz="1400" dirty="0"/>
-                            <a:t>8</a:t>
+                            <a:t>5</a:t>
                           </a:r>
                         </a:p>
                       </a:txBody>
@@ -7169,6 +8869,12 @@
                                       <a:rPr lang="en-US" sz="1400" b="0" i="1" smtClean="0">
                                         <a:latin typeface="Cambria Math" panose="02040503050406030204" pitchFamily="18" charset="0"/>
                                       </a:rPr>
+                                      <m:t>~</m:t>
+                                    </m:r>
+                                    <m:r>
+                                      <a:rPr lang="en-US" sz="1400" b="0" i="1" smtClean="0">
+                                        <a:latin typeface="Cambria Math" panose="02040503050406030204" pitchFamily="18" charset="0"/>
+                                      </a:rPr>
                                       <m:t>𝑛</m:t>
                                     </m:r>
                                   </m:num>
@@ -7177,7 +8883,7 @@
                                       <a:rPr lang="en-US" sz="1400" b="0" i="1" smtClean="0">
                                         <a:latin typeface="Cambria Math" panose="02040503050406030204" pitchFamily="18" charset="0"/>
                                       </a:rPr>
-                                      <m:t>8</m:t>
+                                      <m:t>4</m:t>
                                     </m:r>
                                   </m:den>
                                 </m:f>
@@ -7349,7 +9055,7 @@
                           <a:pPr algn="ctr"/>
                           <a:r>
                             <a:rPr lang="en-US" sz="1400" dirty="0"/>
-                            <a:t>4</a:t>
+                            <a:t>2</a:t>
                           </a:r>
                         </a:p>
                       </a:txBody>
@@ -7400,16 +9106,16 @@
                               </m:oMathParaPr>
                               <m:oMath xmlns:m="http://schemas.openxmlformats.org/officeDocument/2006/math">
                                 <m:r>
-                                  <a:rPr lang="en-US" sz="1400" i="1" smtClean="0">
+                                  <a:rPr lang="en-US" sz="1400" b="0" i="1" smtClean="0">
                                     <a:latin typeface="Cambria Math" panose="02040503050406030204" pitchFamily="18" charset="0"/>
                                   </a:rPr>
-                                  <m:t>1</m:t>
+                                  <m:t>5</m:t>
                                 </m:r>
                                 <m:r>
                                   <a:rPr lang="en-US" sz="1400" b="0" i="1" smtClean="0">
                                     <a:latin typeface="Cambria Math" panose="02040503050406030204" pitchFamily="18" charset="0"/>
                                   </a:rPr>
-                                  <m:t>00</m:t>
+                                  <m:t>0</m:t>
                                 </m:r>
                                 <m:r>
                                   <a:rPr lang="en-US" sz="1400" b="0" i="1" smtClean="0">
@@ -7458,7 +9164,7 @@
                           <a:pPr algn="ctr"/>
                           <a:r>
                             <a:rPr lang="en-US" sz="1400" dirty="0"/>
-                            <a:t>2</a:t>
+                            <a:t>1</a:t>
                           </a:r>
                         </a:p>
                       </a:txBody>
@@ -7498,13 +9204,7 @@
                                       <a:rPr lang="en-US" sz="1400" b="0" i="1" smtClean="0">
                                         <a:latin typeface="Cambria Math" panose="02040503050406030204" pitchFamily="18" charset="0"/>
                                       </a:rPr>
-                                      <m:t>3</m:t>
-                                    </m:r>
-                                    <m:r>
-                                      <a:rPr lang="en-US" sz="1400" b="0" i="1" smtClean="0">
-                                        <a:latin typeface="Cambria Math" panose="02040503050406030204" pitchFamily="18" charset="0"/>
-                                      </a:rPr>
-                                      <m:t>2</m:t>
+                                      <m:t>32</m:t>
                                     </m:r>
                                   </m:den>
                                 </m:f>
@@ -7550,7 +9250,7 @@
                                       <a:rPr lang="en-US" sz="1400" b="0" i="1" smtClean="0">
                                         <a:latin typeface="Cambria Math" panose="02040503050406030204" pitchFamily="18" charset="0"/>
                                       </a:rPr>
-                                      <m:t>16</m:t>
+                                      <m:t>32</m:t>
                                     </m:r>
                                   </m:den>
                                 </m:f>
@@ -7592,7 +9292,7 @@
                           <a:pPr algn="ctr"/>
                           <a:r>
                             <a:rPr lang="en-US" sz="1400" dirty="0"/>
-                            <a:t>4</a:t>
+                            <a:t>2</a:t>
                           </a:r>
                         </a:p>
                       </a:txBody>
@@ -7620,7 +9320,7 @@
                           <a:pPr algn="ctr"/>
                           <a:r>
                             <a:rPr lang="en-US" sz="1400" dirty="0"/>
-                            <a:t>4n</a:t>
+                            <a:t>2n</a:t>
                           </a:r>
                         </a:p>
                       </a:txBody>
@@ -7680,7 +9380,7 @@
                           <a:pPr algn="ctr"/>
                           <a:r>
                             <a:rPr lang="en-US" sz="1400" dirty="0"/>
-                            <a:t>4</a:t>
+                            <a:t>2</a:t>
                           </a:r>
                         </a:p>
                       </a:txBody>
@@ -7759,39 +9459,40 @@
                         <a:lstStyle/>
                         <a:p>
                           <a:pPr algn="ctr"/>
-                          <a:r>
-                            <a:rPr lang="en-US" sz="1400" dirty="0"/>
-                            <a:t>~</a:t>
-                          </a:r>
                           <a14:m>
-                            <m:oMath xmlns:m="http://schemas.openxmlformats.org/officeDocument/2006/math">
-                              <m:f>
-                                <m:fPr>
-                                  <m:type m:val="skw"/>
-                                  <m:ctrlPr>
-                                    <a:rPr lang="en-US" sz="1400" i="1" smtClean="0">
-                                      <a:latin typeface="Cambria Math" panose="02040503050406030204" pitchFamily="18" charset="0"/>
-                                    </a:rPr>
-                                  </m:ctrlPr>
-                                </m:fPr>
-                                <m:num>
-                                  <m:r>
-                                    <a:rPr lang="en-US" sz="1400" b="0" i="1" smtClean="0">
-                                      <a:latin typeface="Cambria Math" panose="02040503050406030204" pitchFamily="18" charset="0"/>
-                                    </a:rPr>
-                                    <m:t>𝑛</m:t>
-                                  </m:r>
-                                </m:num>
-                                <m:den>
-                                  <m:r>
-                                    <a:rPr lang="en-US" sz="1400" b="0" i="1" smtClean="0">
-                                      <a:latin typeface="Cambria Math" panose="02040503050406030204" pitchFamily="18" charset="0"/>
-                                    </a:rPr>
-                                    <m:t>8</m:t>
-                                  </m:r>
-                                </m:den>
-                              </m:f>
-                            </m:oMath>
+                            <m:oMathPara xmlns:m="http://schemas.openxmlformats.org/officeDocument/2006/math">
+                              <m:oMathParaPr>
+                                <m:jc m:val="centerGroup"/>
+                              </m:oMathParaPr>
+                              <m:oMath xmlns:m="http://schemas.openxmlformats.org/officeDocument/2006/math">
+                                <m:f>
+                                  <m:fPr>
+                                    <m:type m:val="skw"/>
+                                    <m:ctrlPr>
+                                      <a:rPr lang="en-US" sz="1400" i="1" smtClean="0">
+                                        <a:latin typeface="Cambria Math" panose="02040503050406030204" pitchFamily="18" charset="0"/>
+                                      </a:rPr>
+                                    </m:ctrlPr>
+                                  </m:fPr>
+                                  <m:num>
+                                    <m:r>
+                                      <a:rPr lang="en-US" sz="1400" b="0" i="1" smtClean="0">
+                                        <a:latin typeface="Cambria Math" panose="02040503050406030204" pitchFamily="18" charset="0"/>
+                                      </a:rPr>
+                                      <m:t>𝑛</m:t>
+                                    </m:r>
+                                  </m:num>
+                                  <m:den>
+                                    <m:r>
+                                      <a:rPr lang="en-US" sz="1400" b="0" i="1" smtClean="0">
+                                        <a:latin typeface="Cambria Math" panose="02040503050406030204" pitchFamily="18" charset="0"/>
+                                      </a:rPr>
+                                      <m:t>8</m:t>
+                                    </m:r>
+                                  </m:den>
+                                </m:f>
+                              </m:oMath>
+                            </m:oMathPara>
                           </a14:m>
                           <a:endParaRPr lang="en-US" sz="1400" dirty="0"/>
                         </a:p>
@@ -7993,7 +9694,7 @@
                                   <a:rPr lang="en-US" sz="1400" b="1" i="1" smtClean="0">
                                     <a:latin typeface="Cambria Math" panose="02040503050406030204" pitchFamily="18" charset="0"/>
                                   </a:rPr>
-                                  <m:t>𝟏𝟎𝟒</m:t>
+                                  <m:t>𝟓𝟏</m:t>
                                 </m:r>
                                 <m:r>
                                   <a:rPr lang="en-US" sz="1400" b="1" i="1" smtClean="0">
@@ -8005,7 +9706,7 @@
                                   <a:rPr lang="en-US" sz="1400" b="1" i="1" smtClean="0">
                                     <a:latin typeface="Cambria Math" panose="02040503050406030204" pitchFamily="18" charset="0"/>
                                   </a:rPr>
-                                  <m:t>𝟓</m:t>
+                                  <m:t>𝟐𝟖</m:t>
                                 </m:r>
                                 <m:r>
                                   <a:rPr lang="en-US" sz="1400" b="1" i="1" smtClean="0">
@@ -8023,7 +9724,7 @@
                                   <a:rPr lang="en-US" sz="1400" b="1" i="1" smtClean="0">
                                     <a:latin typeface="Cambria Math" panose="02040503050406030204" pitchFamily="18" charset="0"/>
                                   </a:rPr>
-                                  <m:t>𝟐𝟔</m:t>
+                                  <m:t>𝟏𝟑</m:t>
                                 </m:r>
                                 <m:r>
                                   <a:rPr lang="en-US" sz="1400" b="1" i="1" smtClean="0">
@@ -8035,7 +9736,19 @@
                                   <a:rPr lang="en-US" sz="1400" b="1" i="1" smtClean="0">
                                     <a:latin typeface="Cambria Math" panose="02040503050406030204" pitchFamily="18" charset="0"/>
                                   </a:rPr>
-                                  <m:t>𝟕𝟓𝟐</m:t>
+                                  <m:t>𝟏𝟐𝟕</m:t>
+                                </m:r>
+                                <m:r>
+                                  <a:rPr lang="en-US" sz="1400" b="1" i="1" smtClean="0">
+                                    <a:latin typeface="Cambria Math" panose="02040503050406030204" pitchFamily="18" charset="0"/>
+                                  </a:rPr>
+                                  <m:t>.</m:t>
+                                </m:r>
+                                <m:r>
+                                  <a:rPr lang="en-US" sz="1400" b="1" i="1" smtClean="0">
+                                    <a:latin typeface="Cambria Math" panose="02040503050406030204" pitchFamily="18" charset="0"/>
+                                  </a:rPr>
+                                  <m:t>𝟔𝟖</m:t>
                                 </m:r>
                               </m:oMath>
                             </m:oMathPara>
@@ -8072,7 +9785,7 @@
               <p:nvPr>
                 <p:extLst>
                   <p:ext uri="{D42A27DB-BD31-4B8C-83A1-F6EECF244321}">
-                    <p14:modId xmlns:p14="http://schemas.microsoft.com/office/powerpoint/2010/main" val="3175998121"/>
+                    <p14:modId xmlns:p14="http://schemas.microsoft.com/office/powerpoint/2010/main" val="4003579621"/>
                   </p:ext>
                 </p:extLst>
               </p:nvPr>
@@ -8207,7 +9920,7 @@
                           <a:pPr algn="ctr"/>
                           <a:r>
                             <a:rPr lang="en-US" sz="1400" dirty="0"/>
-                            <a:t>8</a:t>
+                            <a:t>5</a:t>
                           </a:r>
                         </a:p>
                       </a:txBody>
@@ -8349,7 +10062,7 @@
                           <a:pPr algn="ctr"/>
                           <a:r>
                             <a:rPr lang="en-US" sz="1400" dirty="0"/>
-                            <a:t>4</a:t>
+                            <a:t>2</a:t>
                           </a:r>
                         </a:p>
                       </a:txBody>
@@ -8422,7 +10135,7 @@
                           <a:pPr algn="ctr"/>
                           <a:r>
                             <a:rPr lang="en-US" sz="1400" dirty="0"/>
-                            <a:t>2</a:t>
+                            <a:t>1</a:t>
                           </a:r>
                         </a:p>
                       </a:txBody>
@@ -8492,7 +10205,7 @@
                           <a:pPr algn="ctr"/>
                           <a:r>
                             <a:rPr lang="en-US" sz="1400" dirty="0"/>
-                            <a:t>4</a:t>
+                            <a:t>2</a:t>
                           </a:r>
                         </a:p>
                       </a:txBody>
@@ -8520,7 +10233,7 @@
                           <a:pPr algn="ctr"/>
                           <a:r>
                             <a:rPr lang="en-US" sz="1400" dirty="0"/>
-                            <a:t>4n</a:t>
+                            <a:t>2n</a:t>
                           </a:r>
                         </a:p>
                       </a:txBody>
@@ -8580,7 +10293,7 @@
                           <a:pPr algn="ctr"/>
                           <a:r>
                             <a:rPr lang="en-US" sz="1400" dirty="0"/>
-                            <a:t>4</a:t>
+                            <a:t>2</a:t>
                           </a:r>
                         </a:p>
                       </a:txBody>
@@ -8856,7 +10569,3416 @@
 </p:sld>
 </file>
 
-<file path=ppt/slides/slide5.xml><?xml version="1.0" encoding="utf-8"?>
+<file path=ppt/slides/slide6.xml><?xml version="1.0" encoding="utf-8"?>
+<p:sld xmlns:a="http://schemas.openxmlformats.org/drawingml/2006/main" xmlns:r="http://schemas.openxmlformats.org/officeDocument/2006/relationships" xmlns:p="http://schemas.openxmlformats.org/presentationml/2006/main">
+  <p:cSld>
+    <p:spTree>
+      <p:nvGrpSpPr>
+        <p:cNvPr id="1" name=""/>
+        <p:cNvGrpSpPr/>
+        <p:nvPr/>
+      </p:nvGrpSpPr>
+      <p:grpSpPr>
+        <a:xfrm>
+          <a:off x="0" y="0"/>
+          <a:ext cx="0" cy="0"/>
+          <a:chOff x="0" y="0"/>
+          <a:chExt cx="0" cy="0"/>
+        </a:xfrm>
+      </p:grpSpPr>
+      <p:sp>
+        <p:nvSpPr>
+          <p:cNvPr id="2" name="Title 1">
+            <a:extLst>
+              <a:ext uri="{FF2B5EF4-FFF2-40B4-BE49-F238E27FC236}">
+                <a16:creationId xmlns:a16="http://schemas.microsoft.com/office/drawing/2014/main" id="{95B0E3E7-3C87-5949-B227-4D3CD6EBD3CA}"/>
+              </a:ext>
+            </a:extLst>
+          </p:cNvPr>
+          <p:cNvSpPr>
+            <a:spLocks noGrp="1"/>
+          </p:cNvSpPr>
+          <p:nvPr>
+            <p:ph type="title"/>
+          </p:nvPr>
+        </p:nvSpPr>
+        <p:spPr>
+          <a:xfrm>
+            <a:off x="838200" y="365125"/>
+            <a:ext cx="10515600" cy="526973"/>
+          </a:xfrm>
+        </p:spPr>
+        <p:txBody>
+          <a:bodyPr>
+            <a:normAutofit fontScale="90000"/>
+          </a:bodyPr>
+          <a:lstStyle/>
+          <a:p>
+            <a:r>
+              <a:rPr lang="en-US" dirty="0" err="1"/>
+              <a:t>oPRF</a:t>
+            </a:r>
+            <a:r>
+              <a:rPr lang="en-US" dirty="0"/>
+              <a:t> (packed)</a:t>
+            </a:r>
+          </a:p>
+        </p:txBody>
+      </p:sp>
+      <p:sp>
+        <p:nvSpPr>
+          <p:cNvPr id="3" name="Content Placeholder 2">
+            <a:extLst>
+              <a:ext uri="{FF2B5EF4-FFF2-40B4-BE49-F238E27FC236}">
+                <a16:creationId xmlns:a16="http://schemas.microsoft.com/office/drawing/2014/main" id="{37F822B8-ACFD-C84C-BA8C-76E2E72242B1}"/>
+              </a:ext>
+            </a:extLst>
+          </p:cNvPr>
+          <p:cNvSpPr>
+            <a:spLocks noGrp="1"/>
+          </p:cNvSpPr>
+          <p:nvPr>
+            <p:ph idx="1"/>
+          </p:nvPr>
+        </p:nvSpPr>
+        <p:spPr>
+          <a:xfrm>
+            <a:off x="838200" y="1067342"/>
+            <a:ext cx="10515600" cy="1603375"/>
+          </a:xfrm>
+        </p:spPr>
+        <p:txBody>
+          <a:bodyPr>
+            <a:normAutofit lnSpcReduction="10000"/>
+          </a:bodyPr>
+          <a:lstStyle/>
+          <a:p>
+            <a:r>
+              <a:rPr lang="en-US" dirty="0"/>
+              <a:t>Files: </a:t>
+            </a:r>
+          </a:p>
+          <a:p>
+            <a:pPr lvl="1"/>
+            <a:r>
+              <a:rPr lang="en-US" dirty="0" err="1"/>
+              <a:t>OPRF.cpp</a:t>
+            </a:r>
+            <a:endParaRPr lang="en-US" dirty="0"/>
+          </a:p>
+          <a:p>
+            <a:pPr lvl="1"/>
+            <a:r>
+              <a:rPr lang="en-US" dirty="0"/>
+              <a:t>PackedMod2.hpp</a:t>
+            </a:r>
+          </a:p>
+          <a:p>
+            <a:pPr lvl="1"/>
+            <a:r>
+              <a:rPr lang="en-US" dirty="0"/>
+              <a:t>PackedMod3.hpp</a:t>
+            </a:r>
+          </a:p>
+          <a:p>
+            <a:pPr lvl="1"/>
+            <a:endParaRPr lang="en-US" dirty="0"/>
+          </a:p>
+          <a:p>
+            <a:pPr lvl="1"/>
+            <a:endParaRPr lang="en-US" dirty="0"/>
+          </a:p>
+          <a:p>
+            <a:endParaRPr lang="en-US" dirty="0"/>
+          </a:p>
+        </p:txBody>
+      </p:sp>
+      <mc:AlternateContent xmlns:mc="http://schemas.openxmlformats.org/markup-compatibility/2006">
+        <mc:Choice xmlns:a14="http://schemas.microsoft.com/office/drawing/2010/main" Requires="a14">
+          <p:graphicFrame>
+            <p:nvGraphicFramePr>
+              <p:cNvPr id="4" name="Table 3">
+                <a:extLst>
+                  <a:ext uri="{FF2B5EF4-FFF2-40B4-BE49-F238E27FC236}">
+                    <a16:creationId xmlns:a16="http://schemas.microsoft.com/office/drawing/2014/main" id="{1E1644D6-F41E-1A40-8167-FD5D6BBB5A37}"/>
+                  </a:ext>
+                </a:extLst>
+              </p:cNvPr>
+              <p:cNvGraphicFramePr>
+                <a:graphicFrameLocks noGrp="1"/>
+              </p:cNvGraphicFramePr>
+              <p:nvPr>
+                <p:extLst>
+                  <p:ext uri="{D42A27DB-BD31-4B8C-83A1-F6EECF244321}">
+                    <p14:modId xmlns:p14="http://schemas.microsoft.com/office/powerpoint/2010/main" val="626677217"/>
+                  </p:ext>
+                </p:extLst>
+              </p:nvPr>
+            </p:nvGraphicFramePr>
+            <p:xfrm>
+              <a:off x="1405052" y="2996504"/>
+              <a:ext cx="8441476" cy="2634260"/>
+            </p:xfrm>
+            <a:graphic>
+              <a:graphicData uri="http://schemas.openxmlformats.org/drawingml/2006/table">
+                <a:tbl>
+                  <a:tblPr firstRow="1" bandRow="1">
+                    <a:tableStyleId>{5940675A-B579-460E-94D1-54222C63F5DA}</a:tableStyleId>
+                  </a:tblPr>
+                  <a:tblGrid>
+                    <a:gridCol w="2110369">
+                      <a:extLst>
+                        <a:ext uri="{9D8B030D-6E8A-4147-A177-3AD203B41FA5}">
+                          <a16:colId xmlns:a16="http://schemas.microsoft.com/office/drawing/2014/main" val="3913328905"/>
+                        </a:ext>
+                      </a:extLst>
+                    </a:gridCol>
+                    <a:gridCol w="2110369">
+                      <a:extLst>
+                        <a:ext uri="{9D8B030D-6E8A-4147-A177-3AD203B41FA5}">
+                          <a16:colId xmlns:a16="http://schemas.microsoft.com/office/drawing/2014/main" val="2780235502"/>
+                        </a:ext>
+                      </a:extLst>
+                    </a:gridCol>
+                    <a:gridCol w="2110369">
+                      <a:extLst>
+                        <a:ext uri="{9D8B030D-6E8A-4147-A177-3AD203B41FA5}">
+                          <a16:colId xmlns:a16="http://schemas.microsoft.com/office/drawing/2014/main" val="3033617068"/>
+                        </a:ext>
+                      </a:extLst>
+                    </a:gridCol>
+                    <a:gridCol w="2110369">
+                      <a:extLst>
+                        <a:ext uri="{9D8B030D-6E8A-4147-A177-3AD203B41FA5}">
+                          <a16:colId xmlns:a16="http://schemas.microsoft.com/office/drawing/2014/main" val="2426406902"/>
+                        </a:ext>
+                      </a:extLst>
+                    </a:gridCol>
+                  </a:tblGrid>
+                  <a:tr h="309579">
+                    <a:tc>
+                      <a:txBody>
+                        <a:bodyPr/>
+                        <a:lstStyle/>
+                        <a:p>
+                          <a:pPr algn="ctr"/>
+                          <a:r>
+                            <a:rPr lang="en-US" sz="1400" b="1" dirty="0"/>
+                            <a:t>Methods</a:t>
+                          </a:r>
+                        </a:p>
+                      </a:txBody>
+                      <a:tcPr/>
+                    </a:tc>
+                    <a:tc>
+                      <a:txBody>
+                        <a:bodyPr/>
+                        <a:lstStyle/>
+                        <a:p>
+                          <a:pPr algn="ctr"/>
+                          <a:r>
+                            <a:rPr lang="en-US" sz="1400" b="1" dirty="0" err="1"/>
+                            <a:t>No.of</a:t>
+                          </a:r>
+                          <a:r>
+                            <a:rPr lang="en-US" sz="1400" b="1" dirty="0"/>
+                            <a:t> times</a:t>
+                          </a:r>
+                        </a:p>
+                      </a:txBody>
+                      <a:tcPr/>
+                    </a:tc>
+                    <a:tc>
+                      <a:txBody>
+                        <a:bodyPr/>
+                        <a:lstStyle/>
+                        <a:p>
+                          <a:pPr algn="ctr"/>
+                          <a:r>
+                            <a:rPr lang="en-US" sz="1400" b="1" dirty="0"/>
+                            <a:t>Cost for each call</a:t>
+                          </a:r>
+                        </a:p>
+                      </a:txBody>
+                      <a:tcPr/>
+                    </a:tc>
+                    <a:tc>
+                      <a:txBody>
+                        <a:bodyPr/>
+                        <a:lstStyle/>
+                        <a:p>
+                          <a:pPr algn="ctr"/>
+                          <a:r>
+                            <a:rPr lang="en-US" sz="1400" b="1" dirty="0"/>
+                            <a:t>Total call</a:t>
+                          </a:r>
+                        </a:p>
+                      </a:txBody>
+                      <a:tcPr/>
+                    </a:tc>
+                    <a:extLst>
+                      <a:ext uri="{0D108BD9-81ED-4DB2-BD59-A6C34878D82A}">
+                        <a16:rowId xmlns:a16="http://schemas.microsoft.com/office/drawing/2014/main" val="2412432484"/>
+                      </a:ext>
+                    </a:extLst>
+                  </a:tr>
+                  <a:tr h="341956">
+                    <a:tc>
+                      <a:txBody>
+                        <a:bodyPr/>
+                        <a:lstStyle/>
+                        <a:p>
+                          <a:pPr algn="ctr"/>
+                          <a:r>
+                            <a:rPr lang="en-US" sz="1400" dirty="0"/>
+                            <a:t>add()/^=</a:t>
+                          </a:r>
+                        </a:p>
+                      </a:txBody>
+                      <a:tcPr/>
+                    </a:tc>
+                    <a:tc>
+                      <a:txBody>
+                        <a:bodyPr/>
+                        <a:lstStyle/>
+                        <a:p>
+                          <a:pPr algn="ctr"/>
+                          <a:r>
+                            <a:rPr lang="en-US" sz="1400" dirty="0"/>
+                            <a:t>9</a:t>
+                          </a:r>
+                        </a:p>
+                      </a:txBody>
+                      <a:tcPr/>
+                    </a:tc>
+                    <a:tc>
+                      <a:txBody>
+                        <a:bodyPr/>
+                        <a:lstStyle/>
+                        <a:p>
+                          <a:pPr algn="ctr"/>
+                          <a14:m>
+                            <m:oMathPara xmlns:m="http://schemas.openxmlformats.org/officeDocument/2006/math">
+                              <m:oMathParaPr>
+                                <m:jc m:val="centerGroup"/>
+                              </m:oMathParaPr>
+                              <m:oMath xmlns:m="http://schemas.openxmlformats.org/officeDocument/2006/math">
+                                <m:f>
+                                  <m:fPr>
+                                    <m:type m:val="skw"/>
+                                    <m:ctrlPr>
+                                      <a:rPr lang="en-US" sz="1400" i="1" dirty="0" smtClean="0">
+                                        <a:latin typeface="Cambria Math" panose="02040503050406030204" pitchFamily="18" charset="0"/>
+                                      </a:rPr>
+                                    </m:ctrlPr>
+                                  </m:fPr>
+                                  <m:num>
+                                    <m:r>
+                                      <a:rPr lang="en-US" sz="1400" b="0" i="1" dirty="0" smtClean="0">
+                                        <a:latin typeface="Cambria Math" panose="02040503050406030204" pitchFamily="18" charset="0"/>
+                                      </a:rPr>
+                                      <m:t>𝑛</m:t>
+                                    </m:r>
+                                  </m:num>
+                                  <m:den>
+                                    <m:r>
+                                      <a:rPr lang="en-US" sz="1400" b="0" i="1" dirty="0" smtClean="0">
+                                        <a:latin typeface="Cambria Math" panose="02040503050406030204" pitchFamily="18" charset="0"/>
+                                      </a:rPr>
+                                      <m:t>64</m:t>
+                                    </m:r>
+                                  </m:den>
+                                </m:f>
+                              </m:oMath>
+                            </m:oMathPara>
+                          </a14:m>
+                          <a:endParaRPr lang="en-US" sz="1400" dirty="0"/>
+                        </a:p>
+                      </a:txBody>
+                      <a:tcPr/>
+                    </a:tc>
+                    <a:tc>
+                      <a:txBody>
+                        <a:bodyPr/>
+                        <a:lstStyle/>
+                        <a:p>
+                          <a:pPr algn="ctr"/>
+                          <a14:m>
+                            <m:oMathPara xmlns:m="http://schemas.openxmlformats.org/officeDocument/2006/math">
+                              <m:oMathParaPr>
+                                <m:jc m:val="centerGroup"/>
+                              </m:oMathParaPr>
+                              <m:oMath xmlns:m="http://schemas.openxmlformats.org/officeDocument/2006/math">
+                                <m:r>
+                                  <a:rPr lang="en-US" sz="1400" b="0" i="1" smtClean="0">
+                                    <a:latin typeface="Cambria Math" panose="02040503050406030204" pitchFamily="18" charset="0"/>
+                                  </a:rPr>
+                                  <m:t>~</m:t>
+                                </m:r>
+                                <m:f>
+                                  <m:fPr>
+                                    <m:type m:val="skw"/>
+                                    <m:ctrlPr>
+                                      <a:rPr lang="en-US" sz="1400" b="0" i="1" smtClean="0">
+                                        <a:latin typeface="Cambria Math" panose="02040503050406030204" pitchFamily="18" charset="0"/>
+                                      </a:rPr>
+                                    </m:ctrlPr>
+                                  </m:fPr>
+                                  <m:num>
+                                    <m:r>
+                                      <a:rPr lang="en-US" sz="1400" b="0" i="1" smtClean="0">
+                                        <a:latin typeface="Cambria Math" panose="02040503050406030204" pitchFamily="18" charset="0"/>
+                                      </a:rPr>
+                                      <m:t>𝑛</m:t>
+                                    </m:r>
+                                  </m:num>
+                                  <m:den>
+                                    <m:r>
+                                      <a:rPr lang="en-US" sz="1400" b="0" i="1" smtClean="0">
+                                        <a:latin typeface="Cambria Math" panose="02040503050406030204" pitchFamily="18" charset="0"/>
+                                      </a:rPr>
+                                      <m:t>8</m:t>
+                                    </m:r>
+                                  </m:den>
+                                </m:f>
+                              </m:oMath>
+                            </m:oMathPara>
+                          </a14:m>
+                          <a:endParaRPr lang="en-US" sz="1400" dirty="0"/>
+                        </a:p>
+                      </a:txBody>
+                      <a:tcPr/>
+                    </a:tc>
+                    <a:extLst>
+                      <a:ext uri="{0D108BD9-81ED-4DB2-BD59-A6C34878D82A}">
+                        <a16:rowId xmlns:a16="http://schemas.microsoft.com/office/drawing/2014/main" val="4238301737"/>
+                      </a:ext>
+                    </a:extLst>
+                  </a:tr>
+                  <a:tr h="341956">
+                    <a:tc>
+                      <a:txBody>
+                        <a:bodyPr/>
+                        <a:lstStyle/>
+                        <a:p>
+                          <a:pPr algn="ctr"/>
+                          <a:r>
+                            <a:rPr lang="en-US" sz="1400" dirty="0"/>
+                            <a:t>^(XOR)</a:t>
+                          </a:r>
+                        </a:p>
+                      </a:txBody>
+                      <a:tcPr/>
+                    </a:tc>
+                    <a:tc>
+                      <a:txBody>
+                        <a:bodyPr/>
+                        <a:lstStyle/>
+                        <a:p>
+                          <a:pPr algn="ctr"/>
+                          <a:r>
+                            <a:rPr lang="en-US" sz="1400" dirty="0"/>
+                            <a:t>1</a:t>
+                          </a:r>
+                        </a:p>
+                      </a:txBody>
+                      <a:tcPr/>
+                    </a:tc>
+                    <a:tc>
+                      <a:txBody>
+                        <a:bodyPr/>
+                        <a:lstStyle/>
+                        <a:p>
+                          <a:pPr algn="ctr"/>
+                          <a14:m>
+                            <m:oMathPara xmlns:m="http://schemas.openxmlformats.org/officeDocument/2006/math">
+                              <m:oMathParaPr>
+                                <m:jc m:val="centerGroup"/>
+                              </m:oMathParaPr>
+                              <m:oMath xmlns:m="http://schemas.openxmlformats.org/officeDocument/2006/math">
+                                <m:f>
+                                  <m:fPr>
+                                    <m:type m:val="skw"/>
+                                    <m:ctrlPr>
+                                      <a:rPr lang="en-US" sz="1400" i="1" dirty="0" smtClean="0">
+                                        <a:latin typeface="Cambria Math" panose="02040503050406030204" pitchFamily="18" charset="0"/>
+                                      </a:rPr>
+                                    </m:ctrlPr>
+                                  </m:fPr>
+                                  <m:num>
+                                    <m:r>
+                                      <a:rPr lang="en-US" sz="1400" b="0" i="1" dirty="0" smtClean="0">
+                                        <a:latin typeface="Cambria Math" panose="02040503050406030204" pitchFamily="18" charset="0"/>
+                                      </a:rPr>
+                                      <m:t>𝑛</m:t>
+                                    </m:r>
+                                  </m:num>
+                                  <m:den>
+                                    <m:r>
+                                      <a:rPr lang="en-US" sz="1400" b="0" i="1" dirty="0" smtClean="0">
+                                        <a:latin typeface="Cambria Math" panose="02040503050406030204" pitchFamily="18" charset="0"/>
+                                      </a:rPr>
+                                      <m:t>32</m:t>
+                                    </m:r>
+                                  </m:den>
+                                </m:f>
+                              </m:oMath>
+                            </m:oMathPara>
+                          </a14:m>
+                          <a:endParaRPr lang="en-US" sz="1400" dirty="0"/>
+                        </a:p>
+                      </a:txBody>
+                      <a:tcPr/>
+                    </a:tc>
+                    <a:tc>
+                      <a:txBody>
+                        <a:bodyPr/>
+                        <a:lstStyle/>
+                        <a:p>
+                          <a:pPr algn="ctr"/>
+                          <a14:m>
+                            <m:oMathPara xmlns:m="http://schemas.openxmlformats.org/officeDocument/2006/math">
+                              <m:oMathParaPr>
+                                <m:jc m:val="centerGroup"/>
+                              </m:oMathParaPr>
+                              <m:oMath xmlns:m="http://schemas.openxmlformats.org/officeDocument/2006/math">
+                                <m:f>
+                                  <m:fPr>
+                                    <m:type m:val="skw"/>
+                                    <m:ctrlPr>
+                                      <a:rPr lang="en-US" sz="1400" i="1" smtClean="0">
+                                        <a:latin typeface="Cambria Math" panose="02040503050406030204" pitchFamily="18" charset="0"/>
+                                      </a:rPr>
+                                    </m:ctrlPr>
+                                  </m:fPr>
+                                  <m:num>
+                                    <m:r>
+                                      <a:rPr lang="en-US" sz="1400" b="0" i="1" smtClean="0">
+                                        <a:latin typeface="Cambria Math" panose="02040503050406030204" pitchFamily="18" charset="0"/>
+                                      </a:rPr>
+                                      <m:t>𝑛</m:t>
+                                    </m:r>
+                                  </m:num>
+                                  <m:den>
+                                    <m:r>
+                                      <a:rPr lang="en-US" sz="1400" b="0" i="1" smtClean="0">
+                                        <a:latin typeface="Cambria Math" panose="02040503050406030204" pitchFamily="18" charset="0"/>
+                                      </a:rPr>
+                                      <m:t>32</m:t>
+                                    </m:r>
+                                  </m:den>
+                                </m:f>
+                              </m:oMath>
+                            </m:oMathPara>
+                          </a14:m>
+                          <a:endParaRPr lang="en-US" sz="1400" dirty="0"/>
+                        </a:p>
+                      </a:txBody>
+                      <a:tcPr/>
+                    </a:tc>
+                    <a:extLst>
+                      <a:ext uri="{0D108BD9-81ED-4DB2-BD59-A6C34878D82A}">
+                        <a16:rowId xmlns:a16="http://schemas.microsoft.com/office/drawing/2014/main" val="266417292"/>
+                      </a:ext>
+                    </a:extLst>
+                  </a:tr>
+                  <a:tr h="309579">
+                    <a:tc>
+                      <a:txBody>
+                        <a:bodyPr/>
+                        <a:lstStyle/>
+                        <a:p>
+                          <a:pPr algn="ctr"/>
+                          <a:r>
+                            <a:rPr lang="en-US" sz="1400" dirty="0" err="1"/>
+                            <a:t>toeplitzByVec</a:t>
+                          </a:r>
+                          <a:r>
+                            <a:rPr lang="en-US" sz="1400" dirty="0"/>
+                            <a:t>()</a:t>
+                          </a:r>
+                        </a:p>
+                      </a:txBody>
+                      <a:tcPr/>
+                    </a:tc>
+                    <a:tc>
+                      <a:txBody>
+                        <a:bodyPr/>
+                        <a:lstStyle/>
+                        <a:p>
+                          <a:pPr algn="ctr"/>
+                          <a:r>
+                            <a:rPr lang="en-US" sz="1400" dirty="0"/>
+                            <a:t>2</a:t>
+                          </a:r>
+                        </a:p>
+                      </a:txBody>
+                      <a:tcPr/>
+                    </a:tc>
+                    <a:tc>
+                      <a:txBody>
+                        <a:bodyPr/>
+                        <a:lstStyle/>
+                        <a:p>
+                          <a:pPr algn="ctr"/>
+                          <a14:m>
+                            <m:oMathPara xmlns:m="http://schemas.openxmlformats.org/officeDocument/2006/math">
+                              <m:oMathParaPr>
+                                <m:jc m:val="centerGroup"/>
+                              </m:oMathParaPr>
+                              <m:oMath xmlns:m="http://schemas.openxmlformats.org/officeDocument/2006/math">
+                                <m:r>
+                                  <a:rPr lang="en-US" sz="1400" b="0" i="1" smtClean="0">
+                                    <a:latin typeface="Cambria Math" panose="02040503050406030204" pitchFamily="18" charset="0"/>
+                                  </a:rPr>
+                                  <m:t>25</m:t>
+                                </m:r>
+                                <m:r>
+                                  <a:rPr lang="en-US" sz="1400" b="0" i="1" smtClean="0">
+                                    <a:latin typeface="Cambria Math" panose="02040503050406030204" pitchFamily="18" charset="0"/>
+                                  </a:rPr>
+                                  <m:t>𝑛</m:t>
+                                </m:r>
+                              </m:oMath>
+                            </m:oMathPara>
+                          </a14:m>
+                          <a:endParaRPr lang="en-US" sz="1400" dirty="0"/>
+                        </a:p>
+                      </a:txBody>
+                      <a:tcPr/>
+                    </a:tc>
+                    <a:tc>
+                      <a:txBody>
+                        <a:bodyPr/>
+                        <a:lstStyle/>
+                        <a:p>
+                          <a:pPr algn="ctr"/>
+                          <a14:m>
+                            <m:oMathPara xmlns:m="http://schemas.openxmlformats.org/officeDocument/2006/math">
+                              <m:oMathParaPr>
+                                <m:jc m:val="centerGroup"/>
+                              </m:oMathParaPr>
+                              <m:oMath xmlns:m="http://schemas.openxmlformats.org/officeDocument/2006/math">
+                                <m:r>
+                                  <a:rPr lang="en-US" sz="1400" b="0" i="1" smtClean="0">
+                                    <a:latin typeface="Cambria Math" panose="02040503050406030204" pitchFamily="18" charset="0"/>
+                                  </a:rPr>
+                                  <m:t>5</m:t>
+                                </m:r>
+                                <m:r>
+                                  <a:rPr lang="en-US" sz="1400" b="0" i="1" smtClean="0">
+                                    <a:latin typeface="Cambria Math" panose="02040503050406030204" pitchFamily="18" charset="0"/>
+                                  </a:rPr>
+                                  <m:t>0</m:t>
+                                </m:r>
+                                <m:r>
+                                  <a:rPr lang="en-US" sz="1400" b="0" i="1" smtClean="0">
+                                    <a:latin typeface="Cambria Math" panose="02040503050406030204" pitchFamily="18" charset="0"/>
+                                  </a:rPr>
+                                  <m:t>𝑛</m:t>
+                                </m:r>
+                              </m:oMath>
+                            </m:oMathPara>
+                          </a14:m>
+                          <a:endParaRPr lang="en-US" sz="1400" dirty="0"/>
+                        </a:p>
+                      </a:txBody>
+                      <a:tcPr/>
+                    </a:tc>
+                    <a:extLst>
+                      <a:ext uri="{0D108BD9-81ED-4DB2-BD59-A6C34878D82A}">
+                        <a16:rowId xmlns:a16="http://schemas.microsoft.com/office/drawing/2014/main" val="2998986514"/>
+                      </a:ext>
+                    </a:extLst>
+                  </a:tr>
+                  <a:tr h="340537">
+                    <a:tc>
+                      <a:txBody>
+                        <a:bodyPr/>
+                        <a:lstStyle/>
+                        <a:p>
+                          <a:pPr algn="ctr"/>
+                          <a:r>
+                            <a:rPr lang="en-US" sz="1400" dirty="0">
+                              <a:solidFill>
+                                <a:srgbClr val="FF0000"/>
+                              </a:solidFill>
+                            </a:rPr>
+                            <a:t>MUX</a:t>
+                          </a:r>
+                        </a:p>
+                      </a:txBody>
+                      <a:tcPr/>
+                    </a:tc>
+                    <a:tc>
+                      <a:txBody>
+                        <a:bodyPr/>
+                        <a:lstStyle/>
+                        <a:p>
+                          <a:pPr algn="ctr"/>
+                          <a:r>
+                            <a:rPr lang="en-US" sz="1400" dirty="0"/>
+                            <a:t>2</a:t>
+                          </a:r>
+                        </a:p>
+                      </a:txBody>
+                      <a:tcPr/>
+                    </a:tc>
+                    <a:tc>
+                      <a:txBody>
+                        <a:bodyPr/>
+                        <a:lstStyle/>
+                        <a:p>
+                          <a:pPr algn="ctr"/>
+                          <a14:m>
+                            <m:oMathPara xmlns:m="http://schemas.openxmlformats.org/officeDocument/2006/math">
+                              <m:oMathParaPr>
+                                <m:jc m:val="centerGroup"/>
+                              </m:oMathParaPr>
+                              <m:oMath xmlns:m="http://schemas.openxmlformats.org/officeDocument/2006/math">
+                                <m:f>
+                                  <m:fPr>
+                                    <m:type m:val="skw"/>
+                                    <m:ctrlPr>
+                                      <a:rPr lang="en-US" sz="1400" i="1" smtClean="0">
+                                        <a:latin typeface="Cambria Math" panose="02040503050406030204" pitchFamily="18" charset="0"/>
+                                      </a:rPr>
+                                    </m:ctrlPr>
+                                  </m:fPr>
+                                  <m:num>
+                                    <m:r>
+                                      <a:rPr lang="en-US" sz="1400" b="0" i="1" smtClean="0">
+                                        <a:latin typeface="Cambria Math" panose="02040503050406030204" pitchFamily="18" charset="0"/>
+                                      </a:rPr>
+                                      <m:t>𝑛</m:t>
+                                    </m:r>
+                                  </m:num>
+                                  <m:den>
+                                    <m:r>
+                                      <a:rPr lang="en-US" sz="1400" b="0" i="1" smtClean="0">
+                                        <a:latin typeface="Cambria Math" panose="02040503050406030204" pitchFamily="18" charset="0"/>
+                                      </a:rPr>
+                                      <m:t>32</m:t>
+                                    </m:r>
+                                  </m:den>
+                                </m:f>
+                              </m:oMath>
+                            </m:oMathPara>
+                          </a14:m>
+                          <a:endParaRPr lang="en-US" sz="1400" dirty="0"/>
+                        </a:p>
+                      </a:txBody>
+                      <a:tcPr/>
+                    </a:tc>
+                    <a:tc>
+                      <a:txBody>
+                        <a:bodyPr/>
+                        <a:lstStyle/>
+                        <a:p>
+                          <a:pPr algn="ctr"/>
+                          <a14:m>
+                            <m:oMathPara xmlns:m="http://schemas.openxmlformats.org/officeDocument/2006/math">
+                              <m:oMathParaPr>
+                                <m:jc m:val="centerGroup"/>
+                              </m:oMathParaPr>
+                              <m:oMath xmlns:m="http://schemas.openxmlformats.org/officeDocument/2006/math">
+                                <m:f>
+                                  <m:fPr>
+                                    <m:type m:val="skw"/>
+                                    <m:ctrlPr>
+                                      <a:rPr lang="en-US" sz="1400" i="1" smtClean="0">
+                                        <a:latin typeface="Cambria Math" panose="02040503050406030204" pitchFamily="18" charset="0"/>
+                                      </a:rPr>
+                                    </m:ctrlPr>
+                                  </m:fPr>
+                                  <m:num>
+                                    <m:r>
+                                      <a:rPr lang="en-US" sz="1400" b="0" i="1" smtClean="0">
+                                        <a:latin typeface="Cambria Math" panose="02040503050406030204" pitchFamily="18" charset="0"/>
+                                      </a:rPr>
+                                      <m:t>𝑛</m:t>
+                                    </m:r>
+                                  </m:num>
+                                  <m:den>
+                                    <m:r>
+                                      <a:rPr lang="en-US" sz="1400" b="0" i="1" smtClean="0">
+                                        <a:latin typeface="Cambria Math" panose="02040503050406030204" pitchFamily="18" charset="0"/>
+                                      </a:rPr>
+                                      <m:t>16</m:t>
+                                    </m:r>
+                                  </m:den>
+                                </m:f>
+                              </m:oMath>
+                            </m:oMathPara>
+                          </a14:m>
+                          <a:endParaRPr lang="en-US" sz="1400" dirty="0"/>
+                        </a:p>
+                      </a:txBody>
+                      <a:tcPr/>
+                    </a:tc>
+                    <a:extLst>
+                      <a:ext uri="{0D108BD9-81ED-4DB2-BD59-A6C34878D82A}">
+                        <a16:rowId xmlns:a16="http://schemas.microsoft.com/office/drawing/2014/main" val="394972434"/>
+                      </a:ext>
+                    </a:extLst>
+                  </a:tr>
+                  <a:tr h="340537">
+                    <a:tc>
+                      <a:txBody>
+                        <a:bodyPr/>
+                        <a:lstStyle/>
+                        <a:p>
+                          <a:pPr algn="ctr"/>
+                          <a:r>
+                            <a:rPr lang="en-US" sz="1400" dirty="0">
+                              <a:solidFill>
+                                <a:srgbClr val="FF0000"/>
+                              </a:solidFill>
+                            </a:rPr>
+                            <a:t>Set()</a:t>
+                          </a:r>
+                        </a:p>
+                      </a:txBody>
+                      <a:tcPr/>
+                    </a:tc>
+                    <a:tc>
+                      <a:txBody>
+                        <a:bodyPr/>
+                        <a:lstStyle/>
+                        <a:p>
+                          <a:pPr algn="ctr"/>
+                          <a:r>
+                            <a:rPr lang="en-US" sz="1400" dirty="0"/>
+                            <a:t>1</a:t>
+                          </a:r>
+                        </a:p>
+                      </a:txBody>
+                      <a:tcPr/>
+                    </a:tc>
+                    <a:tc>
+                      <a:txBody>
+                        <a:bodyPr/>
+                        <a:lstStyle/>
+                        <a:p>
+                          <a:pPr algn="ctr"/>
+                          <a:r>
+                            <a:rPr lang="en-US" sz="1400" dirty="0"/>
+                            <a:t>n</a:t>
+                          </a:r>
+                        </a:p>
+                      </a:txBody>
+                      <a:tcPr/>
+                    </a:tc>
+                    <a:tc>
+                      <a:txBody>
+                        <a:bodyPr/>
+                        <a:lstStyle/>
+                        <a:p>
+                          <a:pPr algn="ctr"/>
+                          <a:r>
+                            <a:rPr lang="en-US" sz="1400" dirty="0"/>
+                            <a:t>n</a:t>
+                          </a:r>
+                        </a:p>
+                      </a:txBody>
+                      <a:tcPr/>
+                    </a:tc>
+                    <a:extLst>
+                      <a:ext uri="{0D108BD9-81ED-4DB2-BD59-A6C34878D82A}">
+                        <a16:rowId xmlns:a16="http://schemas.microsoft.com/office/drawing/2014/main" val="846408069"/>
+                      </a:ext>
+                    </a:extLst>
+                  </a:tr>
+                  <a:tr h="340537">
+                    <a:tc>
+                      <a:txBody>
+                        <a:bodyPr/>
+                        <a:lstStyle/>
+                        <a:p>
+                          <a:pPr algn="ctr"/>
+                          <a:r>
+                            <a:rPr lang="en-US" sz="1400" dirty="0" err="1">
+                              <a:solidFill>
+                                <a:srgbClr val="FF0000"/>
+                              </a:solidFill>
+                            </a:rPr>
+                            <a:t>matByVec</a:t>
+                          </a:r>
+                          <a:endParaRPr lang="en-US" sz="1400" dirty="0">
+                            <a:solidFill>
+                              <a:srgbClr val="FF0000"/>
+                            </a:solidFill>
+                          </a:endParaRPr>
+                        </a:p>
+                      </a:txBody>
+                      <a:tcPr/>
+                    </a:tc>
+                    <a:tc>
+                      <a:txBody>
+                        <a:bodyPr/>
+                        <a:lstStyle/>
+                        <a:p>
+                          <a:pPr algn="ctr"/>
+                          <a:r>
+                            <a:rPr lang="en-US" sz="1400" dirty="0"/>
+                            <a:t>2</a:t>
+                          </a:r>
+                        </a:p>
+                      </a:txBody>
+                      <a:tcPr/>
+                    </a:tc>
+                    <a:tc>
+                      <a:txBody>
+                        <a:bodyPr/>
+                        <a:lstStyle/>
+                        <a:p>
+                          <a:pPr algn="ctr"/>
+                          <a:r>
+                            <a:rPr lang="en-US" sz="1400" dirty="0"/>
+                            <a:t>37n</a:t>
+                          </a:r>
+                        </a:p>
+                      </a:txBody>
+                      <a:tcPr/>
+                    </a:tc>
+                    <a:tc>
+                      <a:txBody>
+                        <a:bodyPr/>
+                        <a:lstStyle/>
+                        <a:p>
+                          <a:pPr algn="ctr"/>
+                          <a:r>
+                            <a:rPr lang="en-US" sz="1400" dirty="0"/>
+                            <a:t>74n</a:t>
+                          </a:r>
+                        </a:p>
+                      </a:txBody>
+                      <a:tcPr/>
+                    </a:tc>
+                    <a:extLst>
+                      <a:ext uri="{0D108BD9-81ED-4DB2-BD59-A6C34878D82A}">
+                        <a16:rowId xmlns:a16="http://schemas.microsoft.com/office/drawing/2014/main" val="2799987271"/>
+                      </a:ext>
+                    </a:extLst>
+                  </a:tr>
+                  <a:tr h="309579">
+                    <a:tc>
+                      <a:txBody>
+                        <a:bodyPr/>
+                        <a:lstStyle/>
+                        <a:p>
+                          <a:pPr algn="ctr"/>
+                          <a:r>
+                            <a:rPr lang="en-US" sz="1400" dirty="0"/>
+                            <a:t>Total</a:t>
+                          </a:r>
+                        </a:p>
+                      </a:txBody>
+                      <a:tcPr>
+                        <a:lnB w="12700" cap="flat" cmpd="sng" algn="ctr">
+                          <a:solidFill>
+                            <a:schemeClr val="tx1"/>
+                          </a:solidFill>
+                          <a:prstDash val="solid"/>
+                          <a:round/>
+                          <a:headEnd type="none" w="med" len="med"/>
+                          <a:tailEnd type="none" w="med" len="med"/>
+                        </a:lnB>
+                      </a:tcPr>
+                    </a:tc>
+                    <a:tc>
+                      <a:txBody>
+                        <a:bodyPr/>
+                        <a:lstStyle/>
+                        <a:p>
+                          <a:pPr algn="ctr"/>
+                          <a:endParaRPr lang="en-US" sz="1400" dirty="0"/>
+                        </a:p>
+                      </a:txBody>
+                      <a:tcPr>
+                        <a:lnB w="12700" cap="flat" cmpd="sng" algn="ctr">
+                          <a:solidFill>
+                            <a:schemeClr val="tx1"/>
+                          </a:solidFill>
+                          <a:prstDash val="solid"/>
+                          <a:round/>
+                          <a:headEnd type="none" w="med" len="med"/>
+                          <a:tailEnd type="none" w="med" len="med"/>
+                        </a:lnB>
+                      </a:tcPr>
+                    </a:tc>
+                    <a:tc>
+                      <a:txBody>
+                        <a:bodyPr/>
+                        <a:lstStyle/>
+                        <a:p>
+                          <a:pPr algn="ctr"/>
+                          <a:endParaRPr lang="en-US" sz="1400" dirty="0"/>
+                        </a:p>
+                      </a:txBody>
+                      <a:tcPr/>
+                    </a:tc>
+                    <a:tc>
+                      <a:txBody>
+                        <a:bodyPr/>
+                        <a:lstStyle/>
+                        <a:p>
+                          <a:pPr algn="ctr"/>
+                          <a:r>
+                            <a:rPr lang="en-US" sz="1400" b="1" dirty="0"/>
+                            <a:t>125.2</a:t>
+                          </a:r>
+                          <a14:m>
+                            <m:oMath xmlns:m="http://schemas.openxmlformats.org/officeDocument/2006/math">
+                              <m:r>
+                                <a:rPr lang="en-US" sz="1400" b="1" i="1" smtClean="0">
+                                  <a:latin typeface="Cambria Math" panose="02040503050406030204" pitchFamily="18" charset="0"/>
+                                </a:rPr>
+                                <m:t>𝒏</m:t>
+                              </m:r>
+                              <m:r>
+                                <a:rPr lang="en-US" sz="1400" b="1" i="1" smtClean="0">
+                                  <a:latin typeface="Cambria Math" panose="02040503050406030204" pitchFamily="18" charset="0"/>
+                                </a:rPr>
+                                <m:t>=</m:t>
+                              </m:r>
+                              <m:r>
+                                <a:rPr lang="en-US" sz="1400" b="1" i="1" smtClean="0">
+                                  <a:latin typeface="Cambria Math" panose="02040503050406030204" pitchFamily="18" charset="0"/>
+                                </a:rPr>
+                                <m:t>𝟑𝟐</m:t>
+                              </m:r>
+                              <m:r>
+                                <a:rPr lang="en-US" sz="1400" b="1" i="1" smtClean="0">
+                                  <a:latin typeface="Cambria Math" panose="02040503050406030204" pitchFamily="18" charset="0"/>
+                                </a:rPr>
+                                <m:t>,</m:t>
+                              </m:r>
+                              <m:r>
+                                <a:rPr lang="en-US" sz="1400" b="1" i="1" smtClean="0">
+                                  <a:latin typeface="Cambria Math" panose="02040503050406030204" pitchFamily="18" charset="0"/>
+                                </a:rPr>
+                                <m:t>𝟎𝟓𝟏</m:t>
+                              </m:r>
+                            </m:oMath>
+                          </a14:m>
+                          <a:endParaRPr lang="en-US" sz="1400" b="1" dirty="0"/>
+                        </a:p>
+                      </a:txBody>
+                      <a:tcPr/>
+                    </a:tc>
+                    <a:extLst>
+                      <a:ext uri="{0D108BD9-81ED-4DB2-BD59-A6C34878D82A}">
+                        <a16:rowId xmlns:a16="http://schemas.microsoft.com/office/drawing/2014/main" val="915950187"/>
+                      </a:ext>
+                    </a:extLst>
+                  </a:tr>
+                </a:tbl>
+              </a:graphicData>
+            </a:graphic>
+          </p:graphicFrame>
+        </mc:Choice>
+        <mc:Fallback>
+          <p:graphicFrame>
+            <p:nvGraphicFramePr>
+              <p:cNvPr id="4" name="Table 3">
+                <a:extLst>
+                  <a:ext uri="{FF2B5EF4-FFF2-40B4-BE49-F238E27FC236}">
+                    <a16:creationId xmlns:a16="http://schemas.microsoft.com/office/drawing/2014/main" id="{1E1644D6-F41E-1A40-8167-FD5D6BBB5A37}"/>
+                  </a:ext>
+                </a:extLst>
+              </p:cNvPr>
+              <p:cNvGraphicFramePr>
+                <a:graphicFrameLocks noGrp="1"/>
+              </p:cNvGraphicFramePr>
+              <p:nvPr>
+                <p:extLst>
+                  <p:ext uri="{D42A27DB-BD31-4B8C-83A1-F6EECF244321}">
+                    <p14:modId xmlns:p14="http://schemas.microsoft.com/office/powerpoint/2010/main" val="626677217"/>
+                  </p:ext>
+                </p:extLst>
+              </p:nvPr>
+            </p:nvGraphicFramePr>
+            <p:xfrm>
+              <a:off x="1405052" y="2996504"/>
+              <a:ext cx="8441476" cy="2634260"/>
+            </p:xfrm>
+            <a:graphic>
+              <a:graphicData uri="http://schemas.openxmlformats.org/drawingml/2006/table">
+                <a:tbl>
+                  <a:tblPr firstRow="1" bandRow="1">
+                    <a:tableStyleId>{5940675A-B579-460E-94D1-54222C63F5DA}</a:tableStyleId>
+                  </a:tblPr>
+                  <a:tblGrid>
+                    <a:gridCol w="2110369">
+                      <a:extLst>
+                        <a:ext uri="{9D8B030D-6E8A-4147-A177-3AD203B41FA5}">
+                          <a16:colId xmlns:a16="http://schemas.microsoft.com/office/drawing/2014/main" val="3913328905"/>
+                        </a:ext>
+                      </a:extLst>
+                    </a:gridCol>
+                    <a:gridCol w="2110369">
+                      <a:extLst>
+                        <a:ext uri="{9D8B030D-6E8A-4147-A177-3AD203B41FA5}">
+                          <a16:colId xmlns:a16="http://schemas.microsoft.com/office/drawing/2014/main" val="2780235502"/>
+                        </a:ext>
+                      </a:extLst>
+                    </a:gridCol>
+                    <a:gridCol w="2110369">
+                      <a:extLst>
+                        <a:ext uri="{9D8B030D-6E8A-4147-A177-3AD203B41FA5}">
+                          <a16:colId xmlns:a16="http://schemas.microsoft.com/office/drawing/2014/main" val="3033617068"/>
+                        </a:ext>
+                      </a:extLst>
+                    </a:gridCol>
+                    <a:gridCol w="2110369">
+                      <a:extLst>
+                        <a:ext uri="{9D8B030D-6E8A-4147-A177-3AD203B41FA5}">
+                          <a16:colId xmlns:a16="http://schemas.microsoft.com/office/drawing/2014/main" val="2426406902"/>
+                        </a:ext>
+                      </a:extLst>
+                    </a:gridCol>
+                  </a:tblGrid>
+                  <a:tr h="309579">
+                    <a:tc>
+                      <a:txBody>
+                        <a:bodyPr/>
+                        <a:lstStyle/>
+                        <a:p>
+                          <a:pPr algn="ctr"/>
+                          <a:r>
+                            <a:rPr lang="en-US" sz="1400" b="1" dirty="0"/>
+                            <a:t>Methods</a:t>
+                          </a:r>
+                        </a:p>
+                      </a:txBody>
+                      <a:tcPr/>
+                    </a:tc>
+                    <a:tc>
+                      <a:txBody>
+                        <a:bodyPr/>
+                        <a:lstStyle/>
+                        <a:p>
+                          <a:pPr algn="ctr"/>
+                          <a:r>
+                            <a:rPr lang="en-US" sz="1400" b="1" dirty="0" err="1"/>
+                            <a:t>No.of</a:t>
+                          </a:r>
+                          <a:r>
+                            <a:rPr lang="en-US" sz="1400" b="1" dirty="0"/>
+                            <a:t> times</a:t>
+                          </a:r>
+                        </a:p>
+                      </a:txBody>
+                      <a:tcPr/>
+                    </a:tc>
+                    <a:tc>
+                      <a:txBody>
+                        <a:bodyPr/>
+                        <a:lstStyle/>
+                        <a:p>
+                          <a:pPr algn="ctr"/>
+                          <a:r>
+                            <a:rPr lang="en-US" sz="1400" b="1" dirty="0"/>
+                            <a:t>Cost for each call</a:t>
+                          </a:r>
+                        </a:p>
+                      </a:txBody>
+                      <a:tcPr/>
+                    </a:tc>
+                    <a:tc>
+                      <a:txBody>
+                        <a:bodyPr/>
+                        <a:lstStyle/>
+                        <a:p>
+                          <a:pPr algn="ctr"/>
+                          <a:r>
+                            <a:rPr lang="en-US" sz="1400" b="1" dirty="0"/>
+                            <a:t>Total call</a:t>
+                          </a:r>
+                        </a:p>
+                      </a:txBody>
+                      <a:tcPr/>
+                    </a:tc>
+                    <a:extLst>
+                      <a:ext uri="{0D108BD9-81ED-4DB2-BD59-A6C34878D82A}">
+                        <a16:rowId xmlns:a16="http://schemas.microsoft.com/office/drawing/2014/main" val="2412432484"/>
+                      </a:ext>
+                    </a:extLst>
+                  </a:tr>
+                  <a:tr h="341956">
+                    <a:tc>
+                      <a:txBody>
+                        <a:bodyPr/>
+                        <a:lstStyle/>
+                        <a:p>
+                          <a:pPr algn="ctr"/>
+                          <a:r>
+                            <a:rPr lang="en-US" sz="1400" dirty="0"/>
+                            <a:t>add()/^=</a:t>
+                          </a:r>
+                        </a:p>
+                      </a:txBody>
+                      <a:tcPr/>
+                    </a:tc>
+                    <a:tc>
+                      <a:txBody>
+                        <a:bodyPr/>
+                        <a:lstStyle/>
+                        <a:p>
+                          <a:pPr algn="ctr"/>
+                          <a:r>
+                            <a:rPr lang="en-US" sz="1400" dirty="0"/>
+                            <a:t>9</a:t>
+                          </a:r>
+                        </a:p>
+                      </a:txBody>
+                      <a:tcPr/>
+                    </a:tc>
+                    <a:tc>
+                      <a:txBody>
+                        <a:bodyPr/>
+                        <a:lstStyle/>
+                        <a:p>
+                          <a:endParaRPr lang="en-US"/>
+                        </a:p>
+                      </a:txBody>
+                      <a:tcPr>
+                        <a:blipFill>
+                          <a:blip r:embed="rId2"/>
+                          <a:stretch>
+                            <a:fillRect l="-200000" t="-125926" r="-100000" b="-600000"/>
+                          </a:stretch>
+                        </a:blipFill>
+                      </a:tcPr>
+                    </a:tc>
+                    <a:tc>
+                      <a:txBody>
+                        <a:bodyPr/>
+                        <a:lstStyle/>
+                        <a:p>
+                          <a:endParaRPr lang="en-US"/>
+                        </a:p>
+                      </a:txBody>
+                      <a:tcPr>
+                        <a:blipFill>
+                          <a:blip r:embed="rId2"/>
+                          <a:stretch>
+                            <a:fillRect l="-301807" t="-125926" r="-602" b="-600000"/>
+                          </a:stretch>
+                        </a:blipFill>
+                      </a:tcPr>
+                    </a:tc>
+                    <a:extLst>
+                      <a:ext uri="{0D108BD9-81ED-4DB2-BD59-A6C34878D82A}">
+                        <a16:rowId xmlns:a16="http://schemas.microsoft.com/office/drawing/2014/main" val="4238301737"/>
+                      </a:ext>
+                    </a:extLst>
+                  </a:tr>
+                  <a:tr h="341956">
+                    <a:tc>
+                      <a:txBody>
+                        <a:bodyPr/>
+                        <a:lstStyle/>
+                        <a:p>
+                          <a:pPr algn="ctr"/>
+                          <a:r>
+                            <a:rPr lang="en-US" sz="1400" dirty="0"/>
+                            <a:t>^(XOR)</a:t>
+                          </a:r>
+                        </a:p>
+                      </a:txBody>
+                      <a:tcPr/>
+                    </a:tc>
+                    <a:tc>
+                      <a:txBody>
+                        <a:bodyPr/>
+                        <a:lstStyle/>
+                        <a:p>
+                          <a:pPr algn="ctr"/>
+                          <a:r>
+                            <a:rPr lang="en-US" sz="1400" dirty="0"/>
+                            <a:t>1</a:t>
+                          </a:r>
+                        </a:p>
+                      </a:txBody>
+                      <a:tcPr/>
+                    </a:tc>
+                    <a:tc>
+                      <a:txBody>
+                        <a:bodyPr/>
+                        <a:lstStyle/>
+                        <a:p>
+                          <a:endParaRPr lang="en-US"/>
+                        </a:p>
+                      </a:txBody>
+                      <a:tcPr>
+                        <a:blipFill>
+                          <a:blip r:embed="rId2"/>
+                          <a:stretch>
+                            <a:fillRect l="-200000" t="-225926" r="-100000" b="-500000"/>
+                          </a:stretch>
+                        </a:blipFill>
+                      </a:tcPr>
+                    </a:tc>
+                    <a:tc>
+                      <a:txBody>
+                        <a:bodyPr/>
+                        <a:lstStyle/>
+                        <a:p>
+                          <a:endParaRPr lang="en-US"/>
+                        </a:p>
+                      </a:txBody>
+                      <a:tcPr>
+                        <a:blipFill>
+                          <a:blip r:embed="rId2"/>
+                          <a:stretch>
+                            <a:fillRect l="-301807" t="-225926" r="-602" b="-500000"/>
+                          </a:stretch>
+                        </a:blipFill>
+                      </a:tcPr>
+                    </a:tc>
+                    <a:extLst>
+                      <a:ext uri="{0D108BD9-81ED-4DB2-BD59-A6C34878D82A}">
+                        <a16:rowId xmlns:a16="http://schemas.microsoft.com/office/drawing/2014/main" val="266417292"/>
+                      </a:ext>
+                    </a:extLst>
+                  </a:tr>
+                  <a:tr h="309579">
+                    <a:tc>
+                      <a:txBody>
+                        <a:bodyPr/>
+                        <a:lstStyle/>
+                        <a:p>
+                          <a:pPr algn="ctr"/>
+                          <a:r>
+                            <a:rPr lang="en-US" sz="1400" dirty="0" err="1"/>
+                            <a:t>toeplitzByVec</a:t>
+                          </a:r>
+                          <a:r>
+                            <a:rPr lang="en-US" sz="1400" dirty="0"/>
+                            <a:t>()</a:t>
+                          </a:r>
+                        </a:p>
+                      </a:txBody>
+                      <a:tcPr/>
+                    </a:tc>
+                    <a:tc>
+                      <a:txBody>
+                        <a:bodyPr/>
+                        <a:lstStyle/>
+                        <a:p>
+                          <a:pPr algn="ctr"/>
+                          <a:r>
+                            <a:rPr lang="en-US" sz="1400" dirty="0"/>
+                            <a:t>2</a:t>
+                          </a:r>
+                        </a:p>
+                      </a:txBody>
+                      <a:tcPr/>
+                    </a:tc>
+                    <a:tc>
+                      <a:txBody>
+                        <a:bodyPr/>
+                        <a:lstStyle/>
+                        <a:p>
+                          <a:endParaRPr lang="en-US"/>
+                        </a:p>
+                      </a:txBody>
+                      <a:tcPr>
+                        <a:blipFill>
+                          <a:blip r:embed="rId2"/>
+                          <a:stretch>
+                            <a:fillRect l="-200000" t="-366667" r="-100000" b="-462500"/>
+                          </a:stretch>
+                        </a:blipFill>
+                      </a:tcPr>
+                    </a:tc>
+                    <a:tc>
+                      <a:txBody>
+                        <a:bodyPr/>
+                        <a:lstStyle/>
+                        <a:p>
+                          <a:endParaRPr lang="en-US"/>
+                        </a:p>
+                      </a:txBody>
+                      <a:tcPr>
+                        <a:blipFill>
+                          <a:blip r:embed="rId2"/>
+                          <a:stretch>
+                            <a:fillRect l="-301807" t="-366667" r="-602" b="-462500"/>
+                          </a:stretch>
+                        </a:blipFill>
+                      </a:tcPr>
+                    </a:tc>
+                    <a:extLst>
+                      <a:ext uri="{0D108BD9-81ED-4DB2-BD59-A6C34878D82A}">
+                        <a16:rowId xmlns:a16="http://schemas.microsoft.com/office/drawing/2014/main" val="2998986514"/>
+                      </a:ext>
+                    </a:extLst>
+                  </a:tr>
+                  <a:tr h="340537">
+                    <a:tc>
+                      <a:txBody>
+                        <a:bodyPr/>
+                        <a:lstStyle/>
+                        <a:p>
+                          <a:pPr algn="ctr"/>
+                          <a:r>
+                            <a:rPr lang="en-US" sz="1400" dirty="0">
+                              <a:solidFill>
+                                <a:srgbClr val="FF0000"/>
+                              </a:solidFill>
+                            </a:rPr>
+                            <a:t>MUX</a:t>
+                          </a:r>
+                        </a:p>
+                      </a:txBody>
+                      <a:tcPr/>
+                    </a:tc>
+                    <a:tc>
+                      <a:txBody>
+                        <a:bodyPr/>
+                        <a:lstStyle/>
+                        <a:p>
+                          <a:pPr algn="ctr"/>
+                          <a:r>
+                            <a:rPr lang="en-US" sz="1400" dirty="0"/>
+                            <a:t>2</a:t>
+                          </a:r>
+                        </a:p>
+                      </a:txBody>
+                      <a:tcPr/>
+                    </a:tc>
+                    <a:tc>
+                      <a:txBody>
+                        <a:bodyPr/>
+                        <a:lstStyle/>
+                        <a:p>
+                          <a:endParaRPr lang="en-US"/>
+                        </a:p>
+                      </a:txBody>
+                      <a:tcPr>
+                        <a:blipFill>
+                          <a:blip r:embed="rId2"/>
+                          <a:stretch>
+                            <a:fillRect l="-200000" t="-414815" r="-100000" b="-311111"/>
+                          </a:stretch>
+                        </a:blipFill>
+                      </a:tcPr>
+                    </a:tc>
+                    <a:tc>
+                      <a:txBody>
+                        <a:bodyPr/>
+                        <a:lstStyle/>
+                        <a:p>
+                          <a:endParaRPr lang="en-US"/>
+                        </a:p>
+                      </a:txBody>
+                      <a:tcPr>
+                        <a:blipFill>
+                          <a:blip r:embed="rId2"/>
+                          <a:stretch>
+                            <a:fillRect l="-301807" t="-414815" r="-602" b="-311111"/>
+                          </a:stretch>
+                        </a:blipFill>
+                      </a:tcPr>
+                    </a:tc>
+                    <a:extLst>
+                      <a:ext uri="{0D108BD9-81ED-4DB2-BD59-A6C34878D82A}">
+                        <a16:rowId xmlns:a16="http://schemas.microsoft.com/office/drawing/2014/main" val="394972434"/>
+                      </a:ext>
+                    </a:extLst>
+                  </a:tr>
+                  <a:tr h="340537">
+                    <a:tc>
+                      <a:txBody>
+                        <a:bodyPr/>
+                        <a:lstStyle/>
+                        <a:p>
+                          <a:pPr algn="ctr"/>
+                          <a:r>
+                            <a:rPr lang="en-US" sz="1400" dirty="0">
+                              <a:solidFill>
+                                <a:srgbClr val="FF0000"/>
+                              </a:solidFill>
+                            </a:rPr>
+                            <a:t>Set()</a:t>
+                          </a:r>
+                        </a:p>
+                      </a:txBody>
+                      <a:tcPr/>
+                    </a:tc>
+                    <a:tc>
+                      <a:txBody>
+                        <a:bodyPr/>
+                        <a:lstStyle/>
+                        <a:p>
+                          <a:pPr algn="ctr"/>
+                          <a:r>
+                            <a:rPr lang="en-US" sz="1400" dirty="0"/>
+                            <a:t>1</a:t>
+                          </a:r>
+                        </a:p>
+                      </a:txBody>
+                      <a:tcPr/>
+                    </a:tc>
+                    <a:tc>
+                      <a:txBody>
+                        <a:bodyPr/>
+                        <a:lstStyle/>
+                        <a:p>
+                          <a:pPr algn="ctr"/>
+                          <a:r>
+                            <a:rPr lang="en-US" sz="1400" dirty="0"/>
+                            <a:t>n</a:t>
+                          </a:r>
+                        </a:p>
+                      </a:txBody>
+                      <a:tcPr/>
+                    </a:tc>
+                    <a:tc>
+                      <a:txBody>
+                        <a:bodyPr/>
+                        <a:lstStyle/>
+                        <a:p>
+                          <a:pPr algn="ctr"/>
+                          <a:r>
+                            <a:rPr lang="en-US" sz="1400" dirty="0"/>
+                            <a:t>n</a:t>
+                          </a:r>
+                        </a:p>
+                      </a:txBody>
+                      <a:tcPr/>
+                    </a:tc>
+                    <a:extLst>
+                      <a:ext uri="{0D108BD9-81ED-4DB2-BD59-A6C34878D82A}">
+                        <a16:rowId xmlns:a16="http://schemas.microsoft.com/office/drawing/2014/main" val="846408069"/>
+                      </a:ext>
+                    </a:extLst>
+                  </a:tr>
+                  <a:tr h="340537">
+                    <a:tc>
+                      <a:txBody>
+                        <a:bodyPr/>
+                        <a:lstStyle/>
+                        <a:p>
+                          <a:pPr algn="ctr"/>
+                          <a:r>
+                            <a:rPr lang="en-US" sz="1400" dirty="0" err="1">
+                              <a:solidFill>
+                                <a:srgbClr val="FF0000"/>
+                              </a:solidFill>
+                            </a:rPr>
+                            <a:t>matByVec</a:t>
+                          </a:r>
+                          <a:endParaRPr lang="en-US" sz="1400" dirty="0">
+                            <a:solidFill>
+                              <a:srgbClr val="FF0000"/>
+                            </a:solidFill>
+                          </a:endParaRPr>
+                        </a:p>
+                      </a:txBody>
+                      <a:tcPr/>
+                    </a:tc>
+                    <a:tc>
+                      <a:txBody>
+                        <a:bodyPr/>
+                        <a:lstStyle/>
+                        <a:p>
+                          <a:pPr algn="ctr"/>
+                          <a:r>
+                            <a:rPr lang="en-US" sz="1400" dirty="0"/>
+                            <a:t>2</a:t>
+                          </a:r>
+                        </a:p>
+                      </a:txBody>
+                      <a:tcPr/>
+                    </a:tc>
+                    <a:tc>
+                      <a:txBody>
+                        <a:bodyPr/>
+                        <a:lstStyle/>
+                        <a:p>
+                          <a:pPr algn="ctr"/>
+                          <a:r>
+                            <a:rPr lang="en-US" sz="1400" dirty="0"/>
+                            <a:t>37n</a:t>
+                          </a:r>
+                        </a:p>
+                      </a:txBody>
+                      <a:tcPr/>
+                    </a:tc>
+                    <a:tc>
+                      <a:txBody>
+                        <a:bodyPr/>
+                        <a:lstStyle/>
+                        <a:p>
+                          <a:pPr algn="ctr"/>
+                          <a:r>
+                            <a:rPr lang="en-US" sz="1400" dirty="0"/>
+                            <a:t>74n</a:t>
+                          </a:r>
+                        </a:p>
+                      </a:txBody>
+                      <a:tcPr/>
+                    </a:tc>
+                    <a:extLst>
+                      <a:ext uri="{0D108BD9-81ED-4DB2-BD59-A6C34878D82A}">
+                        <a16:rowId xmlns:a16="http://schemas.microsoft.com/office/drawing/2014/main" val="2799987271"/>
+                      </a:ext>
+                    </a:extLst>
+                  </a:tr>
+                  <a:tr h="309579">
+                    <a:tc>
+                      <a:txBody>
+                        <a:bodyPr/>
+                        <a:lstStyle/>
+                        <a:p>
+                          <a:pPr algn="ctr"/>
+                          <a:r>
+                            <a:rPr lang="en-US" sz="1400" dirty="0"/>
+                            <a:t>Total</a:t>
+                          </a:r>
+                        </a:p>
+                      </a:txBody>
+                      <a:tcPr>
+                        <a:lnB w="12700" cap="flat" cmpd="sng" algn="ctr">
+                          <a:solidFill>
+                            <a:schemeClr val="tx1"/>
+                          </a:solidFill>
+                          <a:prstDash val="solid"/>
+                          <a:round/>
+                          <a:headEnd type="none" w="med" len="med"/>
+                          <a:tailEnd type="none" w="med" len="med"/>
+                        </a:lnB>
+                      </a:tcPr>
+                    </a:tc>
+                    <a:tc>
+                      <a:txBody>
+                        <a:bodyPr/>
+                        <a:lstStyle/>
+                        <a:p>
+                          <a:pPr algn="ctr"/>
+                          <a:endParaRPr lang="en-US" sz="1400" dirty="0"/>
+                        </a:p>
+                      </a:txBody>
+                      <a:tcPr>
+                        <a:lnB w="12700" cap="flat" cmpd="sng" algn="ctr">
+                          <a:solidFill>
+                            <a:schemeClr val="tx1"/>
+                          </a:solidFill>
+                          <a:prstDash val="solid"/>
+                          <a:round/>
+                          <a:headEnd type="none" w="med" len="med"/>
+                          <a:tailEnd type="none" w="med" len="med"/>
+                        </a:lnB>
+                      </a:tcPr>
+                    </a:tc>
+                    <a:tc>
+                      <a:txBody>
+                        <a:bodyPr/>
+                        <a:lstStyle/>
+                        <a:p>
+                          <a:pPr algn="ctr"/>
+                          <a:endParaRPr lang="en-US" sz="1400" dirty="0"/>
+                        </a:p>
+                      </a:txBody>
+                      <a:tcPr/>
+                    </a:tc>
+                    <a:tc>
+                      <a:txBody>
+                        <a:bodyPr/>
+                        <a:lstStyle/>
+                        <a:p>
+                          <a:endParaRPr lang="en-US"/>
+                        </a:p>
+                      </a:txBody>
+                      <a:tcPr>
+                        <a:blipFill>
+                          <a:blip r:embed="rId2"/>
+                          <a:stretch>
+                            <a:fillRect l="-301807" t="-772000" r="-602" b="-20000"/>
+                          </a:stretch>
+                        </a:blipFill>
+                      </a:tcPr>
+                    </a:tc>
+                    <a:extLst>
+                      <a:ext uri="{0D108BD9-81ED-4DB2-BD59-A6C34878D82A}">
+                        <a16:rowId xmlns:a16="http://schemas.microsoft.com/office/drawing/2014/main" val="915950187"/>
+                      </a:ext>
+                    </a:extLst>
+                  </a:tr>
+                </a:tbl>
+              </a:graphicData>
+            </a:graphic>
+          </p:graphicFrame>
+        </mc:Fallback>
+      </mc:AlternateContent>
+    </p:spTree>
+    <p:extLst>
+      <p:ext uri="{BB962C8B-B14F-4D97-AF65-F5344CB8AC3E}">
+        <p14:creationId xmlns:p14="http://schemas.microsoft.com/office/powerpoint/2010/main" val="3028015451"/>
+      </p:ext>
+    </p:extLst>
+  </p:cSld>
+  <p:clrMapOvr>
+    <a:masterClrMapping/>
+  </p:clrMapOvr>
+</p:sld>
+</file>
+
+<file path=ppt/slides/slide7.xml><?xml version="1.0" encoding="utf-8"?>
+<p:sld xmlns:a="http://schemas.openxmlformats.org/drawingml/2006/main" xmlns:r="http://schemas.openxmlformats.org/officeDocument/2006/relationships" xmlns:p="http://schemas.openxmlformats.org/presentationml/2006/main">
+  <p:cSld>
+    <p:spTree>
+      <p:nvGrpSpPr>
+        <p:cNvPr id="1" name=""/>
+        <p:cNvGrpSpPr/>
+        <p:nvPr/>
+      </p:nvGrpSpPr>
+      <p:grpSpPr>
+        <a:xfrm>
+          <a:off x="0" y="0"/>
+          <a:ext cx="0" cy="0"/>
+          <a:chOff x="0" y="0"/>
+          <a:chExt cx="0" cy="0"/>
+        </a:xfrm>
+      </p:grpSpPr>
+      <p:sp>
+        <p:nvSpPr>
+          <p:cNvPr id="2" name="Title 1">
+            <a:extLst>
+              <a:ext uri="{FF2B5EF4-FFF2-40B4-BE49-F238E27FC236}">
+                <a16:creationId xmlns:a16="http://schemas.microsoft.com/office/drawing/2014/main" id="{AB471659-24BB-6E48-8092-9DE04E44E3D5}"/>
+              </a:ext>
+            </a:extLst>
+          </p:cNvPr>
+          <p:cNvSpPr>
+            <a:spLocks noGrp="1"/>
+          </p:cNvSpPr>
+          <p:nvPr>
+            <p:ph type="title"/>
+          </p:nvPr>
+        </p:nvSpPr>
+        <p:spPr>
+          <a:xfrm>
+            <a:off x="838200" y="365126"/>
+            <a:ext cx="10515600" cy="315912"/>
+          </a:xfrm>
+        </p:spPr>
+        <p:txBody>
+          <a:bodyPr>
+            <a:normAutofit fontScale="90000"/>
+          </a:bodyPr>
+          <a:lstStyle/>
+          <a:p>
+            <a:r>
+              <a:rPr lang="en-US" dirty="0" err="1"/>
+              <a:t>oPRF</a:t>
+            </a:r>
+            <a:r>
+              <a:rPr lang="en-US" dirty="0"/>
+              <a:t> (packed + lookup)</a:t>
+            </a:r>
+          </a:p>
+        </p:txBody>
+      </p:sp>
+      <p:sp>
+        <p:nvSpPr>
+          <p:cNvPr id="3" name="Content Placeholder 2">
+            <a:extLst>
+              <a:ext uri="{FF2B5EF4-FFF2-40B4-BE49-F238E27FC236}">
+                <a16:creationId xmlns:a16="http://schemas.microsoft.com/office/drawing/2014/main" id="{F2F1B3B4-9D87-8549-A550-A560B44FD940}"/>
+              </a:ext>
+            </a:extLst>
+          </p:cNvPr>
+          <p:cNvSpPr>
+            <a:spLocks noGrp="1"/>
+          </p:cNvSpPr>
+          <p:nvPr>
+            <p:ph idx="1"/>
+          </p:nvPr>
+        </p:nvSpPr>
+        <p:spPr>
+          <a:xfrm>
+            <a:off x="838200" y="888923"/>
+            <a:ext cx="10515600" cy="1820823"/>
+          </a:xfrm>
+        </p:spPr>
+        <p:txBody>
+          <a:bodyPr>
+            <a:normAutofit fontScale="92500" lnSpcReduction="10000"/>
+          </a:bodyPr>
+          <a:lstStyle/>
+          <a:p>
+            <a:r>
+              <a:rPr lang="en-US" dirty="0"/>
+              <a:t>Files: </a:t>
+            </a:r>
+          </a:p>
+          <a:p>
+            <a:pPr lvl="1"/>
+            <a:r>
+              <a:rPr lang="en-US" dirty="0" err="1"/>
+              <a:t>OPRF.cpp</a:t>
+            </a:r>
+            <a:endParaRPr lang="en-US" dirty="0"/>
+          </a:p>
+          <a:p>
+            <a:pPr lvl="1"/>
+            <a:r>
+              <a:rPr lang="en-US" dirty="0" err="1"/>
+              <a:t>lookup_function.cpp</a:t>
+            </a:r>
+            <a:endParaRPr lang="en-US" dirty="0"/>
+          </a:p>
+          <a:p>
+            <a:pPr lvl="1"/>
+            <a:r>
+              <a:rPr lang="en-US" dirty="0"/>
+              <a:t>PackedMod2.hpp</a:t>
+            </a:r>
+          </a:p>
+          <a:p>
+            <a:pPr lvl="1"/>
+            <a:r>
+              <a:rPr lang="en-US" dirty="0"/>
+              <a:t>PackedMod3.hpp</a:t>
+            </a:r>
+          </a:p>
+          <a:p>
+            <a:endParaRPr lang="en-US" dirty="0"/>
+          </a:p>
+        </p:txBody>
+      </p:sp>
+      <mc:AlternateContent xmlns:mc="http://schemas.openxmlformats.org/markup-compatibility/2006">
+        <mc:Choice xmlns:a14="http://schemas.microsoft.com/office/drawing/2010/main" Requires="a14">
+          <p:graphicFrame>
+            <p:nvGraphicFramePr>
+              <p:cNvPr id="4" name="Table 3">
+                <a:extLst>
+                  <a:ext uri="{FF2B5EF4-FFF2-40B4-BE49-F238E27FC236}">
+                    <a16:creationId xmlns:a16="http://schemas.microsoft.com/office/drawing/2014/main" id="{BE6252AE-2768-D543-985D-B39C0583CC8B}"/>
+                  </a:ext>
+                </a:extLst>
+              </p:cNvPr>
+              <p:cNvGraphicFramePr>
+                <a:graphicFrameLocks noGrp="1"/>
+              </p:cNvGraphicFramePr>
+              <p:nvPr>
+                <p:extLst>
+                  <p:ext uri="{D42A27DB-BD31-4B8C-83A1-F6EECF244321}">
+                    <p14:modId xmlns:p14="http://schemas.microsoft.com/office/powerpoint/2010/main" val="1669899879"/>
+                  </p:ext>
+                </p:extLst>
+              </p:nvPr>
+            </p:nvGraphicFramePr>
+            <p:xfrm>
+              <a:off x="1405052" y="2996504"/>
+              <a:ext cx="8441476" cy="2634260"/>
+            </p:xfrm>
+            <a:graphic>
+              <a:graphicData uri="http://schemas.openxmlformats.org/drawingml/2006/table">
+                <a:tbl>
+                  <a:tblPr firstRow="1" bandRow="1">
+                    <a:tableStyleId>{5940675A-B579-460E-94D1-54222C63F5DA}</a:tableStyleId>
+                  </a:tblPr>
+                  <a:tblGrid>
+                    <a:gridCol w="2110369">
+                      <a:extLst>
+                        <a:ext uri="{9D8B030D-6E8A-4147-A177-3AD203B41FA5}">
+                          <a16:colId xmlns:a16="http://schemas.microsoft.com/office/drawing/2014/main" val="3913328905"/>
+                        </a:ext>
+                      </a:extLst>
+                    </a:gridCol>
+                    <a:gridCol w="2110369">
+                      <a:extLst>
+                        <a:ext uri="{9D8B030D-6E8A-4147-A177-3AD203B41FA5}">
+                          <a16:colId xmlns:a16="http://schemas.microsoft.com/office/drawing/2014/main" val="2780235502"/>
+                        </a:ext>
+                      </a:extLst>
+                    </a:gridCol>
+                    <a:gridCol w="2110369">
+                      <a:extLst>
+                        <a:ext uri="{9D8B030D-6E8A-4147-A177-3AD203B41FA5}">
+                          <a16:colId xmlns:a16="http://schemas.microsoft.com/office/drawing/2014/main" val="3033617068"/>
+                        </a:ext>
+                      </a:extLst>
+                    </a:gridCol>
+                    <a:gridCol w="2110369">
+                      <a:extLst>
+                        <a:ext uri="{9D8B030D-6E8A-4147-A177-3AD203B41FA5}">
+                          <a16:colId xmlns:a16="http://schemas.microsoft.com/office/drawing/2014/main" val="2426406902"/>
+                        </a:ext>
+                      </a:extLst>
+                    </a:gridCol>
+                  </a:tblGrid>
+                  <a:tr h="309579">
+                    <a:tc>
+                      <a:txBody>
+                        <a:bodyPr/>
+                        <a:lstStyle/>
+                        <a:p>
+                          <a:pPr algn="ctr"/>
+                          <a:r>
+                            <a:rPr lang="en-US" sz="1400" b="1" dirty="0"/>
+                            <a:t>Methods</a:t>
+                          </a:r>
+                        </a:p>
+                      </a:txBody>
+                      <a:tcPr/>
+                    </a:tc>
+                    <a:tc>
+                      <a:txBody>
+                        <a:bodyPr/>
+                        <a:lstStyle/>
+                        <a:p>
+                          <a:pPr algn="ctr"/>
+                          <a:r>
+                            <a:rPr lang="en-US" sz="1400" b="1" dirty="0" err="1"/>
+                            <a:t>No.of</a:t>
+                          </a:r>
+                          <a:r>
+                            <a:rPr lang="en-US" sz="1400" b="1" dirty="0"/>
+                            <a:t> times</a:t>
+                          </a:r>
+                        </a:p>
+                      </a:txBody>
+                      <a:tcPr/>
+                    </a:tc>
+                    <a:tc>
+                      <a:txBody>
+                        <a:bodyPr/>
+                        <a:lstStyle/>
+                        <a:p>
+                          <a:pPr algn="ctr"/>
+                          <a:r>
+                            <a:rPr lang="en-US" sz="1400" b="1" dirty="0"/>
+                            <a:t>Cost for each call</a:t>
+                          </a:r>
+                        </a:p>
+                      </a:txBody>
+                      <a:tcPr/>
+                    </a:tc>
+                    <a:tc>
+                      <a:txBody>
+                        <a:bodyPr/>
+                        <a:lstStyle/>
+                        <a:p>
+                          <a:pPr algn="ctr"/>
+                          <a:r>
+                            <a:rPr lang="en-US" sz="1400" b="1" dirty="0"/>
+                            <a:t>Total call</a:t>
+                          </a:r>
+                        </a:p>
+                      </a:txBody>
+                      <a:tcPr/>
+                    </a:tc>
+                    <a:extLst>
+                      <a:ext uri="{0D108BD9-81ED-4DB2-BD59-A6C34878D82A}">
+                        <a16:rowId xmlns:a16="http://schemas.microsoft.com/office/drawing/2014/main" val="2412432484"/>
+                      </a:ext>
+                    </a:extLst>
+                  </a:tr>
+                  <a:tr h="341956">
+                    <a:tc>
+                      <a:txBody>
+                        <a:bodyPr/>
+                        <a:lstStyle/>
+                        <a:p>
+                          <a:pPr algn="ctr"/>
+                          <a:r>
+                            <a:rPr lang="en-US" sz="1400" dirty="0"/>
+                            <a:t>add()/^=</a:t>
+                          </a:r>
+                        </a:p>
+                      </a:txBody>
+                      <a:tcPr/>
+                    </a:tc>
+                    <a:tc>
+                      <a:txBody>
+                        <a:bodyPr/>
+                        <a:lstStyle/>
+                        <a:p>
+                          <a:pPr algn="ctr"/>
+                          <a:r>
+                            <a:rPr lang="en-US" sz="1400" dirty="0"/>
+                            <a:t>9</a:t>
+                          </a:r>
+                        </a:p>
+                      </a:txBody>
+                      <a:tcPr/>
+                    </a:tc>
+                    <a:tc>
+                      <a:txBody>
+                        <a:bodyPr/>
+                        <a:lstStyle/>
+                        <a:p>
+                          <a:pPr algn="ctr"/>
+                          <a14:m>
+                            <m:oMathPara xmlns:m="http://schemas.openxmlformats.org/officeDocument/2006/math">
+                              <m:oMathParaPr>
+                                <m:jc m:val="centerGroup"/>
+                              </m:oMathParaPr>
+                              <m:oMath xmlns:m="http://schemas.openxmlformats.org/officeDocument/2006/math">
+                                <m:f>
+                                  <m:fPr>
+                                    <m:type m:val="skw"/>
+                                    <m:ctrlPr>
+                                      <a:rPr lang="en-US" sz="1400" i="1" dirty="0" smtClean="0">
+                                        <a:latin typeface="Cambria Math" panose="02040503050406030204" pitchFamily="18" charset="0"/>
+                                      </a:rPr>
+                                    </m:ctrlPr>
+                                  </m:fPr>
+                                  <m:num>
+                                    <m:r>
+                                      <a:rPr lang="en-US" sz="1400" b="0" i="1" dirty="0" smtClean="0">
+                                        <a:latin typeface="Cambria Math" panose="02040503050406030204" pitchFamily="18" charset="0"/>
+                                      </a:rPr>
+                                      <m:t>𝑛</m:t>
+                                    </m:r>
+                                  </m:num>
+                                  <m:den>
+                                    <m:r>
+                                      <a:rPr lang="en-US" sz="1400" b="0" i="1" dirty="0" smtClean="0">
+                                        <a:latin typeface="Cambria Math" panose="02040503050406030204" pitchFamily="18" charset="0"/>
+                                      </a:rPr>
+                                      <m:t>64</m:t>
+                                    </m:r>
+                                  </m:den>
+                                </m:f>
+                              </m:oMath>
+                            </m:oMathPara>
+                          </a14:m>
+                          <a:endParaRPr lang="en-US" sz="1400" dirty="0"/>
+                        </a:p>
+                      </a:txBody>
+                      <a:tcPr/>
+                    </a:tc>
+                    <a:tc>
+                      <a:txBody>
+                        <a:bodyPr/>
+                        <a:lstStyle/>
+                        <a:p>
+                          <a:pPr algn="ctr"/>
+                          <a14:m>
+                            <m:oMathPara xmlns:m="http://schemas.openxmlformats.org/officeDocument/2006/math">
+                              <m:oMathParaPr>
+                                <m:jc m:val="centerGroup"/>
+                              </m:oMathParaPr>
+                              <m:oMath xmlns:m="http://schemas.openxmlformats.org/officeDocument/2006/math">
+                                <m:r>
+                                  <a:rPr lang="en-US" sz="1400" b="0" i="1" smtClean="0">
+                                    <a:latin typeface="Cambria Math" panose="02040503050406030204" pitchFamily="18" charset="0"/>
+                                  </a:rPr>
+                                  <m:t>~</m:t>
+                                </m:r>
+                                <m:f>
+                                  <m:fPr>
+                                    <m:type m:val="skw"/>
+                                    <m:ctrlPr>
+                                      <a:rPr lang="en-US" sz="1400" b="0" i="1" smtClean="0">
+                                        <a:latin typeface="Cambria Math" panose="02040503050406030204" pitchFamily="18" charset="0"/>
+                                      </a:rPr>
+                                    </m:ctrlPr>
+                                  </m:fPr>
+                                  <m:num>
+                                    <m:r>
+                                      <a:rPr lang="en-US" sz="1400" b="0" i="1" smtClean="0">
+                                        <a:latin typeface="Cambria Math" panose="02040503050406030204" pitchFamily="18" charset="0"/>
+                                      </a:rPr>
+                                      <m:t>𝑛</m:t>
+                                    </m:r>
+                                  </m:num>
+                                  <m:den>
+                                    <m:r>
+                                      <a:rPr lang="en-US" sz="1400" b="0" i="1" smtClean="0">
+                                        <a:latin typeface="Cambria Math" panose="02040503050406030204" pitchFamily="18" charset="0"/>
+                                      </a:rPr>
+                                      <m:t>8</m:t>
+                                    </m:r>
+                                  </m:den>
+                                </m:f>
+                              </m:oMath>
+                            </m:oMathPara>
+                          </a14:m>
+                          <a:endParaRPr lang="en-US" sz="1400" dirty="0"/>
+                        </a:p>
+                      </a:txBody>
+                      <a:tcPr/>
+                    </a:tc>
+                    <a:extLst>
+                      <a:ext uri="{0D108BD9-81ED-4DB2-BD59-A6C34878D82A}">
+                        <a16:rowId xmlns:a16="http://schemas.microsoft.com/office/drawing/2014/main" val="4238301737"/>
+                      </a:ext>
+                    </a:extLst>
+                  </a:tr>
+                  <a:tr h="341956">
+                    <a:tc>
+                      <a:txBody>
+                        <a:bodyPr/>
+                        <a:lstStyle/>
+                        <a:p>
+                          <a:pPr algn="ctr"/>
+                          <a:r>
+                            <a:rPr lang="en-US" sz="1400" dirty="0"/>
+                            <a:t>^(XOR)</a:t>
+                          </a:r>
+                        </a:p>
+                      </a:txBody>
+                      <a:tcPr/>
+                    </a:tc>
+                    <a:tc>
+                      <a:txBody>
+                        <a:bodyPr/>
+                        <a:lstStyle/>
+                        <a:p>
+                          <a:pPr algn="ctr"/>
+                          <a:r>
+                            <a:rPr lang="en-US" sz="1400" dirty="0"/>
+                            <a:t>1</a:t>
+                          </a:r>
+                        </a:p>
+                      </a:txBody>
+                      <a:tcPr/>
+                    </a:tc>
+                    <a:tc>
+                      <a:txBody>
+                        <a:bodyPr/>
+                        <a:lstStyle/>
+                        <a:p>
+                          <a:pPr algn="ctr"/>
+                          <a14:m>
+                            <m:oMathPara xmlns:m="http://schemas.openxmlformats.org/officeDocument/2006/math">
+                              <m:oMathParaPr>
+                                <m:jc m:val="centerGroup"/>
+                              </m:oMathParaPr>
+                              <m:oMath xmlns:m="http://schemas.openxmlformats.org/officeDocument/2006/math">
+                                <m:f>
+                                  <m:fPr>
+                                    <m:type m:val="skw"/>
+                                    <m:ctrlPr>
+                                      <a:rPr lang="en-US" sz="1400" i="1" dirty="0" smtClean="0">
+                                        <a:latin typeface="Cambria Math" panose="02040503050406030204" pitchFamily="18" charset="0"/>
+                                      </a:rPr>
+                                    </m:ctrlPr>
+                                  </m:fPr>
+                                  <m:num>
+                                    <m:r>
+                                      <a:rPr lang="en-US" sz="1400" b="0" i="1" dirty="0" smtClean="0">
+                                        <a:latin typeface="Cambria Math" panose="02040503050406030204" pitchFamily="18" charset="0"/>
+                                      </a:rPr>
+                                      <m:t>𝑛</m:t>
+                                    </m:r>
+                                  </m:num>
+                                  <m:den>
+                                    <m:r>
+                                      <a:rPr lang="en-US" sz="1400" b="0" i="1" dirty="0" smtClean="0">
+                                        <a:latin typeface="Cambria Math" panose="02040503050406030204" pitchFamily="18" charset="0"/>
+                                      </a:rPr>
+                                      <m:t>32</m:t>
+                                    </m:r>
+                                  </m:den>
+                                </m:f>
+                              </m:oMath>
+                            </m:oMathPara>
+                          </a14:m>
+                          <a:endParaRPr lang="en-US" sz="1400" dirty="0"/>
+                        </a:p>
+                      </a:txBody>
+                      <a:tcPr/>
+                    </a:tc>
+                    <a:tc>
+                      <a:txBody>
+                        <a:bodyPr/>
+                        <a:lstStyle/>
+                        <a:p>
+                          <a:pPr algn="ctr"/>
+                          <a14:m>
+                            <m:oMathPara xmlns:m="http://schemas.openxmlformats.org/officeDocument/2006/math">
+                              <m:oMathParaPr>
+                                <m:jc m:val="centerGroup"/>
+                              </m:oMathParaPr>
+                              <m:oMath xmlns:m="http://schemas.openxmlformats.org/officeDocument/2006/math">
+                                <m:f>
+                                  <m:fPr>
+                                    <m:type m:val="skw"/>
+                                    <m:ctrlPr>
+                                      <a:rPr lang="en-US" sz="1400" i="1" smtClean="0">
+                                        <a:latin typeface="Cambria Math" panose="02040503050406030204" pitchFamily="18" charset="0"/>
+                                      </a:rPr>
+                                    </m:ctrlPr>
+                                  </m:fPr>
+                                  <m:num>
+                                    <m:r>
+                                      <a:rPr lang="en-US" sz="1400" b="0" i="1" smtClean="0">
+                                        <a:latin typeface="Cambria Math" panose="02040503050406030204" pitchFamily="18" charset="0"/>
+                                      </a:rPr>
+                                      <m:t>𝑛</m:t>
+                                    </m:r>
+                                  </m:num>
+                                  <m:den>
+                                    <m:r>
+                                      <a:rPr lang="en-US" sz="1400" b="0" i="1" smtClean="0">
+                                        <a:latin typeface="Cambria Math" panose="02040503050406030204" pitchFamily="18" charset="0"/>
+                                      </a:rPr>
+                                      <m:t>32</m:t>
+                                    </m:r>
+                                  </m:den>
+                                </m:f>
+                              </m:oMath>
+                            </m:oMathPara>
+                          </a14:m>
+                          <a:endParaRPr lang="en-US" sz="1400" dirty="0"/>
+                        </a:p>
+                      </a:txBody>
+                      <a:tcPr/>
+                    </a:tc>
+                    <a:extLst>
+                      <a:ext uri="{0D108BD9-81ED-4DB2-BD59-A6C34878D82A}">
+                        <a16:rowId xmlns:a16="http://schemas.microsoft.com/office/drawing/2014/main" val="266417292"/>
+                      </a:ext>
+                    </a:extLst>
+                  </a:tr>
+                  <a:tr h="309579">
+                    <a:tc>
+                      <a:txBody>
+                        <a:bodyPr/>
+                        <a:lstStyle/>
+                        <a:p>
+                          <a:pPr algn="ctr"/>
+                          <a:r>
+                            <a:rPr lang="en-US" sz="1400" dirty="0" err="1"/>
+                            <a:t>toeplitzByVec</a:t>
+                          </a:r>
+                          <a:r>
+                            <a:rPr lang="en-US" sz="1400" dirty="0"/>
+                            <a:t>()</a:t>
+                          </a:r>
+                        </a:p>
+                      </a:txBody>
+                      <a:tcPr/>
+                    </a:tc>
+                    <a:tc>
+                      <a:txBody>
+                        <a:bodyPr/>
+                        <a:lstStyle/>
+                        <a:p>
+                          <a:pPr algn="ctr"/>
+                          <a:r>
+                            <a:rPr lang="en-US" sz="1400" dirty="0"/>
+                            <a:t>2</a:t>
+                          </a:r>
+                        </a:p>
+                      </a:txBody>
+                      <a:tcPr/>
+                    </a:tc>
+                    <a:tc>
+                      <a:txBody>
+                        <a:bodyPr/>
+                        <a:lstStyle/>
+                        <a:p>
+                          <a:pPr algn="ctr"/>
+                          <a14:m>
+                            <m:oMathPara xmlns:m="http://schemas.openxmlformats.org/officeDocument/2006/math">
+                              <m:oMathParaPr>
+                                <m:jc m:val="centerGroup"/>
+                              </m:oMathParaPr>
+                              <m:oMath xmlns:m="http://schemas.openxmlformats.org/officeDocument/2006/math">
+                                <m:r>
+                                  <a:rPr lang="en-US" sz="1400" b="0" i="1" smtClean="0">
+                                    <a:latin typeface="Cambria Math" panose="02040503050406030204" pitchFamily="18" charset="0"/>
+                                  </a:rPr>
+                                  <m:t>25</m:t>
+                                </m:r>
+                                <m:r>
+                                  <a:rPr lang="en-US" sz="1400" b="0" i="1" smtClean="0">
+                                    <a:latin typeface="Cambria Math" panose="02040503050406030204" pitchFamily="18" charset="0"/>
+                                  </a:rPr>
+                                  <m:t>𝑛</m:t>
+                                </m:r>
+                              </m:oMath>
+                            </m:oMathPara>
+                          </a14:m>
+                          <a:endParaRPr lang="en-US" sz="1400" dirty="0"/>
+                        </a:p>
+                      </a:txBody>
+                      <a:tcPr/>
+                    </a:tc>
+                    <a:tc>
+                      <a:txBody>
+                        <a:bodyPr/>
+                        <a:lstStyle/>
+                        <a:p>
+                          <a:pPr algn="ctr"/>
+                          <a14:m>
+                            <m:oMathPara xmlns:m="http://schemas.openxmlformats.org/officeDocument/2006/math">
+                              <m:oMathParaPr>
+                                <m:jc m:val="centerGroup"/>
+                              </m:oMathParaPr>
+                              <m:oMath xmlns:m="http://schemas.openxmlformats.org/officeDocument/2006/math">
+                                <m:r>
+                                  <a:rPr lang="en-US" sz="1400" b="0" i="1" smtClean="0">
+                                    <a:latin typeface="Cambria Math" panose="02040503050406030204" pitchFamily="18" charset="0"/>
+                                  </a:rPr>
+                                  <m:t>5</m:t>
+                                </m:r>
+                                <m:r>
+                                  <a:rPr lang="en-US" sz="1400" b="0" i="1" smtClean="0">
+                                    <a:latin typeface="Cambria Math" panose="02040503050406030204" pitchFamily="18" charset="0"/>
+                                  </a:rPr>
+                                  <m:t>0</m:t>
+                                </m:r>
+                                <m:r>
+                                  <a:rPr lang="en-US" sz="1400" b="0" i="1" smtClean="0">
+                                    <a:latin typeface="Cambria Math" panose="02040503050406030204" pitchFamily="18" charset="0"/>
+                                  </a:rPr>
+                                  <m:t>𝑛</m:t>
+                                </m:r>
+                              </m:oMath>
+                            </m:oMathPara>
+                          </a14:m>
+                          <a:endParaRPr lang="en-US" sz="1400" dirty="0"/>
+                        </a:p>
+                      </a:txBody>
+                      <a:tcPr/>
+                    </a:tc>
+                    <a:extLst>
+                      <a:ext uri="{0D108BD9-81ED-4DB2-BD59-A6C34878D82A}">
+                        <a16:rowId xmlns:a16="http://schemas.microsoft.com/office/drawing/2014/main" val="2998986514"/>
+                      </a:ext>
+                    </a:extLst>
+                  </a:tr>
+                  <a:tr h="340537">
+                    <a:tc>
+                      <a:txBody>
+                        <a:bodyPr/>
+                        <a:lstStyle/>
+                        <a:p>
+                          <a:pPr algn="ctr"/>
+                          <a:r>
+                            <a:rPr lang="en-US" sz="1400" dirty="0">
+                              <a:solidFill>
+                                <a:srgbClr val="FF0000"/>
+                              </a:solidFill>
+                            </a:rPr>
+                            <a:t>MUX</a:t>
+                          </a:r>
+                        </a:p>
+                      </a:txBody>
+                      <a:tcPr/>
+                    </a:tc>
+                    <a:tc>
+                      <a:txBody>
+                        <a:bodyPr/>
+                        <a:lstStyle/>
+                        <a:p>
+                          <a:pPr algn="ctr"/>
+                          <a:r>
+                            <a:rPr lang="en-US" sz="1400" dirty="0"/>
+                            <a:t>2</a:t>
+                          </a:r>
+                        </a:p>
+                      </a:txBody>
+                      <a:tcPr/>
+                    </a:tc>
+                    <a:tc>
+                      <a:txBody>
+                        <a:bodyPr/>
+                        <a:lstStyle/>
+                        <a:p>
+                          <a:pPr algn="ctr"/>
+                          <a14:m>
+                            <m:oMathPara xmlns:m="http://schemas.openxmlformats.org/officeDocument/2006/math">
+                              <m:oMathParaPr>
+                                <m:jc m:val="centerGroup"/>
+                              </m:oMathParaPr>
+                              <m:oMath xmlns:m="http://schemas.openxmlformats.org/officeDocument/2006/math">
+                                <m:f>
+                                  <m:fPr>
+                                    <m:type m:val="skw"/>
+                                    <m:ctrlPr>
+                                      <a:rPr lang="en-US" sz="1400" i="1" smtClean="0">
+                                        <a:latin typeface="Cambria Math" panose="02040503050406030204" pitchFamily="18" charset="0"/>
+                                      </a:rPr>
+                                    </m:ctrlPr>
+                                  </m:fPr>
+                                  <m:num>
+                                    <m:r>
+                                      <a:rPr lang="en-US" sz="1400" b="0" i="1" smtClean="0">
+                                        <a:latin typeface="Cambria Math" panose="02040503050406030204" pitchFamily="18" charset="0"/>
+                                      </a:rPr>
+                                      <m:t>𝑛</m:t>
+                                    </m:r>
+                                  </m:num>
+                                  <m:den>
+                                    <m:r>
+                                      <a:rPr lang="en-US" sz="1400" b="0" i="1" smtClean="0">
+                                        <a:latin typeface="Cambria Math" panose="02040503050406030204" pitchFamily="18" charset="0"/>
+                                      </a:rPr>
+                                      <m:t>32</m:t>
+                                    </m:r>
+                                  </m:den>
+                                </m:f>
+                              </m:oMath>
+                            </m:oMathPara>
+                          </a14:m>
+                          <a:endParaRPr lang="en-US" sz="1400" dirty="0"/>
+                        </a:p>
+                      </a:txBody>
+                      <a:tcPr/>
+                    </a:tc>
+                    <a:tc>
+                      <a:txBody>
+                        <a:bodyPr/>
+                        <a:lstStyle/>
+                        <a:p>
+                          <a:pPr algn="ctr"/>
+                          <a14:m>
+                            <m:oMathPara xmlns:m="http://schemas.openxmlformats.org/officeDocument/2006/math">
+                              <m:oMathParaPr>
+                                <m:jc m:val="centerGroup"/>
+                              </m:oMathParaPr>
+                              <m:oMath xmlns:m="http://schemas.openxmlformats.org/officeDocument/2006/math">
+                                <m:f>
+                                  <m:fPr>
+                                    <m:type m:val="skw"/>
+                                    <m:ctrlPr>
+                                      <a:rPr lang="en-US" sz="1400" i="1" smtClean="0">
+                                        <a:latin typeface="Cambria Math" panose="02040503050406030204" pitchFamily="18" charset="0"/>
+                                      </a:rPr>
+                                    </m:ctrlPr>
+                                  </m:fPr>
+                                  <m:num>
+                                    <m:r>
+                                      <a:rPr lang="en-US" sz="1400" b="0" i="1" smtClean="0">
+                                        <a:latin typeface="Cambria Math" panose="02040503050406030204" pitchFamily="18" charset="0"/>
+                                      </a:rPr>
+                                      <m:t>𝑛</m:t>
+                                    </m:r>
+                                  </m:num>
+                                  <m:den>
+                                    <m:r>
+                                      <a:rPr lang="en-US" sz="1400" b="0" i="1" smtClean="0">
+                                        <a:latin typeface="Cambria Math" panose="02040503050406030204" pitchFamily="18" charset="0"/>
+                                      </a:rPr>
+                                      <m:t>16</m:t>
+                                    </m:r>
+                                  </m:den>
+                                </m:f>
+                              </m:oMath>
+                            </m:oMathPara>
+                          </a14:m>
+                          <a:endParaRPr lang="en-US" sz="1400" dirty="0"/>
+                        </a:p>
+                      </a:txBody>
+                      <a:tcPr/>
+                    </a:tc>
+                    <a:extLst>
+                      <a:ext uri="{0D108BD9-81ED-4DB2-BD59-A6C34878D82A}">
+                        <a16:rowId xmlns:a16="http://schemas.microsoft.com/office/drawing/2014/main" val="394972434"/>
+                      </a:ext>
+                    </a:extLst>
+                  </a:tr>
+                  <a:tr h="340537">
+                    <a:tc>
+                      <a:txBody>
+                        <a:bodyPr/>
+                        <a:lstStyle/>
+                        <a:p>
+                          <a:pPr algn="ctr"/>
+                          <a:r>
+                            <a:rPr lang="en-US" sz="1400" dirty="0">
+                              <a:solidFill>
+                                <a:srgbClr val="FF0000"/>
+                              </a:solidFill>
+                            </a:rPr>
+                            <a:t>Set()</a:t>
+                          </a:r>
+                        </a:p>
+                      </a:txBody>
+                      <a:tcPr/>
+                    </a:tc>
+                    <a:tc>
+                      <a:txBody>
+                        <a:bodyPr/>
+                        <a:lstStyle/>
+                        <a:p>
+                          <a:pPr algn="ctr"/>
+                          <a:r>
+                            <a:rPr lang="en-US" sz="1400" dirty="0"/>
+                            <a:t>1</a:t>
+                          </a:r>
+                        </a:p>
+                      </a:txBody>
+                      <a:tcPr/>
+                    </a:tc>
+                    <a:tc>
+                      <a:txBody>
+                        <a:bodyPr/>
+                        <a:lstStyle/>
+                        <a:p>
+                          <a:pPr algn="ctr"/>
+                          <a:r>
+                            <a:rPr lang="en-US" sz="1400" dirty="0"/>
+                            <a:t>n</a:t>
+                          </a:r>
+                        </a:p>
+                      </a:txBody>
+                      <a:tcPr/>
+                    </a:tc>
+                    <a:tc>
+                      <a:txBody>
+                        <a:bodyPr/>
+                        <a:lstStyle/>
+                        <a:p>
+                          <a:pPr algn="ctr"/>
+                          <a:r>
+                            <a:rPr lang="en-US" sz="1400" dirty="0"/>
+                            <a:t>n</a:t>
+                          </a:r>
+                        </a:p>
+                      </a:txBody>
+                      <a:tcPr/>
+                    </a:tc>
+                    <a:extLst>
+                      <a:ext uri="{0D108BD9-81ED-4DB2-BD59-A6C34878D82A}">
+                        <a16:rowId xmlns:a16="http://schemas.microsoft.com/office/drawing/2014/main" val="846408069"/>
+                      </a:ext>
+                    </a:extLst>
+                  </a:tr>
+                  <a:tr h="340537">
+                    <a:tc>
+                      <a:txBody>
+                        <a:bodyPr/>
+                        <a:lstStyle/>
+                        <a:p>
+                          <a:pPr algn="ctr"/>
+                          <a:r>
+                            <a:rPr lang="en-US" sz="1400" dirty="0">
+                              <a:solidFill>
+                                <a:srgbClr val="FF0000"/>
+                              </a:solidFill>
+                            </a:rPr>
+                            <a:t>subtract</a:t>
+                          </a:r>
+                        </a:p>
+                      </a:txBody>
+                      <a:tcPr/>
+                    </a:tc>
+                    <a:tc>
+                      <a:txBody>
+                        <a:bodyPr/>
+                        <a:lstStyle/>
+                        <a:p>
+                          <a:pPr algn="ctr"/>
+                          <a:r>
+                            <a:rPr lang="en-US" sz="1400" dirty="0"/>
+                            <a:t>2</a:t>
+                          </a:r>
+                        </a:p>
+                      </a:txBody>
+                      <a:tcPr/>
+                    </a:tc>
+                    <a:tc>
+                      <a:txBody>
+                        <a:bodyPr/>
+                        <a:lstStyle/>
+                        <a:p>
+                          <a:pPr algn="ctr"/>
+                          <a14:m>
+                            <m:oMathPara xmlns:m="http://schemas.openxmlformats.org/officeDocument/2006/math">
+                              <m:oMathParaPr>
+                                <m:jc m:val="centerGroup"/>
+                              </m:oMathParaPr>
+                              <m:oMath xmlns:m="http://schemas.openxmlformats.org/officeDocument/2006/math">
+                                <m:r>
+                                  <a:rPr lang="en-US" sz="1400" b="0" i="1" smtClean="0">
+                                    <a:latin typeface="Cambria Math" panose="02040503050406030204" pitchFamily="18" charset="0"/>
+                                  </a:rPr>
+                                  <m:t>~</m:t>
+                                </m:r>
+                                <m:f>
+                                  <m:fPr>
+                                    <m:type m:val="skw"/>
+                                    <m:ctrlPr>
+                                      <a:rPr lang="en-US" sz="1400" i="1" smtClean="0">
+                                        <a:latin typeface="Cambria Math" panose="02040503050406030204" pitchFamily="18" charset="0"/>
+                                      </a:rPr>
+                                    </m:ctrlPr>
+                                  </m:fPr>
+                                  <m:num>
+                                    <m:r>
+                                      <a:rPr lang="en-US" sz="1400" b="0" i="1" smtClean="0">
+                                        <a:latin typeface="Cambria Math" panose="02040503050406030204" pitchFamily="18" charset="0"/>
+                                      </a:rPr>
+                                      <m:t>𝑛</m:t>
+                                    </m:r>
+                                  </m:num>
+                                  <m:den>
+                                    <m:r>
+                                      <a:rPr lang="en-US" sz="1400" b="0" i="1" smtClean="0">
+                                        <a:latin typeface="Cambria Math" panose="02040503050406030204" pitchFamily="18" charset="0"/>
+                                      </a:rPr>
+                                      <m:t>8</m:t>
+                                    </m:r>
+                                  </m:den>
+                                </m:f>
+                              </m:oMath>
+                            </m:oMathPara>
+                          </a14:m>
+                          <a:endParaRPr lang="en-US" sz="1400" dirty="0"/>
+                        </a:p>
+                      </a:txBody>
+                      <a:tcPr/>
+                    </a:tc>
+                    <a:tc>
+                      <a:txBody>
+                        <a:bodyPr/>
+                        <a:lstStyle/>
+                        <a:p>
+                          <a:pPr algn="ctr"/>
+                          <a14:m>
+                            <m:oMathPara xmlns:m="http://schemas.openxmlformats.org/officeDocument/2006/math">
+                              <m:oMathParaPr>
+                                <m:jc m:val="centerGroup"/>
+                              </m:oMathParaPr>
+                              <m:oMath xmlns:m="http://schemas.openxmlformats.org/officeDocument/2006/math">
+                                <m:f>
+                                  <m:fPr>
+                                    <m:type m:val="skw"/>
+                                    <m:ctrlPr>
+                                      <a:rPr lang="en-US" sz="1400" i="1" dirty="0" smtClean="0">
+                                        <a:latin typeface="Cambria Math" panose="02040503050406030204" pitchFamily="18" charset="0"/>
+                                      </a:rPr>
+                                    </m:ctrlPr>
+                                  </m:fPr>
+                                  <m:num>
+                                    <m:r>
+                                      <a:rPr lang="en-US" sz="1400" b="0" i="1" dirty="0" smtClean="0">
+                                        <a:latin typeface="Cambria Math" panose="02040503050406030204" pitchFamily="18" charset="0"/>
+                                      </a:rPr>
+                                      <m:t>𝑛</m:t>
+                                    </m:r>
+                                  </m:num>
+                                  <m:den>
+                                    <m:r>
+                                      <a:rPr lang="en-US" sz="1400" b="0" i="1" dirty="0" smtClean="0">
+                                        <a:latin typeface="Cambria Math" panose="02040503050406030204" pitchFamily="18" charset="0"/>
+                                      </a:rPr>
+                                      <m:t>4</m:t>
+                                    </m:r>
+                                  </m:den>
+                                </m:f>
+                              </m:oMath>
+                            </m:oMathPara>
+                          </a14:m>
+                          <a:endParaRPr lang="en-US" sz="1400" dirty="0"/>
+                        </a:p>
+                      </a:txBody>
+                      <a:tcPr/>
+                    </a:tc>
+                    <a:extLst>
+                      <a:ext uri="{0D108BD9-81ED-4DB2-BD59-A6C34878D82A}">
+                        <a16:rowId xmlns:a16="http://schemas.microsoft.com/office/drawing/2014/main" val="2799987271"/>
+                      </a:ext>
+                    </a:extLst>
+                  </a:tr>
+                  <a:tr h="309579">
+                    <a:tc>
+                      <a:txBody>
+                        <a:bodyPr/>
+                        <a:lstStyle/>
+                        <a:p>
+                          <a:pPr algn="ctr"/>
+                          <a:r>
+                            <a:rPr lang="en-US" sz="1400" dirty="0"/>
+                            <a:t>Total</a:t>
+                          </a:r>
+                        </a:p>
+                      </a:txBody>
+                      <a:tcPr>
+                        <a:lnB w="12700" cap="flat" cmpd="sng" algn="ctr">
+                          <a:solidFill>
+                            <a:schemeClr val="tx1"/>
+                          </a:solidFill>
+                          <a:prstDash val="solid"/>
+                          <a:round/>
+                          <a:headEnd type="none" w="med" len="med"/>
+                          <a:tailEnd type="none" w="med" len="med"/>
+                        </a:lnB>
+                      </a:tcPr>
+                    </a:tc>
+                    <a:tc>
+                      <a:txBody>
+                        <a:bodyPr/>
+                        <a:lstStyle/>
+                        <a:p>
+                          <a:pPr algn="ctr"/>
+                          <a:endParaRPr lang="en-US" sz="1400" dirty="0"/>
+                        </a:p>
+                      </a:txBody>
+                      <a:tcPr>
+                        <a:lnB w="12700" cap="flat" cmpd="sng" algn="ctr">
+                          <a:solidFill>
+                            <a:schemeClr val="tx1"/>
+                          </a:solidFill>
+                          <a:prstDash val="solid"/>
+                          <a:round/>
+                          <a:headEnd type="none" w="med" len="med"/>
+                          <a:tailEnd type="none" w="med" len="med"/>
+                        </a:lnB>
+                      </a:tcPr>
+                    </a:tc>
+                    <a:tc>
+                      <a:txBody>
+                        <a:bodyPr/>
+                        <a:lstStyle/>
+                        <a:p>
+                          <a:pPr algn="ctr"/>
+                          <a:endParaRPr lang="en-US" sz="1400" dirty="0"/>
+                        </a:p>
+                      </a:txBody>
+                      <a:tcPr/>
+                    </a:tc>
+                    <a:tc>
+                      <a:txBody>
+                        <a:bodyPr/>
+                        <a:lstStyle/>
+                        <a:p>
+                          <a:pPr algn="ctr"/>
+                          <a14:m>
+                            <m:oMathPara xmlns:m="http://schemas.openxmlformats.org/officeDocument/2006/math">
+                              <m:oMathParaPr>
+                                <m:jc m:val="centerGroup"/>
+                              </m:oMathParaPr>
+                              <m:oMath xmlns:m="http://schemas.openxmlformats.org/officeDocument/2006/math">
+                                <m:r>
+                                  <a:rPr lang="en-US" sz="1400" b="1" i="1" smtClean="0">
+                                    <a:latin typeface="Cambria Math" panose="02040503050406030204" pitchFamily="18" charset="0"/>
+                                  </a:rPr>
+                                  <m:t>~</m:t>
+                                </m:r>
+                                <m:r>
+                                  <a:rPr lang="en-US" sz="1400" b="1" i="1" smtClean="0">
+                                    <a:latin typeface="Cambria Math" panose="02040503050406030204" pitchFamily="18" charset="0"/>
+                                  </a:rPr>
+                                  <m:t>𝟓𝟏</m:t>
+                                </m:r>
+                                <m:r>
+                                  <a:rPr lang="en-US" sz="1400" b="1" i="1" smtClean="0">
+                                    <a:latin typeface="Cambria Math" panose="02040503050406030204" pitchFamily="18" charset="0"/>
+                                  </a:rPr>
+                                  <m:t>.</m:t>
+                                </m:r>
+                                <m:r>
+                                  <a:rPr lang="en-US" sz="1400" b="1" i="1" smtClean="0">
+                                    <a:latin typeface="Cambria Math" panose="02040503050406030204" pitchFamily="18" charset="0"/>
+                                  </a:rPr>
+                                  <m:t>𝟓</m:t>
+                                </m:r>
+                                <m:r>
+                                  <a:rPr lang="en-US" sz="1400" b="1" i="1" smtClean="0">
+                                    <a:latin typeface="Cambria Math" panose="02040503050406030204" pitchFamily="18" charset="0"/>
+                                  </a:rPr>
+                                  <m:t>𝒏</m:t>
+                                </m:r>
+                                <m:r>
+                                  <a:rPr lang="en-US" sz="1400" b="1" i="1" smtClean="0">
+                                    <a:latin typeface="Cambria Math" panose="02040503050406030204" pitchFamily="18" charset="0"/>
+                                  </a:rPr>
+                                  <m:t>=</m:t>
+                                </m:r>
+                                <m:r>
+                                  <a:rPr lang="en-US" sz="1400" b="1" i="1" smtClean="0">
+                                    <a:latin typeface="Cambria Math" panose="02040503050406030204" pitchFamily="18" charset="0"/>
+                                  </a:rPr>
+                                  <m:t>𝟏𝟑</m:t>
+                                </m:r>
+                                <m:r>
+                                  <a:rPr lang="en-US" sz="1400" b="1" i="1" smtClean="0">
+                                    <a:latin typeface="Cambria Math" panose="02040503050406030204" pitchFamily="18" charset="0"/>
+                                  </a:rPr>
+                                  <m:t>,</m:t>
+                                </m:r>
+                                <m:r>
+                                  <a:rPr lang="en-US" sz="1400" b="1" i="1" smtClean="0">
+                                    <a:latin typeface="Cambria Math" panose="02040503050406030204" pitchFamily="18" charset="0"/>
+                                  </a:rPr>
+                                  <m:t>𝟏𝟖𝟒</m:t>
+                                </m:r>
+                              </m:oMath>
+                            </m:oMathPara>
+                          </a14:m>
+                          <a:endParaRPr lang="en-US" sz="1400" b="1" dirty="0"/>
+                        </a:p>
+                      </a:txBody>
+                      <a:tcPr/>
+                    </a:tc>
+                    <a:extLst>
+                      <a:ext uri="{0D108BD9-81ED-4DB2-BD59-A6C34878D82A}">
+                        <a16:rowId xmlns:a16="http://schemas.microsoft.com/office/drawing/2014/main" val="915950187"/>
+                      </a:ext>
+                    </a:extLst>
+                  </a:tr>
+                </a:tbl>
+              </a:graphicData>
+            </a:graphic>
+          </p:graphicFrame>
+        </mc:Choice>
+        <mc:Fallback>
+          <p:graphicFrame>
+            <p:nvGraphicFramePr>
+              <p:cNvPr id="4" name="Table 3">
+                <a:extLst>
+                  <a:ext uri="{FF2B5EF4-FFF2-40B4-BE49-F238E27FC236}">
+                    <a16:creationId xmlns:a16="http://schemas.microsoft.com/office/drawing/2014/main" id="{BE6252AE-2768-D543-985D-B39C0583CC8B}"/>
+                  </a:ext>
+                </a:extLst>
+              </p:cNvPr>
+              <p:cNvGraphicFramePr>
+                <a:graphicFrameLocks noGrp="1"/>
+              </p:cNvGraphicFramePr>
+              <p:nvPr>
+                <p:extLst>
+                  <p:ext uri="{D42A27DB-BD31-4B8C-83A1-F6EECF244321}">
+                    <p14:modId xmlns:p14="http://schemas.microsoft.com/office/powerpoint/2010/main" val="1669899879"/>
+                  </p:ext>
+                </p:extLst>
+              </p:nvPr>
+            </p:nvGraphicFramePr>
+            <p:xfrm>
+              <a:off x="1405052" y="2996504"/>
+              <a:ext cx="8441476" cy="2634260"/>
+            </p:xfrm>
+            <a:graphic>
+              <a:graphicData uri="http://schemas.openxmlformats.org/drawingml/2006/table">
+                <a:tbl>
+                  <a:tblPr firstRow="1" bandRow="1">
+                    <a:tableStyleId>{5940675A-B579-460E-94D1-54222C63F5DA}</a:tableStyleId>
+                  </a:tblPr>
+                  <a:tblGrid>
+                    <a:gridCol w="2110369">
+                      <a:extLst>
+                        <a:ext uri="{9D8B030D-6E8A-4147-A177-3AD203B41FA5}">
+                          <a16:colId xmlns:a16="http://schemas.microsoft.com/office/drawing/2014/main" val="3913328905"/>
+                        </a:ext>
+                      </a:extLst>
+                    </a:gridCol>
+                    <a:gridCol w="2110369">
+                      <a:extLst>
+                        <a:ext uri="{9D8B030D-6E8A-4147-A177-3AD203B41FA5}">
+                          <a16:colId xmlns:a16="http://schemas.microsoft.com/office/drawing/2014/main" val="2780235502"/>
+                        </a:ext>
+                      </a:extLst>
+                    </a:gridCol>
+                    <a:gridCol w="2110369">
+                      <a:extLst>
+                        <a:ext uri="{9D8B030D-6E8A-4147-A177-3AD203B41FA5}">
+                          <a16:colId xmlns:a16="http://schemas.microsoft.com/office/drawing/2014/main" val="3033617068"/>
+                        </a:ext>
+                      </a:extLst>
+                    </a:gridCol>
+                    <a:gridCol w="2110369">
+                      <a:extLst>
+                        <a:ext uri="{9D8B030D-6E8A-4147-A177-3AD203B41FA5}">
+                          <a16:colId xmlns:a16="http://schemas.microsoft.com/office/drawing/2014/main" val="2426406902"/>
+                        </a:ext>
+                      </a:extLst>
+                    </a:gridCol>
+                  </a:tblGrid>
+                  <a:tr h="309579">
+                    <a:tc>
+                      <a:txBody>
+                        <a:bodyPr/>
+                        <a:lstStyle/>
+                        <a:p>
+                          <a:pPr algn="ctr"/>
+                          <a:r>
+                            <a:rPr lang="en-US" sz="1400" b="1" dirty="0"/>
+                            <a:t>Methods</a:t>
+                          </a:r>
+                        </a:p>
+                      </a:txBody>
+                      <a:tcPr/>
+                    </a:tc>
+                    <a:tc>
+                      <a:txBody>
+                        <a:bodyPr/>
+                        <a:lstStyle/>
+                        <a:p>
+                          <a:pPr algn="ctr"/>
+                          <a:r>
+                            <a:rPr lang="en-US" sz="1400" b="1" dirty="0" err="1"/>
+                            <a:t>No.of</a:t>
+                          </a:r>
+                          <a:r>
+                            <a:rPr lang="en-US" sz="1400" b="1" dirty="0"/>
+                            <a:t> times</a:t>
+                          </a:r>
+                        </a:p>
+                      </a:txBody>
+                      <a:tcPr/>
+                    </a:tc>
+                    <a:tc>
+                      <a:txBody>
+                        <a:bodyPr/>
+                        <a:lstStyle/>
+                        <a:p>
+                          <a:pPr algn="ctr"/>
+                          <a:r>
+                            <a:rPr lang="en-US" sz="1400" b="1" dirty="0"/>
+                            <a:t>Cost for each call</a:t>
+                          </a:r>
+                        </a:p>
+                      </a:txBody>
+                      <a:tcPr/>
+                    </a:tc>
+                    <a:tc>
+                      <a:txBody>
+                        <a:bodyPr/>
+                        <a:lstStyle/>
+                        <a:p>
+                          <a:pPr algn="ctr"/>
+                          <a:r>
+                            <a:rPr lang="en-US" sz="1400" b="1" dirty="0"/>
+                            <a:t>Total call</a:t>
+                          </a:r>
+                        </a:p>
+                      </a:txBody>
+                      <a:tcPr/>
+                    </a:tc>
+                    <a:extLst>
+                      <a:ext uri="{0D108BD9-81ED-4DB2-BD59-A6C34878D82A}">
+                        <a16:rowId xmlns:a16="http://schemas.microsoft.com/office/drawing/2014/main" val="2412432484"/>
+                      </a:ext>
+                    </a:extLst>
+                  </a:tr>
+                  <a:tr h="341956">
+                    <a:tc>
+                      <a:txBody>
+                        <a:bodyPr/>
+                        <a:lstStyle/>
+                        <a:p>
+                          <a:pPr algn="ctr"/>
+                          <a:r>
+                            <a:rPr lang="en-US" sz="1400" dirty="0"/>
+                            <a:t>add()/^=</a:t>
+                          </a:r>
+                        </a:p>
+                      </a:txBody>
+                      <a:tcPr/>
+                    </a:tc>
+                    <a:tc>
+                      <a:txBody>
+                        <a:bodyPr/>
+                        <a:lstStyle/>
+                        <a:p>
+                          <a:pPr algn="ctr"/>
+                          <a:r>
+                            <a:rPr lang="en-US" sz="1400" dirty="0"/>
+                            <a:t>9</a:t>
+                          </a:r>
+                        </a:p>
+                      </a:txBody>
+                      <a:tcPr/>
+                    </a:tc>
+                    <a:tc>
+                      <a:txBody>
+                        <a:bodyPr/>
+                        <a:lstStyle/>
+                        <a:p>
+                          <a:endParaRPr lang="en-US"/>
+                        </a:p>
+                      </a:txBody>
+                      <a:tcPr>
+                        <a:blipFill>
+                          <a:blip r:embed="rId2"/>
+                          <a:stretch>
+                            <a:fillRect l="-200000" t="-125926" r="-100000" b="-681481"/>
+                          </a:stretch>
+                        </a:blipFill>
+                      </a:tcPr>
+                    </a:tc>
+                    <a:tc>
+                      <a:txBody>
+                        <a:bodyPr/>
+                        <a:lstStyle/>
+                        <a:p>
+                          <a:endParaRPr lang="en-US"/>
+                        </a:p>
+                      </a:txBody>
+                      <a:tcPr>
+                        <a:blipFill>
+                          <a:blip r:embed="rId2"/>
+                          <a:stretch>
+                            <a:fillRect l="-301807" t="-125926" r="-602" b="-681481"/>
+                          </a:stretch>
+                        </a:blipFill>
+                      </a:tcPr>
+                    </a:tc>
+                    <a:extLst>
+                      <a:ext uri="{0D108BD9-81ED-4DB2-BD59-A6C34878D82A}">
+                        <a16:rowId xmlns:a16="http://schemas.microsoft.com/office/drawing/2014/main" val="4238301737"/>
+                      </a:ext>
+                    </a:extLst>
+                  </a:tr>
+                  <a:tr h="341956">
+                    <a:tc>
+                      <a:txBody>
+                        <a:bodyPr/>
+                        <a:lstStyle/>
+                        <a:p>
+                          <a:pPr algn="ctr"/>
+                          <a:r>
+                            <a:rPr lang="en-US" sz="1400" dirty="0"/>
+                            <a:t>^(XOR)</a:t>
+                          </a:r>
+                        </a:p>
+                      </a:txBody>
+                      <a:tcPr/>
+                    </a:tc>
+                    <a:tc>
+                      <a:txBody>
+                        <a:bodyPr/>
+                        <a:lstStyle/>
+                        <a:p>
+                          <a:pPr algn="ctr"/>
+                          <a:r>
+                            <a:rPr lang="en-US" sz="1400" dirty="0"/>
+                            <a:t>1</a:t>
+                          </a:r>
+                        </a:p>
+                      </a:txBody>
+                      <a:tcPr/>
+                    </a:tc>
+                    <a:tc>
+                      <a:txBody>
+                        <a:bodyPr/>
+                        <a:lstStyle/>
+                        <a:p>
+                          <a:endParaRPr lang="en-US"/>
+                        </a:p>
+                      </a:txBody>
+                      <a:tcPr>
+                        <a:blipFill>
+                          <a:blip r:embed="rId2"/>
+                          <a:stretch>
+                            <a:fillRect l="-200000" t="-225926" r="-100000" b="-581481"/>
+                          </a:stretch>
+                        </a:blipFill>
+                      </a:tcPr>
+                    </a:tc>
+                    <a:tc>
+                      <a:txBody>
+                        <a:bodyPr/>
+                        <a:lstStyle/>
+                        <a:p>
+                          <a:endParaRPr lang="en-US"/>
+                        </a:p>
+                      </a:txBody>
+                      <a:tcPr>
+                        <a:blipFill>
+                          <a:blip r:embed="rId2"/>
+                          <a:stretch>
+                            <a:fillRect l="-301807" t="-225926" r="-602" b="-581481"/>
+                          </a:stretch>
+                        </a:blipFill>
+                      </a:tcPr>
+                    </a:tc>
+                    <a:extLst>
+                      <a:ext uri="{0D108BD9-81ED-4DB2-BD59-A6C34878D82A}">
+                        <a16:rowId xmlns:a16="http://schemas.microsoft.com/office/drawing/2014/main" val="266417292"/>
+                      </a:ext>
+                    </a:extLst>
+                  </a:tr>
+                  <a:tr h="309579">
+                    <a:tc>
+                      <a:txBody>
+                        <a:bodyPr/>
+                        <a:lstStyle/>
+                        <a:p>
+                          <a:pPr algn="ctr"/>
+                          <a:r>
+                            <a:rPr lang="en-US" sz="1400" dirty="0" err="1"/>
+                            <a:t>toeplitzByVec</a:t>
+                          </a:r>
+                          <a:r>
+                            <a:rPr lang="en-US" sz="1400" dirty="0"/>
+                            <a:t>()</a:t>
+                          </a:r>
+                        </a:p>
+                      </a:txBody>
+                      <a:tcPr/>
+                    </a:tc>
+                    <a:tc>
+                      <a:txBody>
+                        <a:bodyPr/>
+                        <a:lstStyle/>
+                        <a:p>
+                          <a:pPr algn="ctr"/>
+                          <a:r>
+                            <a:rPr lang="en-US" sz="1400" dirty="0"/>
+                            <a:t>2</a:t>
+                          </a:r>
+                        </a:p>
+                      </a:txBody>
+                      <a:tcPr/>
+                    </a:tc>
+                    <a:tc>
+                      <a:txBody>
+                        <a:bodyPr/>
+                        <a:lstStyle/>
+                        <a:p>
+                          <a:endParaRPr lang="en-US"/>
+                        </a:p>
+                      </a:txBody>
+                      <a:tcPr>
+                        <a:blipFill>
+                          <a:blip r:embed="rId2"/>
+                          <a:stretch>
+                            <a:fillRect l="-200000" t="-366667" r="-100000" b="-554167"/>
+                          </a:stretch>
+                        </a:blipFill>
+                      </a:tcPr>
+                    </a:tc>
+                    <a:tc>
+                      <a:txBody>
+                        <a:bodyPr/>
+                        <a:lstStyle/>
+                        <a:p>
+                          <a:endParaRPr lang="en-US"/>
+                        </a:p>
+                      </a:txBody>
+                      <a:tcPr>
+                        <a:blipFill>
+                          <a:blip r:embed="rId2"/>
+                          <a:stretch>
+                            <a:fillRect l="-301807" t="-366667" r="-602" b="-554167"/>
+                          </a:stretch>
+                        </a:blipFill>
+                      </a:tcPr>
+                    </a:tc>
+                    <a:extLst>
+                      <a:ext uri="{0D108BD9-81ED-4DB2-BD59-A6C34878D82A}">
+                        <a16:rowId xmlns:a16="http://schemas.microsoft.com/office/drawing/2014/main" val="2998986514"/>
+                      </a:ext>
+                    </a:extLst>
+                  </a:tr>
+                  <a:tr h="340537">
+                    <a:tc>
+                      <a:txBody>
+                        <a:bodyPr/>
+                        <a:lstStyle/>
+                        <a:p>
+                          <a:pPr algn="ctr"/>
+                          <a:r>
+                            <a:rPr lang="en-US" sz="1400" dirty="0">
+                              <a:solidFill>
+                                <a:srgbClr val="FF0000"/>
+                              </a:solidFill>
+                            </a:rPr>
+                            <a:t>MUX</a:t>
+                          </a:r>
+                        </a:p>
+                      </a:txBody>
+                      <a:tcPr/>
+                    </a:tc>
+                    <a:tc>
+                      <a:txBody>
+                        <a:bodyPr/>
+                        <a:lstStyle/>
+                        <a:p>
+                          <a:pPr algn="ctr"/>
+                          <a:r>
+                            <a:rPr lang="en-US" sz="1400" dirty="0"/>
+                            <a:t>2</a:t>
+                          </a:r>
+                        </a:p>
+                      </a:txBody>
+                      <a:tcPr/>
+                    </a:tc>
+                    <a:tc>
+                      <a:txBody>
+                        <a:bodyPr/>
+                        <a:lstStyle/>
+                        <a:p>
+                          <a:endParaRPr lang="en-US"/>
+                        </a:p>
+                      </a:txBody>
+                      <a:tcPr>
+                        <a:blipFill>
+                          <a:blip r:embed="rId2"/>
+                          <a:stretch>
+                            <a:fillRect l="-200000" t="-414815" r="-100000" b="-392593"/>
+                          </a:stretch>
+                        </a:blipFill>
+                      </a:tcPr>
+                    </a:tc>
+                    <a:tc>
+                      <a:txBody>
+                        <a:bodyPr/>
+                        <a:lstStyle/>
+                        <a:p>
+                          <a:endParaRPr lang="en-US"/>
+                        </a:p>
+                      </a:txBody>
+                      <a:tcPr>
+                        <a:blipFill>
+                          <a:blip r:embed="rId2"/>
+                          <a:stretch>
+                            <a:fillRect l="-301807" t="-414815" r="-602" b="-392593"/>
+                          </a:stretch>
+                        </a:blipFill>
+                      </a:tcPr>
+                    </a:tc>
+                    <a:extLst>
+                      <a:ext uri="{0D108BD9-81ED-4DB2-BD59-A6C34878D82A}">
+                        <a16:rowId xmlns:a16="http://schemas.microsoft.com/office/drawing/2014/main" val="394972434"/>
+                      </a:ext>
+                    </a:extLst>
+                  </a:tr>
+                  <a:tr h="340537">
+                    <a:tc>
+                      <a:txBody>
+                        <a:bodyPr/>
+                        <a:lstStyle/>
+                        <a:p>
+                          <a:pPr algn="ctr"/>
+                          <a:r>
+                            <a:rPr lang="en-US" sz="1400" dirty="0">
+                              <a:solidFill>
+                                <a:srgbClr val="FF0000"/>
+                              </a:solidFill>
+                            </a:rPr>
+                            <a:t>Set()</a:t>
+                          </a:r>
+                        </a:p>
+                      </a:txBody>
+                      <a:tcPr/>
+                    </a:tc>
+                    <a:tc>
+                      <a:txBody>
+                        <a:bodyPr/>
+                        <a:lstStyle/>
+                        <a:p>
+                          <a:pPr algn="ctr"/>
+                          <a:r>
+                            <a:rPr lang="en-US" sz="1400" dirty="0"/>
+                            <a:t>1</a:t>
+                          </a:r>
+                        </a:p>
+                      </a:txBody>
+                      <a:tcPr/>
+                    </a:tc>
+                    <a:tc>
+                      <a:txBody>
+                        <a:bodyPr/>
+                        <a:lstStyle/>
+                        <a:p>
+                          <a:pPr algn="ctr"/>
+                          <a:r>
+                            <a:rPr lang="en-US" sz="1400" dirty="0"/>
+                            <a:t>n</a:t>
+                          </a:r>
+                        </a:p>
+                      </a:txBody>
+                      <a:tcPr/>
+                    </a:tc>
+                    <a:tc>
+                      <a:txBody>
+                        <a:bodyPr/>
+                        <a:lstStyle/>
+                        <a:p>
+                          <a:pPr algn="ctr"/>
+                          <a:r>
+                            <a:rPr lang="en-US" sz="1400" dirty="0"/>
+                            <a:t>n</a:t>
+                          </a:r>
+                        </a:p>
+                      </a:txBody>
+                      <a:tcPr/>
+                    </a:tc>
+                    <a:extLst>
+                      <a:ext uri="{0D108BD9-81ED-4DB2-BD59-A6C34878D82A}">
+                        <a16:rowId xmlns:a16="http://schemas.microsoft.com/office/drawing/2014/main" val="846408069"/>
+                      </a:ext>
+                    </a:extLst>
+                  </a:tr>
+                  <a:tr h="340537">
+                    <a:tc>
+                      <a:txBody>
+                        <a:bodyPr/>
+                        <a:lstStyle/>
+                        <a:p>
+                          <a:pPr algn="ctr"/>
+                          <a:r>
+                            <a:rPr lang="en-US" sz="1400" dirty="0">
+                              <a:solidFill>
+                                <a:srgbClr val="FF0000"/>
+                              </a:solidFill>
+                            </a:rPr>
+                            <a:t>subtract</a:t>
+                          </a:r>
+                        </a:p>
+                      </a:txBody>
+                      <a:tcPr/>
+                    </a:tc>
+                    <a:tc>
+                      <a:txBody>
+                        <a:bodyPr/>
+                        <a:lstStyle/>
+                        <a:p>
+                          <a:pPr algn="ctr"/>
+                          <a:r>
+                            <a:rPr lang="en-US" sz="1400" dirty="0"/>
+                            <a:t>2</a:t>
+                          </a:r>
+                        </a:p>
+                      </a:txBody>
+                      <a:tcPr/>
+                    </a:tc>
+                    <a:tc>
+                      <a:txBody>
+                        <a:bodyPr/>
+                        <a:lstStyle/>
+                        <a:p>
+                          <a:endParaRPr lang="en-US"/>
+                        </a:p>
+                      </a:txBody>
+                      <a:tcPr>
+                        <a:blipFill>
+                          <a:blip r:embed="rId2"/>
+                          <a:stretch>
+                            <a:fillRect l="-200000" t="-614815" r="-100000" b="-192593"/>
+                          </a:stretch>
+                        </a:blipFill>
+                      </a:tcPr>
+                    </a:tc>
+                    <a:tc>
+                      <a:txBody>
+                        <a:bodyPr/>
+                        <a:lstStyle/>
+                        <a:p>
+                          <a:endParaRPr lang="en-US"/>
+                        </a:p>
+                      </a:txBody>
+                      <a:tcPr>
+                        <a:blipFill>
+                          <a:blip r:embed="rId2"/>
+                          <a:stretch>
+                            <a:fillRect l="-301807" t="-614815" r="-602" b="-192593"/>
+                          </a:stretch>
+                        </a:blipFill>
+                      </a:tcPr>
+                    </a:tc>
+                    <a:extLst>
+                      <a:ext uri="{0D108BD9-81ED-4DB2-BD59-A6C34878D82A}">
+                        <a16:rowId xmlns:a16="http://schemas.microsoft.com/office/drawing/2014/main" val="2799987271"/>
+                      </a:ext>
+                    </a:extLst>
+                  </a:tr>
+                  <a:tr h="309579">
+                    <a:tc>
+                      <a:txBody>
+                        <a:bodyPr/>
+                        <a:lstStyle/>
+                        <a:p>
+                          <a:pPr algn="ctr"/>
+                          <a:r>
+                            <a:rPr lang="en-US" sz="1400" dirty="0"/>
+                            <a:t>Total</a:t>
+                          </a:r>
+                        </a:p>
+                      </a:txBody>
+                      <a:tcPr>
+                        <a:lnB w="12700" cap="flat" cmpd="sng" algn="ctr">
+                          <a:solidFill>
+                            <a:schemeClr val="tx1"/>
+                          </a:solidFill>
+                          <a:prstDash val="solid"/>
+                          <a:round/>
+                          <a:headEnd type="none" w="med" len="med"/>
+                          <a:tailEnd type="none" w="med" len="med"/>
+                        </a:lnB>
+                      </a:tcPr>
+                    </a:tc>
+                    <a:tc>
+                      <a:txBody>
+                        <a:bodyPr/>
+                        <a:lstStyle/>
+                        <a:p>
+                          <a:pPr algn="ctr"/>
+                          <a:endParaRPr lang="en-US" sz="1400" dirty="0"/>
+                        </a:p>
+                      </a:txBody>
+                      <a:tcPr>
+                        <a:lnB w="12700" cap="flat" cmpd="sng" algn="ctr">
+                          <a:solidFill>
+                            <a:schemeClr val="tx1"/>
+                          </a:solidFill>
+                          <a:prstDash val="solid"/>
+                          <a:round/>
+                          <a:headEnd type="none" w="med" len="med"/>
+                          <a:tailEnd type="none" w="med" len="med"/>
+                        </a:lnB>
+                      </a:tcPr>
+                    </a:tc>
+                    <a:tc>
+                      <a:txBody>
+                        <a:bodyPr/>
+                        <a:lstStyle/>
+                        <a:p>
+                          <a:pPr algn="ctr"/>
+                          <a:endParaRPr lang="en-US" sz="1400" dirty="0"/>
+                        </a:p>
+                      </a:txBody>
+                      <a:tcPr/>
+                    </a:tc>
+                    <a:tc>
+                      <a:txBody>
+                        <a:bodyPr/>
+                        <a:lstStyle/>
+                        <a:p>
+                          <a:endParaRPr lang="en-US"/>
+                        </a:p>
+                      </a:txBody>
+                      <a:tcPr>
+                        <a:blipFill>
+                          <a:blip r:embed="rId2"/>
+                          <a:stretch>
+                            <a:fillRect l="-301807" t="-772000" r="-602" b="-108000"/>
+                          </a:stretch>
+                        </a:blipFill>
+                      </a:tcPr>
+                    </a:tc>
+                    <a:extLst>
+                      <a:ext uri="{0D108BD9-81ED-4DB2-BD59-A6C34878D82A}">
+                        <a16:rowId xmlns:a16="http://schemas.microsoft.com/office/drawing/2014/main" val="915950187"/>
+                      </a:ext>
+                    </a:extLst>
+                  </a:tr>
+                </a:tbl>
+              </a:graphicData>
+            </a:graphic>
+          </p:graphicFrame>
+        </mc:Fallback>
+      </mc:AlternateContent>
+    </p:spTree>
+    <p:extLst>
+      <p:ext uri="{BB962C8B-B14F-4D97-AF65-F5344CB8AC3E}">
+        <p14:creationId xmlns:p14="http://schemas.microsoft.com/office/powerpoint/2010/main" val="3308879841"/>
+      </p:ext>
+    </p:extLst>
+  </p:cSld>
+  <p:clrMapOvr>
+    <a:masterClrMapping/>
+  </p:clrMapOvr>
+</p:sld>
+</file>
+
+<file path=ppt/slides/slide8.xml><?xml version="1.0" encoding="utf-8"?>
 <p:sld xmlns:a="http://schemas.openxmlformats.org/drawingml/2006/main" xmlns:r="http://schemas.openxmlformats.org/officeDocument/2006/relationships" xmlns:p="http://schemas.openxmlformats.org/presentationml/2006/main">
   <p:cSld>
     <p:spTree>

--- a/Documents/writeup/paper/images/computation analysis.pptx
+++ b/Documents/writeup/paper/images/computation analysis.pptx
@@ -4398,8 +4398,8 @@
           </a:p>
         </p:txBody>
       </p:sp>
-      <mc:AlternateContent xmlns:mc="http://schemas.openxmlformats.org/markup-compatibility/2006" xmlns:a14="http://schemas.microsoft.com/office/drawing/2010/main">
-        <mc:Choice Requires="a14">
+      <mc:AlternateContent xmlns:mc="http://schemas.openxmlformats.org/markup-compatibility/2006">
+        <mc:Choice xmlns:a14="http://schemas.microsoft.com/office/drawing/2010/main" Requires="a14">
           <p:graphicFrame>
             <p:nvGraphicFramePr>
               <p:cNvPr id="4" name="Table 4">
@@ -4415,7 +4415,7 @@
               <p:nvPr>
                 <p:extLst>
                   <p:ext uri="{D42A27DB-BD31-4B8C-83A1-F6EECF244321}">
-                    <p14:modId xmlns:p14="http://schemas.microsoft.com/office/powerpoint/2010/main" val="4056578441"/>
+                    <p14:modId xmlns:p14="http://schemas.microsoft.com/office/powerpoint/2010/main" val="1817012254"/>
                   </p:ext>
                 </p:extLst>
               </p:nvPr>
@@ -4600,7 +4600,7 @@
                           <a:pPr algn="ctr"/>
                           <a:r>
                             <a:rPr lang="en-US" dirty="0" err="1"/>
-                            <a:t>Reformat_input</a:t>
+                            <a:t>reformat_input</a:t>
                           </a:r>
                           <a:endParaRPr lang="en-US" dirty="0"/>
                         </a:p>
@@ -4868,7 +4868,7 @@
             </a:graphic>
           </p:graphicFrame>
         </mc:Choice>
-        <mc:Fallback xmlns="">
+        <mc:Fallback>
           <p:graphicFrame>
             <p:nvGraphicFramePr>
               <p:cNvPr id="4" name="Table 4">
@@ -4884,7 +4884,7 @@
               <p:nvPr>
                 <p:extLst>
                   <p:ext uri="{D42A27DB-BD31-4B8C-83A1-F6EECF244321}">
-                    <p14:modId xmlns:p14="http://schemas.microsoft.com/office/powerpoint/2010/main" val="4056578441"/>
+                    <p14:modId xmlns:p14="http://schemas.microsoft.com/office/powerpoint/2010/main" val="1817012254"/>
                   </p:ext>
                 </p:extLst>
               </p:nvPr>
@@ -5069,7 +5069,7 @@
                           <a:pPr algn="ctr"/>
                           <a:r>
                             <a:rPr lang="en-US" dirty="0" err="1"/>
-                            <a:t>Reformat_input</a:t>
+                            <a:t>reformat_input</a:t>
                           </a:r>
                           <a:endParaRPr lang="en-US" dirty="0"/>
                         </a:p>
@@ -5340,7 +5340,7 @@
           <a:p>
             <a:r>
               <a:rPr lang="en-US" dirty="0"/>
-              <a:t>TCC’18 with packed-wrong</a:t>
+              <a:t>TCC’18 with packed</a:t>
             </a:r>
           </a:p>
         </p:txBody>
@@ -5432,14 +5432,14 @@
               <p:nvPr>
                 <p:extLst>
                   <p:ext uri="{D42A27DB-BD31-4B8C-83A1-F6EECF244321}">
-                    <p14:modId xmlns:p14="http://schemas.microsoft.com/office/powerpoint/2010/main" val="3406722133"/>
+                    <p14:modId xmlns:p14="http://schemas.microsoft.com/office/powerpoint/2010/main" val="668166373"/>
                   </p:ext>
                 </p:extLst>
               </p:nvPr>
             </p:nvGraphicFramePr>
             <p:xfrm>
               <a:off x="1516564" y="3141469"/>
-              <a:ext cx="8441476" cy="2634260"/>
+              <a:ext cx="8441476" cy="1953186"/>
             </p:xfrm>
             <a:graphic>
               <a:graphicData uri="http://schemas.openxmlformats.org/drawingml/2006/table">
@@ -5553,7 +5553,7 @@
                           <a:pPr algn="ctr"/>
                           <a:r>
                             <a:rPr lang="en-US" sz="1400" dirty="0"/>
-                            <a:t>add()/^=</a:t>
+                            <a:t>add()/^=/</a:t>
                           </a:r>
                         </a:p>
                       </a:txBody>
@@ -5567,7 +5567,7 @@
                           <a:pPr algn="ctr"/>
                           <a:r>
                             <a:rPr lang="en-US" sz="1400" dirty="0"/>
-                            <a:t>9</a:t>
+                            <a:t>24</a:t>
                           </a:r>
                         </a:p>
                       </a:txBody>
@@ -5659,7 +5659,7 @@
                                       <a:rPr lang="en-US" sz="1400" b="0" i="1" smtClean="0">
                                         <a:latin typeface="Cambria Math" panose="02040503050406030204" pitchFamily="18" charset="0"/>
                                       </a:rPr>
-                                      <m:t>8</m:t>
+                                      <m:t>10</m:t>
                                     </m:r>
                                   </m:den>
                                 </m:f>
@@ -5831,7 +5831,7 @@
                           <a:pPr algn="ctr"/>
                           <a:r>
                             <a:rPr lang="en-US" sz="1400" dirty="0"/>
-                            <a:t>2</a:t>
+                            <a:t>4</a:t>
                           </a:r>
                         </a:p>
                       </a:txBody>
@@ -5885,7 +5885,7 @@
                                   <a:rPr lang="en-US" sz="1400" b="0" i="1" smtClean="0">
                                     <a:latin typeface="Cambria Math" panose="02040503050406030204" pitchFamily="18" charset="0"/>
                                   </a:rPr>
-                                  <m:t>5</m:t>
+                                  <m:t>10</m:t>
                                 </m:r>
                                 <m:r>
                                   <a:rPr lang="en-US" sz="1400" b="0" i="1" smtClean="0">
@@ -5921,204 +5921,6 @@
                         <a:p>
                           <a:pPr algn="ctr"/>
                           <a:r>
-                            <a:rPr lang="en-US" sz="1400" dirty="0">
-                              <a:solidFill>
-                                <a:srgbClr val="FF0000"/>
-                              </a:solidFill>
-                            </a:rPr>
-                            <a:t>MUX</a:t>
-                          </a:r>
-                        </a:p>
-                      </a:txBody>
-                      <a:tcPr/>
-                    </a:tc>
-                    <a:tc>
-                      <a:txBody>
-                        <a:bodyPr/>
-                        <a:lstStyle/>
-                        <a:p>
-                          <a:pPr algn="ctr"/>
-                          <a:r>
-                            <a:rPr lang="en-US" sz="1400" dirty="0"/>
-                            <a:t>1</a:t>
-                          </a:r>
-                        </a:p>
-                      </a:txBody>
-                      <a:tcPr/>
-                    </a:tc>
-                    <a:tc>
-                      <a:txBody>
-                        <a:bodyPr/>
-                        <a:lstStyle/>
-                        <a:p>
-                          <a:pPr algn="ctr"/>
-                          <a14:m>
-                            <m:oMathPara xmlns:m="http://schemas.openxmlformats.org/officeDocument/2006/math">
-                              <m:oMathParaPr>
-                                <m:jc m:val="centerGroup"/>
-                              </m:oMathParaPr>
-                              <m:oMath xmlns:m="http://schemas.openxmlformats.org/officeDocument/2006/math">
-                                <m:f>
-                                  <m:fPr>
-                                    <m:type m:val="skw"/>
-                                    <m:ctrlPr>
-                                      <a:rPr lang="en-US" sz="1400" i="1" smtClean="0">
-                                        <a:latin typeface="Cambria Math" panose="02040503050406030204" pitchFamily="18" charset="0"/>
-                                      </a:rPr>
-                                    </m:ctrlPr>
-                                  </m:fPr>
-                                  <m:num>
-                                    <m:r>
-                                      <a:rPr lang="en-US" sz="1400" b="0" i="1" smtClean="0">
-                                        <a:latin typeface="Cambria Math" panose="02040503050406030204" pitchFamily="18" charset="0"/>
-                                      </a:rPr>
-                                      <m:t>𝑛</m:t>
-                                    </m:r>
-                                  </m:num>
-                                  <m:den>
-                                    <m:r>
-                                      <a:rPr lang="en-US" sz="1400" b="0" i="1" smtClean="0">
-                                        <a:latin typeface="Cambria Math" panose="02040503050406030204" pitchFamily="18" charset="0"/>
-                                      </a:rPr>
-                                      <m:t>32</m:t>
-                                    </m:r>
-                                  </m:den>
-                                </m:f>
-                              </m:oMath>
-                            </m:oMathPara>
-                          </a14:m>
-                          <a:endParaRPr lang="en-US" sz="1400" dirty="0"/>
-                        </a:p>
-                      </a:txBody>
-                      <a:tcPr/>
-                    </a:tc>
-                    <a:tc>
-                      <a:txBody>
-                        <a:bodyPr/>
-                        <a:lstStyle/>
-                        <a:p>
-                          <a:pPr algn="ctr"/>
-                          <a14:m>
-                            <m:oMathPara xmlns:m="http://schemas.openxmlformats.org/officeDocument/2006/math">
-                              <m:oMathParaPr>
-                                <m:jc m:val="centerGroup"/>
-                              </m:oMathParaPr>
-                              <m:oMath xmlns:m="http://schemas.openxmlformats.org/officeDocument/2006/math">
-                                <m:f>
-                                  <m:fPr>
-                                    <m:type m:val="skw"/>
-                                    <m:ctrlPr>
-                                      <a:rPr lang="en-US" sz="1400" i="1" smtClean="0">
-                                        <a:latin typeface="Cambria Math" panose="02040503050406030204" pitchFamily="18" charset="0"/>
-                                      </a:rPr>
-                                    </m:ctrlPr>
-                                  </m:fPr>
-                                  <m:num>
-                                    <m:r>
-                                      <a:rPr lang="en-US" sz="1400" b="0" i="1" smtClean="0">
-                                        <a:latin typeface="Cambria Math" panose="02040503050406030204" pitchFamily="18" charset="0"/>
-                                      </a:rPr>
-                                      <m:t>𝑛</m:t>
-                                    </m:r>
-                                  </m:num>
-                                  <m:den>
-                                    <m:r>
-                                      <a:rPr lang="en-US" sz="1400" b="0" i="1" smtClean="0">
-                                        <a:latin typeface="Cambria Math" panose="02040503050406030204" pitchFamily="18" charset="0"/>
-                                      </a:rPr>
-                                      <m:t>16</m:t>
-                                    </m:r>
-                                  </m:den>
-                                </m:f>
-                              </m:oMath>
-                            </m:oMathPara>
-                          </a14:m>
-                          <a:endParaRPr lang="en-US" sz="1400" dirty="0"/>
-                        </a:p>
-                      </a:txBody>
-                      <a:tcPr/>
-                    </a:tc>
-                    <a:extLst>
-                      <a:ext uri="{0D108BD9-81ED-4DB2-BD59-A6C34878D82A}">
-                        <a16:rowId xmlns:a16="http://schemas.microsoft.com/office/drawing/2014/main" val="394972434"/>
-                      </a:ext>
-                    </a:extLst>
-                  </a:tr>
-                  <a:tr h="340537">
-                    <a:tc>
-                      <a:txBody>
-                        <a:bodyPr/>
-                        <a:lstStyle/>
-                        <a:p>
-                          <a:pPr algn="ctr"/>
-                          <a:r>
-                            <a:rPr lang="en-US" sz="1400" dirty="0">
-                              <a:solidFill>
-                                <a:srgbClr val="FF0000"/>
-                              </a:solidFill>
-                            </a:rPr>
-                            <a:t>Set()</a:t>
-                          </a:r>
-                        </a:p>
-                      </a:txBody>
-                      <a:tcPr/>
-                    </a:tc>
-                    <a:tc>
-                      <a:txBody>
-                        <a:bodyPr/>
-                        <a:lstStyle/>
-                        <a:p>
-                          <a:pPr algn="ctr"/>
-                          <a:r>
-                            <a:rPr lang="en-US" sz="1400" dirty="0"/>
-                            <a:t>1</a:t>
-                          </a:r>
-                        </a:p>
-                      </a:txBody>
-                      <a:tcPr/>
-                    </a:tc>
-                    <a:tc>
-                      <a:txBody>
-                        <a:bodyPr/>
-                        <a:lstStyle/>
-                        <a:p>
-                          <a:pPr algn="ctr"/>
-                          <a:r>
-                            <a:rPr lang="en-US" sz="1400" dirty="0"/>
-                            <a:t>n</a:t>
-                          </a:r>
-                        </a:p>
-                      </a:txBody>
-                      <a:tcPr/>
-                    </a:tc>
-                    <a:tc>
-                      <a:txBody>
-                        <a:bodyPr/>
-                        <a:lstStyle/>
-                        <a:p>
-                          <a:pPr algn="ctr"/>
-                          <a:r>
-                            <a:rPr lang="en-US" sz="1400" dirty="0"/>
-                            <a:t>n</a:t>
-                          </a:r>
-                        </a:p>
-                      </a:txBody>
-                      <a:tcPr/>
-                    </a:tc>
-                    <a:extLst>
-                      <a:ext uri="{0D108BD9-81ED-4DB2-BD59-A6C34878D82A}">
-                        <a16:rowId xmlns:a16="http://schemas.microsoft.com/office/drawing/2014/main" val="846408069"/>
-                      </a:ext>
-                    </a:extLst>
-                  </a:tr>
-                  <a:tr h="340537">
-                    <a:tc>
-                      <a:txBody>
-                        <a:bodyPr/>
-                        <a:lstStyle/>
-                        <a:p>
-                          <a:pPr algn="ctr"/>
-                          <a:r>
                             <a:rPr lang="en-US" sz="1400" dirty="0" err="1">
                               <a:solidFill>
                                 <a:srgbClr val="FF0000"/>
@@ -6235,10 +6037,7 @@
                         <a:lstStyle/>
                         <a:p>
                           <a:pPr algn="ctr"/>
-                          <a:r>
-                            <a:rPr lang="en-US" sz="1400" dirty="0"/>
-                            <a:t>174.5n</a:t>
-                          </a:r>
+                          <a:endParaRPr lang="en-US" sz="1400" dirty="0"/>
                         </a:p>
                       </a:txBody>
                       <a:tcPr/>
@@ -6259,7 +6058,7 @@
                                   <a:rPr lang="en-US" sz="1400" b="1" i="1" smtClean="0">
                                     <a:latin typeface="Cambria Math" panose="02040503050406030204" pitchFamily="18" charset="0"/>
                                   </a:rPr>
-                                  <m:t>𝟐𝟏𝟕</m:t>
+                                  <m:t>𝟏𝟕𝟒</m:t>
                                 </m:r>
                                 <m:r>
                                   <a:rPr lang="en-US" sz="1400" b="1" i="1" smtClean="0">
@@ -6271,7 +6070,7 @@
                                   <a:rPr lang="en-US" sz="1400" b="1" i="1" smtClean="0">
                                     <a:latin typeface="Cambria Math" panose="02040503050406030204" pitchFamily="18" charset="0"/>
                                   </a:rPr>
-                                  <m:t>𝟓</m:t>
+                                  <m:t>𝟑𝟖</m:t>
                                 </m:r>
                                 <m:r>
                                   <a:rPr lang="en-US" sz="1400" b="1" i="1" smtClean="0">
@@ -6289,7 +6088,7 @@
                                   <a:rPr lang="en-US" sz="1400" b="1" i="1" smtClean="0">
                                     <a:latin typeface="Cambria Math" panose="02040503050406030204" pitchFamily="18" charset="0"/>
                                   </a:rPr>
-                                  <m:t>𝟑𝟐</m:t>
+                                  <m:t>𝟒𝟒</m:t>
                                 </m:r>
                                 <m:r>
                                   <a:rPr lang="en-US" sz="1400" b="1" i="1" smtClean="0">
@@ -6301,7 +6100,13 @@
                                   <a:rPr lang="en-US" sz="1400" b="1" i="1" smtClean="0">
                                     <a:latin typeface="Cambria Math" panose="02040503050406030204" pitchFamily="18" charset="0"/>
                                   </a:rPr>
-                                  <m:t>𝟔𝟖𝟎</m:t>
+                                  <m:t>𝟔𝟒</m:t>
+                                </m:r>
+                                <m:r>
+                                  <a:rPr lang="en-US" sz="1400" b="1" i="1" smtClean="0">
+                                    <a:latin typeface="Cambria Math" panose="02040503050406030204" pitchFamily="18" charset="0"/>
+                                  </a:rPr>
+                                  <m:t>𝟏</m:t>
                                 </m:r>
                               </m:oMath>
                             </m:oMathPara>
@@ -6338,14 +6143,14 @@
               <p:nvPr>
                 <p:extLst>
                   <p:ext uri="{D42A27DB-BD31-4B8C-83A1-F6EECF244321}">
-                    <p14:modId xmlns:p14="http://schemas.microsoft.com/office/powerpoint/2010/main" val="3406722133"/>
+                    <p14:modId xmlns:p14="http://schemas.microsoft.com/office/powerpoint/2010/main" val="668166373"/>
                   </p:ext>
                 </p:extLst>
               </p:nvPr>
             </p:nvGraphicFramePr>
             <p:xfrm>
               <a:off x="1516564" y="3141469"/>
-              <a:ext cx="8441476" cy="2634260"/>
+              <a:ext cx="8441476" cy="1953186"/>
             </p:xfrm>
             <a:graphic>
               <a:graphicData uri="http://schemas.openxmlformats.org/drawingml/2006/table">
@@ -6459,7 +6264,7 @@
                           <a:pPr algn="ctr"/>
                           <a:r>
                             <a:rPr lang="en-US" sz="1400" dirty="0"/>
-                            <a:t>add()/^=</a:t>
+                            <a:t>add()/^=/</a:t>
                           </a:r>
                         </a:p>
                       </a:txBody>
@@ -6473,7 +6278,7 @@
                           <a:pPr algn="ctr"/>
                           <a:r>
                             <a:rPr lang="en-US" sz="1400" dirty="0"/>
-                            <a:t>9</a:t>
+                            <a:t>24</a:t>
                           </a:r>
                         </a:p>
                       </a:txBody>
@@ -6491,7 +6296,7 @@
                         <a:blipFill>
                           <a:blip r:embed="rId2"/>
                           <a:stretch>
-                            <a:fillRect l="-200000" t="-125926" r="-100000" b="-600000"/>
+                            <a:fillRect l="-200000" t="-129630" r="-100000" b="-400000"/>
                           </a:stretch>
                         </a:blipFill>
                       </a:tcPr>
@@ -6508,7 +6313,7 @@
                         <a:blipFill>
                           <a:blip r:embed="rId2"/>
                           <a:stretch>
-                            <a:fillRect l="-301807" t="-125926" r="-602" b="-600000"/>
+                            <a:fillRect l="-301807" t="-129630" r="-602" b="-400000"/>
                           </a:stretch>
                         </a:blipFill>
                       </a:tcPr>
@@ -6560,7 +6365,7 @@
                         <a:blipFill>
                           <a:blip r:embed="rId2"/>
                           <a:stretch>
-                            <a:fillRect l="-200000" t="-225926" r="-100000" b="-500000"/>
+                            <a:fillRect l="-200000" t="-229630" r="-100000" b="-300000"/>
                           </a:stretch>
                         </a:blipFill>
                       </a:tcPr>
@@ -6577,7 +6382,7 @@
                         <a:blipFill>
                           <a:blip r:embed="rId2"/>
                           <a:stretch>
-                            <a:fillRect l="-301807" t="-225926" r="-602" b="-500000"/>
+                            <a:fillRect l="-301807" t="-229630" r="-602" b="-300000"/>
                           </a:stretch>
                         </a:blipFill>
                       </a:tcPr>
@@ -6615,7 +6420,7 @@
                           <a:pPr algn="ctr"/>
                           <a:r>
                             <a:rPr lang="en-US" sz="1400" dirty="0"/>
-                            <a:t>2</a:t>
+                            <a:t>4</a:t>
                           </a:r>
                         </a:p>
                       </a:txBody>
@@ -6633,7 +6438,7 @@
                         <a:blipFill>
                           <a:blip r:embed="rId2"/>
                           <a:stretch>
-                            <a:fillRect l="-200000" t="-352000" r="-100000" b="-440000"/>
+                            <a:fillRect l="-200000" t="-370833" r="-100000" b="-237500"/>
                           </a:stretch>
                         </a:blipFill>
                       </a:tcPr>
@@ -6650,7 +6455,7 @@
                         <a:blipFill>
                           <a:blip r:embed="rId2"/>
                           <a:stretch>
-                            <a:fillRect l="-301807" t="-352000" r="-602" b="-440000"/>
+                            <a:fillRect l="-301807" t="-370833" r="-602" b="-237500"/>
                           </a:stretch>
                         </a:blipFill>
                       </a:tcPr>
@@ -6658,146 +6463,6 @@
                     <a:extLst>
                       <a:ext uri="{0D108BD9-81ED-4DB2-BD59-A6C34878D82A}">
                         <a16:rowId xmlns:a16="http://schemas.microsoft.com/office/drawing/2014/main" val="2998986514"/>
-                      </a:ext>
-                    </a:extLst>
-                  </a:tr>
-                  <a:tr h="340537">
-                    <a:tc>
-                      <a:txBody>
-                        <a:bodyPr/>
-                        <a:lstStyle/>
-                        <a:p>
-                          <a:pPr algn="ctr"/>
-                          <a:r>
-                            <a:rPr lang="en-US" sz="1400" dirty="0">
-                              <a:solidFill>
-                                <a:srgbClr val="FF0000"/>
-                              </a:solidFill>
-                            </a:rPr>
-                            <a:t>MUX</a:t>
-                          </a:r>
-                        </a:p>
-                      </a:txBody>
-                      <a:tcPr/>
-                    </a:tc>
-                    <a:tc>
-                      <a:txBody>
-                        <a:bodyPr/>
-                        <a:lstStyle/>
-                        <a:p>
-                          <a:pPr algn="ctr"/>
-                          <a:r>
-                            <a:rPr lang="en-US" sz="1400" dirty="0"/>
-                            <a:t>1</a:t>
-                          </a:r>
-                        </a:p>
-                      </a:txBody>
-                      <a:tcPr/>
-                    </a:tc>
-                    <a:tc>
-                      <a:txBody>
-                        <a:bodyPr/>
-                        <a:lstStyle/>
-                        <a:p>
-                          <a:endParaRPr lang="en-US"/>
-                        </a:p>
-                      </a:txBody>
-                      <a:tcPr>
-                        <a:blipFill>
-                          <a:blip r:embed="rId2"/>
-                          <a:stretch>
-                            <a:fillRect l="-200000" t="-418519" r="-100000" b="-307407"/>
-                          </a:stretch>
-                        </a:blipFill>
-                      </a:tcPr>
-                    </a:tc>
-                    <a:tc>
-                      <a:txBody>
-                        <a:bodyPr/>
-                        <a:lstStyle/>
-                        <a:p>
-                          <a:endParaRPr lang="en-US"/>
-                        </a:p>
-                      </a:txBody>
-                      <a:tcPr>
-                        <a:blipFill>
-                          <a:blip r:embed="rId2"/>
-                          <a:stretch>
-                            <a:fillRect l="-301807" t="-418519" r="-602" b="-307407"/>
-                          </a:stretch>
-                        </a:blipFill>
-                      </a:tcPr>
-                    </a:tc>
-                    <a:extLst>
-                      <a:ext uri="{0D108BD9-81ED-4DB2-BD59-A6C34878D82A}">
-                        <a16:rowId xmlns:a16="http://schemas.microsoft.com/office/drawing/2014/main" val="394972434"/>
-                      </a:ext>
-                    </a:extLst>
-                  </a:tr>
-                  <a:tr h="340537">
-                    <a:tc>
-                      <a:txBody>
-                        <a:bodyPr/>
-                        <a:lstStyle/>
-                        <a:p>
-                          <a:pPr algn="ctr"/>
-                          <a:r>
-                            <a:rPr lang="en-US" sz="1400" dirty="0">
-                              <a:solidFill>
-                                <a:srgbClr val="FF0000"/>
-                              </a:solidFill>
-                            </a:rPr>
-                            <a:t>Set()</a:t>
-                          </a:r>
-                        </a:p>
-                      </a:txBody>
-                      <a:tcPr/>
-                    </a:tc>
-                    <a:tc>
-                      <a:txBody>
-                        <a:bodyPr/>
-                        <a:lstStyle/>
-                        <a:p>
-                          <a:pPr algn="ctr"/>
-                          <a:r>
-                            <a:rPr lang="en-US" sz="1400" dirty="0"/>
-                            <a:t>1</a:t>
-                          </a:r>
-                        </a:p>
-                      </a:txBody>
-                      <a:tcPr/>
-                    </a:tc>
-                    <a:tc>
-                      <a:txBody>
-                        <a:bodyPr/>
-                        <a:lstStyle/>
-                        <a:p>
-                          <a:pPr algn="ctr"/>
-                          <a:r>
-                            <a:rPr lang="en-US" sz="1400" dirty="0"/>
-                            <a:t>n</a:t>
-                          </a:r>
-                        </a:p>
-                      </a:txBody>
-                      <a:tcPr/>
-                    </a:tc>
-                    <a:tc>
-                      <a:txBody>
-                        <a:bodyPr/>
-                        <a:lstStyle/>
-                        <a:p>
-                          <a:pPr algn="ctr"/>
-                          <a:r>
-                            <a:rPr lang="en-US" sz="1400" dirty="0"/>
-                            <a:t>n</a:t>
-                          </a:r>
-                        </a:p>
-                      </a:txBody>
-                      <a:tcPr/>
-                    </a:tc>
-                    <a:extLst>
-                      <a:ext uri="{0D108BD9-81ED-4DB2-BD59-A6C34878D82A}">
-                        <a16:rowId xmlns:a16="http://schemas.microsoft.com/office/drawing/2014/main" val="846408069"/>
                       </a:ext>
                     </a:extLst>
                   </a:tr>
@@ -6925,10 +6590,7 @@
                         <a:lstStyle/>
                         <a:p>
                           <a:pPr algn="ctr"/>
-                          <a:r>
-                            <a:rPr lang="en-US" sz="1400" dirty="0"/>
-                            <a:t>174.5n</a:t>
-                          </a:r>
+                          <a:endParaRPr lang="en-US" sz="1400" dirty="0"/>
                         </a:p>
                       </a:txBody>
                       <a:tcPr/>
@@ -6945,7 +6607,7 @@
                         <a:blipFill>
                           <a:blip r:embed="rId2"/>
                           <a:stretch>
-                            <a:fillRect l="-301807" t="-808333" r="-602" b="-20833"/>
+                            <a:fillRect l="-301807" t="-560000" r="-602" b="-20000"/>
                           </a:stretch>
                         </a:blipFill>
                       </a:tcPr>
@@ -7022,7 +6684,7 @@
           <a:p>
             <a:r>
               <a:rPr lang="en-US" dirty="0"/>
-              <a:t>Fully Distributed with packed</a:t>
+              <a:t>Fully Distributed (packed)</a:t>
             </a:r>
           </a:p>
         </p:txBody>
@@ -7099,7 +6761,7 @@
               <p:nvPr>
                 <p:extLst>
                   <p:ext uri="{D42A27DB-BD31-4B8C-83A1-F6EECF244321}">
-                    <p14:modId xmlns:p14="http://schemas.microsoft.com/office/powerpoint/2010/main" val="3339469257"/>
+                    <p14:modId xmlns:p14="http://schemas.microsoft.com/office/powerpoint/2010/main" val="3871682755"/>
                   </p:ext>
                 </p:extLst>
               </p:nvPr>
@@ -7552,13 +7214,7 @@
                                   <a:rPr lang="en-US" sz="1400" b="0" i="1" smtClean="0">
                                     <a:latin typeface="Cambria Math" panose="02040503050406030204" pitchFamily="18" charset="0"/>
                                   </a:rPr>
-                                  <m:t>5</m:t>
-                                </m:r>
-                                <m:r>
-                                  <a:rPr lang="en-US" sz="1400" b="0" i="1" smtClean="0">
-                                    <a:latin typeface="Cambria Math" panose="02040503050406030204" pitchFamily="18" charset="0"/>
-                                  </a:rPr>
-                                  <m:t>0</m:t>
+                                  <m:t>50</m:t>
                                 </m:r>
                                 <m:r>
                                   <a:rPr lang="en-US" sz="1400" b="0" i="1" smtClean="0">
@@ -7593,7 +7249,7 @@
                                 <a:srgbClr val="FF0000"/>
                               </a:solidFill>
                             </a:rPr>
-                            <a:t>MUX</a:t>
+                            <a:t>mux</a:t>
                           </a:r>
                         </a:p>
                       </a:txBody>
@@ -7868,13 +7524,7 @@
                                 <a:rPr lang="en-US" sz="1400" b="1" i="1" smtClean="0">
                                   <a:latin typeface="Cambria Math" panose="02040503050406030204" pitchFamily="18" charset="0"/>
                                 </a:rPr>
-                                <m:t>𝟏</m:t>
-                              </m:r>
-                              <m:r>
-                                <a:rPr lang="en-US" sz="1400" b="1" i="1" smtClean="0">
-                                  <a:latin typeface="Cambria Math" panose="02040503050406030204" pitchFamily="18" charset="0"/>
-                                </a:rPr>
-                                <m:t>𝟓</m:t>
+                                <m:t>𝟏𝟓</m:t>
                               </m:r>
                               <m:r>
                                 <a:rPr lang="en-US" sz="1400" b="1" i="1" smtClean="0">
@@ -7952,7 +7602,7 @@
               <p:nvPr>
                 <p:extLst>
                   <p:ext uri="{D42A27DB-BD31-4B8C-83A1-F6EECF244321}">
-                    <p14:modId xmlns:p14="http://schemas.microsoft.com/office/powerpoint/2010/main" val="3339469257"/>
+                    <p14:modId xmlns:p14="http://schemas.microsoft.com/office/powerpoint/2010/main" val="3871682755"/>
                   </p:ext>
                 </p:extLst>
               </p:nvPr>
@@ -8288,7 +7938,7 @@
                                 <a:srgbClr val="FF0000"/>
                               </a:solidFill>
                             </a:rPr>
-                            <a:t>MUX</a:t>
+                            <a:t>mux</a:t>
                           </a:r>
                         </a:p>
                       </a:txBody>
@@ -8566,7 +8216,7 @@
           <a:p>
             <a:r>
               <a:rPr lang="en-US" dirty="0"/>
-              <a:t>Fully Distributed with packed and lookup</a:t>
+              <a:t>Fully Distributed with (packed + lookup)</a:t>
             </a:r>
           </a:p>
         </p:txBody>
@@ -8656,7 +8306,7 @@
               <p:nvPr>
                 <p:extLst>
                   <p:ext uri="{D42A27DB-BD31-4B8C-83A1-F6EECF244321}">
-                    <p14:modId xmlns:p14="http://schemas.microsoft.com/office/powerpoint/2010/main" val="4003579621"/>
+                    <p14:modId xmlns:p14="http://schemas.microsoft.com/office/powerpoint/2010/main" val="3419493314"/>
                   </p:ext>
                 </p:extLst>
               </p:nvPr>
@@ -8883,7 +8533,7 @@
                                       <a:rPr lang="en-US" sz="1400" b="0" i="1" smtClean="0">
                                         <a:latin typeface="Cambria Math" panose="02040503050406030204" pitchFamily="18" charset="0"/>
                                       </a:rPr>
-                                      <m:t>4</m:t>
+                                      <m:t>16</m:t>
                                     </m:r>
                                   </m:den>
                                 </m:f>
@@ -9109,13 +8759,7 @@
                                   <a:rPr lang="en-US" sz="1400" b="0" i="1" smtClean="0">
                                     <a:latin typeface="Cambria Math" panose="02040503050406030204" pitchFamily="18" charset="0"/>
                                   </a:rPr>
-                                  <m:t>5</m:t>
-                                </m:r>
-                                <m:r>
-                                  <a:rPr lang="en-US" sz="1400" b="0" i="1" smtClean="0">
-                                    <a:latin typeface="Cambria Math" panose="02040503050406030204" pitchFamily="18" charset="0"/>
-                                  </a:rPr>
-                                  <m:t>0</m:t>
+                                  <m:t>50</m:t>
                                 </m:r>
                                 <m:r>
                                   <a:rPr lang="en-US" sz="1400" b="0" i="1" smtClean="0">
@@ -9150,7 +8794,7 @@
                                 <a:srgbClr val="FF0000"/>
                               </a:solidFill>
                             </a:rPr>
-                            <a:t>MUX</a:t>
+                            <a:t>mux</a:t>
                           </a:r>
                         </a:p>
                       </a:txBody>
@@ -9447,7 +9091,7 @@
                           <a:pPr algn="ctr"/>
                           <a:r>
                             <a:rPr lang="en-US" sz="1400" dirty="0"/>
-                            <a:t>2</a:t>
+                            <a:t>1</a:t>
                           </a:r>
                         </a:p>
                       </a:txBody>
@@ -9533,7 +9177,7 @@
                                       <a:rPr lang="en-US" sz="1400" b="0" i="1" smtClean="0">
                                         <a:latin typeface="Cambria Math" panose="02040503050406030204" pitchFamily="18" charset="0"/>
                                       </a:rPr>
-                                      <m:t>4</m:t>
+                                      <m:t>8</m:t>
                                     </m:r>
                                   </m:den>
                                 </m:f>
@@ -9575,7 +9219,7 @@
                           <a:pPr algn="ctr"/>
                           <a:r>
                             <a:rPr lang="en-US" sz="1400" dirty="0"/>
-                            <a:t>4</a:t>
+                            <a:t>2</a:t>
                           </a:r>
                         </a:p>
                       </a:txBody>
@@ -9694,7 +9338,7 @@
                                   <a:rPr lang="en-US" sz="1400" b="1" i="1" smtClean="0">
                                     <a:latin typeface="Cambria Math" panose="02040503050406030204" pitchFamily="18" charset="0"/>
                                   </a:rPr>
-                                  <m:t>𝟓𝟏</m:t>
+                                  <m:t>𝟓𝟐</m:t>
                                 </m:r>
                                 <m:r>
                                   <a:rPr lang="en-US" sz="1400" b="1" i="1" smtClean="0">
@@ -9736,7 +9380,7 @@
                                   <a:rPr lang="en-US" sz="1400" b="1" i="1" smtClean="0">
                                     <a:latin typeface="Cambria Math" panose="02040503050406030204" pitchFamily="18" charset="0"/>
                                   </a:rPr>
-                                  <m:t>𝟏𝟐𝟕</m:t>
+                                  <m:t>𝟑𝟖𝟑</m:t>
                                 </m:r>
                                 <m:r>
                                   <a:rPr lang="en-US" sz="1400" b="1" i="1" smtClean="0">
@@ -9785,7 +9429,7 @@
               <p:nvPr>
                 <p:extLst>
                   <p:ext uri="{D42A27DB-BD31-4B8C-83A1-F6EECF244321}">
-                    <p14:modId xmlns:p14="http://schemas.microsoft.com/office/powerpoint/2010/main" val="4003579621"/>
+                    <p14:modId xmlns:p14="http://schemas.microsoft.com/office/powerpoint/2010/main" val="3419493314"/>
                   </p:ext>
                 </p:extLst>
               </p:nvPr>
@@ -10121,7 +9765,7 @@
                                 <a:srgbClr val="FF0000"/>
                               </a:solidFill>
                             </a:rPr>
-                            <a:t>MUX</a:t>
+                            <a:t>mux</a:t>
                           </a:r>
                         </a:p>
                       </a:txBody>
@@ -10360,7 +10004,7 @@
                           <a:pPr algn="ctr"/>
                           <a:r>
                             <a:rPr lang="en-US" sz="1400" dirty="0"/>
-                            <a:t>2</a:t>
+                            <a:t>1</a:t>
                           </a:r>
                         </a:p>
                       </a:txBody>
@@ -10430,7 +10074,7 @@
                           <a:pPr algn="ctr"/>
                           <a:r>
                             <a:rPr lang="en-US" sz="1400" dirty="0"/>
-                            <a:t>4</a:t>
+                            <a:t>2</a:t>
                           </a:r>
                         </a:p>
                       </a:txBody>
@@ -10710,7 +10354,7 @@
               <p:nvPr>
                 <p:extLst>
                   <p:ext uri="{D42A27DB-BD31-4B8C-83A1-F6EECF244321}">
-                    <p14:modId xmlns:p14="http://schemas.microsoft.com/office/powerpoint/2010/main" val="626677217"/>
+                    <p14:modId xmlns:p14="http://schemas.microsoft.com/office/powerpoint/2010/main" val="67064033"/>
                   </p:ext>
                 </p:extLst>
               </p:nvPr>
@@ -10845,7 +10489,7 @@
                           <a:pPr algn="ctr"/>
                           <a:r>
                             <a:rPr lang="en-US" sz="1400" dirty="0"/>
-                            <a:t>9</a:t>
+                            <a:t>5</a:t>
                           </a:r>
                         </a:p>
                       </a:txBody>
@@ -10937,7 +10581,7 @@
                                       <a:rPr lang="en-US" sz="1400" b="0" i="1" smtClean="0">
                                         <a:latin typeface="Cambria Math" panose="02040503050406030204" pitchFamily="18" charset="0"/>
                                       </a:rPr>
-                                      <m:t>8</m:t>
+                                      <m:t>16</m:t>
                                     </m:r>
                                   </m:den>
                                 </m:f>
@@ -11109,7 +10753,7 @@
                           <a:pPr algn="ctr"/>
                           <a:r>
                             <a:rPr lang="en-US" sz="1400" dirty="0"/>
-                            <a:t>2</a:t>
+                            <a:t>1</a:t>
                           </a:r>
                         </a:p>
                       </a:txBody>
@@ -11163,13 +10807,7 @@
                                   <a:rPr lang="en-US" sz="1400" b="0" i="1" smtClean="0">
                                     <a:latin typeface="Cambria Math" panose="02040503050406030204" pitchFamily="18" charset="0"/>
                                   </a:rPr>
-                                  <m:t>5</m:t>
-                                </m:r>
-                                <m:r>
-                                  <a:rPr lang="en-US" sz="1400" b="0" i="1" smtClean="0">
-                                    <a:latin typeface="Cambria Math" panose="02040503050406030204" pitchFamily="18" charset="0"/>
-                                  </a:rPr>
-                                  <m:t>0</m:t>
+                                  <m:t>25</m:t>
                                 </m:r>
                                 <m:r>
                                   <a:rPr lang="en-US" sz="1400" b="0" i="1" smtClean="0">
@@ -11204,7 +10842,7 @@
                                 <a:srgbClr val="FF0000"/>
                               </a:solidFill>
                             </a:rPr>
-                            <a:t>MUX</a:t>
+                            <a:t>mux</a:t>
                           </a:r>
                         </a:p>
                       </a:txBody>
@@ -11218,7 +10856,7 @@
                           <a:pPr algn="ctr"/>
                           <a:r>
                             <a:rPr lang="en-US" sz="1400" dirty="0"/>
-                            <a:t>2</a:t>
+                            <a:t>1</a:t>
                           </a:r>
                         </a:p>
                       </a:txBody>
@@ -11304,7 +10942,7 @@
                                       <a:rPr lang="en-US" sz="1400" b="0" i="1" smtClean="0">
                                         <a:latin typeface="Cambria Math" panose="02040503050406030204" pitchFamily="18" charset="0"/>
                                       </a:rPr>
-                                      <m:t>16</m:t>
+                                      <m:t>32</m:t>
                                     </m:r>
                                   </m:den>
                                 </m:f>
@@ -11335,7 +10973,7 @@
                                 <a:srgbClr val="FF0000"/>
                               </a:solidFill>
                             </a:rPr>
-                            <a:t>Set()</a:t>
+                            <a:t>set()-(256 times)</a:t>
                           </a:r>
                         </a:p>
                       </a:txBody>
@@ -11349,7 +10987,7 @@
                           <a:pPr algn="ctr"/>
                           <a:r>
                             <a:rPr lang="en-US" sz="1400" dirty="0"/>
-                            <a:t>1</a:t>
+                            <a:t>2</a:t>
                           </a:r>
                         </a:p>
                       </a:txBody>
@@ -11363,22 +11001,40 @@
                           <a:pPr algn="ctr"/>
                           <a:r>
                             <a:rPr lang="en-US" sz="1400" dirty="0"/>
-                            <a:t>n</a:t>
-                          </a:r>
-                        </a:p>
-                      </a:txBody>
-                      <a:tcPr/>
-                    </a:tc>
-                    <a:tc>
-                      <a:txBody>
-                        <a:bodyPr/>
-                        <a:lstStyle/>
-                        <a:p>
-                          <a:pPr algn="ctr"/>
-                          <a:r>
-                            <a:rPr lang="en-US" sz="1400" dirty="0"/>
-                            <a:t>n</a:t>
-                          </a:r>
+                            <a:t>8n</a:t>
+                          </a:r>
+                        </a:p>
+                      </a:txBody>
+                      <a:tcPr/>
+                    </a:tc>
+                    <a:tc>
+                      <a:txBody>
+                        <a:bodyPr/>
+                        <a:lstStyle/>
+                        <a:p>
+                          <a:pPr algn="ctr"/>
+                          <a14:m>
+                            <m:oMathPara xmlns:m="http://schemas.openxmlformats.org/officeDocument/2006/math">
+                              <m:oMathParaPr>
+                                <m:jc m:val="centerGroup"/>
+                              </m:oMathParaPr>
+                              <m:oMath xmlns:m="http://schemas.openxmlformats.org/officeDocument/2006/math">
+                                <m:r>
+                                  <a:rPr lang="en-US" sz="1400" b="0" i="1" smtClean="0">
+                                    <a:latin typeface="Cambria Math" panose="02040503050406030204" pitchFamily="18" charset="0"/>
+                                  </a:rPr>
+                                  <m:t>16</m:t>
+                                </m:r>
+                                <m:r>
+                                  <a:rPr lang="en-US" sz="1400" b="0" i="1" smtClean="0">
+                                    <a:latin typeface="Cambria Math" panose="02040503050406030204" pitchFamily="18" charset="0"/>
+                                  </a:rPr>
+                                  <m:t>𝑛</m:t>
+                                </m:r>
+                              </m:oMath>
+                            </m:oMathPara>
+                          </a14:m>
+                          <a:endParaRPr lang="en-US" sz="1400" dirty="0"/>
                         </a:p>
                       </a:txBody>
                       <a:tcPr/>
@@ -11421,7 +11077,7 @@
                           <a:pPr algn="ctr"/>
                           <a:r>
                             <a:rPr lang="en-US" sz="1400" dirty="0"/>
-                            <a:t>2</a:t>
+                            <a:t>1</a:t>
                           </a:r>
                         </a:p>
                       </a:txBody>
@@ -11449,7 +11105,7 @@
                           <a:pPr algn="ctr"/>
                           <a:r>
                             <a:rPr lang="en-US" sz="1400" dirty="0"/>
-                            <a:t>74n</a:t>
+                            <a:t>37n</a:t>
                           </a:r>
                         </a:p>
                       </a:txBody>
@@ -11526,7 +11182,7 @@
                           <a:pPr algn="ctr"/>
                           <a:r>
                             <a:rPr lang="en-US" sz="1400" b="1" dirty="0"/>
-                            <a:t>125.2</a:t>
+                            <a:t>78.12</a:t>
                           </a:r>
                           <a14:m>
                             <m:oMath xmlns:m="http://schemas.openxmlformats.org/officeDocument/2006/math">
@@ -11546,7 +11202,7 @@
                                 <a:rPr lang="en-US" sz="1400" b="1" i="1" smtClean="0">
                                   <a:latin typeface="Cambria Math" panose="02040503050406030204" pitchFamily="18" charset="0"/>
                                 </a:rPr>
-                                <m:t>𝟑𝟐</m:t>
+                                <m:t>𝟏𝟗</m:t>
                               </m:r>
                               <m:r>
                                 <a:rPr lang="en-US" sz="1400" b="1" i="1" smtClean="0">
@@ -11558,7 +11214,7 @@
                                 <a:rPr lang="en-US" sz="1400" b="1" i="1" smtClean="0">
                                   <a:latin typeface="Cambria Math" panose="02040503050406030204" pitchFamily="18" charset="0"/>
                                 </a:rPr>
-                                <m:t>𝟎𝟓𝟏</m:t>
+                                <m:t>𝟗𝟗𝟖</m:t>
                               </m:r>
                             </m:oMath>
                           </a14:m>
@@ -11594,7 +11250,7 @@
               <p:nvPr>
                 <p:extLst>
                   <p:ext uri="{D42A27DB-BD31-4B8C-83A1-F6EECF244321}">
-                    <p14:modId xmlns:p14="http://schemas.microsoft.com/office/powerpoint/2010/main" val="626677217"/>
+                    <p14:modId xmlns:p14="http://schemas.microsoft.com/office/powerpoint/2010/main" val="67064033"/>
                   </p:ext>
                 </p:extLst>
               </p:nvPr>
@@ -11729,7 +11385,7 @@
                           <a:pPr algn="ctr"/>
                           <a:r>
                             <a:rPr lang="en-US" sz="1400" dirty="0"/>
-                            <a:t>9</a:t>
+                            <a:t>5</a:t>
                           </a:r>
                         </a:p>
                       </a:txBody>
@@ -11871,7 +11527,7 @@
                           <a:pPr algn="ctr"/>
                           <a:r>
                             <a:rPr lang="en-US" sz="1400" dirty="0"/>
-                            <a:t>2</a:t>
+                            <a:t>1</a:t>
                           </a:r>
                         </a:p>
                       </a:txBody>
@@ -11930,7 +11586,7 @@
                                 <a:srgbClr val="FF0000"/>
                               </a:solidFill>
                             </a:rPr>
-                            <a:t>MUX</a:t>
+                            <a:t>mux</a:t>
                           </a:r>
                         </a:p>
                       </a:txBody>
@@ -11944,7 +11600,7 @@
                           <a:pPr algn="ctr"/>
                           <a:r>
                             <a:rPr lang="en-US" sz="1400" dirty="0"/>
-                            <a:t>2</a:t>
+                            <a:t>1</a:t>
                           </a:r>
                         </a:p>
                       </a:txBody>
@@ -12003,7 +11659,7 @@
                                 <a:srgbClr val="FF0000"/>
                               </a:solidFill>
                             </a:rPr>
-                            <a:t>Set()</a:t>
+                            <a:t>set()-(256 times)</a:t>
                           </a:r>
                         </a:p>
                       </a:txBody>
@@ -12017,7 +11673,7 @@
                           <a:pPr algn="ctr"/>
                           <a:r>
                             <a:rPr lang="en-US" sz="1400" dirty="0"/>
-                            <a:t>1</a:t>
+                            <a:t>2</a:t>
                           </a:r>
                         </a:p>
                       </a:txBody>
@@ -12031,25 +11687,28 @@
                           <a:pPr algn="ctr"/>
                           <a:r>
                             <a:rPr lang="en-US" sz="1400" dirty="0"/>
-                            <a:t>n</a:t>
-                          </a:r>
-                        </a:p>
-                      </a:txBody>
-                      <a:tcPr/>
-                    </a:tc>
-                    <a:tc>
-                      <a:txBody>
-                        <a:bodyPr/>
-                        <a:lstStyle/>
-                        <a:p>
-                          <a:pPr algn="ctr"/>
-                          <a:r>
-                            <a:rPr lang="en-US" sz="1400" dirty="0"/>
-                            <a:t>n</a:t>
-                          </a:r>
-                        </a:p>
-                      </a:txBody>
-                      <a:tcPr/>
+                            <a:t>8n</a:t>
+                          </a:r>
+                        </a:p>
+                      </a:txBody>
+                      <a:tcPr/>
+                    </a:tc>
+                    <a:tc>
+                      <a:txBody>
+                        <a:bodyPr/>
+                        <a:lstStyle/>
+                        <a:p>
+                          <a:endParaRPr lang="en-US"/>
+                        </a:p>
+                      </a:txBody>
+                      <a:tcPr>
+                        <a:blipFill>
+                          <a:blip r:embed="rId2"/>
+                          <a:stretch>
+                            <a:fillRect l="-301807" t="-514815" r="-602" b="-211111"/>
+                          </a:stretch>
+                        </a:blipFill>
+                      </a:tcPr>
                     </a:tc>
                     <a:extLst>
                       <a:ext uri="{0D108BD9-81ED-4DB2-BD59-A6C34878D82A}">
@@ -12089,7 +11748,7 @@
                           <a:pPr algn="ctr"/>
                           <a:r>
                             <a:rPr lang="en-US" sz="1400" dirty="0"/>
-                            <a:t>2</a:t>
+                            <a:t>1</a:t>
                           </a:r>
                         </a:p>
                       </a:txBody>
@@ -12117,7 +11776,7 @@
                           <a:pPr algn="ctr"/>
                           <a:r>
                             <a:rPr lang="en-US" sz="1400" dirty="0"/>
-                            <a:t>74n</a:t>
+                            <a:t>37n</a:t>
                           </a:r>
                         </a:p>
                       </a:txBody>
@@ -12369,14 +12028,14 @@
               <p:nvPr>
                 <p:extLst>
                   <p:ext uri="{D42A27DB-BD31-4B8C-83A1-F6EECF244321}">
-                    <p14:modId xmlns:p14="http://schemas.microsoft.com/office/powerpoint/2010/main" val="1669899879"/>
+                    <p14:modId xmlns:p14="http://schemas.microsoft.com/office/powerpoint/2010/main" val="1494814224"/>
                   </p:ext>
                 </p:extLst>
               </p:nvPr>
             </p:nvGraphicFramePr>
             <p:xfrm>
               <a:off x="1405052" y="2996504"/>
-              <a:ext cx="8441476" cy="2634260"/>
+              <a:ext cx="8441476" cy="3315334"/>
             </p:xfrm>
             <a:graphic>
               <a:graphicData uri="http://schemas.openxmlformats.org/drawingml/2006/table">
@@ -12504,7 +12163,7 @@
                           <a:pPr algn="ctr"/>
                           <a:r>
                             <a:rPr lang="en-US" sz="1400" dirty="0"/>
-                            <a:t>9</a:t>
+                            <a:t>5</a:t>
                           </a:r>
                         </a:p>
                       </a:txBody>
@@ -12596,7 +12255,7 @@
                                       <a:rPr lang="en-US" sz="1400" b="0" i="1" smtClean="0">
                                         <a:latin typeface="Cambria Math" panose="02040503050406030204" pitchFamily="18" charset="0"/>
                                       </a:rPr>
-                                      <m:t>8</m:t>
+                                      <m:t>16</m:t>
                                     </m:r>
                                   </m:den>
                                 </m:f>
@@ -12768,7 +12427,7 @@
                           <a:pPr algn="ctr"/>
                           <a:r>
                             <a:rPr lang="en-US" sz="1400" dirty="0"/>
-                            <a:t>2</a:t>
+                            <a:t>1</a:t>
                           </a:r>
                         </a:p>
                       </a:txBody>
@@ -12822,13 +12481,7 @@
                                   <a:rPr lang="en-US" sz="1400" b="0" i="1" smtClean="0">
                                     <a:latin typeface="Cambria Math" panose="02040503050406030204" pitchFamily="18" charset="0"/>
                                   </a:rPr>
-                                  <m:t>5</m:t>
-                                </m:r>
-                                <m:r>
-                                  <a:rPr lang="en-US" sz="1400" b="0" i="1" smtClean="0">
-                                    <a:latin typeface="Cambria Math" panose="02040503050406030204" pitchFamily="18" charset="0"/>
-                                  </a:rPr>
-                                  <m:t>0</m:t>
+                                  <m:t>25</m:t>
                                 </m:r>
                                 <m:r>
                                   <a:rPr lang="en-US" sz="1400" b="0" i="1" smtClean="0">
@@ -12863,7 +12516,7 @@
                                 <a:srgbClr val="FF0000"/>
                               </a:solidFill>
                             </a:rPr>
-                            <a:t>MUX</a:t>
+                            <a:t>mux</a:t>
                           </a:r>
                         </a:p>
                       </a:txBody>
@@ -12877,7 +12530,7 @@
                           <a:pPr algn="ctr"/>
                           <a:r>
                             <a:rPr lang="en-US" sz="1400" dirty="0"/>
-                            <a:t>2</a:t>
+                            <a:t>1</a:t>
                           </a:r>
                         </a:p>
                       </a:txBody>
@@ -12963,7 +12616,7 @@
                                       <a:rPr lang="en-US" sz="1400" b="0" i="1" smtClean="0">
                                         <a:latin typeface="Cambria Math" panose="02040503050406030204" pitchFamily="18" charset="0"/>
                                       </a:rPr>
-                                      <m:t>16</m:t>
+                                      <m:t>32</m:t>
                                     </m:r>
                                   </m:den>
                                 </m:f>
@@ -12994,7 +12647,7 @@
                                 <a:srgbClr val="FF0000"/>
                               </a:solidFill>
                             </a:rPr>
-                            <a:t>Set()</a:t>
+                            <a:t>set()-256 times</a:t>
                           </a:r>
                         </a:p>
                       </a:txBody>
@@ -13008,7 +12661,7 @@
                           <a:pPr algn="ctr"/>
                           <a:r>
                             <a:rPr lang="en-US" sz="1400" dirty="0"/>
-                            <a:t>1</a:t>
+                            <a:t>2</a:t>
                           </a:r>
                         </a:p>
                       </a:txBody>
@@ -13022,7 +12675,7 @@
                           <a:pPr algn="ctr"/>
                           <a:r>
                             <a:rPr lang="en-US" sz="1400" dirty="0"/>
-                            <a:t>n</a:t>
+                            <a:t>8n</a:t>
                           </a:r>
                         </a:p>
                       </a:txBody>
@@ -13036,7 +12689,7 @@
                           <a:pPr algn="ctr"/>
                           <a:r>
                             <a:rPr lang="en-US" sz="1400" dirty="0"/>
-                            <a:t>n</a:t>
+                            <a:t>16n</a:t>
                           </a:r>
                         </a:p>
                       </a:txBody>
@@ -13056,6 +12709,150 @@
                         <a:p>
                           <a:pPr algn="ctr"/>
                           <a:r>
+                            <a:rPr lang="en-US" sz="1400" dirty="0" err="1">
+                              <a:solidFill>
+                                <a:srgbClr val="FF0000"/>
+                              </a:solidFill>
+                            </a:rPr>
+                            <a:t>reformat_input</a:t>
+                          </a:r>
+                          <a:endParaRPr lang="en-US" sz="1400" dirty="0">
+                            <a:solidFill>
+                              <a:srgbClr val="FF0000"/>
+                            </a:solidFill>
+                          </a:endParaRPr>
+                        </a:p>
+                      </a:txBody>
+                      <a:tcPr/>
+                    </a:tc>
+                    <a:tc>
+                      <a:txBody>
+                        <a:bodyPr/>
+                        <a:lstStyle/>
+                        <a:p>
+                          <a:pPr algn="ctr"/>
+                          <a:r>
+                            <a:rPr lang="en-US" sz="1400" dirty="0"/>
+                            <a:t>2</a:t>
+                          </a:r>
+                        </a:p>
+                      </a:txBody>
+                      <a:tcPr/>
+                    </a:tc>
+                    <a:tc>
+                      <a:txBody>
+                        <a:bodyPr/>
+                        <a:lstStyle/>
+                        <a:p>
+                          <a:pPr algn="ctr"/>
+                          <a:r>
+                            <a:rPr lang="en-US" sz="1400" dirty="0"/>
+                            <a:t>n</a:t>
+                          </a:r>
+                        </a:p>
+                      </a:txBody>
+                      <a:tcPr/>
+                    </a:tc>
+                    <a:tc>
+                      <a:txBody>
+                        <a:bodyPr/>
+                        <a:lstStyle/>
+                        <a:p>
+                          <a:pPr algn="ctr"/>
+                          <a:r>
+                            <a:rPr lang="en-US" sz="1400" dirty="0"/>
+                            <a:t>2n</a:t>
+                          </a:r>
+                        </a:p>
+                      </a:txBody>
+                      <a:tcPr/>
+                    </a:tc>
+                    <a:extLst>
+                      <a:ext uri="{0D108BD9-81ED-4DB2-BD59-A6C34878D82A}">
+                        <a16:rowId xmlns:a16="http://schemas.microsoft.com/office/drawing/2014/main" val="3752129297"/>
+                      </a:ext>
+                    </a:extLst>
+                  </a:tr>
+                  <a:tr h="340537">
+                    <a:tc>
+                      <a:txBody>
+                        <a:bodyPr/>
+                        <a:lstStyle/>
+                        <a:p>
+                          <a:pPr algn="ctr"/>
+                          <a:r>
+                            <a:rPr lang="en-US" sz="1400" dirty="0" err="1">
+                              <a:solidFill>
+                                <a:srgbClr val="FF0000"/>
+                              </a:solidFill>
+                            </a:rPr>
+                            <a:t>uselookup</a:t>
+                          </a:r>
+                          <a:endParaRPr lang="en-US" sz="1400" dirty="0">
+                            <a:solidFill>
+                              <a:srgbClr val="FF0000"/>
+                            </a:solidFill>
+                          </a:endParaRPr>
+                        </a:p>
+                      </a:txBody>
+                      <a:tcPr/>
+                    </a:tc>
+                    <a:tc>
+                      <a:txBody>
+                        <a:bodyPr/>
+                        <a:lstStyle/>
+                        <a:p>
+                          <a:pPr algn="ctr"/>
+                          <a:r>
+                            <a:rPr lang="en-US" sz="1400" dirty="0"/>
+                            <a:t>2</a:t>
+                          </a:r>
+                        </a:p>
+                      </a:txBody>
+                      <a:tcPr/>
+                    </a:tc>
+                    <a:tc>
+                      <a:txBody>
+                        <a:bodyPr/>
+                        <a:lstStyle/>
+                        <a:p>
+                          <a:pPr algn="ctr"/>
+                          <a:r>
+                            <a:rPr lang="en-US" sz="1400" dirty="0"/>
+                            <a:t>-</a:t>
+                          </a:r>
+                        </a:p>
+                      </a:txBody>
+                      <a:tcPr/>
+                    </a:tc>
+                    <a:tc>
+                      <a:txBody>
+                        <a:bodyPr/>
+                        <a:lstStyle/>
+                        <a:p>
+                          <a:pPr algn="ctr"/>
+                          <a:r>
+                            <a:rPr lang="en-US" sz="1400" dirty="0"/>
+                            <a:t>-</a:t>
+                          </a:r>
+                        </a:p>
+                      </a:txBody>
+                      <a:tcPr/>
+                    </a:tc>
+                    <a:extLst>
+                      <a:ext uri="{0D108BD9-81ED-4DB2-BD59-A6C34878D82A}">
+                        <a16:rowId xmlns:a16="http://schemas.microsoft.com/office/drawing/2014/main" val="954751133"/>
+                      </a:ext>
+                    </a:extLst>
+                  </a:tr>
+                  <a:tr h="340537">
+                    <a:tc>
+                      <a:txBody>
+                        <a:bodyPr/>
+                        <a:lstStyle/>
+                        <a:p>
+                          <a:pPr algn="ctr"/>
+                          <a:r>
                             <a:rPr lang="en-US" sz="1400" dirty="0">
                               <a:solidFill>
                                 <a:srgbClr val="FF0000"/>
@@ -13093,12 +12890,6 @@
                                 <m:jc m:val="centerGroup"/>
                               </m:oMathParaPr>
                               <m:oMath xmlns:m="http://schemas.openxmlformats.org/officeDocument/2006/math">
-                                <m:r>
-                                  <a:rPr lang="en-US" sz="1400" b="0" i="1" smtClean="0">
-                                    <a:latin typeface="Cambria Math" panose="02040503050406030204" pitchFamily="18" charset="0"/>
-                                  </a:rPr>
-                                  <m:t>~</m:t>
-                                </m:r>
                                 <m:f>
                                   <m:fPr>
                                     <m:type m:val="skw"/>
@@ -13264,7 +13055,7 @@
                                   <a:rPr lang="en-US" sz="1400" b="1" i="1" smtClean="0">
                                     <a:latin typeface="Cambria Math" panose="02040503050406030204" pitchFamily="18" charset="0"/>
                                   </a:rPr>
-                                  <m:t>𝟓𝟏</m:t>
+                                  <m:t>𝟒𝟑</m:t>
                                 </m:r>
                                 <m:r>
                                   <a:rPr lang="en-US" sz="1400" b="1" i="1" smtClean="0">
@@ -13276,7 +13067,7 @@
                                   <a:rPr lang="en-US" sz="1400" b="1" i="1" smtClean="0">
                                     <a:latin typeface="Cambria Math" panose="02040503050406030204" pitchFamily="18" charset="0"/>
                                   </a:rPr>
-                                  <m:t>𝟓</m:t>
+                                  <m:t>𝟑𝟏</m:t>
                                 </m:r>
                                 <m:r>
                                   <a:rPr lang="en-US" sz="1400" b="1" i="1" smtClean="0">
@@ -13294,7 +13085,7 @@
                                   <a:rPr lang="en-US" sz="1400" b="1" i="1" smtClean="0">
                                     <a:latin typeface="Cambria Math" panose="02040503050406030204" pitchFamily="18" charset="0"/>
                                   </a:rPr>
-                                  <m:t>𝟏𝟑</m:t>
+                                  <m:t>𝟏𝟏</m:t>
                                 </m:r>
                                 <m:r>
                                   <a:rPr lang="en-US" sz="1400" b="1" i="1" smtClean="0">
@@ -13306,7 +13097,7 @@
                                   <a:rPr lang="en-US" sz="1400" b="1" i="1" smtClean="0">
                                     <a:latin typeface="Cambria Math" panose="02040503050406030204" pitchFamily="18" charset="0"/>
                                   </a:rPr>
-                                  <m:t>𝟏𝟖𝟒</m:t>
+                                  <m:t>𝟎𝟖𝟕</m:t>
                                 </m:r>
                               </m:oMath>
                             </m:oMathPara>
@@ -13343,14 +13134,14 @@
               <p:nvPr>
                 <p:extLst>
                   <p:ext uri="{D42A27DB-BD31-4B8C-83A1-F6EECF244321}">
-                    <p14:modId xmlns:p14="http://schemas.microsoft.com/office/powerpoint/2010/main" val="1669899879"/>
+                    <p14:modId xmlns:p14="http://schemas.microsoft.com/office/powerpoint/2010/main" val="1494814224"/>
                   </p:ext>
                 </p:extLst>
               </p:nvPr>
             </p:nvGraphicFramePr>
             <p:xfrm>
               <a:off x="1405052" y="2996504"/>
-              <a:ext cx="8441476" cy="2634260"/>
+              <a:ext cx="8441476" cy="3315334"/>
             </p:xfrm>
             <a:graphic>
               <a:graphicData uri="http://schemas.openxmlformats.org/drawingml/2006/table">
@@ -13478,7 +13269,7 @@
                           <a:pPr algn="ctr"/>
                           <a:r>
                             <a:rPr lang="en-US" sz="1400" dirty="0"/>
-                            <a:t>9</a:t>
+                            <a:t>5</a:t>
                           </a:r>
                         </a:p>
                       </a:txBody>
@@ -13496,7 +13287,7 @@
                         <a:blipFill>
                           <a:blip r:embed="rId2"/>
                           <a:stretch>
-                            <a:fillRect l="-200000" t="-125926" r="-100000" b="-681481"/>
+                            <a:fillRect l="-200000" t="-122222" r="-100000" b="-885185"/>
                           </a:stretch>
                         </a:blipFill>
                       </a:tcPr>
@@ -13513,7 +13304,7 @@
                         <a:blipFill>
                           <a:blip r:embed="rId2"/>
                           <a:stretch>
-                            <a:fillRect l="-301807" t="-125926" r="-602" b="-681481"/>
+                            <a:fillRect l="-301807" t="-122222" r="-602" b="-885185"/>
                           </a:stretch>
                         </a:blipFill>
                       </a:tcPr>
@@ -13565,7 +13356,7 @@
                         <a:blipFill>
                           <a:blip r:embed="rId2"/>
                           <a:stretch>
-                            <a:fillRect l="-200000" t="-225926" r="-100000" b="-581481"/>
+                            <a:fillRect l="-200000" t="-214286" r="-100000" b="-753571"/>
                           </a:stretch>
                         </a:blipFill>
                       </a:tcPr>
@@ -13582,7 +13373,7 @@
                         <a:blipFill>
                           <a:blip r:embed="rId2"/>
                           <a:stretch>
-                            <a:fillRect l="-301807" t="-225926" r="-602" b="-581481"/>
+                            <a:fillRect l="-301807" t="-214286" r="-602" b="-753571"/>
                           </a:stretch>
                         </a:blipFill>
                       </a:tcPr>
@@ -13620,7 +13411,7 @@
                           <a:pPr algn="ctr"/>
                           <a:r>
                             <a:rPr lang="en-US" sz="1400" dirty="0"/>
-                            <a:t>2</a:t>
+                            <a:t>1</a:t>
                           </a:r>
                         </a:p>
                       </a:txBody>
@@ -13638,7 +13429,7 @@
                         <a:blipFill>
                           <a:blip r:embed="rId2"/>
                           <a:stretch>
-                            <a:fillRect l="-200000" t="-366667" r="-100000" b="-554167"/>
+                            <a:fillRect l="-200000" t="-366667" r="-100000" b="-779167"/>
                           </a:stretch>
                         </a:blipFill>
                       </a:tcPr>
@@ -13655,7 +13446,7 @@
                         <a:blipFill>
                           <a:blip r:embed="rId2"/>
                           <a:stretch>
-                            <a:fillRect l="-301807" t="-366667" r="-602" b="-554167"/>
+                            <a:fillRect l="-301807" t="-366667" r="-602" b="-779167"/>
                           </a:stretch>
                         </a:blipFill>
                       </a:tcPr>
@@ -13679,7 +13470,7 @@
                                 <a:srgbClr val="FF0000"/>
                               </a:solidFill>
                             </a:rPr>
-                            <a:t>MUX</a:t>
+                            <a:t>mux</a:t>
                           </a:r>
                         </a:p>
                       </a:txBody>
@@ -13693,7 +13484,7 @@
                           <a:pPr algn="ctr"/>
                           <a:r>
                             <a:rPr lang="en-US" sz="1400" dirty="0"/>
-                            <a:t>2</a:t>
+                            <a:t>1</a:t>
                           </a:r>
                         </a:p>
                       </a:txBody>
@@ -13711,7 +13502,7 @@
                         <a:blipFill>
                           <a:blip r:embed="rId2"/>
                           <a:stretch>
-                            <a:fillRect l="-200000" t="-414815" r="-100000" b="-392593"/>
+                            <a:fillRect l="-200000" t="-414815" r="-100000" b="-592593"/>
                           </a:stretch>
                         </a:blipFill>
                       </a:tcPr>
@@ -13728,7 +13519,7 @@
                         <a:blipFill>
                           <a:blip r:embed="rId2"/>
                           <a:stretch>
-                            <a:fillRect l="-301807" t="-414815" r="-602" b="-392593"/>
+                            <a:fillRect l="-301807" t="-414815" r="-602" b="-592593"/>
                           </a:stretch>
                         </a:blipFill>
                       </a:tcPr>
@@ -13752,7 +13543,7 @@
                                 <a:srgbClr val="FF0000"/>
                               </a:solidFill>
                             </a:rPr>
-                            <a:t>Set()</a:t>
+                            <a:t>set()-256 times</a:t>
                           </a:r>
                         </a:p>
                       </a:txBody>
@@ -13766,7 +13557,7 @@
                           <a:pPr algn="ctr"/>
                           <a:r>
                             <a:rPr lang="en-US" sz="1400" dirty="0"/>
-                            <a:t>1</a:t>
+                            <a:t>2</a:t>
                           </a:r>
                         </a:p>
                       </a:txBody>
@@ -13780,7 +13571,7 @@
                           <a:pPr algn="ctr"/>
                           <a:r>
                             <a:rPr lang="en-US" sz="1400" dirty="0"/>
-                            <a:t>n</a:t>
+                            <a:t>8n</a:t>
                           </a:r>
                         </a:p>
                       </a:txBody>
@@ -13794,7 +13585,7 @@
                           <a:pPr algn="ctr"/>
                           <a:r>
                             <a:rPr lang="en-US" sz="1400" dirty="0"/>
-                            <a:t>n</a:t>
+                            <a:t>16n</a:t>
                           </a:r>
                         </a:p>
                       </a:txBody>
@@ -13814,6 +13605,150 @@
                         <a:p>
                           <a:pPr algn="ctr"/>
                           <a:r>
+                            <a:rPr lang="en-US" sz="1400" dirty="0" err="1">
+                              <a:solidFill>
+                                <a:srgbClr val="FF0000"/>
+                              </a:solidFill>
+                            </a:rPr>
+                            <a:t>reformat_input</a:t>
+                          </a:r>
+                          <a:endParaRPr lang="en-US" sz="1400" dirty="0">
+                            <a:solidFill>
+                              <a:srgbClr val="FF0000"/>
+                            </a:solidFill>
+                          </a:endParaRPr>
+                        </a:p>
+                      </a:txBody>
+                      <a:tcPr/>
+                    </a:tc>
+                    <a:tc>
+                      <a:txBody>
+                        <a:bodyPr/>
+                        <a:lstStyle/>
+                        <a:p>
+                          <a:pPr algn="ctr"/>
+                          <a:r>
+                            <a:rPr lang="en-US" sz="1400" dirty="0"/>
+                            <a:t>2</a:t>
+                          </a:r>
+                        </a:p>
+                      </a:txBody>
+                      <a:tcPr/>
+                    </a:tc>
+                    <a:tc>
+                      <a:txBody>
+                        <a:bodyPr/>
+                        <a:lstStyle/>
+                        <a:p>
+                          <a:pPr algn="ctr"/>
+                          <a:r>
+                            <a:rPr lang="en-US" sz="1400" dirty="0"/>
+                            <a:t>n</a:t>
+                          </a:r>
+                        </a:p>
+                      </a:txBody>
+                      <a:tcPr/>
+                    </a:tc>
+                    <a:tc>
+                      <a:txBody>
+                        <a:bodyPr/>
+                        <a:lstStyle/>
+                        <a:p>
+                          <a:pPr algn="ctr"/>
+                          <a:r>
+                            <a:rPr lang="en-US" sz="1400" dirty="0"/>
+                            <a:t>2n</a:t>
+                          </a:r>
+                        </a:p>
+                      </a:txBody>
+                      <a:tcPr/>
+                    </a:tc>
+                    <a:extLst>
+                      <a:ext uri="{0D108BD9-81ED-4DB2-BD59-A6C34878D82A}">
+                        <a16:rowId xmlns:a16="http://schemas.microsoft.com/office/drawing/2014/main" val="3752129297"/>
+                      </a:ext>
+                    </a:extLst>
+                  </a:tr>
+                  <a:tr h="340537">
+                    <a:tc>
+                      <a:txBody>
+                        <a:bodyPr/>
+                        <a:lstStyle/>
+                        <a:p>
+                          <a:pPr algn="ctr"/>
+                          <a:r>
+                            <a:rPr lang="en-US" sz="1400" dirty="0" err="1">
+                              <a:solidFill>
+                                <a:srgbClr val="FF0000"/>
+                              </a:solidFill>
+                            </a:rPr>
+                            <a:t>uselookup</a:t>
+                          </a:r>
+                          <a:endParaRPr lang="en-US" sz="1400" dirty="0">
+                            <a:solidFill>
+                              <a:srgbClr val="FF0000"/>
+                            </a:solidFill>
+                          </a:endParaRPr>
+                        </a:p>
+                      </a:txBody>
+                      <a:tcPr/>
+                    </a:tc>
+                    <a:tc>
+                      <a:txBody>
+                        <a:bodyPr/>
+                        <a:lstStyle/>
+                        <a:p>
+                          <a:pPr algn="ctr"/>
+                          <a:r>
+                            <a:rPr lang="en-US" sz="1400" dirty="0"/>
+                            <a:t>2</a:t>
+                          </a:r>
+                        </a:p>
+                      </a:txBody>
+                      <a:tcPr/>
+                    </a:tc>
+                    <a:tc>
+                      <a:txBody>
+                        <a:bodyPr/>
+                        <a:lstStyle/>
+                        <a:p>
+                          <a:pPr algn="ctr"/>
+                          <a:r>
+                            <a:rPr lang="en-US" sz="1400" dirty="0"/>
+                            <a:t>-</a:t>
+                          </a:r>
+                        </a:p>
+                      </a:txBody>
+                      <a:tcPr/>
+                    </a:tc>
+                    <a:tc>
+                      <a:txBody>
+                        <a:bodyPr/>
+                        <a:lstStyle/>
+                        <a:p>
+                          <a:pPr algn="ctr"/>
+                          <a:r>
+                            <a:rPr lang="en-US" sz="1400" dirty="0"/>
+                            <a:t>-</a:t>
+                          </a:r>
+                        </a:p>
+                      </a:txBody>
+                      <a:tcPr/>
+                    </a:tc>
+                    <a:extLst>
+                      <a:ext uri="{0D108BD9-81ED-4DB2-BD59-A6C34878D82A}">
+                        <a16:rowId xmlns:a16="http://schemas.microsoft.com/office/drawing/2014/main" val="954751133"/>
+                      </a:ext>
+                    </a:extLst>
+                  </a:tr>
+                  <a:tr h="340537">
+                    <a:tc>
+                      <a:txBody>
+                        <a:bodyPr/>
+                        <a:lstStyle/>
+                        <a:p>
+                          <a:pPr algn="ctr"/>
+                          <a:r>
                             <a:rPr lang="en-US" sz="1400" dirty="0">
                               <a:solidFill>
                                 <a:srgbClr val="FF0000"/>
@@ -13851,7 +13786,7 @@
                         <a:blipFill>
                           <a:blip r:embed="rId2"/>
                           <a:stretch>
-                            <a:fillRect l="-200000" t="-614815" r="-100000" b="-192593"/>
+                            <a:fillRect l="-200000" t="-814815" r="-100000" b="-192593"/>
                           </a:stretch>
                         </a:blipFill>
                       </a:tcPr>
@@ -13868,7 +13803,7 @@
                         <a:blipFill>
                           <a:blip r:embed="rId2"/>
                           <a:stretch>
-                            <a:fillRect l="-301807" t="-614815" r="-602" b="-192593"/>
+                            <a:fillRect l="-301807" t="-814815" r="-602" b="-192593"/>
                           </a:stretch>
                         </a:blipFill>
                       </a:tcPr>
@@ -13948,7 +13883,7 @@
                         <a:blipFill>
                           <a:blip r:embed="rId2"/>
                           <a:stretch>
-                            <a:fillRect l="-301807" t="-772000" r="-602" b="-108000"/>
+                            <a:fillRect l="-301807" t="-1029167" r="-602" b="-116667"/>
                           </a:stretch>
                         </a:blipFill>
                       </a:tcPr>
